--- a/MONITORAMENTO/Documentação/PPTs/Cold Stock Apresentação - Sprint 2.pptx
+++ b/MONITORAMENTO/Documentação/PPTs/Cold Stock Apresentação - Sprint 2.pptx
@@ -3321,7 +3321,7 @@
                     <a14:useLocalDpi xmlns:a14="http://schemas.microsoft.com/office/drawing/2010/main" val="0"/>
                   </a:ext>
                   <a:ext uri="{96DAC541-7B7A-43D3-8B79-37D633B846F1}">
-                    <asvg:svgBlip xmlns="" xmlns:asvg="http://schemas.microsoft.com/office/drawing/2016/SVG/main" r:embed="rId3"/>
+                    <asvg:svgBlip xmlns:asvg="http://schemas.microsoft.com/office/drawing/2016/SVG/main" xmlns="" r:embed="rId3"/>
                   </a:ext>
                 </a:extLst>
               </a:blip>
@@ -4244,7 +4244,7 @@
                     <a14:useLocalDpi xmlns:a14="http://schemas.microsoft.com/office/drawing/2010/main" val="0"/>
                   </a:ext>
                   <a:ext uri="{96DAC541-7B7A-43D3-8B79-37D633B846F1}">
-                    <asvg:svgBlip xmlns="" xmlns:asvg="http://schemas.microsoft.com/office/drawing/2016/SVG/main" r:embed="rId3"/>
+                    <asvg:svgBlip xmlns:asvg="http://schemas.microsoft.com/office/drawing/2016/SVG/main" xmlns="" r:embed="rId3"/>
                   </a:ext>
                 </a:extLst>
               </a:blip>
@@ -4706,12 +4706,6 @@
                 </a:rPr>
                 <a:t>Protótipo Máquinas</a:t>
               </a:r>
-              <a:endParaRPr lang="pt-BR" sz="5400" dirty="0">
-                <a:solidFill>
-                  <a:srgbClr val="3AAFA9"/>
-                </a:solidFill>
-                <a:latin typeface="Montserrat SemiBold" panose="00000700000000000000" pitchFamily="2" charset="0"/>
-              </a:endParaRPr>
             </a:p>
           </p:txBody>
         </p:sp>
@@ -4840,7 +4834,7 @@
                     <a14:useLocalDpi xmlns:a14="http://schemas.microsoft.com/office/drawing/2010/main" val="0"/>
                   </a:ext>
                   <a:ext uri="{96DAC541-7B7A-43D3-8B79-37D633B846F1}">
-                    <asvg:svgBlip xmlns="" xmlns:asvg="http://schemas.microsoft.com/office/drawing/2016/SVG/main" r:embed="rId3"/>
+                    <asvg:svgBlip xmlns:asvg="http://schemas.microsoft.com/office/drawing/2016/SVG/main" xmlns="" r:embed="rId3"/>
                   </a:ext>
                 </a:extLst>
               </a:blip>
@@ -5513,7 +5507,7 @@
                     <a14:useLocalDpi xmlns:a14="http://schemas.microsoft.com/office/drawing/2010/main" val="0"/>
                   </a:ext>
                   <a:ext uri="{96DAC541-7B7A-43D3-8B79-37D633B846F1}">
-                    <asvg:svgBlip xmlns="" xmlns:asvg="http://schemas.microsoft.com/office/drawing/2016/SVG/main" r:embed="rId3"/>
+                    <asvg:svgBlip xmlns:asvg="http://schemas.microsoft.com/office/drawing/2016/SVG/main" xmlns="" r:embed="rId3"/>
                   </a:ext>
                 </a:extLst>
               </a:blip>
@@ -7506,7 +7500,7 @@
                 <a14:useLocalDpi xmlns:a14="http://schemas.microsoft.com/office/drawing/2010/main" val="0"/>
               </a:ext>
               <a:ext uri="{96DAC541-7B7A-43D3-8B79-37D633B846F1}">
-                <asvg:svgBlip xmlns="" xmlns:asvg="http://schemas.microsoft.com/office/drawing/2016/SVG/main" r:embed="rId4"/>
+                <asvg:svgBlip xmlns:asvg="http://schemas.microsoft.com/office/drawing/2016/SVG/main" xmlns="" r:embed="rId4"/>
               </a:ext>
             </a:extLst>
           </a:blip>
@@ -9256,7 +9250,7 @@
                     <a14:useLocalDpi xmlns:a14="http://schemas.microsoft.com/office/drawing/2010/main" val="0"/>
                   </a:ext>
                   <a:ext uri="{96DAC541-7B7A-43D3-8B79-37D633B846F1}">
-                    <asvg:svgBlip xmlns="" xmlns:asvg="http://schemas.microsoft.com/office/drawing/2016/SVG/main" r:embed="rId3"/>
+                    <asvg:svgBlip xmlns:asvg="http://schemas.microsoft.com/office/drawing/2016/SVG/main" xmlns="" r:embed="rId3"/>
                   </a:ext>
                 </a:extLst>
               </a:blip>
@@ -9723,16 +9717,7 @@
                 </a:solidFill>
                 <a:latin typeface="Montserrat SemiBold" panose="00000700000000000000" pitchFamily="2" charset="0"/>
               </a:rPr>
-              <a:t>Inovaç</a:t>
-            </a:r>
-            <a:r>
-              <a:rPr lang="pt-BR" sz="4800" dirty="0" smtClean="0">
-                <a:solidFill>
-                  <a:srgbClr val="2B7A78"/>
-                </a:solidFill>
-                <a:latin typeface="Montserrat SemiBold" panose="00000700000000000000" pitchFamily="2" charset="0"/>
-              </a:rPr>
-              <a:t>ão</a:t>
+              <a:t>Inovação</a:t>
             </a:r>
             <a:endParaRPr lang="pt-BR" sz="5400" dirty="0">
               <a:solidFill>
@@ -9859,7 +9844,7 @@
                 <a14:useLocalDpi xmlns:a14="http://schemas.microsoft.com/office/drawing/2010/main" val="0"/>
               </a:ext>
               <a:ext uri="{96DAC541-7B7A-43D3-8B79-37D633B846F1}">
-                <asvg:svgBlip xmlns="" xmlns:asvg="http://schemas.microsoft.com/office/drawing/2016/SVG/main" r:embed="rId4"/>
+                <asvg:svgBlip xmlns:asvg="http://schemas.microsoft.com/office/drawing/2016/SVG/main" xmlns="" r:embed="rId4"/>
               </a:ext>
             </a:extLst>
           </a:blip>
@@ -10828,6 +10813,36 @@
           </a:p>
         </p:txBody>
       </p:sp>
+      <p:pic>
+        <p:nvPicPr>
+          <p:cNvPr id="2" name="Imagem 1"/>
+          <p:cNvPicPr>
+            <a:picLocks noChangeAspect="1"/>
+          </p:cNvPicPr>
+          <p:nvPr/>
+        </p:nvPicPr>
+        <p:blipFill>
+          <a:blip r:embed="rId8" cstate="print">
+            <a:extLst>
+              <a:ext uri="{28A0092B-C50C-407E-A947-70E740481C1C}">
+                <a14:useLocalDpi xmlns:a14="http://schemas.microsoft.com/office/drawing/2010/main" val="0"/>
+              </a:ext>
+            </a:extLst>
+          </a:blip>
+          <a:stretch>
+            <a:fillRect/>
+          </a:stretch>
+        </p:blipFill>
+        <p:spPr>
+          <a:xfrm>
+            <a:off x="6426089" y="429078"/>
+            <a:ext cx="6096012" cy="6096012"/>
+          </a:xfrm>
+          <a:prstGeom prst="rect">
+            <a:avLst/>
+          </a:prstGeom>
+        </p:spPr>
+      </p:pic>
     </p:spTree>
     <p:extLst>
       <p:ext uri="{BB962C8B-B14F-4D97-AF65-F5344CB8AC3E}">
@@ -11114,7 +11129,7 @@
                             </p:stCondLst>
                             <p:childTnLst>
                               <p:par>
-                                <p:cTn id="21" presetID="10" presetClass="entr" presetSubtype="0" fill="hold" nodeType="afterEffect">
+                                <p:cTn id="21" presetID="42" presetClass="entr" presetSubtype="0" fill="hold" nodeType="afterEffect">
                                   <p:stCondLst>
                                     <p:cond delay="0"/>
                                   </p:stCondLst>
@@ -11127,7 +11142,7 @@
                                           </p:stCondLst>
                                         </p:cTn>
                                         <p:tgtEl>
-                                          <p:spTgt spid="9"/>
+                                          <p:spTgt spid="2"/>
                                         </p:tgtEl>
                                         <p:attrNameLst>
                                           <p:attrName>style.visibility</p:attrName>
@@ -11139,7 +11154,97 @@
                                     </p:set>
                                     <p:animEffect transition="in" filter="fade">
                                       <p:cBhvr>
-                                        <p:cTn id="23" dur="500"/>
+                                        <p:cTn id="23" dur="1000"/>
+                                        <p:tgtEl>
+                                          <p:spTgt spid="2"/>
+                                        </p:tgtEl>
+                                      </p:cBhvr>
+                                    </p:animEffect>
+                                    <p:anim calcmode="lin" valueType="num">
+                                      <p:cBhvr>
+                                        <p:cTn id="24" dur="1000" fill="hold"/>
+                                        <p:tgtEl>
+                                          <p:spTgt spid="2"/>
+                                        </p:tgtEl>
+                                        <p:attrNameLst>
+                                          <p:attrName>ppt_x</p:attrName>
+                                        </p:attrNameLst>
+                                      </p:cBhvr>
+                                      <p:tavLst>
+                                        <p:tav tm="0">
+                                          <p:val>
+                                            <p:strVal val="#ppt_x"/>
+                                          </p:val>
+                                        </p:tav>
+                                        <p:tav tm="100000">
+                                          <p:val>
+                                            <p:strVal val="#ppt_x"/>
+                                          </p:val>
+                                        </p:tav>
+                                      </p:tavLst>
+                                    </p:anim>
+                                    <p:anim calcmode="lin" valueType="num">
+                                      <p:cBhvr>
+                                        <p:cTn id="25" dur="1000" fill="hold"/>
+                                        <p:tgtEl>
+                                          <p:spTgt spid="2"/>
+                                        </p:tgtEl>
+                                        <p:attrNameLst>
+                                          <p:attrName>ppt_y</p:attrName>
+                                        </p:attrNameLst>
+                                      </p:cBhvr>
+                                      <p:tavLst>
+                                        <p:tav tm="0">
+                                          <p:val>
+                                            <p:strVal val="#ppt_y+.1"/>
+                                          </p:val>
+                                        </p:tav>
+                                        <p:tav tm="100000">
+                                          <p:val>
+                                            <p:strVal val="#ppt_y"/>
+                                          </p:val>
+                                        </p:tav>
+                                      </p:tavLst>
+                                    </p:anim>
+                                  </p:childTnLst>
+                                </p:cTn>
+                              </p:par>
+                            </p:childTnLst>
+                          </p:cTn>
+                        </p:par>
+                        <p:par>
+                          <p:cTn id="26" fill="hold">
+                            <p:stCondLst>
+                              <p:cond delay="1500"/>
+                            </p:stCondLst>
+                            <p:childTnLst>
+                              <p:par>
+                                <p:cTn id="27" presetID="10" presetClass="entr" presetSubtype="0" fill="hold" nodeType="afterEffect">
+                                  <p:stCondLst>
+                                    <p:cond delay="0"/>
+                                  </p:stCondLst>
+                                  <p:childTnLst>
+                                    <p:set>
+                                      <p:cBhvr>
+                                        <p:cTn id="28" dur="1" fill="hold">
+                                          <p:stCondLst>
+                                            <p:cond delay="0"/>
+                                          </p:stCondLst>
+                                        </p:cTn>
+                                        <p:tgtEl>
+                                          <p:spTgt spid="9"/>
+                                        </p:tgtEl>
+                                        <p:attrNameLst>
+                                          <p:attrName>style.visibility</p:attrName>
+                                        </p:attrNameLst>
+                                      </p:cBhvr>
+                                      <p:to>
+                                        <p:strVal val="visible"/>
+                                      </p:to>
+                                    </p:set>
+                                    <p:animEffect transition="in" filter="fade">
+                                      <p:cBhvr>
+                                        <p:cTn id="29" dur="500"/>
                                         <p:tgtEl>
                                           <p:spTgt spid="9"/>
                                         </p:tgtEl>
@@ -11149,14 +11254,14 @@
                                 </p:cTn>
                               </p:par>
                               <p:par>
-                                <p:cTn id="24" presetID="63" presetClass="path" presetSubtype="0" accel="50000" decel="50000" fill="hold" nodeType="withEffect">
+                                <p:cTn id="30" presetID="63" presetClass="path" presetSubtype="0" accel="50000" decel="50000" fill="hold" nodeType="withEffect">
                                   <p:stCondLst>
                                     <p:cond delay="0"/>
                                   </p:stCondLst>
                                   <p:childTnLst>
                                     <p:animMotion origin="layout" path="M -0.36055 4.07407E-6 L 0.34518 -0.00116 " pathEditMode="relative" rAng="0" ptsTypes="AA">
                                       <p:cBhvr>
-                                        <p:cTn id="25" dur="1500" fill="hold"/>
+                                        <p:cTn id="31" dur="1500" fill="hold"/>
                                         <p:tgtEl>
                                           <p:spTgt spid="10"/>
                                         </p:tgtEl>
@@ -11177,26 +11282,26 @@
                     </p:cTn>
                   </p:par>
                   <p:par>
-                    <p:cTn id="26" fill="hold">
+                    <p:cTn id="32" fill="hold">
                       <p:stCondLst>
                         <p:cond delay="indefinite"/>
                       </p:stCondLst>
                       <p:childTnLst>
                         <p:par>
-                          <p:cTn id="27" fill="hold">
+                          <p:cTn id="33" fill="hold">
                             <p:stCondLst>
                               <p:cond delay="0"/>
                             </p:stCondLst>
                             <p:childTnLst>
                               <p:par>
-                                <p:cTn id="28" presetID="42" presetClass="entr" presetSubtype="0" fill="hold" nodeType="clickEffect">
+                                <p:cTn id="34" presetID="42" presetClass="entr" presetSubtype="0" fill="hold" nodeType="clickEffect">
                                   <p:stCondLst>
                                     <p:cond delay="0"/>
                                   </p:stCondLst>
                                   <p:childTnLst>
                                     <p:set>
                                       <p:cBhvr>
-                                        <p:cTn id="29" dur="1" fill="hold">
+                                        <p:cTn id="35" dur="1" fill="hold">
                                           <p:stCondLst>
                                             <p:cond delay="0"/>
                                           </p:stCondLst>
@@ -11214,7 +11319,7 @@
                                     </p:set>
                                     <p:animEffect transition="in" filter="fade">
                                       <p:cBhvr>
-                                        <p:cTn id="30" dur="500"/>
+                                        <p:cTn id="36" dur="500"/>
                                         <p:tgtEl>
                                           <p:spTgt spid="22"/>
                                         </p:tgtEl>
@@ -11222,7 +11327,7 @@
                                     </p:animEffect>
                                     <p:anim calcmode="lin" valueType="num">
                                       <p:cBhvr>
-                                        <p:cTn id="31" dur="500" fill="hold"/>
+                                        <p:cTn id="37" dur="500" fill="hold"/>
                                         <p:tgtEl>
                                           <p:spTgt spid="22"/>
                                         </p:tgtEl>
@@ -11245,7 +11350,7 @@
                                     </p:anim>
                                     <p:anim calcmode="lin" valueType="num">
                                       <p:cBhvr>
-                                        <p:cTn id="32" dur="500" fill="hold"/>
+                                        <p:cTn id="38" dur="500" fill="hold"/>
                                         <p:tgtEl>
                                           <p:spTgt spid="22"/>
                                         </p:tgtEl>
@@ -11273,20 +11378,20 @@
                           </p:cTn>
                         </p:par>
                         <p:par>
-                          <p:cTn id="33" fill="hold">
+                          <p:cTn id="39" fill="hold">
                             <p:stCondLst>
                               <p:cond delay="500"/>
                             </p:stCondLst>
                             <p:childTnLst>
                               <p:par>
-                                <p:cTn id="34" presetID="17" presetClass="entr" presetSubtype="10" fill="hold" nodeType="afterEffect">
+                                <p:cTn id="40" presetID="17" presetClass="entr" presetSubtype="10" fill="hold" nodeType="afterEffect">
                                   <p:stCondLst>
                                     <p:cond delay="0"/>
                                   </p:stCondLst>
                                   <p:childTnLst>
                                     <p:set>
                                       <p:cBhvr>
-                                        <p:cTn id="35" dur="1" fill="hold">
+                                        <p:cTn id="41" dur="1" fill="hold">
                                           <p:stCondLst>
                                             <p:cond delay="0"/>
                                           </p:stCondLst>
@@ -11304,7 +11409,7 @@
                                     </p:set>
                                     <p:anim calcmode="lin" valueType="num">
                                       <p:cBhvr>
-                                        <p:cTn id="36" dur="500" fill="hold"/>
+                                        <p:cTn id="42" dur="500" fill="hold"/>
                                         <p:tgtEl>
                                           <p:spTgt spid="18"/>
                                         </p:tgtEl>
@@ -11327,7 +11432,7 @@
                                     </p:anim>
                                     <p:anim calcmode="lin" valueType="num">
                                       <p:cBhvr>
-                                        <p:cTn id="37" dur="500" fill="hold"/>
+                                        <p:cTn id="43" dur="500" fill="hold"/>
                                         <p:tgtEl>
                                           <p:spTgt spid="18"/>
                                         </p:tgtEl>
@@ -11355,20 +11460,20 @@
                           </p:cTn>
                         </p:par>
                         <p:par>
-                          <p:cTn id="38" fill="hold">
+                          <p:cTn id="44" fill="hold">
                             <p:stCondLst>
                               <p:cond delay="1000"/>
                             </p:stCondLst>
                             <p:childTnLst>
                               <p:par>
-                                <p:cTn id="39" presetID="53" presetClass="entr" presetSubtype="16" fill="hold" grpId="0" nodeType="afterEffect">
+                                <p:cTn id="45" presetID="53" presetClass="entr" presetSubtype="16" fill="hold" grpId="0" nodeType="afterEffect">
                                   <p:stCondLst>
                                     <p:cond delay="0"/>
                                   </p:stCondLst>
                                   <p:childTnLst>
                                     <p:set>
                                       <p:cBhvr>
-                                        <p:cTn id="40" dur="1" fill="hold">
+                                        <p:cTn id="46" dur="1" fill="hold">
                                           <p:stCondLst>
                                             <p:cond delay="0"/>
                                           </p:stCondLst>
@@ -11386,7 +11491,7 @@
                                     </p:set>
                                     <p:anim calcmode="lin" valueType="num">
                                       <p:cBhvr>
-                                        <p:cTn id="41" dur="500" fill="hold"/>
+                                        <p:cTn id="47" dur="500" fill="hold"/>
                                         <p:tgtEl>
                                           <p:spTgt spid="21"/>
                                         </p:tgtEl>
@@ -11409,7 +11514,7 @@
                                     </p:anim>
                                     <p:anim calcmode="lin" valueType="num">
                                       <p:cBhvr>
-                                        <p:cTn id="42" dur="500" fill="hold"/>
+                                        <p:cTn id="48" dur="500" fill="hold"/>
                                         <p:tgtEl>
                                           <p:spTgt spid="21"/>
                                         </p:tgtEl>
@@ -11432,7 +11537,7 @@
                                     </p:anim>
                                     <p:animEffect transition="in" filter="fade">
                                       <p:cBhvr>
-                                        <p:cTn id="43" dur="500"/>
+                                        <p:cTn id="49" dur="500"/>
                                         <p:tgtEl>
                                           <p:spTgt spid="21"/>
                                         </p:tgtEl>
@@ -11448,26 +11553,26 @@
                     </p:cTn>
                   </p:par>
                   <p:par>
-                    <p:cTn id="44" fill="hold">
+                    <p:cTn id="50" fill="hold">
                       <p:stCondLst>
                         <p:cond delay="indefinite"/>
                       </p:stCondLst>
                       <p:childTnLst>
                         <p:par>
-                          <p:cTn id="45" fill="hold">
+                          <p:cTn id="51" fill="hold">
                             <p:stCondLst>
                               <p:cond delay="0"/>
                             </p:stCondLst>
                             <p:childTnLst>
                               <p:par>
-                                <p:cTn id="46" presetID="42" presetClass="entr" presetSubtype="0" fill="hold" nodeType="clickEffect">
+                                <p:cTn id="52" presetID="42" presetClass="entr" presetSubtype="0" fill="hold" nodeType="clickEffect">
                                   <p:stCondLst>
                                     <p:cond delay="0"/>
                                   </p:stCondLst>
                                   <p:childTnLst>
                                     <p:set>
                                       <p:cBhvr>
-                                        <p:cTn id="47" dur="1" fill="hold">
+                                        <p:cTn id="53" dur="1" fill="hold">
                                           <p:stCondLst>
                                             <p:cond delay="0"/>
                                           </p:stCondLst>
@@ -11485,7 +11590,7 @@
                                     </p:set>
                                     <p:animEffect transition="in" filter="fade">
                                       <p:cBhvr>
-                                        <p:cTn id="48" dur="500"/>
+                                        <p:cTn id="54" dur="500"/>
                                         <p:tgtEl>
                                           <p:spTgt spid="43"/>
                                         </p:tgtEl>
@@ -11493,7 +11598,7 @@
                                     </p:animEffect>
                                     <p:anim calcmode="lin" valueType="num">
                                       <p:cBhvr>
-                                        <p:cTn id="49" dur="500" fill="hold"/>
+                                        <p:cTn id="55" dur="500" fill="hold"/>
                                         <p:tgtEl>
                                           <p:spTgt spid="43"/>
                                         </p:tgtEl>
@@ -11516,7 +11621,7 @@
                                     </p:anim>
                                     <p:anim calcmode="lin" valueType="num">
                                       <p:cBhvr>
-                                        <p:cTn id="50" dur="500" fill="hold"/>
+                                        <p:cTn id="56" dur="500" fill="hold"/>
                                         <p:tgtEl>
                                           <p:spTgt spid="43"/>
                                         </p:tgtEl>
@@ -11544,20 +11649,20 @@
                           </p:cTn>
                         </p:par>
                         <p:par>
-                          <p:cTn id="51" fill="hold">
+                          <p:cTn id="57" fill="hold">
                             <p:stCondLst>
                               <p:cond delay="500"/>
                             </p:stCondLst>
                             <p:childTnLst>
                               <p:par>
-                                <p:cTn id="52" presetID="17" presetClass="entr" presetSubtype="10" fill="hold" nodeType="afterEffect">
+                                <p:cTn id="58" presetID="17" presetClass="entr" presetSubtype="10" fill="hold" nodeType="afterEffect">
                                   <p:stCondLst>
                                     <p:cond delay="0"/>
                                   </p:stCondLst>
                                   <p:childTnLst>
                                     <p:set>
                                       <p:cBhvr>
-                                        <p:cTn id="53" dur="1" fill="hold">
+                                        <p:cTn id="59" dur="1" fill="hold">
                                           <p:stCondLst>
                                             <p:cond delay="0"/>
                                           </p:stCondLst>
@@ -11575,7 +11680,7 @@
                                     </p:set>
                                     <p:anim calcmode="lin" valueType="num">
                                       <p:cBhvr>
-                                        <p:cTn id="54" dur="500" fill="hold"/>
+                                        <p:cTn id="60" dur="500" fill="hold"/>
                                         <p:tgtEl>
                                           <p:spTgt spid="39"/>
                                         </p:tgtEl>
@@ -11598,7 +11703,7 @@
                                     </p:anim>
                                     <p:anim calcmode="lin" valueType="num">
                                       <p:cBhvr>
-                                        <p:cTn id="55" dur="500" fill="hold"/>
+                                        <p:cTn id="61" dur="500" fill="hold"/>
                                         <p:tgtEl>
                                           <p:spTgt spid="39"/>
                                         </p:tgtEl>
@@ -11626,20 +11731,20 @@
                           </p:cTn>
                         </p:par>
                         <p:par>
-                          <p:cTn id="56" fill="hold">
+                          <p:cTn id="62" fill="hold">
                             <p:stCondLst>
                               <p:cond delay="1000"/>
                             </p:stCondLst>
                             <p:childTnLst>
                               <p:par>
-                                <p:cTn id="57" presetID="53" presetClass="entr" presetSubtype="16" fill="hold" grpId="0" nodeType="afterEffect">
+                                <p:cTn id="63" presetID="53" presetClass="entr" presetSubtype="16" fill="hold" grpId="0" nodeType="afterEffect">
                                   <p:stCondLst>
                                     <p:cond delay="0"/>
                                   </p:stCondLst>
                                   <p:childTnLst>
                                     <p:set>
                                       <p:cBhvr>
-                                        <p:cTn id="58" dur="1" fill="hold">
+                                        <p:cTn id="64" dur="1" fill="hold">
                                           <p:stCondLst>
                                             <p:cond delay="0"/>
                                           </p:stCondLst>
@@ -11657,7 +11762,7 @@
                                     </p:set>
                                     <p:anim calcmode="lin" valueType="num">
                                       <p:cBhvr>
-                                        <p:cTn id="59" dur="500" fill="hold"/>
+                                        <p:cTn id="65" dur="500" fill="hold"/>
                                         <p:tgtEl>
                                           <p:spTgt spid="42"/>
                                         </p:tgtEl>
@@ -11680,7 +11785,7 @@
                                     </p:anim>
                                     <p:anim calcmode="lin" valueType="num">
                                       <p:cBhvr>
-                                        <p:cTn id="60" dur="500" fill="hold"/>
+                                        <p:cTn id="66" dur="500" fill="hold"/>
                                         <p:tgtEl>
                                           <p:spTgt spid="42"/>
                                         </p:tgtEl>
@@ -11703,7 +11808,7 @@
                                     </p:anim>
                                     <p:animEffect transition="in" filter="fade">
                                       <p:cBhvr>
-                                        <p:cTn id="61" dur="500"/>
+                                        <p:cTn id="67" dur="500"/>
                                         <p:tgtEl>
                                           <p:spTgt spid="42"/>
                                         </p:tgtEl>
@@ -11719,26 +11824,26 @@
                     </p:cTn>
                   </p:par>
                   <p:par>
-                    <p:cTn id="62" fill="hold">
+                    <p:cTn id="68" fill="hold">
                       <p:stCondLst>
                         <p:cond delay="indefinite"/>
                       </p:stCondLst>
                       <p:childTnLst>
                         <p:par>
-                          <p:cTn id="63" fill="hold">
+                          <p:cTn id="69" fill="hold">
                             <p:stCondLst>
                               <p:cond delay="0"/>
                             </p:stCondLst>
                             <p:childTnLst>
                               <p:par>
-                                <p:cTn id="64" presetID="42" presetClass="entr" presetSubtype="0" fill="hold" nodeType="clickEffect">
+                                <p:cTn id="70" presetID="42" presetClass="entr" presetSubtype="0" fill="hold" nodeType="clickEffect">
                                   <p:stCondLst>
                                     <p:cond delay="0"/>
                                   </p:stCondLst>
                                   <p:childTnLst>
                                     <p:set>
                                       <p:cBhvr>
-                                        <p:cTn id="65" dur="1" fill="hold">
+                                        <p:cTn id="71" dur="1" fill="hold">
                                           <p:stCondLst>
                                             <p:cond delay="0"/>
                                           </p:stCondLst>
@@ -11756,7 +11861,7 @@
                                     </p:set>
                                     <p:animEffect transition="in" filter="fade">
                                       <p:cBhvr>
-                                        <p:cTn id="66" dur="500"/>
+                                        <p:cTn id="72" dur="500"/>
                                         <p:tgtEl>
                                           <p:spTgt spid="50"/>
                                         </p:tgtEl>
@@ -11764,7 +11869,7 @@
                                     </p:animEffect>
                                     <p:anim calcmode="lin" valueType="num">
                                       <p:cBhvr>
-                                        <p:cTn id="67" dur="500" fill="hold"/>
+                                        <p:cTn id="73" dur="500" fill="hold"/>
                                         <p:tgtEl>
                                           <p:spTgt spid="50"/>
                                         </p:tgtEl>
@@ -11787,7 +11892,7 @@
                                     </p:anim>
                                     <p:anim calcmode="lin" valueType="num">
                                       <p:cBhvr>
-                                        <p:cTn id="68" dur="500" fill="hold"/>
+                                        <p:cTn id="74" dur="500" fill="hold"/>
                                         <p:tgtEl>
                                           <p:spTgt spid="50"/>
                                         </p:tgtEl>
@@ -11815,20 +11920,20 @@
                           </p:cTn>
                         </p:par>
                         <p:par>
-                          <p:cTn id="69" fill="hold">
+                          <p:cTn id="75" fill="hold">
                             <p:stCondLst>
                               <p:cond delay="500"/>
                             </p:stCondLst>
                             <p:childTnLst>
                               <p:par>
-                                <p:cTn id="70" presetID="17" presetClass="entr" presetSubtype="10" fill="hold" nodeType="afterEffect">
+                                <p:cTn id="76" presetID="17" presetClass="entr" presetSubtype="10" fill="hold" nodeType="afterEffect">
                                   <p:stCondLst>
                                     <p:cond delay="0"/>
                                   </p:stCondLst>
                                   <p:childTnLst>
                                     <p:set>
                                       <p:cBhvr>
-                                        <p:cTn id="71" dur="1" fill="hold">
+                                        <p:cTn id="77" dur="1" fill="hold">
                                           <p:stCondLst>
                                             <p:cond delay="0"/>
                                           </p:stCondLst>
@@ -11846,7 +11951,7 @@
                                     </p:set>
                                     <p:anim calcmode="lin" valueType="num">
                                       <p:cBhvr>
-                                        <p:cTn id="72" dur="500" fill="hold"/>
+                                        <p:cTn id="78" dur="500" fill="hold"/>
                                         <p:tgtEl>
                                           <p:spTgt spid="46"/>
                                         </p:tgtEl>
@@ -11869,7 +11974,7 @@
                                     </p:anim>
                                     <p:anim calcmode="lin" valueType="num">
                                       <p:cBhvr>
-                                        <p:cTn id="73" dur="500" fill="hold"/>
+                                        <p:cTn id="79" dur="500" fill="hold"/>
                                         <p:tgtEl>
                                           <p:spTgt spid="46"/>
                                         </p:tgtEl>
@@ -11897,20 +12002,20 @@
                           </p:cTn>
                         </p:par>
                         <p:par>
-                          <p:cTn id="74" fill="hold">
+                          <p:cTn id="80" fill="hold">
                             <p:stCondLst>
                               <p:cond delay="1000"/>
                             </p:stCondLst>
                             <p:childTnLst>
                               <p:par>
-                                <p:cTn id="75" presetID="53" presetClass="entr" presetSubtype="16" fill="hold" grpId="0" nodeType="afterEffect">
+                                <p:cTn id="81" presetID="53" presetClass="entr" presetSubtype="16" fill="hold" grpId="0" nodeType="afterEffect">
                                   <p:stCondLst>
                                     <p:cond delay="0"/>
                                   </p:stCondLst>
                                   <p:childTnLst>
                                     <p:set>
                                       <p:cBhvr>
-                                        <p:cTn id="76" dur="1" fill="hold">
+                                        <p:cTn id="82" dur="1" fill="hold">
                                           <p:stCondLst>
                                             <p:cond delay="0"/>
                                           </p:stCondLst>
@@ -11928,7 +12033,7 @@
                                     </p:set>
                                     <p:anim calcmode="lin" valueType="num">
                                       <p:cBhvr>
-                                        <p:cTn id="77" dur="500" fill="hold"/>
+                                        <p:cTn id="83" dur="500" fill="hold"/>
                                         <p:tgtEl>
                                           <p:spTgt spid="49"/>
                                         </p:tgtEl>
@@ -11951,7 +12056,7 @@
                                     </p:anim>
                                     <p:anim calcmode="lin" valueType="num">
                                       <p:cBhvr>
-                                        <p:cTn id="78" dur="500" fill="hold"/>
+                                        <p:cTn id="84" dur="500" fill="hold"/>
                                         <p:tgtEl>
                                           <p:spTgt spid="49"/>
                                         </p:tgtEl>
@@ -11974,7 +12079,7 @@
                                     </p:anim>
                                     <p:animEffect transition="in" filter="fade">
                                       <p:cBhvr>
-                                        <p:cTn id="79" dur="500"/>
+                                        <p:cTn id="85" dur="500"/>
                                         <p:tgtEl>
                                           <p:spTgt spid="49"/>
                                         </p:tgtEl>
@@ -12229,7 +12334,7 @@
                     <a14:useLocalDpi xmlns:a14="http://schemas.microsoft.com/office/drawing/2010/main" val="0"/>
                   </a:ext>
                   <a:ext uri="{96DAC541-7B7A-43D3-8B79-37D633B846F1}">
-                    <asvg:svgBlip xmlns="" xmlns:asvg="http://schemas.microsoft.com/office/drawing/2016/SVG/main" r:embed="rId3"/>
+                    <asvg:svgBlip xmlns:asvg="http://schemas.microsoft.com/office/drawing/2016/SVG/main" xmlns="" r:embed="rId3"/>
                   </a:ext>
                 </a:extLst>
               </a:blip>
@@ -12834,7 +12939,7 @@
                     <a14:useLocalDpi xmlns:a14="http://schemas.microsoft.com/office/drawing/2010/main" val="0"/>
                   </a:ext>
                   <a:ext uri="{96DAC541-7B7A-43D3-8B79-37D633B846F1}">
-                    <asvg:svgBlip xmlns="" xmlns:asvg="http://schemas.microsoft.com/office/drawing/2016/SVG/main" r:embed="rId3"/>
+                    <asvg:svgBlip xmlns:asvg="http://schemas.microsoft.com/office/drawing/2016/SVG/main" xmlns="" r:embed="rId3"/>
                   </a:ext>
                 </a:extLst>
               </a:blip>
@@ -13439,7 +13544,7 @@
                     <a14:useLocalDpi xmlns:a14="http://schemas.microsoft.com/office/drawing/2010/main" val="0"/>
                   </a:ext>
                   <a:ext uri="{96DAC541-7B7A-43D3-8B79-37D633B846F1}">
-                    <asvg:svgBlip xmlns="" xmlns:asvg="http://schemas.microsoft.com/office/drawing/2016/SVG/main" r:embed="rId3"/>
+                    <asvg:svgBlip xmlns:asvg="http://schemas.microsoft.com/office/drawing/2016/SVG/main" xmlns="" r:embed="rId3"/>
                   </a:ext>
                 </a:extLst>
               </a:blip>
@@ -14724,7 +14829,7 @@
                 <a14:useLocalDpi xmlns:a14="http://schemas.microsoft.com/office/drawing/2010/main" val="0"/>
               </a:ext>
               <a:ext uri="{96DAC541-7B7A-43D3-8B79-37D633B846F1}">
-                <asvg:svgBlip xmlns="" xmlns:asvg="http://schemas.microsoft.com/office/drawing/2016/SVG/main" r:embed="rId4"/>
+                <asvg:svgBlip xmlns:asvg="http://schemas.microsoft.com/office/drawing/2016/SVG/main" xmlns="" r:embed="rId4"/>
               </a:ext>
             </a:extLst>
           </a:blip>
@@ -17637,7 +17742,7 @@
                     <a14:useLocalDpi xmlns:a14="http://schemas.microsoft.com/office/drawing/2010/main" val="0"/>
                   </a:ext>
                   <a:ext uri="{96DAC541-7B7A-43D3-8B79-37D633B846F1}">
-                    <asvg:svgBlip xmlns="" xmlns:asvg="http://schemas.microsoft.com/office/drawing/2016/SVG/main" r:embed="rId3"/>
+                    <asvg:svgBlip xmlns:asvg="http://schemas.microsoft.com/office/drawing/2016/SVG/main" xmlns="" r:embed="rId3"/>
                   </a:ext>
                 </a:extLst>
               </a:blip>
@@ -20583,7 +20688,7 @@
                     <a14:useLocalDpi xmlns:a14="http://schemas.microsoft.com/office/drawing/2010/main" val="0"/>
                   </a:ext>
                   <a:ext uri="{96DAC541-7B7A-43D3-8B79-37D633B846F1}">
-                    <asvg:svgBlip xmlns="" xmlns:asvg="http://schemas.microsoft.com/office/drawing/2016/SVG/main" r:embed="rId3"/>
+                    <asvg:svgBlip xmlns:asvg="http://schemas.microsoft.com/office/drawing/2016/SVG/main" xmlns="" r:embed="rId3"/>
                   </a:ext>
                 </a:extLst>
               </a:blip>
@@ -21206,7 +21311,7 @@
                     <a14:useLocalDpi xmlns:a14="http://schemas.microsoft.com/office/drawing/2010/main" val="0"/>
                   </a:ext>
                   <a:ext uri="{96DAC541-7B7A-43D3-8B79-37D633B846F1}">
-                    <asvg:svgBlip xmlns="" xmlns:asvg="http://schemas.microsoft.com/office/drawing/2016/SVG/main" r:embed="rId4"/>
+                    <asvg:svgBlip xmlns:asvg="http://schemas.microsoft.com/office/drawing/2016/SVG/main" xmlns="" r:embed="rId4"/>
                   </a:ext>
                 </a:extLst>
               </a:blip>
@@ -21675,7 +21780,7 @@
                     <a14:useLocalDpi xmlns:a14="http://schemas.microsoft.com/office/drawing/2010/main" val="0"/>
                   </a:ext>
                   <a:ext uri="{96DAC541-7B7A-43D3-8B79-37D633B846F1}">
-                    <asvg:svgBlip xmlns="" xmlns:asvg="http://schemas.microsoft.com/office/drawing/2016/SVG/main" r:embed="rId4"/>
+                    <asvg:svgBlip xmlns:asvg="http://schemas.microsoft.com/office/drawing/2016/SVG/main" xmlns="" r:embed="rId4"/>
                   </a:ext>
                 </a:extLst>
               </a:blip>
@@ -22297,7 +22402,7 @@
                 <a14:useLocalDpi xmlns:a14="http://schemas.microsoft.com/office/drawing/2010/main" val="0"/>
               </a:ext>
               <a:ext uri="{96DAC541-7B7A-43D3-8B79-37D633B846F1}">
-                <asvg:svgBlip xmlns="" xmlns:asvg="http://schemas.microsoft.com/office/drawing/2016/SVG/main" r:embed="rId4"/>
+                <asvg:svgBlip xmlns:asvg="http://schemas.microsoft.com/office/drawing/2016/SVG/main" xmlns="" r:embed="rId4"/>
               </a:ext>
             </a:extLst>
           </a:blip>
@@ -24115,7 +24220,7 @@
                     <a14:useLocalDpi xmlns:a14="http://schemas.microsoft.com/office/drawing/2010/main" val="0"/>
                   </a:ext>
                   <a:ext uri="{96DAC541-7B7A-43D3-8B79-37D633B846F1}">
-                    <asvg:svgBlip xmlns="" xmlns:asvg="http://schemas.microsoft.com/office/drawing/2016/SVG/main" r:embed="rId3"/>
+                    <asvg:svgBlip xmlns:asvg="http://schemas.microsoft.com/office/drawing/2016/SVG/main" xmlns="" r:embed="rId3"/>
                   </a:ext>
                 </a:extLst>
               </a:blip>
@@ -24779,7 +24884,7 @@
                     <a14:useLocalDpi xmlns:a14="http://schemas.microsoft.com/office/drawing/2010/main" val="0"/>
                   </a:ext>
                   <a:ext uri="{96DAC541-7B7A-43D3-8B79-37D633B846F1}">
-                    <asvg:svgBlip xmlns="" xmlns:asvg="http://schemas.microsoft.com/office/drawing/2016/SVG/main" r:embed="rId3"/>
+                    <asvg:svgBlip xmlns:asvg="http://schemas.microsoft.com/office/drawing/2016/SVG/main" xmlns="" r:embed="rId3"/>
                   </a:ext>
                 </a:extLst>
               </a:blip>
@@ -25369,6 +25474,12 @@
 </file>
 
 <file path=customXml/item1.xml><?xml version="1.0" encoding="utf-8"?>
+<p:properties xmlns:p="http://schemas.microsoft.com/office/2006/metadata/properties" xmlns:xsi="http://www.w3.org/2001/XMLSchema-instance" xmlns:pc="http://schemas.microsoft.com/office/infopath/2007/PartnerControls">
+  <documentManagement/>
+</p:properties>
+</file>
+
+<file path=customXml/item2.xml><?xml version="1.0" encoding="utf-8"?>
 <ct:contentTypeSchema xmlns:ct="http://schemas.microsoft.com/office/2006/metadata/contentType" xmlns:ma="http://schemas.microsoft.com/office/2006/metadata/properties/metaAttributes" ct:_="" ma:_="" ma:contentTypeName="Document" ma:contentTypeID="0x010100A663B016B9E10D44AF2D6A2076639652" ma:contentTypeVersion="9" ma:contentTypeDescription="Create a new document." ma:contentTypeScope="" ma:versionID="487f2b4f5bb26e664e658aeeb82afc06">
   <xsd:schema xmlns:xsd="http://www.w3.org/2001/XMLSchema" xmlns:xs="http://www.w3.org/2001/XMLSchema" xmlns:p="http://schemas.microsoft.com/office/2006/metadata/properties" xmlns:ns3="1f168f81-3f83-4b33-9f0c-ec152bce3f98" xmlns:ns4="86822d51-02f5-488a-80f3-0b621e7c317a" targetNamespace="http://schemas.microsoft.com/office/2006/metadata/properties" ma:root="true" ma:fieldsID="edc5afedb1afb76831d7c08402d80832" ns3:_="" ns4:_="">
     <xsd:import namespace="1f168f81-3f83-4b33-9f0c-ec152bce3f98"/>
@@ -25565,12 +25676,6 @@
 </ct:contentTypeSchema>
 </file>
 
-<file path=customXml/item2.xml><?xml version="1.0" encoding="utf-8"?>
-<p:properties xmlns:p="http://schemas.microsoft.com/office/2006/metadata/properties" xmlns:xsi="http://www.w3.org/2001/XMLSchema-instance" xmlns:pc="http://schemas.microsoft.com/office/infopath/2007/PartnerControls">
-  <documentManagement/>
-</p:properties>
-</file>
-
 <file path=customXml/item3.xml><?xml version="1.0" encoding="utf-8"?>
 <?mso-contentType ?>
 <FormTemplates xmlns="http://schemas.microsoft.com/sharepoint/v3/contenttype/forms">
@@ -25581,6 +25686,23 @@
 </file>
 
 <file path=customXml/itemProps1.xml><?xml version="1.0" encoding="utf-8"?>
+<ds:datastoreItem xmlns:ds="http://schemas.openxmlformats.org/officeDocument/2006/customXml" ds:itemID="{7972C250-C430-4380-B8BD-02E395B67AF0}">
+  <ds:schemaRefs>
+    <ds:schemaRef ds:uri="http://purl.org/dc/dcmitype/"/>
+    <ds:schemaRef ds:uri="http://purl.org/dc/terms/"/>
+    <ds:schemaRef ds:uri="http://schemas.openxmlformats.org/package/2006/metadata/core-properties"/>
+    <ds:schemaRef ds:uri="http://schemas.microsoft.com/office/2006/documentManagement/types"/>
+    <ds:schemaRef ds:uri="http://www.w3.org/XML/1998/namespace"/>
+    <ds:schemaRef ds:uri="http://schemas.microsoft.com/office/infopath/2007/PartnerControls"/>
+    <ds:schemaRef ds:uri="http://purl.org/dc/elements/1.1/"/>
+    <ds:schemaRef ds:uri="86822d51-02f5-488a-80f3-0b621e7c317a"/>
+    <ds:schemaRef ds:uri="1f168f81-3f83-4b33-9f0c-ec152bce3f98"/>
+    <ds:schemaRef ds:uri="http://schemas.microsoft.com/office/2006/metadata/properties"/>
+  </ds:schemaRefs>
+</ds:datastoreItem>
+</file>
+
+<file path=customXml/itemProps2.xml><?xml version="1.0" encoding="utf-8"?>
 <ds:datastoreItem xmlns:ds="http://schemas.openxmlformats.org/officeDocument/2006/customXml" ds:itemID="{ED87D459-01C6-46F3-85EB-8A8AB455C67D}">
   <ds:schemaRefs>
     <ds:schemaRef ds:uri="http://schemas.microsoft.com/office/2006/metadata/contentType"/>
@@ -25599,23 +25721,6 @@
 </ds:datastoreItem>
 </file>
 
-<file path=customXml/itemProps2.xml><?xml version="1.0" encoding="utf-8"?>
-<ds:datastoreItem xmlns:ds="http://schemas.openxmlformats.org/officeDocument/2006/customXml" ds:itemID="{7972C250-C430-4380-B8BD-02E395B67AF0}">
-  <ds:schemaRefs>
-    <ds:schemaRef ds:uri="http://purl.org/dc/dcmitype/"/>
-    <ds:schemaRef ds:uri="http://purl.org/dc/terms/"/>
-    <ds:schemaRef ds:uri="http://schemas.openxmlformats.org/package/2006/metadata/core-properties"/>
-    <ds:schemaRef ds:uri="http://schemas.microsoft.com/office/2006/documentManagement/types"/>
-    <ds:schemaRef ds:uri="http://www.w3.org/XML/1998/namespace"/>
-    <ds:schemaRef ds:uri="http://schemas.microsoft.com/office/infopath/2007/PartnerControls"/>
-    <ds:schemaRef ds:uri="http://purl.org/dc/elements/1.1/"/>
-    <ds:schemaRef ds:uri="86822d51-02f5-488a-80f3-0b621e7c317a"/>
-    <ds:schemaRef ds:uri="1f168f81-3f83-4b33-9f0c-ec152bce3f98"/>
-    <ds:schemaRef ds:uri="http://schemas.microsoft.com/office/2006/metadata/properties"/>
-  </ds:schemaRefs>
-</ds:datastoreItem>
-</file>
-
 <file path=customXml/itemProps3.xml><?xml version="1.0" encoding="utf-8"?>
 <ds:datastoreItem xmlns:ds="http://schemas.openxmlformats.org/officeDocument/2006/customXml" ds:itemID="{E12B114C-EB44-46E6-930B-B69E30F6F9AE}">
   <ds:schemaRefs>

--- a/MONITORAMENTO/Documentação/PPTs/Cold Stock Apresentação - Sprint 2.pptx
+++ b/MONITORAMENTO/Documentação/PPTs/Cold Stock Apresentação - Sprint 2.pptx
@@ -271,7 +271,7 @@
           <a:p>
             <a:fld id="{47278C1A-96D6-4232-9F36-8FBD0594C554}" type="datetimeFigureOut">
               <a:rPr lang="pt-BR" smtClean="0"/>
-              <a:t>25/10/2020</a:t>
+              <a:t>26/10/2020</a:t>
             </a:fld>
             <a:endParaRPr lang="pt-BR"/>
           </a:p>
@@ -439,7 +439,7 @@
           <a:p>
             <a:fld id="{47278C1A-96D6-4232-9F36-8FBD0594C554}" type="datetimeFigureOut">
               <a:rPr lang="pt-BR" smtClean="0"/>
-              <a:t>25/10/2020</a:t>
+              <a:t>26/10/2020</a:t>
             </a:fld>
             <a:endParaRPr lang="pt-BR"/>
           </a:p>
@@ -617,7 +617,7 @@
           <a:p>
             <a:fld id="{47278C1A-96D6-4232-9F36-8FBD0594C554}" type="datetimeFigureOut">
               <a:rPr lang="pt-BR" smtClean="0"/>
-              <a:t>25/10/2020</a:t>
+              <a:t>26/10/2020</a:t>
             </a:fld>
             <a:endParaRPr lang="pt-BR"/>
           </a:p>
@@ -785,7 +785,7 @@
           <a:p>
             <a:fld id="{47278C1A-96D6-4232-9F36-8FBD0594C554}" type="datetimeFigureOut">
               <a:rPr lang="pt-BR" smtClean="0"/>
-              <a:t>25/10/2020</a:t>
+              <a:t>26/10/2020</a:t>
             </a:fld>
             <a:endParaRPr lang="pt-BR"/>
           </a:p>
@@ -1030,7 +1030,7 @@
           <a:p>
             <a:fld id="{47278C1A-96D6-4232-9F36-8FBD0594C554}" type="datetimeFigureOut">
               <a:rPr lang="pt-BR" smtClean="0"/>
-              <a:t>25/10/2020</a:t>
+              <a:t>26/10/2020</a:t>
             </a:fld>
             <a:endParaRPr lang="pt-BR"/>
           </a:p>
@@ -1259,7 +1259,7 @@
           <a:p>
             <a:fld id="{47278C1A-96D6-4232-9F36-8FBD0594C554}" type="datetimeFigureOut">
               <a:rPr lang="pt-BR" smtClean="0"/>
-              <a:t>25/10/2020</a:t>
+              <a:t>26/10/2020</a:t>
             </a:fld>
             <a:endParaRPr lang="pt-BR"/>
           </a:p>
@@ -1623,7 +1623,7 @@
           <a:p>
             <a:fld id="{47278C1A-96D6-4232-9F36-8FBD0594C554}" type="datetimeFigureOut">
               <a:rPr lang="pt-BR" smtClean="0"/>
-              <a:t>25/10/2020</a:t>
+              <a:t>26/10/2020</a:t>
             </a:fld>
             <a:endParaRPr lang="pt-BR"/>
           </a:p>
@@ -1740,7 +1740,7 @@
           <a:p>
             <a:fld id="{47278C1A-96D6-4232-9F36-8FBD0594C554}" type="datetimeFigureOut">
               <a:rPr lang="pt-BR" smtClean="0"/>
-              <a:t>25/10/2020</a:t>
+              <a:t>26/10/2020</a:t>
             </a:fld>
             <a:endParaRPr lang="pt-BR"/>
           </a:p>
@@ -1835,7 +1835,7 @@
           <a:p>
             <a:fld id="{47278C1A-96D6-4232-9F36-8FBD0594C554}" type="datetimeFigureOut">
               <a:rPr lang="pt-BR" smtClean="0"/>
-              <a:t>25/10/2020</a:t>
+              <a:t>26/10/2020</a:t>
             </a:fld>
             <a:endParaRPr lang="pt-BR"/>
           </a:p>
@@ -2110,7 +2110,7 @@
           <a:p>
             <a:fld id="{47278C1A-96D6-4232-9F36-8FBD0594C554}" type="datetimeFigureOut">
               <a:rPr lang="pt-BR" smtClean="0"/>
-              <a:t>25/10/2020</a:t>
+              <a:t>26/10/2020</a:t>
             </a:fld>
             <a:endParaRPr lang="pt-BR"/>
           </a:p>
@@ -2362,7 +2362,7 @@
           <a:p>
             <a:fld id="{47278C1A-96D6-4232-9F36-8FBD0594C554}" type="datetimeFigureOut">
               <a:rPr lang="pt-BR" smtClean="0"/>
-              <a:t>25/10/2020</a:t>
+              <a:t>26/10/2020</a:t>
             </a:fld>
             <a:endParaRPr lang="pt-BR"/>
           </a:p>
@@ -2573,7 +2573,7 @@
           <a:p>
             <a:fld id="{47278C1A-96D6-4232-9F36-8FBD0594C554}" type="datetimeFigureOut">
               <a:rPr lang="pt-BR" smtClean="0"/>
-              <a:t>25/10/2020</a:t>
+              <a:t>26/10/2020</a:t>
             </a:fld>
             <a:endParaRPr lang="pt-BR"/>
           </a:p>
@@ -3321,7 +3321,7 @@
                     <a14:useLocalDpi xmlns:a14="http://schemas.microsoft.com/office/drawing/2010/main" val="0"/>
                   </a:ext>
                   <a:ext uri="{96DAC541-7B7A-43D3-8B79-37D633B846F1}">
-                    <asvg:svgBlip xmlns:asvg="http://schemas.microsoft.com/office/drawing/2016/SVG/main" xmlns="" r:embed="rId3"/>
+                    <asvg:svgBlip xmlns="" xmlns:asvg="http://schemas.microsoft.com/office/drawing/2016/SVG/main" r:embed="rId3"/>
                   </a:ext>
                 </a:extLst>
               </a:blip>
@@ -4244,7 +4244,7 @@
                     <a14:useLocalDpi xmlns:a14="http://schemas.microsoft.com/office/drawing/2010/main" val="0"/>
                   </a:ext>
                   <a:ext uri="{96DAC541-7B7A-43D3-8B79-37D633B846F1}">
-                    <asvg:svgBlip xmlns:asvg="http://schemas.microsoft.com/office/drawing/2016/SVG/main" xmlns="" r:embed="rId3"/>
+                    <asvg:svgBlip xmlns="" xmlns:asvg="http://schemas.microsoft.com/office/drawing/2016/SVG/main" r:embed="rId3"/>
                   </a:ext>
                 </a:extLst>
               </a:blip>
@@ -4834,7 +4834,7 @@
                     <a14:useLocalDpi xmlns:a14="http://schemas.microsoft.com/office/drawing/2010/main" val="0"/>
                   </a:ext>
                   <a:ext uri="{96DAC541-7B7A-43D3-8B79-37D633B846F1}">
-                    <asvg:svgBlip xmlns:asvg="http://schemas.microsoft.com/office/drawing/2016/SVG/main" xmlns="" r:embed="rId3"/>
+                    <asvg:svgBlip xmlns="" xmlns:asvg="http://schemas.microsoft.com/office/drawing/2016/SVG/main" r:embed="rId3"/>
                   </a:ext>
                 </a:extLst>
               </a:blip>
@@ -5507,7 +5507,7 @@
                     <a14:useLocalDpi xmlns:a14="http://schemas.microsoft.com/office/drawing/2010/main" val="0"/>
                   </a:ext>
                   <a:ext uri="{96DAC541-7B7A-43D3-8B79-37D633B846F1}">
-                    <asvg:svgBlip xmlns:asvg="http://schemas.microsoft.com/office/drawing/2016/SVG/main" xmlns="" r:embed="rId3"/>
+                    <asvg:svgBlip xmlns="" xmlns:asvg="http://schemas.microsoft.com/office/drawing/2016/SVG/main" r:embed="rId3"/>
                   </a:ext>
                 </a:extLst>
               </a:blip>
@@ -7500,7 +7500,7 @@
                 <a14:useLocalDpi xmlns:a14="http://schemas.microsoft.com/office/drawing/2010/main" val="0"/>
               </a:ext>
               <a:ext uri="{96DAC541-7B7A-43D3-8B79-37D633B846F1}">
-                <asvg:svgBlip xmlns:asvg="http://schemas.microsoft.com/office/drawing/2016/SVG/main" xmlns="" r:embed="rId4"/>
+                <asvg:svgBlip xmlns="" xmlns:asvg="http://schemas.microsoft.com/office/drawing/2016/SVG/main" r:embed="rId4"/>
               </a:ext>
             </a:extLst>
           </a:blip>
@@ -9250,7 +9250,7 @@
                     <a14:useLocalDpi xmlns:a14="http://schemas.microsoft.com/office/drawing/2010/main" val="0"/>
                   </a:ext>
                   <a:ext uri="{96DAC541-7B7A-43D3-8B79-37D633B846F1}">
-                    <asvg:svgBlip xmlns:asvg="http://schemas.microsoft.com/office/drawing/2016/SVG/main" xmlns="" r:embed="rId3"/>
+                    <asvg:svgBlip xmlns="" xmlns:asvg="http://schemas.microsoft.com/office/drawing/2016/SVG/main" r:embed="rId3"/>
                   </a:ext>
                 </a:extLst>
               </a:blip>
@@ -9844,7 +9844,7 @@
                 <a14:useLocalDpi xmlns:a14="http://schemas.microsoft.com/office/drawing/2010/main" val="0"/>
               </a:ext>
               <a:ext uri="{96DAC541-7B7A-43D3-8B79-37D633B846F1}">
-                <asvg:svgBlip xmlns:asvg="http://schemas.microsoft.com/office/drawing/2016/SVG/main" xmlns="" r:embed="rId4"/>
+                <asvg:svgBlip xmlns="" xmlns:asvg="http://schemas.microsoft.com/office/drawing/2016/SVG/main" r:embed="rId4"/>
               </a:ext>
             </a:extLst>
           </a:blip>
@@ -12334,7 +12334,7 @@
                     <a14:useLocalDpi xmlns:a14="http://schemas.microsoft.com/office/drawing/2010/main" val="0"/>
                   </a:ext>
                   <a:ext uri="{96DAC541-7B7A-43D3-8B79-37D633B846F1}">
-                    <asvg:svgBlip xmlns:asvg="http://schemas.microsoft.com/office/drawing/2016/SVG/main" xmlns="" r:embed="rId3"/>
+                    <asvg:svgBlip xmlns="" xmlns:asvg="http://schemas.microsoft.com/office/drawing/2016/SVG/main" r:embed="rId3"/>
                   </a:ext>
                 </a:extLst>
               </a:blip>
@@ -12939,7 +12939,7 @@
                     <a14:useLocalDpi xmlns:a14="http://schemas.microsoft.com/office/drawing/2010/main" val="0"/>
                   </a:ext>
                   <a:ext uri="{96DAC541-7B7A-43D3-8B79-37D633B846F1}">
-                    <asvg:svgBlip xmlns:asvg="http://schemas.microsoft.com/office/drawing/2016/SVG/main" xmlns="" r:embed="rId3"/>
+                    <asvg:svgBlip xmlns="" xmlns:asvg="http://schemas.microsoft.com/office/drawing/2016/SVG/main" r:embed="rId3"/>
                   </a:ext>
                 </a:extLst>
               </a:blip>
@@ -13544,7 +13544,7 @@
                     <a14:useLocalDpi xmlns:a14="http://schemas.microsoft.com/office/drawing/2010/main" val="0"/>
                   </a:ext>
                   <a:ext uri="{96DAC541-7B7A-43D3-8B79-37D633B846F1}">
-                    <asvg:svgBlip xmlns:asvg="http://schemas.microsoft.com/office/drawing/2016/SVG/main" xmlns="" r:embed="rId3"/>
+                    <asvg:svgBlip xmlns="" xmlns:asvg="http://schemas.microsoft.com/office/drawing/2016/SVG/main" r:embed="rId3"/>
                   </a:ext>
                 </a:extLst>
               </a:blip>
@@ -14829,7 +14829,7 @@
                 <a14:useLocalDpi xmlns:a14="http://schemas.microsoft.com/office/drawing/2010/main" val="0"/>
               </a:ext>
               <a:ext uri="{96DAC541-7B7A-43D3-8B79-37D633B846F1}">
-                <asvg:svgBlip xmlns:asvg="http://schemas.microsoft.com/office/drawing/2016/SVG/main" xmlns="" r:embed="rId4"/>
+                <asvg:svgBlip xmlns="" xmlns:asvg="http://schemas.microsoft.com/office/drawing/2016/SVG/main" r:embed="rId4"/>
               </a:ext>
             </a:extLst>
           </a:blip>
@@ -17742,7 +17742,7 @@
                     <a14:useLocalDpi xmlns:a14="http://schemas.microsoft.com/office/drawing/2010/main" val="0"/>
                   </a:ext>
                   <a:ext uri="{96DAC541-7B7A-43D3-8B79-37D633B846F1}">
-                    <asvg:svgBlip xmlns:asvg="http://schemas.microsoft.com/office/drawing/2016/SVG/main" xmlns="" r:embed="rId3"/>
+                    <asvg:svgBlip xmlns="" xmlns:asvg="http://schemas.microsoft.com/office/drawing/2016/SVG/main" r:embed="rId3"/>
                   </a:ext>
                 </a:extLst>
               </a:blip>
@@ -20688,7 +20688,7 @@
                     <a14:useLocalDpi xmlns:a14="http://schemas.microsoft.com/office/drawing/2010/main" val="0"/>
                   </a:ext>
                   <a:ext uri="{96DAC541-7B7A-43D3-8B79-37D633B846F1}">
-                    <asvg:svgBlip xmlns:asvg="http://schemas.microsoft.com/office/drawing/2016/SVG/main" xmlns="" r:embed="rId3"/>
+                    <asvg:svgBlip xmlns="" xmlns:asvg="http://schemas.microsoft.com/office/drawing/2016/SVG/main" r:embed="rId3"/>
                   </a:ext>
                 </a:extLst>
               </a:blip>
@@ -20803,6 +20803,30 @@
           </a:prstGeom>
         </p:spPr>
       </p:pic>
+      <p:pic>
+        <p:nvPicPr>
+          <p:cNvPr id="2" name="Imagem 1"/>
+          <p:cNvPicPr>
+            <a:picLocks noChangeAspect="1"/>
+          </p:cNvPicPr>
+          <p:nvPr/>
+        </p:nvPicPr>
+        <p:blipFill>
+          <a:blip r:embed="rId5"/>
+          <a:stretch>
+            <a:fillRect/>
+          </a:stretch>
+        </p:blipFill>
+        <p:spPr>
+          <a:xfrm>
+            <a:off x="2577923" y="1277712"/>
+            <a:ext cx="7245345" cy="5295465"/>
+          </a:xfrm>
+          <a:prstGeom prst="rect">
+            <a:avLst/>
+          </a:prstGeom>
+        </p:spPr>
+      </p:pic>
     </p:spTree>
     <p:extLst>
       <p:ext uri="{BB962C8B-B14F-4D97-AF65-F5344CB8AC3E}">
@@ -20911,6 +20935,50 @@
                                         <p:cTn id="9" dur="500"/>
                                         <p:tgtEl>
                                           <p:spTgt spid="5"/>
+                                        </p:tgtEl>
+                                      </p:cBhvr>
+                                    </p:animEffect>
+                                  </p:childTnLst>
+                                </p:cTn>
+                              </p:par>
+                            </p:childTnLst>
+                          </p:cTn>
+                        </p:par>
+                        <p:par>
+                          <p:cTn id="10" fill="hold">
+                            <p:stCondLst>
+                              <p:cond delay="500"/>
+                            </p:stCondLst>
+                            <p:childTnLst>
+                              <p:par>
+                                <p:cTn id="11" presetID="10" presetClass="entr" presetSubtype="0" fill="hold" nodeType="afterEffect">
+                                  <p:stCondLst>
+                                    <p:cond delay="0"/>
+                                  </p:stCondLst>
+                                  <p:childTnLst>
+                                    <p:set>
+                                      <p:cBhvr>
+                                        <p:cTn id="12" dur="1" fill="hold">
+                                          <p:stCondLst>
+                                            <p:cond delay="0"/>
+                                          </p:stCondLst>
+                                        </p:cTn>
+                                        <p:tgtEl>
+                                          <p:spTgt spid="2"/>
+                                        </p:tgtEl>
+                                        <p:attrNameLst>
+                                          <p:attrName>style.visibility</p:attrName>
+                                        </p:attrNameLst>
+                                      </p:cBhvr>
+                                      <p:to>
+                                        <p:strVal val="visible"/>
+                                      </p:to>
+                                    </p:set>
+                                    <p:animEffect transition="in" filter="fade">
+                                      <p:cBhvr>
+                                        <p:cTn id="13" dur="1000"/>
+                                        <p:tgtEl>
+                                          <p:spTgt spid="2"/>
                                         </p:tgtEl>
                                       </p:cBhvr>
                                     </p:animEffect>
@@ -21311,7 +21379,7 @@
                     <a14:useLocalDpi xmlns:a14="http://schemas.microsoft.com/office/drawing/2010/main" val="0"/>
                   </a:ext>
                   <a:ext uri="{96DAC541-7B7A-43D3-8B79-37D633B846F1}">
-                    <asvg:svgBlip xmlns:asvg="http://schemas.microsoft.com/office/drawing/2016/SVG/main" xmlns="" r:embed="rId4"/>
+                    <asvg:svgBlip xmlns="" xmlns:asvg="http://schemas.microsoft.com/office/drawing/2016/SVG/main" r:embed="rId4"/>
                   </a:ext>
                 </a:extLst>
               </a:blip>
@@ -21331,6 +21399,30 @@
           </p:pic>
         </p:grpSp>
       </p:grpSp>
+      <p:pic>
+        <p:nvPicPr>
+          <p:cNvPr id="2" name="Imagem 1"/>
+          <p:cNvPicPr>
+            <a:picLocks noChangeAspect="1"/>
+          </p:cNvPicPr>
+          <p:nvPr/>
+        </p:nvPicPr>
+        <p:blipFill>
+          <a:blip r:embed="rId5"/>
+          <a:stretch>
+            <a:fillRect/>
+          </a:stretch>
+        </p:blipFill>
+        <p:spPr>
+          <a:xfrm>
+            <a:off x="1700637" y="1302201"/>
+            <a:ext cx="8790725" cy="5059410"/>
+          </a:xfrm>
+          <a:prstGeom prst="rect">
+            <a:avLst/>
+          </a:prstGeom>
+        </p:spPr>
+      </p:pic>
     </p:spTree>
     <p:extLst>
       <p:ext uri="{BB962C8B-B14F-4D97-AF65-F5344CB8AC3E}">
@@ -21439,6 +21531,50 @@
                                         <p:cTn id="9" dur="500"/>
                                         <p:tgtEl>
                                           <p:spTgt spid="26"/>
+                                        </p:tgtEl>
+                                      </p:cBhvr>
+                                    </p:animEffect>
+                                  </p:childTnLst>
+                                </p:cTn>
+                              </p:par>
+                            </p:childTnLst>
+                          </p:cTn>
+                        </p:par>
+                        <p:par>
+                          <p:cTn id="10" fill="hold">
+                            <p:stCondLst>
+                              <p:cond delay="500"/>
+                            </p:stCondLst>
+                            <p:childTnLst>
+                              <p:par>
+                                <p:cTn id="11" presetID="10" presetClass="entr" presetSubtype="0" fill="hold" nodeType="afterEffect">
+                                  <p:stCondLst>
+                                    <p:cond delay="0"/>
+                                  </p:stCondLst>
+                                  <p:childTnLst>
+                                    <p:set>
+                                      <p:cBhvr>
+                                        <p:cTn id="12" dur="1" fill="hold">
+                                          <p:stCondLst>
+                                            <p:cond delay="0"/>
+                                          </p:stCondLst>
+                                        </p:cTn>
+                                        <p:tgtEl>
+                                          <p:spTgt spid="2"/>
+                                        </p:tgtEl>
+                                        <p:attrNameLst>
+                                          <p:attrName>style.visibility</p:attrName>
+                                        </p:attrNameLst>
+                                      </p:cBhvr>
+                                      <p:to>
+                                        <p:strVal val="visible"/>
+                                      </p:to>
+                                    </p:set>
+                                    <p:animEffect transition="in" filter="fade">
+                                      <p:cBhvr>
+                                        <p:cTn id="13" dur="1000"/>
+                                        <p:tgtEl>
+                                          <p:spTgt spid="2"/>
                                         </p:tgtEl>
                                       </p:cBhvr>
                                     </p:animEffect>
@@ -21780,7 +21916,7 @@
                     <a14:useLocalDpi xmlns:a14="http://schemas.microsoft.com/office/drawing/2010/main" val="0"/>
                   </a:ext>
                   <a:ext uri="{96DAC541-7B7A-43D3-8B79-37D633B846F1}">
-                    <asvg:svgBlip xmlns:asvg="http://schemas.microsoft.com/office/drawing/2016/SVG/main" xmlns="" r:embed="rId4"/>
+                    <asvg:svgBlip xmlns="" xmlns:asvg="http://schemas.microsoft.com/office/drawing/2016/SVG/main" r:embed="rId4"/>
                   </a:ext>
                 </a:extLst>
               </a:blip>
@@ -22402,7 +22538,7 @@
                 <a14:useLocalDpi xmlns:a14="http://schemas.microsoft.com/office/drawing/2010/main" val="0"/>
               </a:ext>
               <a:ext uri="{96DAC541-7B7A-43D3-8B79-37D633B846F1}">
-                <asvg:svgBlip xmlns:asvg="http://schemas.microsoft.com/office/drawing/2016/SVG/main" xmlns="" r:embed="rId4"/>
+                <asvg:svgBlip xmlns="" xmlns:asvg="http://schemas.microsoft.com/office/drawing/2016/SVG/main" r:embed="rId4"/>
               </a:ext>
             </a:extLst>
           </a:blip>
@@ -24220,7 +24356,7 @@
                     <a14:useLocalDpi xmlns:a14="http://schemas.microsoft.com/office/drawing/2010/main" val="0"/>
                   </a:ext>
                   <a:ext uri="{96DAC541-7B7A-43D3-8B79-37D633B846F1}">
-                    <asvg:svgBlip xmlns:asvg="http://schemas.microsoft.com/office/drawing/2016/SVG/main" xmlns="" r:embed="rId3"/>
+                    <asvg:svgBlip xmlns="" xmlns:asvg="http://schemas.microsoft.com/office/drawing/2016/SVG/main" r:embed="rId3"/>
                   </a:ext>
                 </a:extLst>
               </a:blip>
@@ -24884,7 +25020,7 @@
                     <a14:useLocalDpi xmlns:a14="http://schemas.microsoft.com/office/drawing/2010/main" val="0"/>
                   </a:ext>
                   <a:ext uri="{96DAC541-7B7A-43D3-8B79-37D633B846F1}">
-                    <asvg:svgBlip xmlns:asvg="http://schemas.microsoft.com/office/drawing/2016/SVG/main" xmlns="" r:embed="rId3"/>
+                    <asvg:svgBlip xmlns="" xmlns:asvg="http://schemas.microsoft.com/office/drawing/2016/SVG/main" r:embed="rId3"/>
                   </a:ext>
                 </a:extLst>
               </a:blip>
@@ -25474,12 +25610,6 @@
 </file>
 
 <file path=customXml/item1.xml><?xml version="1.0" encoding="utf-8"?>
-<p:properties xmlns:p="http://schemas.microsoft.com/office/2006/metadata/properties" xmlns:xsi="http://www.w3.org/2001/XMLSchema-instance" xmlns:pc="http://schemas.microsoft.com/office/infopath/2007/PartnerControls">
-  <documentManagement/>
-</p:properties>
-</file>
-
-<file path=customXml/item2.xml><?xml version="1.0" encoding="utf-8"?>
 <ct:contentTypeSchema xmlns:ct="http://schemas.microsoft.com/office/2006/metadata/contentType" xmlns:ma="http://schemas.microsoft.com/office/2006/metadata/properties/metaAttributes" ct:_="" ma:_="" ma:contentTypeName="Document" ma:contentTypeID="0x010100A663B016B9E10D44AF2D6A2076639652" ma:contentTypeVersion="9" ma:contentTypeDescription="Create a new document." ma:contentTypeScope="" ma:versionID="487f2b4f5bb26e664e658aeeb82afc06">
   <xsd:schema xmlns:xsd="http://www.w3.org/2001/XMLSchema" xmlns:xs="http://www.w3.org/2001/XMLSchema" xmlns:p="http://schemas.microsoft.com/office/2006/metadata/properties" xmlns:ns3="1f168f81-3f83-4b33-9f0c-ec152bce3f98" xmlns:ns4="86822d51-02f5-488a-80f3-0b621e7c317a" targetNamespace="http://schemas.microsoft.com/office/2006/metadata/properties" ma:root="true" ma:fieldsID="edc5afedb1afb76831d7c08402d80832" ns3:_="" ns4:_="">
     <xsd:import namespace="1f168f81-3f83-4b33-9f0c-ec152bce3f98"/>
@@ -25676,6 +25806,12 @@
 </ct:contentTypeSchema>
 </file>
 
+<file path=customXml/item2.xml><?xml version="1.0" encoding="utf-8"?>
+<p:properties xmlns:p="http://schemas.microsoft.com/office/2006/metadata/properties" xmlns:xsi="http://www.w3.org/2001/XMLSchema-instance" xmlns:pc="http://schemas.microsoft.com/office/infopath/2007/PartnerControls">
+  <documentManagement/>
+</p:properties>
+</file>
+
 <file path=customXml/item3.xml><?xml version="1.0" encoding="utf-8"?>
 <?mso-contentType ?>
 <FormTemplates xmlns="http://schemas.microsoft.com/sharepoint/v3/contenttype/forms">
@@ -25686,23 +25822,6 @@
 </file>
 
 <file path=customXml/itemProps1.xml><?xml version="1.0" encoding="utf-8"?>
-<ds:datastoreItem xmlns:ds="http://schemas.openxmlformats.org/officeDocument/2006/customXml" ds:itemID="{7972C250-C430-4380-B8BD-02E395B67AF0}">
-  <ds:schemaRefs>
-    <ds:schemaRef ds:uri="http://purl.org/dc/dcmitype/"/>
-    <ds:schemaRef ds:uri="http://purl.org/dc/terms/"/>
-    <ds:schemaRef ds:uri="http://schemas.openxmlformats.org/package/2006/metadata/core-properties"/>
-    <ds:schemaRef ds:uri="http://schemas.microsoft.com/office/2006/documentManagement/types"/>
-    <ds:schemaRef ds:uri="http://www.w3.org/XML/1998/namespace"/>
-    <ds:schemaRef ds:uri="http://schemas.microsoft.com/office/infopath/2007/PartnerControls"/>
-    <ds:schemaRef ds:uri="http://purl.org/dc/elements/1.1/"/>
-    <ds:schemaRef ds:uri="86822d51-02f5-488a-80f3-0b621e7c317a"/>
-    <ds:schemaRef ds:uri="1f168f81-3f83-4b33-9f0c-ec152bce3f98"/>
-    <ds:schemaRef ds:uri="http://schemas.microsoft.com/office/2006/metadata/properties"/>
-  </ds:schemaRefs>
-</ds:datastoreItem>
-</file>
-
-<file path=customXml/itemProps2.xml><?xml version="1.0" encoding="utf-8"?>
 <ds:datastoreItem xmlns:ds="http://schemas.openxmlformats.org/officeDocument/2006/customXml" ds:itemID="{ED87D459-01C6-46F3-85EB-8A8AB455C67D}">
   <ds:schemaRefs>
     <ds:schemaRef ds:uri="http://schemas.microsoft.com/office/2006/metadata/contentType"/>
@@ -25721,6 +25840,23 @@
 </ds:datastoreItem>
 </file>
 
+<file path=customXml/itemProps2.xml><?xml version="1.0" encoding="utf-8"?>
+<ds:datastoreItem xmlns:ds="http://schemas.openxmlformats.org/officeDocument/2006/customXml" ds:itemID="{7972C250-C430-4380-B8BD-02E395B67AF0}">
+  <ds:schemaRefs>
+    <ds:schemaRef ds:uri="http://purl.org/dc/dcmitype/"/>
+    <ds:schemaRef ds:uri="http://purl.org/dc/terms/"/>
+    <ds:schemaRef ds:uri="http://schemas.openxmlformats.org/package/2006/metadata/core-properties"/>
+    <ds:schemaRef ds:uri="http://schemas.microsoft.com/office/2006/documentManagement/types"/>
+    <ds:schemaRef ds:uri="http://www.w3.org/XML/1998/namespace"/>
+    <ds:schemaRef ds:uri="http://schemas.microsoft.com/office/infopath/2007/PartnerControls"/>
+    <ds:schemaRef ds:uri="http://purl.org/dc/elements/1.1/"/>
+    <ds:schemaRef ds:uri="86822d51-02f5-488a-80f3-0b621e7c317a"/>
+    <ds:schemaRef ds:uri="1f168f81-3f83-4b33-9f0c-ec152bce3f98"/>
+    <ds:schemaRef ds:uri="http://schemas.microsoft.com/office/2006/metadata/properties"/>
+  </ds:schemaRefs>
+</ds:datastoreItem>
+</file>
+
 <file path=customXml/itemProps3.xml><?xml version="1.0" encoding="utf-8"?>
 <ds:datastoreItem xmlns:ds="http://schemas.openxmlformats.org/officeDocument/2006/customXml" ds:itemID="{E12B114C-EB44-46E6-930B-B69E30F6F9AE}">
   <ds:schemaRefs>

--- a/MONITORAMENTO/Documentação/PPTs/Cold Stock Apresentação - Sprint 2.pptx
+++ b/MONITORAMENTO/Documentação/PPTs/Cold Stock Apresentação - Sprint 2.pptx
@@ -3061,16 +3061,7 @@
                 </a:solidFill>
                 <a:latin typeface="Montserrat" panose="00000500000000000000" pitchFamily="2" charset="0"/>
               </a:rPr>
-              <a:t>Giovanna de </a:t>
-            </a:r>
-            <a:r>
-              <a:rPr lang="pt-BR" sz="1600" dirty="0" smtClean="0">
-                <a:solidFill>
-                  <a:srgbClr val="3AAFA9"/>
-                </a:solidFill>
-                <a:latin typeface="Montserrat" panose="00000500000000000000" pitchFamily="2" charset="0"/>
-              </a:rPr>
-              <a:t>Jesus</a:t>
+              <a:t>Giovanna de Jesus</a:t>
             </a:r>
           </a:p>
           <a:p>
@@ -3101,7 +3092,7 @@
           </a:p>
           <a:p>
             <a:r>
-              <a:rPr lang="pt-BR" sz="1600" dirty="0" smtClean="0">
+              <a:rPr lang="pt-BR" sz="1600" dirty="0">
                 <a:solidFill>
                   <a:srgbClr val="3AAFA9"/>
                 </a:solidFill>
@@ -3109,12 +3100,6 @@
               </a:rPr>
               <a:t>Victor Vicente</a:t>
             </a:r>
-            <a:endParaRPr lang="pt-BR" sz="1600" dirty="0">
-              <a:solidFill>
-                <a:srgbClr val="3AAFA9"/>
-              </a:solidFill>
-              <a:latin typeface="Montserrat" panose="00000500000000000000" pitchFamily="2" charset="0"/>
-            </a:endParaRPr>
           </a:p>
         </p:txBody>
       </p:sp>
@@ -3321,7 +3306,7 @@
                     <a14:useLocalDpi xmlns:a14="http://schemas.microsoft.com/office/drawing/2010/main" val="0"/>
                   </a:ext>
                   <a:ext uri="{96DAC541-7B7A-43D3-8B79-37D633B846F1}">
-                    <asvg:svgBlip xmlns="" xmlns:asvg="http://schemas.microsoft.com/office/drawing/2016/SVG/main" r:embed="rId3"/>
+                    <asvg:svgBlip xmlns:asvg="http://schemas.microsoft.com/office/drawing/2016/SVG/main" r:embed="rId3"/>
                   </a:ext>
                 </a:extLst>
               </a:blip>
@@ -3376,25 +3361,7 @@
                 </a:solidFill>
                 <a:latin typeface="Montserrat" panose="00000500000000000000" pitchFamily="2" charset="0"/>
               </a:rPr>
-              <a:t>Sprint </a:t>
-            </a:r>
-            <a:r>
-              <a:rPr lang="pt-BR" sz="2400" dirty="0" smtClean="0">
-                <a:solidFill>
-                  <a:srgbClr val="3AAFA9"/>
-                </a:solidFill>
-                <a:latin typeface="Montserrat" panose="00000500000000000000" pitchFamily="2" charset="0"/>
-              </a:rPr>
-              <a:t>2 </a:t>
-            </a:r>
-            <a:r>
-              <a:rPr lang="pt-BR" sz="2400" dirty="0">
-                <a:solidFill>
-                  <a:srgbClr val="3AAFA9"/>
-                </a:solidFill>
-                <a:latin typeface="Montserrat" panose="00000500000000000000" pitchFamily="2" charset="0"/>
-              </a:rPr>
-              <a:t>– CCO</a:t>
+              <a:t>Sprint 2 – CCO</a:t>
             </a:r>
           </a:p>
           <a:p>
@@ -4102,7 +4069,7 @@
             <a:p>
               <a:pPr algn="ctr"/>
               <a:r>
-                <a:rPr lang="pt-BR" sz="5400" dirty="0" smtClean="0">
+                <a:rPr lang="pt-BR" sz="5400" dirty="0">
                   <a:solidFill>
                     <a:srgbClr val="3AAFA9"/>
                   </a:solidFill>
@@ -4110,12 +4077,6 @@
                 </a:rPr>
                 <a:t>Protótipo Máquinas</a:t>
               </a:r>
-              <a:endParaRPr lang="pt-BR" sz="5400" dirty="0">
-                <a:solidFill>
-                  <a:srgbClr val="3AAFA9"/>
-                </a:solidFill>
-                <a:latin typeface="Montserrat SemiBold" panose="00000700000000000000" pitchFamily="2" charset="0"/>
-              </a:endParaRPr>
             </a:p>
           </p:txBody>
         </p:sp>
@@ -4244,7 +4205,7 @@
                     <a14:useLocalDpi xmlns:a14="http://schemas.microsoft.com/office/drawing/2010/main" val="0"/>
                   </a:ext>
                   <a:ext uri="{96DAC541-7B7A-43D3-8B79-37D633B846F1}">
-                    <asvg:svgBlip xmlns="" xmlns:asvg="http://schemas.microsoft.com/office/drawing/2016/SVG/main" r:embed="rId3"/>
+                    <asvg:svgBlip xmlns:asvg="http://schemas.microsoft.com/office/drawing/2016/SVG/main" r:embed="rId3"/>
                   </a:ext>
                 </a:extLst>
               </a:blip>
@@ -4834,7 +4795,7 @@
                     <a14:useLocalDpi xmlns:a14="http://schemas.microsoft.com/office/drawing/2010/main" val="0"/>
                   </a:ext>
                   <a:ext uri="{96DAC541-7B7A-43D3-8B79-37D633B846F1}">
-                    <asvg:svgBlip xmlns="" xmlns:asvg="http://schemas.microsoft.com/office/drawing/2016/SVG/main" r:embed="rId3"/>
+                    <asvg:svgBlip xmlns:asvg="http://schemas.microsoft.com/office/drawing/2016/SVG/main" r:embed="rId3"/>
                   </a:ext>
                 </a:extLst>
               </a:blip>
@@ -5365,7 +5326,7 @@
             <a:p>
               <a:pPr algn="ctr"/>
               <a:r>
-                <a:rPr lang="pt-BR" sz="5400" dirty="0" err="1" smtClean="0">
+                <a:rPr lang="pt-BR" sz="5400" dirty="0" err="1">
                   <a:solidFill>
                     <a:srgbClr val="3AAFA9"/>
                   </a:solidFill>
@@ -5507,7 +5468,7 @@
                     <a14:useLocalDpi xmlns:a14="http://schemas.microsoft.com/office/drawing/2010/main" val="0"/>
                   </a:ext>
                   <a:ext uri="{96DAC541-7B7A-43D3-8B79-37D633B846F1}">
-                    <asvg:svgBlip xmlns="" xmlns:asvg="http://schemas.microsoft.com/office/drawing/2016/SVG/main" r:embed="rId3"/>
+                    <asvg:svgBlip xmlns:asvg="http://schemas.microsoft.com/office/drawing/2016/SVG/main" r:embed="rId3"/>
                   </a:ext>
                 </a:extLst>
               </a:blip>
@@ -5762,13 +5723,13 @@
           <a:p>
             <a:pPr algn="ctr"/>
             <a:r>
-              <a:rPr lang="pt-BR" sz="1600" b="1" dirty="0" smtClean="0">
+              <a:rPr lang="pt-BR" sz="1600" b="1" dirty="0">
                 <a:latin typeface="Montserrat" panose="00000500000000000000" pitchFamily="2" charset="0"/>
               </a:rPr>
               <a:t>API </a:t>
             </a:r>
             <a:r>
-              <a:rPr lang="pt-BR" sz="1600" b="1" dirty="0" err="1" smtClean="0">
+              <a:rPr lang="pt-BR" sz="1600" b="1" dirty="0" err="1">
                 <a:latin typeface="Montserrat" panose="00000500000000000000" pitchFamily="2" charset="0"/>
               </a:rPr>
               <a:t>psutil</a:t>
@@ -5912,7 +5873,7 @@
           <a:p>
             <a:pPr algn="ctr"/>
             <a:r>
-              <a:rPr lang="pt-BR" sz="1600" b="1" dirty="0" smtClean="0">
+              <a:rPr lang="pt-BR" sz="1600" b="1" dirty="0">
                 <a:latin typeface="Montserrat" panose="00000500000000000000" pitchFamily="2" charset="0"/>
               </a:rPr>
               <a:t>Automatizações</a:t>
@@ -5955,14 +5916,11 @@
           <a:p>
             <a:pPr algn="ctr"/>
             <a:r>
-              <a:rPr lang="pt-BR" sz="1600" b="1" dirty="0" smtClean="0">
+              <a:rPr lang="pt-BR" sz="1600" b="1" dirty="0">
                 <a:latin typeface="Montserrat" panose="00000500000000000000" pitchFamily="2" charset="0"/>
               </a:rPr>
               <a:t>API OHM</a:t>
             </a:r>
-            <a:endParaRPr lang="pt-BR" sz="1600" b="1" dirty="0">
-              <a:latin typeface="Montserrat" panose="00000500000000000000" pitchFamily="2" charset="0"/>
-            </a:endParaRPr>
           </a:p>
         </p:txBody>
       </p:sp>
@@ -7367,7 +7325,7 @@
           <a:p>
             <a:pPr algn="ctr"/>
             <a:r>
-              <a:rPr lang="pt-BR" sz="4800" dirty="0" smtClean="0">
+              <a:rPr lang="pt-BR" sz="4800" dirty="0">
                 <a:solidFill>
                   <a:srgbClr val="2B7A78"/>
                 </a:solidFill>
@@ -7500,7 +7458,7 @@
                 <a14:useLocalDpi xmlns:a14="http://schemas.microsoft.com/office/drawing/2010/main" val="0"/>
               </a:ext>
               <a:ext uri="{96DAC541-7B7A-43D3-8B79-37D633B846F1}">
-                <asvg:svgBlip xmlns="" xmlns:asvg="http://schemas.microsoft.com/office/drawing/2016/SVG/main" r:embed="rId4"/>
+                <asvg:svgBlip xmlns:asvg="http://schemas.microsoft.com/office/drawing/2016/SVG/main" r:embed="rId4"/>
               </a:ext>
             </a:extLst>
           </a:blip>
@@ -7714,7 +7672,7 @@
           <a:lstStyle/>
           <a:p>
             <a:r>
-              <a:rPr lang="pt-BR" sz="2000" dirty="0" err="1" smtClean="0">
+              <a:rPr lang="pt-BR" sz="2000" dirty="0" err="1">
                 <a:solidFill>
                   <a:srgbClr val="F1F6FB"/>
                 </a:solidFill>
@@ -7994,7 +7952,7 @@
           <a:lstStyle/>
           <a:p>
             <a:r>
-              <a:rPr lang="pt-BR" sz="2000" dirty="0" smtClean="0">
+              <a:rPr lang="pt-BR" sz="2000" dirty="0">
                 <a:solidFill>
                   <a:srgbClr val="F1F6FB"/>
                 </a:solidFill>
@@ -8002,12 +7960,6 @@
               </a:rPr>
               <a:t>Máquinas</a:t>
             </a:r>
-            <a:endParaRPr lang="pt-BR" sz="2000" dirty="0">
-              <a:solidFill>
-                <a:srgbClr val="F1F6FB"/>
-              </a:solidFill>
-              <a:latin typeface="Eras Medium ITC" panose="020B0602030504020804" pitchFamily="34" charset="0"/>
-            </a:endParaRPr>
           </a:p>
         </p:txBody>
       </p:sp>
@@ -9108,7 +9060,7 @@
             <a:p>
               <a:pPr algn="ctr"/>
               <a:r>
-                <a:rPr lang="pt-BR" sz="5400" dirty="0" smtClean="0">
+                <a:rPr lang="pt-BR" sz="5400" dirty="0">
                   <a:solidFill>
                     <a:srgbClr val="3AAFA9"/>
                   </a:solidFill>
@@ -9116,12 +9068,6 @@
                 </a:rPr>
                 <a:t>AWS</a:t>
               </a:r>
-              <a:endParaRPr lang="pt-BR" sz="5400" dirty="0">
-                <a:solidFill>
-                  <a:srgbClr val="3AAFA9"/>
-                </a:solidFill>
-                <a:latin typeface="Montserrat SemiBold" panose="00000700000000000000" pitchFamily="2" charset="0"/>
-              </a:endParaRPr>
             </a:p>
           </p:txBody>
         </p:sp>
@@ -9250,7 +9196,7 @@
                     <a14:useLocalDpi xmlns:a14="http://schemas.microsoft.com/office/drawing/2010/main" val="0"/>
                   </a:ext>
                   <a:ext uri="{96DAC541-7B7A-43D3-8B79-37D633B846F1}">
-                    <asvg:svgBlip xmlns="" xmlns:asvg="http://schemas.microsoft.com/office/drawing/2016/SVG/main" r:embed="rId3"/>
+                    <asvg:svgBlip xmlns:asvg="http://schemas.microsoft.com/office/drawing/2016/SVG/main" r:embed="rId3"/>
                   </a:ext>
                 </a:extLst>
               </a:blip>
@@ -9421,6 +9367,263 @@
           <a:p>
             <a:pPr algn="ctr"/>
             <a:endParaRPr lang="pt-BR"/>
+          </a:p>
+        </p:txBody>
+      </p:sp>
+      <p:pic>
+        <p:nvPicPr>
+          <p:cNvPr id="3" name="Gráfico 2" descr="Pato de borracha">
+            <a:extLst>
+              <a:ext uri="{FF2B5EF4-FFF2-40B4-BE49-F238E27FC236}">
+                <a16:creationId xmlns:a16="http://schemas.microsoft.com/office/drawing/2014/main" id="{EECB52C2-FCB4-458B-8DDB-90444923E66C}"/>
+              </a:ext>
+            </a:extLst>
+          </p:cNvPr>
+          <p:cNvPicPr>
+            <a:picLocks noChangeAspect="1"/>
+          </p:cNvPicPr>
+          <p:nvPr/>
+        </p:nvPicPr>
+        <p:blipFill>
+          <a:blip r:embed="rId5">
+            <a:extLst>
+              <a:ext uri="{28A0092B-C50C-407E-A947-70E740481C1C}">
+                <a14:useLocalDpi xmlns:a14="http://schemas.microsoft.com/office/drawing/2010/main" val="0"/>
+              </a:ext>
+              <a:ext uri="{96DAC541-7B7A-43D3-8B79-37D633B846F1}">
+                <asvg:svgBlip xmlns:asvg="http://schemas.microsoft.com/office/drawing/2016/SVG/main" r:embed="rId6"/>
+              </a:ext>
+            </a:extLst>
+          </a:blip>
+          <a:stretch>
+            <a:fillRect/>
+          </a:stretch>
+        </p:blipFill>
+        <p:spPr>
+          <a:xfrm>
+            <a:off x="1437473" y="1801120"/>
+            <a:ext cx="914400" cy="914400"/>
+          </a:xfrm>
+          <a:prstGeom prst="rect">
+            <a:avLst/>
+          </a:prstGeom>
+        </p:spPr>
+      </p:pic>
+      <p:pic>
+        <p:nvPicPr>
+          <p:cNvPr id="14" name="Gráfico 13" descr="África">
+            <a:extLst>
+              <a:ext uri="{FF2B5EF4-FFF2-40B4-BE49-F238E27FC236}">
+                <a16:creationId xmlns:a16="http://schemas.microsoft.com/office/drawing/2014/main" id="{CD240FE6-2386-42D8-A0A6-D7CC1F42F2AB}"/>
+              </a:ext>
+            </a:extLst>
+          </p:cNvPr>
+          <p:cNvPicPr>
+            <a:picLocks noChangeAspect="1"/>
+          </p:cNvPicPr>
+          <p:nvPr/>
+        </p:nvPicPr>
+        <p:blipFill>
+          <a:blip r:embed="rId7">
+            <a:extLst>
+              <a:ext uri="{28A0092B-C50C-407E-A947-70E740481C1C}">
+                <a14:useLocalDpi xmlns:a14="http://schemas.microsoft.com/office/drawing/2010/main" val="0"/>
+              </a:ext>
+              <a:ext uri="{96DAC541-7B7A-43D3-8B79-37D633B846F1}">
+                <asvg:svgBlip xmlns:asvg="http://schemas.microsoft.com/office/drawing/2016/SVG/main" r:embed="rId8"/>
+              </a:ext>
+            </a:extLst>
+          </a:blip>
+          <a:stretch>
+            <a:fillRect/>
+          </a:stretch>
+        </p:blipFill>
+        <p:spPr>
+          <a:xfrm>
+            <a:off x="1437473" y="4132050"/>
+            <a:ext cx="914400" cy="914400"/>
+          </a:xfrm>
+          <a:prstGeom prst="rect">
+            <a:avLst/>
+          </a:prstGeom>
+        </p:spPr>
+      </p:pic>
+      <p:pic>
+        <p:nvPicPr>
+          <p:cNvPr id="16" name="Gráfico 15" descr="Rosto alienígena">
+            <a:extLst>
+              <a:ext uri="{FF2B5EF4-FFF2-40B4-BE49-F238E27FC236}">
+                <a16:creationId xmlns:a16="http://schemas.microsoft.com/office/drawing/2014/main" id="{71901AAC-3748-4B03-8E99-2A778D28AB5B}"/>
+              </a:ext>
+            </a:extLst>
+          </p:cNvPr>
+          <p:cNvPicPr>
+            <a:picLocks noChangeAspect="1"/>
+          </p:cNvPicPr>
+          <p:nvPr/>
+        </p:nvPicPr>
+        <p:blipFill>
+          <a:blip r:embed="rId9">
+            <a:extLst>
+              <a:ext uri="{28A0092B-C50C-407E-A947-70E740481C1C}">
+                <a14:useLocalDpi xmlns:a14="http://schemas.microsoft.com/office/drawing/2010/main" val="0"/>
+              </a:ext>
+              <a:ext uri="{96DAC541-7B7A-43D3-8B79-37D633B846F1}">
+                <asvg:svgBlip xmlns:asvg="http://schemas.microsoft.com/office/drawing/2016/SVG/main" r:embed="rId10"/>
+              </a:ext>
+            </a:extLst>
+          </a:blip>
+          <a:stretch>
+            <a:fillRect/>
+          </a:stretch>
+        </p:blipFill>
+        <p:spPr>
+          <a:xfrm>
+            <a:off x="1437473" y="2966585"/>
+            <a:ext cx="914400" cy="914400"/>
+          </a:xfrm>
+          <a:prstGeom prst="rect">
+            <a:avLst/>
+          </a:prstGeom>
+        </p:spPr>
+      </p:pic>
+      <p:sp>
+        <p:nvSpPr>
+          <p:cNvPr id="17" name="CaixaDeTexto 16">
+            <a:extLst>
+              <a:ext uri="{FF2B5EF4-FFF2-40B4-BE49-F238E27FC236}">
+                <a16:creationId xmlns:a16="http://schemas.microsoft.com/office/drawing/2014/main" id="{2A76F44E-9C8F-4790-95B7-1CAA9874B0B3}"/>
+              </a:ext>
+            </a:extLst>
+          </p:cNvPr>
+          <p:cNvSpPr txBox="1"/>
+          <p:nvPr/>
+        </p:nvSpPr>
+        <p:spPr>
+          <a:xfrm>
+            <a:off x="2473693" y="1801120"/>
+            <a:ext cx="7575082" cy="923330"/>
+          </a:xfrm>
+          <a:prstGeom prst="rect">
+            <a:avLst/>
+          </a:prstGeom>
+          <a:noFill/>
+        </p:spPr>
+        <p:txBody>
+          <a:bodyPr wrap="square" rtlCol="0">
+            <a:spAutoFit/>
+          </a:bodyPr>
+          <a:lstStyle/>
+          <a:p>
+            <a:r>
+              <a:rPr lang="pt-BR" dirty="0">
+                <a:sym typeface="Wingdings" panose="05000000000000000000" pitchFamily="2" charset="2"/>
+              </a:rPr>
+              <a:t> </a:t>
+            </a:r>
+            <a:r>
+              <a:rPr lang="pt-BR" dirty="0"/>
+              <a:t>Nós temos então nos preparado para aplicar na nuvem </a:t>
+            </a:r>
+            <a:r>
+              <a:rPr lang="pt-BR" dirty="0" err="1"/>
+              <a:t>aws</a:t>
+            </a:r>
+            <a:r>
+              <a:rPr lang="pt-BR" dirty="0"/>
+              <a:t> em que se localiza nosso projeto legado, a nossa aplicação de monitoramento. Com armazenamento local.</a:t>
+            </a:r>
+          </a:p>
+        </p:txBody>
+      </p:sp>
+      <p:sp>
+        <p:nvSpPr>
+          <p:cNvPr id="19" name="CaixaDeTexto 18">
+            <a:extLst>
+              <a:ext uri="{FF2B5EF4-FFF2-40B4-BE49-F238E27FC236}">
+                <a16:creationId xmlns:a16="http://schemas.microsoft.com/office/drawing/2014/main" id="{3F0BEE90-7452-4AAC-82A7-77ABCBD23705}"/>
+              </a:ext>
+            </a:extLst>
+          </p:cNvPr>
+          <p:cNvSpPr txBox="1"/>
+          <p:nvPr/>
+        </p:nvSpPr>
+        <p:spPr>
+          <a:xfrm>
+            <a:off x="2472089" y="3050371"/>
+            <a:ext cx="7575082" cy="646331"/>
+          </a:xfrm>
+          <a:prstGeom prst="rect">
+            <a:avLst/>
+          </a:prstGeom>
+          <a:noFill/>
+        </p:spPr>
+        <p:txBody>
+          <a:bodyPr wrap="square" rtlCol="0">
+            <a:spAutoFit/>
+          </a:bodyPr>
+          <a:lstStyle/>
+          <a:p>
+            <a:r>
+              <a:rPr lang="pt-BR" dirty="0">
+                <a:sym typeface="Wingdings" panose="05000000000000000000" pitchFamily="2" charset="2"/>
+              </a:rPr>
+              <a:t> </a:t>
+            </a:r>
+            <a:r>
+              <a:rPr lang="pt-BR" dirty="0"/>
+              <a:t>Para uma funcionalidade garantida do nosso monitoramento e da aplicação legado, nós estamos executando tudo em ambientes virtuais. </a:t>
+            </a:r>
+          </a:p>
+        </p:txBody>
+      </p:sp>
+      <p:sp>
+        <p:nvSpPr>
+          <p:cNvPr id="23" name="CaixaDeTexto 22">
+            <a:extLst>
+              <a:ext uri="{FF2B5EF4-FFF2-40B4-BE49-F238E27FC236}">
+                <a16:creationId xmlns:a16="http://schemas.microsoft.com/office/drawing/2014/main" id="{091279C1-4C40-4985-A991-F6BEE5E0B215}"/>
+              </a:ext>
+            </a:extLst>
+          </p:cNvPr>
+          <p:cNvSpPr txBox="1"/>
+          <p:nvPr/>
+        </p:nvSpPr>
+        <p:spPr>
+          <a:xfrm>
+            <a:off x="2472089" y="4132050"/>
+            <a:ext cx="7575082" cy="369332"/>
+          </a:xfrm>
+          <a:prstGeom prst="rect">
+            <a:avLst/>
+          </a:prstGeom>
+          <a:noFill/>
+        </p:spPr>
+        <p:txBody>
+          <a:bodyPr wrap="square" rtlCol="0">
+            <a:spAutoFit/>
+          </a:bodyPr>
+          <a:lstStyle/>
+          <a:p>
+            <a:r>
+              <a:rPr lang="pt-BR" dirty="0">
+                <a:sym typeface="Wingdings" panose="05000000000000000000" pitchFamily="2" charset="2"/>
+              </a:rPr>
+              <a:t> Aplicação </a:t>
+            </a:r>
+            <a:r>
+              <a:rPr lang="pt-BR" dirty="0" err="1">
+                <a:sym typeface="Wingdings" panose="05000000000000000000" pitchFamily="2" charset="2"/>
+              </a:rPr>
+              <a:t>java</a:t>
+            </a:r>
+            <a:r>
+              <a:rPr lang="pt-BR" dirty="0">
+                <a:sym typeface="Wingdings" panose="05000000000000000000" pitchFamily="2" charset="2"/>
+              </a:rPr>
+              <a:t> para consulta local.</a:t>
+            </a:r>
+            <a:endParaRPr lang="pt-BR" dirty="0"/>
           </a:p>
         </p:txBody>
       </p:sp>
@@ -9711,7 +9914,7 @@
           <a:p>
             <a:pPr algn="ctr"/>
             <a:r>
-              <a:rPr lang="pt-BR" sz="4800" dirty="0" smtClean="0">
+              <a:rPr lang="pt-BR" sz="4800" dirty="0">
                 <a:solidFill>
                   <a:srgbClr val="2B7A78"/>
                 </a:solidFill>
@@ -9844,7 +10047,7 @@
                 <a14:useLocalDpi xmlns:a14="http://schemas.microsoft.com/office/drawing/2010/main" val="0"/>
               </a:ext>
               <a:ext uri="{96DAC541-7B7A-43D3-8B79-37D633B846F1}">
-                <asvg:svgBlip xmlns="" xmlns:asvg="http://schemas.microsoft.com/office/drawing/2016/SVG/main" r:embed="rId4"/>
+                <asvg:svgBlip xmlns:asvg="http://schemas.microsoft.com/office/drawing/2016/SVG/main" r:embed="rId4"/>
               </a:ext>
             </a:extLst>
           </a:blip>
@@ -10058,7 +10261,7 @@
           <a:lstStyle/>
           <a:p>
             <a:r>
-              <a:rPr lang="pt-BR" sz="2000" dirty="0" smtClean="0">
+              <a:rPr lang="pt-BR" sz="2000" dirty="0">
                 <a:solidFill>
                   <a:srgbClr val="F1F6FB"/>
                 </a:solidFill>
@@ -10066,12 +10269,6 @@
               </a:rPr>
               <a:t>Qual é?</a:t>
             </a:r>
-            <a:endParaRPr lang="pt-BR" sz="2000" dirty="0">
-              <a:solidFill>
-                <a:srgbClr val="F1F6FB"/>
-              </a:solidFill>
-              <a:latin typeface="Eras Medium ITC" panose="020B0602030504020804" pitchFamily="34" charset="0"/>
-            </a:endParaRPr>
           </a:p>
         </p:txBody>
       </p:sp>
@@ -10338,7 +10535,7 @@
           <a:lstStyle/>
           <a:p>
             <a:r>
-              <a:rPr lang="pt-BR" sz="2000" dirty="0" smtClean="0">
+              <a:rPr lang="pt-BR" sz="2000" dirty="0">
                 <a:solidFill>
                   <a:srgbClr val="F1F6FB"/>
                 </a:solidFill>
@@ -10347,7 +10544,7 @@
               <a:t>Chat </a:t>
             </a:r>
             <a:r>
-              <a:rPr lang="pt-BR" sz="2000" dirty="0" err="1" smtClean="0">
+              <a:rPr lang="pt-BR" sz="2000" dirty="0" err="1">
                 <a:solidFill>
                   <a:srgbClr val="F1F6FB"/>
                 </a:solidFill>
@@ -10627,7 +10824,7 @@
           <a:lstStyle/>
           <a:p>
             <a:r>
-              <a:rPr lang="pt-BR" sz="2000" dirty="0" smtClean="0">
+              <a:rPr lang="pt-BR" sz="2000" dirty="0">
                 <a:solidFill>
                   <a:srgbClr val="F1F6FB"/>
                 </a:solidFill>
@@ -10635,12 +10832,6 @@
               </a:rPr>
               <a:t>Árvore de decisões</a:t>
             </a:r>
-            <a:endParaRPr lang="pt-BR" sz="2000" dirty="0">
-              <a:solidFill>
-                <a:srgbClr val="F1F6FB"/>
-              </a:solidFill>
-              <a:latin typeface="Eras Medium ITC" panose="020B0602030504020804" pitchFamily="34" charset="0"/>
-            </a:endParaRPr>
           </a:p>
         </p:txBody>
       </p:sp>
@@ -12192,7 +12383,7 @@
             <a:p>
               <a:pPr algn="ctr"/>
               <a:r>
-                <a:rPr lang="pt-BR" sz="5400" dirty="0" smtClean="0">
+                <a:rPr lang="pt-BR" sz="5400" dirty="0">
                   <a:solidFill>
                     <a:srgbClr val="3AAFA9"/>
                   </a:solidFill>
@@ -12200,12 +12391,6 @@
                 </a:rPr>
                 <a:t>Árvore de decisões</a:t>
               </a:r>
-              <a:endParaRPr lang="pt-BR" sz="5400" dirty="0">
-                <a:solidFill>
-                  <a:srgbClr val="3AAFA9"/>
-                </a:solidFill>
-                <a:latin typeface="Montserrat SemiBold" panose="00000700000000000000" pitchFamily="2" charset="0"/>
-              </a:endParaRPr>
             </a:p>
           </p:txBody>
         </p:sp>
@@ -12334,7 +12519,7 @@
                     <a14:useLocalDpi xmlns:a14="http://schemas.microsoft.com/office/drawing/2010/main" val="0"/>
                   </a:ext>
                   <a:ext uri="{96DAC541-7B7A-43D3-8B79-37D633B846F1}">
-                    <asvg:svgBlip xmlns="" xmlns:asvg="http://schemas.microsoft.com/office/drawing/2016/SVG/main" r:embed="rId3"/>
+                    <asvg:svgBlip xmlns:asvg="http://schemas.microsoft.com/office/drawing/2016/SVG/main" r:embed="rId3"/>
                   </a:ext>
                 </a:extLst>
               </a:blip>
@@ -12797,7 +12982,7 @@
             <a:p>
               <a:pPr algn="ctr"/>
               <a:r>
-                <a:rPr lang="pt-BR" sz="5400" dirty="0" smtClean="0">
+                <a:rPr lang="pt-BR" sz="5400" dirty="0">
                   <a:solidFill>
                     <a:srgbClr val="3AAFA9"/>
                   </a:solidFill>
@@ -12805,12 +12990,6 @@
                 </a:rPr>
                 <a:t>Máquinas</a:t>
               </a:r>
-              <a:endParaRPr lang="pt-BR" sz="5400" dirty="0">
-                <a:solidFill>
-                  <a:srgbClr val="3AAFA9"/>
-                </a:solidFill>
-                <a:latin typeface="Montserrat SemiBold" panose="00000700000000000000" pitchFamily="2" charset="0"/>
-              </a:endParaRPr>
             </a:p>
           </p:txBody>
         </p:sp>
@@ -12939,7 +13118,7 @@
                     <a14:useLocalDpi xmlns:a14="http://schemas.microsoft.com/office/drawing/2010/main" val="0"/>
                   </a:ext>
                   <a:ext uri="{96DAC541-7B7A-43D3-8B79-37D633B846F1}">
-                    <asvg:svgBlip xmlns="" xmlns:asvg="http://schemas.microsoft.com/office/drawing/2016/SVG/main" r:embed="rId3"/>
+                    <asvg:svgBlip xmlns:asvg="http://schemas.microsoft.com/office/drawing/2016/SVG/main" r:embed="rId3"/>
                   </a:ext>
                 </a:extLst>
               </a:blip>
@@ -13402,7 +13581,7 @@
             <a:p>
               <a:pPr algn="ctr"/>
               <a:r>
-                <a:rPr lang="pt-BR" sz="5400" dirty="0" smtClean="0">
+                <a:rPr lang="pt-BR" sz="5400" dirty="0">
                   <a:solidFill>
                     <a:srgbClr val="3AAFA9"/>
                   </a:solidFill>
@@ -13410,12 +13589,6 @@
                 </a:rPr>
                 <a:t>Suporte</a:t>
               </a:r>
-              <a:endParaRPr lang="pt-BR" sz="5400" dirty="0">
-                <a:solidFill>
-                  <a:srgbClr val="3AAFA9"/>
-                </a:solidFill>
-                <a:latin typeface="Montserrat SemiBold" panose="00000700000000000000" pitchFamily="2" charset="0"/>
-              </a:endParaRPr>
             </a:p>
           </p:txBody>
         </p:sp>
@@ -13544,7 +13717,7 @@
                     <a14:useLocalDpi xmlns:a14="http://schemas.microsoft.com/office/drawing/2010/main" val="0"/>
                   </a:ext>
                   <a:ext uri="{96DAC541-7B7A-43D3-8B79-37D633B846F1}">
-                    <asvg:svgBlip xmlns="" xmlns:asvg="http://schemas.microsoft.com/office/drawing/2016/SVG/main" r:embed="rId3"/>
+                    <asvg:svgBlip xmlns:asvg="http://schemas.microsoft.com/office/drawing/2016/SVG/main" r:embed="rId3"/>
                   </a:ext>
                 </a:extLst>
               </a:blip>
@@ -14829,7 +15002,7 @@
                 <a14:useLocalDpi xmlns:a14="http://schemas.microsoft.com/office/drawing/2010/main" val="0"/>
               </a:ext>
               <a:ext uri="{96DAC541-7B7A-43D3-8B79-37D633B846F1}">
-                <asvg:svgBlip xmlns="" xmlns:asvg="http://schemas.microsoft.com/office/drawing/2016/SVG/main" r:embed="rId4"/>
+                <asvg:svgBlip xmlns:asvg="http://schemas.microsoft.com/office/drawing/2016/SVG/main" r:embed="rId4"/>
               </a:ext>
             </a:extLst>
           </a:blip>
@@ -15043,7 +15216,7 @@
           <a:lstStyle/>
           <a:p>
             <a:r>
-              <a:rPr lang="pt-BR" sz="2000" dirty="0" smtClean="0">
+              <a:rPr lang="pt-BR" sz="2000" dirty="0">
                 <a:solidFill>
                   <a:srgbClr val="F1F6FB"/>
                 </a:solidFill>
@@ -15051,12 +15224,6 @@
               </a:rPr>
               <a:t>Geladeiras</a:t>
             </a:r>
-            <a:endParaRPr lang="pt-BR" sz="2000" dirty="0">
-              <a:solidFill>
-                <a:srgbClr val="F1F6FB"/>
-              </a:solidFill>
-              <a:latin typeface="Eras Medium ITC" panose="020B0602030504020804" pitchFamily="34" charset="0"/>
-            </a:endParaRPr>
           </a:p>
         </p:txBody>
       </p:sp>
@@ -15323,7 +15490,7 @@
           <a:lstStyle/>
           <a:p>
             <a:r>
-              <a:rPr lang="pt-BR" sz="2000" dirty="0" smtClean="0">
+              <a:rPr lang="pt-BR" sz="2000" dirty="0">
                 <a:solidFill>
                   <a:srgbClr val="F1F6FB"/>
                 </a:solidFill>
@@ -15331,12 +15498,6 @@
               </a:rPr>
               <a:t>Monitoramento</a:t>
             </a:r>
-            <a:endParaRPr lang="pt-BR" sz="2000" dirty="0">
-              <a:solidFill>
-                <a:srgbClr val="F1F6FB"/>
-              </a:solidFill>
-              <a:latin typeface="Eras Medium ITC" panose="020B0602030504020804" pitchFamily="34" charset="0"/>
-            </a:endParaRPr>
           </a:p>
         </p:txBody>
       </p:sp>
@@ -15603,7 +15764,7 @@
           <a:lstStyle/>
           <a:p>
             <a:r>
-              <a:rPr lang="pt-BR" sz="2000" dirty="0" smtClean="0">
+              <a:rPr lang="pt-BR" sz="2000" dirty="0">
                 <a:solidFill>
                   <a:srgbClr val="F1F6FB"/>
                 </a:solidFill>
@@ -15611,12 +15772,6 @@
               </a:rPr>
               <a:t>Novas tecnologias</a:t>
             </a:r>
-            <a:endParaRPr lang="pt-BR" sz="2000" dirty="0">
-              <a:solidFill>
-                <a:srgbClr val="F1F6FB"/>
-              </a:solidFill>
-              <a:latin typeface="Eras Medium ITC" panose="020B0602030504020804" pitchFamily="34" charset="0"/>
-            </a:endParaRPr>
           </a:p>
         </p:txBody>
       </p:sp>
@@ -15942,7 +16097,7 @@
           <a:lstStyle/>
           <a:p>
             <a:r>
-              <a:rPr lang="pt-BR" sz="2000" dirty="0" smtClean="0">
+              <a:rPr lang="pt-BR" sz="2000" dirty="0">
                 <a:solidFill>
                   <a:srgbClr val="F1F6FB"/>
                 </a:solidFill>
@@ -15950,12 +16105,6 @@
               </a:rPr>
               <a:t>+ Clientes</a:t>
             </a:r>
-            <a:endParaRPr lang="pt-BR" sz="2000" dirty="0">
-              <a:solidFill>
-                <a:srgbClr val="F1F6FB"/>
-              </a:solidFill>
-              <a:latin typeface="Eras Medium ITC" panose="020B0602030504020804" pitchFamily="34" charset="0"/>
-            </a:endParaRPr>
           </a:p>
         </p:txBody>
       </p:sp>
@@ -17600,7 +17749,7 @@
             <a:p>
               <a:pPr algn="ctr"/>
               <a:r>
-                <a:rPr lang="pt-BR" sz="5400" dirty="0" smtClean="0">
+                <a:rPr lang="pt-BR" sz="5400" dirty="0">
                   <a:solidFill>
                     <a:srgbClr val="3AAFA9"/>
                   </a:solidFill>
@@ -17608,12 +17757,6 @@
                 </a:rPr>
                 <a:t>Diagrama de solução</a:t>
               </a:r>
-              <a:endParaRPr lang="pt-BR" sz="5400" dirty="0">
-                <a:solidFill>
-                  <a:srgbClr val="3AAFA9"/>
-                </a:solidFill>
-                <a:latin typeface="Montserrat SemiBold" panose="00000700000000000000" pitchFamily="2" charset="0"/>
-              </a:endParaRPr>
             </a:p>
           </p:txBody>
         </p:sp>
@@ -17742,7 +17885,7 @@
                     <a14:useLocalDpi xmlns:a14="http://schemas.microsoft.com/office/drawing/2010/main" val="0"/>
                   </a:ext>
                   <a:ext uri="{96DAC541-7B7A-43D3-8B79-37D633B846F1}">
-                    <asvg:svgBlip xmlns="" xmlns:asvg="http://schemas.microsoft.com/office/drawing/2016/SVG/main" r:embed="rId3"/>
+                    <asvg:svgBlip xmlns:asvg="http://schemas.microsoft.com/office/drawing/2016/SVG/main" r:embed="rId3"/>
                   </a:ext>
                 </a:extLst>
               </a:blip>
@@ -18706,20 +18849,17 @@
           <a:lstStyle/>
           <a:p>
             <a:r>
-              <a:rPr lang="pt-BR" b="1" dirty="0" smtClean="0">
+              <a:rPr lang="pt-BR" b="1" dirty="0">
                 <a:latin typeface="Montserrat" panose="00000500000000000000" pitchFamily="2" charset="0"/>
               </a:rPr>
               <a:t>API</a:t>
             </a:r>
             <a:r>
-              <a:rPr lang="pt-BR" dirty="0" smtClean="0">
+              <a:rPr lang="pt-BR" dirty="0">
                 <a:latin typeface="Montserrat" panose="00000500000000000000" pitchFamily="2" charset="0"/>
               </a:rPr>
               <a:t> </a:t>
             </a:r>
-            <a:endParaRPr lang="pt-BR" dirty="0">
-              <a:latin typeface="Montserrat" panose="00000500000000000000" pitchFamily="2" charset="0"/>
-            </a:endParaRPr>
           </a:p>
         </p:txBody>
       </p:sp>
@@ -18746,20 +18886,17 @@
           <a:lstStyle/>
           <a:p>
             <a:r>
-              <a:rPr lang="pt-BR" b="1" dirty="0" smtClean="0">
+              <a:rPr lang="pt-BR" b="1" dirty="0">
                 <a:latin typeface="Montserrat" panose="00000500000000000000" pitchFamily="2" charset="0"/>
               </a:rPr>
               <a:t>API</a:t>
             </a:r>
             <a:r>
-              <a:rPr lang="pt-BR" dirty="0" smtClean="0">
+              <a:rPr lang="pt-BR" dirty="0">
                 <a:latin typeface="Montserrat" panose="00000500000000000000" pitchFamily="2" charset="0"/>
               </a:rPr>
               <a:t> </a:t>
             </a:r>
-            <a:endParaRPr lang="pt-BR" dirty="0">
-              <a:latin typeface="Montserrat" panose="00000500000000000000" pitchFamily="2" charset="0"/>
-            </a:endParaRPr>
           </a:p>
         </p:txBody>
       </p:sp>
@@ -18786,20 +18923,17 @@
           <a:lstStyle/>
           <a:p>
             <a:r>
-              <a:rPr lang="pt-BR" b="1" dirty="0" err="1" smtClean="0">
+              <a:rPr lang="pt-BR" b="1" dirty="0" err="1">
                 <a:latin typeface="Montserrat" panose="00000500000000000000" pitchFamily="2" charset="0"/>
               </a:rPr>
               <a:t>Psutil</a:t>
             </a:r>
             <a:r>
-              <a:rPr lang="pt-BR" dirty="0" smtClean="0">
+              <a:rPr lang="pt-BR" dirty="0">
                 <a:latin typeface="Montserrat" panose="00000500000000000000" pitchFamily="2" charset="0"/>
               </a:rPr>
               <a:t> </a:t>
             </a:r>
-            <a:endParaRPr lang="pt-BR" dirty="0">
-              <a:latin typeface="Montserrat" panose="00000500000000000000" pitchFamily="2" charset="0"/>
-            </a:endParaRPr>
           </a:p>
         </p:txBody>
       </p:sp>
@@ -18826,7 +18960,7 @@
           <a:lstStyle/>
           <a:p>
             <a:r>
-              <a:rPr lang="pt-BR" b="1" dirty="0" err="1" smtClean="0">
+              <a:rPr lang="pt-BR" b="1" dirty="0" err="1">
                 <a:latin typeface="Montserrat" panose="00000500000000000000" pitchFamily="2" charset="0"/>
               </a:rPr>
               <a:t>Webcrawler</a:t>
@@ -18861,20 +18995,17 @@
           <a:p>
             <a:pPr algn="ctr"/>
             <a:r>
-              <a:rPr lang="pt-BR" b="1" dirty="0" smtClean="0">
+              <a:rPr lang="pt-BR" b="1" dirty="0">
                 <a:latin typeface="Montserrat" panose="00000500000000000000" pitchFamily="2" charset="0"/>
               </a:rPr>
               <a:t>Banco de dados</a:t>
             </a:r>
             <a:r>
-              <a:rPr lang="pt-BR" dirty="0" smtClean="0">
+              <a:rPr lang="pt-BR" dirty="0">
                 <a:latin typeface="Montserrat" panose="00000500000000000000" pitchFamily="2" charset="0"/>
               </a:rPr>
               <a:t> </a:t>
             </a:r>
-            <a:endParaRPr lang="pt-BR" dirty="0">
-              <a:latin typeface="Montserrat" panose="00000500000000000000" pitchFamily="2" charset="0"/>
-            </a:endParaRPr>
           </a:p>
         </p:txBody>
       </p:sp>
@@ -18902,7 +19033,7 @@
           <a:p>
             <a:pPr algn="ctr"/>
             <a:r>
-              <a:rPr lang="pt-BR" b="1" dirty="0" smtClean="0">
+              <a:rPr lang="pt-BR" b="1" dirty="0">
                 <a:latin typeface="Montserrat" panose="00000500000000000000" pitchFamily="2" charset="0"/>
               </a:rPr>
               <a:t>Análise dos dados</a:t>
@@ -18937,7 +19068,7 @@
           <a:p>
             <a:pPr algn="ctr"/>
             <a:r>
-              <a:rPr lang="pt-BR" b="1" dirty="0" err="1" smtClean="0">
+              <a:rPr lang="pt-BR" b="1" dirty="0" err="1">
                 <a:latin typeface="Montserrat" panose="00000500000000000000" pitchFamily="2" charset="0"/>
               </a:rPr>
               <a:t>Dashboard</a:t>
@@ -18972,7 +19103,7 @@
           <a:p>
             <a:pPr algn="ctr"/>
             <a:r>
-              <a:rPr lang="pt-BR" b="1" dirty="0" smtClean="0">
+              <a:rPr lang="pt-BR" b="1" dirty="0">
                 <a:latin typeface="Montserrat" panose="00000500000000000000" pitchFamily="2" charset="0"/>
               </a:rPr>
               <a:t>Funcionários</a:t>
@@ -20546,7 +20677,7 @@
             <a:p>
               <a:pPr algn="ctr"/>
               <a:r>
-                <a:rPr lang="pt-BR" sz="5400" dirty="0" smtClean="0">
+                <a:rPr lang="pt-BR" sz="5400" dirty="0">
                   <a:solidFill>
                     <a:srgbClr val="3AAFA9"/>
                   </a:solidFill>
@@ -20554,12 +20685,6 @@
                 </a:rPr>
                 <a:t>BPMN</a:t>
               </a:r>
-              <a:endParaRPr lang="pt-BR" sz="5400" dirty="0">
-                <a:solidFill>
-                  <a:srgbClr val="3AAFA9"/>
-                </a:solidFill>
-                <a:latin typeface="Montserrat SemiBold" panose="00000700000000000000" pitchFamily="2" charset="0"/>
-              </a:endParaRPr>
             </a:p>
           </p:txBody>
         </p:sp>
@@ -20688,7 +20813,7 @@
                     <a14:useLocalDpi xmlns:a14="http://schemas.microsoft.com/office/drawing/2010/main" val="0"/>
                   </a:ext>
                   <a:ext uri="{96DAC541-7B7A-43D3-8B79-37D633B846F1}">
-                    <asvg:svgBlip xmlns="" xmlns:asvg="http://schemas.microsoft.com/office/drawing/2016/SVG/main" r:embed="rId3"/>
+                    <asvg:svgBlip xmlns:asvg="http://schemas.microsoft.com/office/drawing/2016/SVG/main" r:embed="rId3"/>
                   </a:ext>
                 </a:extLst>
               </a:blip>
@@ -21237,7 +21362,7 @@
             <a:p>
               <a:pPr algn="ctr"/>
               <a:r>
-                <a:rPr lang="pt-BR" sz="5400" dirty="0" smtClean="0">
+                <a:rPr lang="pt-BR" sz="5400" dirty="0">
                   <a:solidFill>
                     <a:srgbClr val="3AAFA9"/>
                   </a:solidFill>
@@ -21245,12 +21370,6 @@
                 </a:rPr>
                 <a:t>BPMN detalhado</a:t>
               </a:r>
-              <a:endParaRPr lang="pt-BR" sz="5400" dirty="0">
-                <a:solidFill>
-                  <a:srgbClr val="3AAFA9"/>
-                </a:solidFill>
-                <a:latin typeface="Montserrat SemiBold" panose="00000700000000000000" pitchFamily="2" charset="0"/>
-              </a:endParaRPr>
             </a:p>
           </p:txBody>
         </p:sp>
@@ -21379,7 +21498,7 @@
                     <a14:useLocalDpi xmlns:a14="http://schemas.microsoft.com/office/drawing/2010/main" val="0"/>
                   </a:ext>
                   <a:ext uri="{96DAC541-7B7A-43D3-8B79-37D633B846F1}">
-                    <asvg:svgBlip xmlns="" xmlns:asvg="http://schemas.microsoft.com/office/drawing/2016/SVG/main" r:embed="rId4"/>
+                    <asvg:svgBlip xmlns:asvg="http://schemas.microsoft.com/office/drawing/2016/SVG/main" r:embed="rId4"/>
                   </a:ext>
                 </a:extLst>
               </a:blip>
@@ -21774,7 +21893,7 @@
             <a:p>
               <a:pPr algn="ctr"/>
               <a:r>
-                <a:rPr lang="pt-BR" sz="5400" dirty="0" smtClean="0">
+                <a:rPr lang="pt-BR" sz="5400" dirty="0">
                   <a:solidFill>
                     <a:srgbClr val="3AAFA9"/>
                   </a:solidFill>
@@ -21782,12 +21901,6 @@
                 </a:rPr>
                 <a:t>Site</a:t>
               </a:r>
-              <a:endParaRPr lang="pt-BR" sz="5400" dirty="0">
-                <a:solidFill>
-                  <a:srgbClr val="3AAFA9"/>
-                </a:solidFill>
-                <a:latin typeface="Montserrat SemiBold" panose="00000700000000000000" pitchFamily="2" charset="0"/>
-              </a:endParaRPr>
             </a:p>
           </p:txBody>
         </p:sp>
@@ -21916,7 +22029,7 @@
                     <a14:useLocalDpi xmlns:a14="http://schemas.microsoft.com/office/drawing/2010/main" val="0"/>
                   </a:ext>
                   <a:ext uri="{96DAC541-7B7A-43D3-8B79-37D633B846F1}">
-                    <asvg:svgBlip xmlns="" xmlns:asvg="http://schemas.microsoft.com/office/drawing/2016/SVG/main" r:embed="rId4"/>
+                    <asvg:svgBlip xmlns:asvg="http://schemas.microsoft.com/office/drawing/2016/SVG/main" r:embed="rId4"/>
                   </a:ext>
                 </a:extLst>
               </a:blip>
@@ -22405,7 +22518,7 @@
           <a:p>
             <a:pPr algn="ctr"/>
             <a:r>
-              <a:rPr lang="pt-BR" sz="4800" dirty="0" smtClean="0">
+              <a:rPr lang="pt-BR" sz="4800" dirty="0">
                 <a:solidFill>
                   <a:srgbClr val="2B7A78"/>
                 </a:solidFill>
@@ -22538,7 +22651,7 @@
                 <a14:useLocalDpi xmlns:a14="http://schemas.microsoft.com/office/drawing/2010/main" val="0"/>
               </a:ext>
               <a:ext uri="{96DAC541-7B7A-43D3-8B79-37D633B846F1}">
-                <asvg:svgBlip xmlns="" xmlns:asvg="http://schemas.microsoft.com/office/drawing/2016/SVG/main" r:embed="rId4"/>
+                <asvg:svgBlip xmlns:asvg="http://schemas.microsoft.com/office/drawing/2016/SVG/main" r:embed="rId4"/>
               </a:ext>
             </a:extLst>
           </a:blip>
@@ -22752,7 +22865,7 @@
           <a:lstStyle/>
           <a:p>
             <a:r>
-              <a:rPr lang="pt-BR" sz="2000" dirty="0" err="1" smtClean="0">
+              <a:rPr lang="pt-BR" sz="2000" dirty="0" err="1">
                 <a:solidFill>
                   <a:srgbClr val="F1F6FB"/>
                 </a:solidFill>
@@ -23032,7 +23145,7 @@
           <a:lstStyle/>
           <a:p>
             <a:r>
-              <a:rPr lang="pt-BR" sz="2000" dirty="0" smtClean="0">
+              <a:rPr lang="pt-BR" sz="2000" dirty="0">
                 <a:solidFill>
                   <a:srgbClr val="F1F6FB"/>
                 </a:solidFill>
@@ -23040,12 +23153,6 @@
               </a:rPr>
               <a:t>Máquinas</a:t>
             </a:r>
-            <a:endParaRPr lang="pt-BR" sz="2000" dirty="0">
-              <a:solidFill>
-                <a:srgbClr val="F1F6FB"/>
-              </a:solidFill>
-              <a:latin typeface="Eras Medium ITC" panose="020B0602030504020804" pitchFamily="34" charset="0"/>
-            </a:endParaRPr>
           </a:p>
         </p:txBody>
       </p:sp>
@@ -24205,7 +24312,7 @@
             <a:p>
               <a:pPr algn="ctr"/>
               <a:r>
-                <a:rPr lang="pt-BR" sz="5400" dirty="0" smtClean="0">
+                <a:rPr lang="pt-BR" sz="5400" dirty="0">
                   <a:solidFill>
                     <a:srgbClr val="3AAFA9"/>
                   </a:solidFill>
@@ -24214,7 +24321,7 @@
                 <a:t>Protótipo </a:t>
               </a:r>
               <a:r>
-                <a:rPr lang="pt-BR" sz="5400" dirty="0" err="1" smtClean="0">
+                <a:rPr lang="pt-BR" sz="5400" dirty="0" err="1">
                   <a:solidFill>
                     <a:srgbClr val="3AAFA9"/>
                   </a:solidFill>
@@ -24356,7 +24463,7 @@
                     <a14:useLocalDpi xmlns:a14="http://schemas.microsoft.com/office/drawing/2010/main" val="0"/>
                   </a:ext>
                   <a:ext uri="{96DAC541-7B7A-43D3-8B79-37D633B846F1}">
-                    <asvg:svgBlip xmlns="" xmlns:asvg="http://schemas.microsoft.com/office/drawing/2016/SVG/main" r:embed="rId3"/>
+                    <asvg:svgBlip xmlns:asvg="http://schemas.microsoft.com/office/drawing/2016/SVG/main" r:embed="rId3"/>
                   </a:ext>
                 </a:extLst>
               </a:blip>
@@ -24869,7 +24976,7 @@
             <a:p>
               <a:pPr algn="ctr"/>
               <a:r>
-                <a:rPr lang="pt-BR" sz="5400" dirty="0" smtClean="0">
+                <a:rPr lang="pt-BR" sz="5400" dirty="0">
                   <a:solidFill>
                     <a:srgbClr val="3AAFA9"/>
                   </a:solidFill>
@@ -24878,7 +24985,7 @@
                 <a:t>Protótipo </a:t>
               </a:r>
               <a:r>
-                <a:rPr lang="pt-BR" sz="5400" dirty="0" err="1" smtClean="0">
+                <a:rPr lang="pt-BR" sz="5400" dirty="0" err="1">
                   <a:solidFill>
                     <a:srgbClr val="3AAFA9"/>
                   </a:solidFill>
@@ -25020,7 +25127,7 @@
                     <a14:useLocalDpi xmlns:a14="http://schemas.microsoft.com/office/drawing/2010/main" val="0"/>
                   </a:ext>
                   <a:ext uri="{96DAC541-7B7A-43D3-8B79-37D633B846F1}">
-                    <asvg:svgBlip xmlns="" xmlns:asvg="http://schemas.microsoft.com/office/drawing/2016/SVG/main" r:embed="rId3"/>
+                    <asvg:svgBlip xmlns:asvg="http://schemas.microsoft.com/office/drawing/2016/SVG/main" r:embed="rId3"/>
                   </a:ext>
                 </a:extLst>
               </a:blip>
@@ -25610,6 +25717,12 @@
 </file>
 
 <file path=customXml/item1.xml><?xml version="1.0" encoding="utf-8"?>
+<p:properties xmlns:p="http://schemas.microsoft.com/office/2006/metadata/properties" xmlns:xsi="http://www.w3.org/2001/XMLSchema-instance" xmlns:pc="http://schemas.microsoft.com/office/infopath/2007/PartnerControls">
+  <documentManagement/>
+</p:properties>
+</file>
+
+<file path=customXml/item2.xml><?xml version="1.0" encoding="utf-8"?>
 <ct:contentTypeSchema xmlns:ct="http://schemas.microsoft.com/office/2006/metadata/contentType" xmlns:ma="http://schemas.microsoft.com/office/2006/metadata/properties/metaAttributes" ct:_="" ma:_="" ma:contentTypeName="Document" ma:contentTypeID="0x010100A663B016B9E10D44AF2D6A2076639652" ma:contentTypeVersion="9" ma:contentTypeDescription="Create a new document." ma:contentTypeScope="" ma:versionID="487f2b4f5bb26e664e658aeeb82afc06">
   <xsd:schema xmlns:xsd="http://www.w3.org/2001/XMLSchema" xmlns:xs="http://www.w3.org/2001/XMLSchema" xmlns:p="http://schemas.microsoft.com/office/2006/metadata/properties" xmlns:ns3="1f168f81-3f83-4b33-9f0c-ec152bce3f98" xmlns:ns4="86822d51-02f5-488a-80f3-0b621e7c317a" targetNamespace="http://schemas.microsoft.com/office/2006/metadata/properties" ma:root="true" ma:fieldsID="edc5afedb1afb76831d7c08402d80832" ns3:_="" ns4:_="">
     <xsd:import namespace="1f168f81-3f83-4b33-9f0c-ec152bce3f98"/>
@@ -25806,12 +25919,6 @@
 </ct:contentTypeSchema>
 </file>
 
-<file path=customXml/item2.xml><?xml version="1.0" encoding="utf-8"?>
-<p:properties xmlns:p="http://schemas.microsoft.com/office/2006/metadata/properties" xmlns:xsi="http://www.w3.org/2001/XMLSchema-instance" xmlns:pc="http://schemas.microsoft.com/office/infopath/2007/PartnerControls">
-  <documentManagement/>
-</p:properties>
-</file>
-
 <file path=customXml/item3.xml><?xml version="1.0" encoding="utf-8"?>
 <?mso-contentType ?>
 <FormTemplates xmlns="http://schemas.microsoft.com/sharepoint/v3/contenttype/forms">
@@ -25822,6 +25929,23 @@
 </file>
 
 <file path=customXml/itemProps1.xml><?xml version="1.0" encoding="utf-8"?>
+<ds:datastoreItem xmlns:ds="http://schemas.openxmlformats.org/officeDocument/2006/customXml" ds:itemID="{7972C250-C430-4380-B8BD-02E395B67AF0}">
+  <ds:schemaRefs>
+    <ds:schemaRef ds:uri="http://purl.org/dc/dcmitype/"/>
+    <ds:schemaRef ds:uri="http://purl.org/dc/terms/"/>
+    <ds:schemaRef ds:uri="http://schemas.openxmlformats.org/package/2006/metadata/core-properties"/>
+    <ds:schemaRef ds:uri="http://schemas.microsoft.com/office/2006/documentManagement/types"/>
+    <ds:schemaRef ds:uri="http://www.w3.org/XML/1998/namespace"/>
+    <ds:schemaRef ds:uri="http://schemas.microsoft.com/office/infopath/2007/PartnerControls"/>
+    <ds:schemaRef ds:uri="http://purl.org/dc/elements/1.1/"/>
+    <ds:schemaRef ds:uri="86822d51-02f5-488a-80f3-0b621e7c317a"/>
+    <ds:schemaRef ds:uri="1f168f81-3f83-4b33-9f0c-ec152bce3f98"/>
+    <ds:schemaRef ds:uri="http://schemas.microsoft.com/office/2006/metadata/properties"/>
+  </ds:schemaRefs>
+</ds:datastoreItem>
+</file>
+
+<file path=customXml/itemProps2.xml><?xml version="1.0" encoding="utf-8"?>
 <ds:datastoreItem xmlns:ds="http://schemas.openxmlformats.org/officeDocument/2006/customXml" ds:itemID="{ED87D459-01C6-46F3-85EB-8A8AB455C67D}">
   <ds:schemaRefs>
     <ds:schemaRef ds:uri="http://schemas.microsoft.com/office/2006/metadata/contentType"/>
@@ -25840,23 +25964,6 @@
 </ds:datastoreItem>
 </file>
 
-<file path=customXml/itemProps2.xml><?xml version="1.0" encoding="utf-8"?>
-<ds:datastoreItem xmlns:ds="http://schemas.openxmlformats.org/officeDocument/2006/customXml" ds:itemID="{7972C250-C430-4380-B8BD-02E395B67AF0}">
-  <ds:schemaRefs>
-    <ds:schemaRef ds:uri="http://purl.org/dc/dcmitype/"/>
-    <ds:schemaRef ds:uri="http://purl.org/dc/terms/"/>
-    <ds:schemaRef ds:uri="http://schemas.openxmlformats.org/package/2006/metadata/core-properties"/>
-    <ds:schemaRef ds:uri="http://schemas.microsoft.com/office/2006/documentManagement/types"/>
-    <ds:schemaRef ds:uri="http://www.w3.org/XML/1998/namespace"/>
-    <ds:schemaRef ds:uri="http://schemas.microsoft.com/office/infopath/2007/PartnerControls"/>
-    <ds:schemaRef ds:uri="http://purl.org/dc/elements/1.1/"/>
-    <ds:schemaRef ds:uri="86822d51-02f5-488a-80f3-0b621e7c317a"/>
-    <ds:schemaRef ds:uri="1f168f81-3f83-4b33-9f0c-ec152bce3f98"/>
-    <ds:schemaRef ds:uri="http://schemas.microsoft.com/office/2006/metadata/properties"/>
-  </ds:schemaRefs>
-</ds:datastoreItem>
-</file>
-
 <file path=customXml/itemProps3.xml><?xml version="1.0" encoding="utf-8"?>
 <ds:datastoreItem xmlns:ds="http://schemas.openxmlformats.org/officeDocument/2006/customXml" ds:itemID="{E12B114C-EB44-46E6-930B-B69E30F6F9AE}">
   <ds:schemaRefs>

--- a/MONITORAMENTO/Documentação/PPTs/Cold Stock Apresentação - Sprint 2.pptx
+++ b/MONITORAMENTO/Documentação/PPTs/Cold Stock Apresentação - Sprint 2.pptx
@@ -3306,7 +3306,7 @@
                     <a14:useLocalDpi xmlns:a14="http://schemas.microsoft.com/office/drawing/2010/main" val="0"/>
                   </a:ext>
                   <a:ext uri="{96DAC541-7B7A-43D3-8B79-37D633B846F1}">
-                    <asvg:svgBlip xmlns:asvg="http://schemas.microsoft.com/office/drawing/2016/SVG/main" r:embed="rId3"/>
+                    <asvg:svgBlip xmlns:asvg="http://schemas.microsoft.com/office/drawing/2016/SVG/main" xmlns="" r:embed="rId3"/>
                   </a:ext>
                 </a:extLst>
               </a:blip>
@@ -4205,7 +4205,7 @@
                     <a14:useLocalDpi xmlns:a14="http://schemas.microsoft.com/office/drawing/2010/main" val="0"/>
                   </a:ext>
                   <a:ext uri="{96DAC541-7B7A-43D3-8B79-37D633B846F1}">
-                    <asvg:svgBlip xmlns:asvg="http://schemas.microsoft.com/office/drawing/2016/SVG/main" r:embed="rId3"/>
+                    <asvg:svgBlip xmlns:asvg="http://schemas.microsoft.com/office/drawing/2016/SVG/main" xmlns="" r:embed="rId3"/>
                   </a:ext>
                 </a:extLst>
               </a:blip>
@@ -4795,7 +4795,7 @@
                     <a14:useLocalDpi xmlns:a14="http://schemas.microsoft.com/office/drawing/2010/main" val="0"/>
                   </a:ext>
                   <a:ext uri="{96DAC541-7B7A-43D3-8B79-37D633B846F1}">
-                    <asvg:svgBlip xmlns:asvg="http://schemas.microsoft.com/office/drawing/2016/SVG/main" r:embed="rId3"/>
+                    <asvg:svgBlip xmlns:asvg="http://schemas.microsoft.com/office/drawing/2016/SVG/main" xmlns="" r:embed="rId3"/>
                   </a:ext>
                 </a:extLst>
               </a:blip>
@@ -5468,7 +5468,7 @@
                     <a14:useLocalDpi xmlns:a14="http://schemas.microsoft.com/office/drawing/2010/main" val="0"/>
                   </a:ext>
                   <a:ext uri="{96DAC541-7B7A-43D3-8B79-37D633B846F1}">
-                    <asvg:svgBlip xmlns:asvg="http://schemas.microsoft.com/office/drawing/2016/SVG/main" r:embed="rId3"/>
+                    <asvg:svgBlip xmlns:asvg="http://schemas.microsoft.com/office/drawing/2016/SVG/main" xmlns="" r:embed="rId3"/>
                   </a:ext>
                 </a:extLst>
               </a:blip>
@@ -7458,7 +7458,7 @@
                 <a14:useLocalDpi xmlns:a14="http://schemas.microsoft.com/office/drawing/2010/main" val="0"/>
               </a:ext>
               <a:ext uri="{96DAC541-7B7A-43D3-8B79-37D633B846F1}">
-                <asvg:svgBlip xmlns:asvg="http://schemas.microsoft.com/office/drawing/2016/SVG/main" r:embed="rId4"/>
+                <asvg:svgBlip xmlns:asvg="http://schemas.microsoft.com/office/drawing/2016/SVG/main" xmlns="" r:embed="rId4"/>
               </a:ext>
             </a:extLst>
           </a:blip>
@@ -9196,7 +9196,7 @@
                     <a14:useLocalDpi xmlns:a14="http://schemas.microsoft.com/office/drawing/2010/main" val="0"/>
                   </a:ext>
                   <a:ext uri="{96DAC541-7B7A-43D3-8B79-37D633B846F1}">
-                    <asvg:svgBlip xmlns:asvg="http://schemas.microsoft.com/office/drawing/2016/SVG/main" r:embed="rId3"/>
+                    <asvg:svgBlip xmlns:asvg="http://schemas.microsoft.com/office/drawing/2016/SVG/main" xmlns="" r:embed="rId3"/>
                   </a:ext>
                 </a:extLst>
               </a:blip>
@@ -9385,13 +9385,13 @@
           <p:nvPr/>
         </p:nvPicPr>
         <p:blipFill>
-          <a:blip r:embed="rId5">
+          <a:blip r:embed="rId5" cstate="print">
             <a:extLst>
               <a:ext uri="{28A0092B-C50C-407E-A947-70E740481C1C}">
                 <a14:useLocalDpi xmlns:a14="http://schemas.microsoft.com/office/drawing/2010/main" val="0"/>
               </a:ext>
               <a:ext uri="{96DAC541-7B7A-43D3-8B79-37D633B846F1}">
-                <asvg:svgBlip xmlns:asvg="http://schemas.microsoft.com/office/drawing/2016/SVG/main" r:embed="rId6"/>
+                <asvg:svgBlip xmlns:asvg="http://schemas.microsoft.com/office/drawing/2016/SVG/main" xmlns="" r:embed="rId6"/>
               </a:ext>
             </a:extLst>
           </a:blip>
@@ -9424,13 +9424,13 @@
           <p:nvPr/>
         </p:nvPicPr>
         <p:blipFill>
-          <a:blip r:embed="rId7">
+          <a:blip r:embed="rId7" cstate="print">
             <a:extLst>
               <a:ext uri="{28A0092B-C50C-407E-A947-70E740481C1C}">
                 <a14:useLocalDpi xmlns:a14="http://schemas.microsoft.com/office/drawing/2010/main" val="0"/>
               </a:ext>
               <a:ext uri="{96DAC541-7B7A-43D3-8B79-37D633B846F1}">
-                <asvg:svgBlip xmlns:asvg="http://schemas.microsoft.com/office/drawing/2016/SVG/main" r:embed="rId8"/>
+                <asvg:svgBlip xmlns:asvg="http://schemas.microsoft.com/office/drawing/2016/SVG/main" xmlns="" r:embed="rId8"/>
               </a:ext>
             </a:extLst>
           </a:blip>
@@ -9463,13 +9463,13 @@
           <p:nvPr/>
         </p:nvPicPr>
         <p:blipFill>
-          <a:blip r:embed="rId9">
+          <a:blip r:embed="rId9" cstate="print">
             <a:extLst>
               <a:ext uri="{28A0092B-C50C-407E-A947-70E740481C1C}">
                 <a14:useLocalDpi xmlns:a14="http://schemas.microsoft.com/office/drawing/2010/main" val="0"/>
               </a:ext>
               <a:ext uri="{96DAC541-7B7A-43D3-8B79-37D633B846F1}">
-                <asvg:svgBlip xmlns:asvg="http://schemas.microsoft.com/office/drawing/2016/SVG/main" r:embed="rId10"/>
+                <asvg:svgBlip xmlns:asvg="http://schemas.microsoft.com/office/drawing/2016/SVG/main" xmlns="" r:embed="rId10"/>
               </a:ext>
             </a:extLst>
           </a:blip>
@@ -10047,7 +10047,7 @@
                 <a14:useLocalDpi xmlns:a14="http://schemas.microsoft.com/office/drawing/2010/main" val="0"/>
               </a:ext>
               <a:ext uri="{96DAC541-7B7A-43D3-8B79-37D633B846F1}">
-                <asvg:svgBlip xmlns:asvg="http://schemas.microsoft.com/office/drawing/2016/SVG/main" r:embed="rId4"/>
+                <asvg:svgBlip xmlns:asvg="http://schemas.microsoft.com/office/drawing/2016/SVG/main" xmlns="" r:embed="rId4"/>
               </a:ext>
             </a:extLst>
           </a:blip>
@@ -12519,7 +12519,7 @@
                     <a14:useLocalDpi xmlns:a14="http://schemas.microsoft.com/office/drawing/2010/main" val="0"/>
                   </a:ext>
                   <a:ext uri="{96DAC541-7B7A-43D3-8B79-37D633B846F1}">
-                    <asvg:svgBlip xmlns:asvg="http://schemas.microsoft.com/office/drawing/2016/SVG/main" r:embed="rId3"/>
+                    <asvg:svgBlip xmlns:asvg="http://schemas.microsoft.com/office/drawing/2016/SVG/main" xmlns="" r:embed="rId3"/>
                   </a:ext>
                 </a:extLst>
               </a:blip>
@@ -13118,7 +13118,7 @@
                     <a14:useLocalDpi xmlns:a14="http://schemas.microsoft.com/office/drawing/2010/main" val="0"/>
                   </a:ext>
                   <a:ext uri="{96DAC541-7B7A-43D3-8B79-37D633B846F1}">
-                    <asvg:svgBlip xmlns:asvg="http://schemas.microsoft.com/office/drawing/2016/SVG/main" r:embed="rId3"/>
+                    <asvg:svgBlip xmlns:asvg="http://schemas.microsoft.com/office/drawing/2016/SVG/main" xmlns="" r:embed="rId3"/>
                   </a:ext>
                 </a:extLst>
               </a:blip>
@@ -13717,7 +13717,7 @@
                     <a14:useLocalDpi xmlns:a14="http://schemas.microsoft.com/office/drawing/2010/main" val="0"/>
                   </a:ext>
                   <a:ext uri="{96DAC541-7B7A-43D3-8B79-37D633B846F1}">
-                    <asvg:svgBlip xmlns:asvg="http://schemas.microsoft.com/office/drawing/2016/SVG/main" r:embed="rId3"/>
+                    <asvg:svgBlip xmlns:asvg="http://schemas.microsoft.com/office/drawing/2016/SVG/main" xmlns="" r:embed="rId3"/>
                   </a:ext>
                 </a:extLst>
               </a:blip>
@@ -15002,7 +15002,7 @@
                 <a14:useLocalDpi xmlns:a14="http://schemas.microsoft.com/office/drawing/2010/main" val="0"/>
               </a:ext>
               <a:ext uri="{96DAC541-7B7A-43D3-8B79-37D633B846F1}">
-                <asvg:svgBlip xmlns:asvg="http://schemas.microsoft.com/office/drawing/2016/SVG/main" r:embed="rId4"/>
+                <asvg:svgBlip xmlns:asvg="http://schemas.microsoft.com/office/drawing/2016/SVG/main" xmlns="" r:embed="rId4"/>
               </a:ext>
             </a:extLst>
           </a:blip>
@@ -17885,7 +17885,7 @@
                     <a14:useLocalDpi xmlns:a14="http://schemas.microsoft.com/office/drawing/2010/main" val="0"/>
                   </a:ext>
                   <a:ext uri="{96DAC541-7B7A-43D3-8B79-37D633B846F1}">
-                    <asvg:svgBlip xmlns:asvg="http://schemas.microsoft.com/office/drawing/2016/SVG/main" r:embed="rId3"/>
+                    <asvg:svgBlip xmlns:asvg="http://schemas.microsoft.com/office/drawing/2016/SVG/main" xmlns="" r:embed="rId3"/>
                   </a:ext>
                 </a:extLst>
               </a:blip>
@@ -20813,7 +20813,7 @@
                     <a14:useLocalDpi xmlns:a14="http://schemas.microsoft.com/office/drawing/2010/main" val="0"/>
                   </a:ext>
                   <a:ext uri="{96DAC541-7B7A-43D3-8B79-37D633B846F1}">
-                    <asvg:svgBlip xmlns:asvg="http://schemas.microsoft.com/office/drawing/2016/SVG/main" r:embed="rId3"/>
+                    <asvg:svgBlip xmlns:asvg="http://schemas.microsoft.com/office/drawing/2016/SVG/main" xmlns="" r:embed="rId3"/>
                   </a:ext>
                 </a:extLst>
               </a:blip>
@@ -20930,7 +20930,7 @@
       </p:pic>
       <p:pic>
         <p:nvPicPr>
-          <p:cNvPr id="2" name="Imagem 1"/>
+          <p:cNvPr id="13" name="Imagem 12"/>
           <p:cNvPicPr>
             <a:picLocks noChangeAspect="1"/>
           </p:cNvPicPr>
@@ -20944,8 +20944,8 @@
         </p:blipFill>
         <p:spPr>
           <a:xfrm>
-            <a:off x="2577923" y="1277712"/>
-            <a:ext cx="7245345" cy="5295465"/>
+            <a:off x="2672171" y="1302201"/>
+            <a:ext cx="7083184" cy="5152345"/>
           </a:xfrm>
           <a:prstGeom prst="rect">
             <a:avLst/>
@@ -21089,7 +21089,7 @@
                                           </p:stCondLst>
                                         </p:cTn>
                                         <p:tgtEl>
-                                          <p:spTgt spid="2"/>
+                                          <p:spTgt spid="13"/>
                                         </p:tgtEl>
                                         <p:attrNameLst>
                                           <p:attrName>style.visibility</p:attrName>
@@ -21103,7 +21103,7 @@
                                       <p:cBhvr>
                                         <p:cTn id="13" dur="1000"/>
                                         <p:tgtEl>
-                                          <p:spTgt spid="2"/>
+                                          <p:spTgt spid="13"/>
                                         </p:tgtEl>
                                       </p:cBhvr>
                                     </p:animEffect>
@@ -21498,7 +21498,7 @@
                     <a14:useLocalDpi xmlns:a14="http://schemas.microsoft.com/office/drawing/2010/main" val="0"/>
                   </a:ext>
                   <a:ext uri="{96DAC541-7B7A-43D3-8B79-37D633B846F1}">
-                    <asvg:svgBlip xmlns:asvg="http://schemas.microsoft.com/office/drawing/2016/SVG/main" r:embed="rId4"/>
+                    <asvg:svgBlip xmlns:asvg="http://schemas.microsoft.com/office/drawing/2016/SVG/main" xmlns="" r:embed="rId4"/>
                   </a:ext>
                 </a:extLst>
               </a:blip>
@@ -21520,7 +21520,7 @@
       </p:grpSp>
       <p:pic>
         <p:nvPicPr>
-          <p:cNvPr id="2" name="Imagem 1"/>
+          <p:cNvPr id="12" name="Imagem 11"/>
           <p:cNvPicPr>
             <a:picLocks noChangeAspect="1"/>
           </p:cNvPicPr>
@@ -21534,8 +21534,8 @@
         </p:blipFill>
         <p:spPr>
           <a:xfrm>
-            <a:off x="1700637" y="1302201"/>
-            <a:ext cx="8790725" cy="5059410"/>
+            <a:off x="1582154" y="1277712"/>
+            <a:ext cx="9046028" cy="5050971"/>
           </a:xfrm>
           <a:prstGeom prst="rect">
             <a:avLst/>
@@ -21679,7 +21679,7 @@
                                           </p:stCondLst>
                                         </p:cTn>
                                         <p:tgtEl>
-                                          <p:spTgt spid="2"/>
+                                          <p:spTgt spid="12"/>
                                         </p:tgtEl>
                                         <p:attrNameLst>
                                           <p:attrName>style.visibility</p:attrName>
@@ -21693,7 +21693,7 @@
                                       <p:cBhvr>
                                         <p:cTn id="13" dur="1000"/>
                                         <p:tgtEl>
-                                          <p:spTgt spid="2"/>
+                                          <p:spTgt spid="12"/>
                                         </p:tgtEl>
                                       </p:cBhvr>
                                     </p:animEffect>
@@ -22029,7 +22029,7 @@
                     <a14:useLocalDpi xmlns:a14="http://schemas.microsoft.com/office/drawing/2010/main" val="0"/>
                   </a:ext>
                   <a:ext uri="{96DAC541-7B7A-43D3-8B79-37D633B846F1}">
-                    <asvg:svgBlip xmlns:asvg="http://schemas.microsoft.com/office/drawing/2016/SVG/main" r:embed="rId4"/>
+                    <asvg:svgBlip xmlns:asvg="http://schemas.microsoft.com/office/drawing/2016/SVG/main" xmlns="" r:embed="rId4"/>
                   </a:ext>
                 </a:extLst>
               </a:blip>
@@ -22651,7 +22651,7 @@
                 <a14:useLocalDpi xmlns:a14="http://schemas.microsoft.com/office/drawing/2010/main" val="0"/>
               </a:ext>
               <a:ext uri="{96DAC541-7B7A-43D3-8B79-37D633B846F1}">
-                <asvg:svgBlip xmlns:asvg="http://schemas.microsoft.com/office/drawing/2016/SVG/main" r:embed="rId4"/>
+                <asvg:svgBlip xmlns:asvg="http://schemas.microsoft.com/office/drawing/2016/SVG/main" xmlns="" r:embed="rId4"/>
               </a:ext>
             </a:extLst>
           </a:blip>
@@ -24463,7 +24463,7 @@
                     <a14:useLocalDpi xmlns:a14="http://schemas.microsoft.com/office/drawing/2010/main" val="0"/>
                   </a:ext>
                   <a:ext uri="{96DAC541-7B7A-43D3-8B79-37D633B846F1}">
-                    <asvg:svgBlip xmlns:asvg="http://schemas.microsoft.com/office/drawing/2016/SVG/main" r:embed="rId3"/>
+                    <asvg:svgBlip xmlns:asvg="http://schemas.microsoft.com/office/drawing/2016/SVG/main" xmlns="" r:embed="rId3"/>
                   </a:ext>
                 </a:extLst>
               </a:blip>
@@ -25127,7 +25127,7 @@
                     <a14:useLocalDpi xmlns:a14="http://schemas.microsoft.com/office/drawing/2010/main" val="0"/>
                   </a:ext>
                   <a:ext uri="{96DAC541-7B7A-43D3-8B79-37D633B846F1}">
-                    <asvg:svgBlip xmlns:asvg="http://schemas.microsoft.com/office/drawing/2016/SVG/main" r:embed="rId3"/>
+                    <asvg:svgBlip xmlns:asvg="http://schemas.microsoft.com/office/drawing/2016/SVG/main" xmlns="" r:embed="rId3"/>
                   </a:ext>
                 </a:extLst>
               </a:blip>
@@ -25717,12 +25717,6 @@
 </file>
 
 <file path=customXml/item1.xml><?xml version="1.0" encoding="utf-8"?>
-<p:properties xmlns:p="http://schemas.microsoft.com/office/2006/metadata/properties" xmlns:xsi="http://www.w3.org/2001/XMLSchema-instance" xmlns:pc="http://schemas.microsoft.com/office/infopath/2007/PartnerControls">
-  <documentManagement/>
-</p:properties>
-</file>
-
-<file path=customXml/item2.xml><?xml version="1.0" encoding="utf-8"?>
 <ct:contentTypeSchema xmlns:ct="http://schemas.microsoft.com/office/2006/metadata/contentType" xmlns:ma="http://schemas.microsoft.com/office/2006/metadata/properties/metaAttributes" ct:_="" ma:_="" ma:contentTypeName="Document" ma:contentTypeID="0x010100A663B016B9E10D44AF2D6A2076639652" ma:contentTypeVersion="9" ma:contentTypeDescription="Create a new document." ma:contentTypeScope="" ma:versionID="487f2b4f5bb26e664e658aeeb82afc06">
   <xsd:schema xmlns:xsd="http://www.w3.org/2001/XMLSchema" xmlns:xs="http://www.w3.org/2001/XMLSchema" xmlns:p="http://schemas.microsoft.com/office/2006/metadata/properties" xmlns:ns3="1f168f81-3f83-4b33-9f0c-ec152bce3f98" xmlns:ns4="86822d51-02f5-488a-80f3-0b621e7c317a" targetNamespace="http://schemas.microsoft.com/office/2006/metadata/properties" ma:root="true" ma:fieldsID="edc5afedb1afb76831d7c08402d80832" ns3:_="" ns4:_="">
     <xsd:import namespace="1f168f81-3f83-4b33-9f0c-ec152bce3f98"/>
@@ -25919,6 +25913,12 @@
 </ct:contentTypeSchema>
 </file>
 
+<file path=customXml/item2.xml><?xml version="1.0" encoding="utf-8"?>
+<p:properties xmlns:p="http://schemas.microsoft.com/office/2006/metadata/properties" xmlns:xsi="http://www.w3.org/2001/XMLSchema-instance" xmlns:pc="http://schemas.microsoft.com/office/infopath/2007/PartnerControls">
+  <documentManagement/>
+</p:properties>
+</file>
+
 <file path=customXml/item3.xml><?xml version="1.0" encoding="utf-8"?>
 <?mso-contentType ?>
 <FormTemplates xmlns="http://schemas.microsoft.com/sharepoint/v3/contenttype/forms">
@@ -25929,23 +25929,6 @@
 </file>
 
 <file path=customXml/itemProps1.xml><?xml version="1.0" encoding="utf-8"?>
-<ds:datastoreItem xmlns:ds="http://schemas.openxmlformats.org/officeDocument/2006/customXml" ds:itemID="{7972C250-C430-4380-B8BD-02E395B67AF0}">
-  <ds:schemaRefs>
-    <ds:schemaRef ds:uri="http://purl.org/dc/dcmitype/"/>
-    <ds:schemaRef ds:uri="http://purl.org/dc/terms/"/>
-    <ds:schemaRef ds:uri="http://schemas.openxmlformats.org/package/2006/metadata/core-properties"/>
-    <ds:schemaRef ds:uri="http://schemas.microsoft.com/office/2006/documentManagement/types"/>
-    <ds:schemaRef ds:uri="http://www.w3.org/XML/1998/namespace"/>
-    <ds:schemaRef ds:uri="http://schemas.microsoft.com/office/infopath/2007/PartnerControls"/>
-    <ds:schemaRef ds:uri="http://purl.org/dc/elements/1.1/"/>
-    <ds:schemaRef ds:uri="86822d51-02f5-488a-80f3-0b621e7c317a"/>
-    <ds:schemaRef ds:uri="1f168f81-3f83-4b33-9f0c-ec152bce3f98"/>
-    <ds:schemaRef ds:uri="http://schemas.microsoft.com/office/2006/metadata/properties"/>
-  </ds:schemaRefs>
-</ds:datastoreItem>
-</file>
-
-<file path=customXml/itemProps2.xml><?xml version="1.0" encoding="utf-8"?>
 <ds:datastoreItem xmlns:ds="http://schemas.openxmlformats.org/officeDocument/2006/customXml" ds:itemID="{ED87D459-01C6-46F3-85EB-8A8AB455C67D}">
   <ds:schemaRefs>
     <ds:schemaRef ds:uri="http://schemas.microsoft.com/office/2006/metadata/contentType"/>
@@ -25964,6 +25947,23 @@
 </ds:datastoreItem>
 </file>
 
+<file path=customXml/itemProps2.xml><?xml version="1.0" encoding="utf-8"?>
+<ds:datastoreItem xmlns:ds="http://schemas.openxmlformats.org/officeDocument/2006/customXml" ds:itemID="{7972C250-C430-4380-B8BD-02E395B67AF0}">
+  <ds:schemaRefs>
+    <ds:schemaRef ds:uri="http://purl.org/dc/dcmitype/"/>
+    <ds:schemaRef ds:uri="http://purl.org/dc/terms/"/>
+    <ds:schemaRef ds:uri="http://schemas.openxmlformats.org/package/2006/metadata/core-properties"/>
+    <ds:schemaRef ds:uri="http://schemas.microsoft.com/office/2006/documentManagement/types"/>
+    <ds:schemaRef ds:uri="http://www.w3.org/XML/1998/namespace"/>
+    <ds:schemaRef ds:uri="http://schemas.microsoft.com/office/infopath/2007/PartnerControls"/>
+    <ds:schemaRef ds:uri="http://purl.org/dc/elements/1.1/"/>
+    <ds:schemaRef ds:uri="86822d51-02f5-488a-80f3-0b621e7c317a"/>
+    <ds:schemaRef ds:uri="1f168f81-3f83-4b33-9f0c-ec152bce3f98"/>
+    <ds:schemaRef ds:uri="http://schemas.microsoft.com/office/2006/metadata/properties"/>
+  </ds:schemaRefs>
+</ds:datastoreItem>
+</file>
+
 <file path=customXml/itemProps3.xml><?xml version="1.0" encoding="utf-8"?>
 <ds:datastoreItem xmlns:ds="http://schemas.openxmlformats.org/officeDocument/2006/customXml" ds:itemID="{E12B114C-EB44-46E6-930B-B69E30F6F9AE}">
   <ds:schemaRefs>

--- a/MONITORAMENTO/Documentação/PPTs/Cold Stock Apresentação - Sprint 2.pptx
+++ b/MONITORAMENTO/Documentação/PPTs/Cold Stock Apresentação - Sprint 2.pptx
@@ -3306,7 +3306,7 @@
                     <a14:useLocalDpi xmlns:a14="http://schemas.microsoft.com/office/drawing/2010/main" val="0"/>
                   </a:ext>
                   <a:ext uri="{96DAC541-7B7A-43D3-8B79-37D633B846F1}">
-                    <asvg:svgBlip xmlns:asvg="http://schemas.microsoft.com/office/drawing/2016/SVG/main" xmlns="" r:embed="rId3"/>
+                    <asvg:svgBlip xmlns="" xmlns:asvg="http://schemas.microsoft.com/office/drawing/2016/SVG/main" r:embed="rId3"/>
                   </a:ext>
                 </a:extLst>
               </a:blip>
@@ -4205,7 +4205,7 @@
                     <a14:useLocalDpi xmlns:a14="http://schemas.microsoft.com/office/drawing/2010/main" val="0"/>
                   </a:ext>
                   <a:ext uri="{96DAC541-7B7A-43D3-8B79-37D633B846F1}">
-                    <asvg:svgBlip xmlns:asvg="http://schemas.microsoft.com/office/drawing/2016/SVG/main" xmlns="" r:embed="rId3"/>
+                    <asvg:svgBlip xmlns="" xmlns:asvg="http://schemas.microsoft.com/office/drawing/2016/SVG/main" r:embed="rId3"/>
                   </a:ext>
                 </a:extLst>
               </a:blip>
@@ -4795,7 +4795,7 @@
                     <a14:useLocalDpi xmlns:a14="http://schemas.microsoft.com/office/drawing/2010/main" val="0"/>
                   </a:ext>
                   <a:ext uri="{96DAC541-7B7A-43D3-8B79-37D633B846F1}">
-                    <asvg:svgBlip xmlns:asvg="http://schemas.microsoft.com/office/drawing/2016/SVG/main" xmlns="" r:embed="rId3"/>
+                    <asvg:svgBlip xmlns="" xmlns:asvg="http://schemas.microsoft.com/office/drawing/2016/SVG/main" r:embed="rId3"/>
                   </a:ext>
                 </a:extLst>
               </a:blip>
@@ -5468,7 +5468,7 @@
                     <a14:useLocalDpi xmlns:a14="http://schemas.microsoft.com/office/drawing/2010/main" val="0"/>
                   </a:ext>
                   <a:ext uri="{96DAC541-7B7A-43D3-8B79-37D633B846F1}">
-                    <asvg:svgBlip xmlns:asvg="http://schemas.microsoft.com/office/drawing/2016/SVG/main" xmlns="" r:embed="rId3"/>
+                    <asvg:svgBlip xmlns="" xmlns:asvg="http://schemas.microsoft.com/office/drawing/2016/SVG/main" r:embed="rId3"/>
                   </a:ext>
                 </a:extLst>
               </a:blip>
@@ -7458,7 +7458,7 @@
                 <a14:useLocalDpi xmlns:a14="http://schemas.microsoft.com/office/drawing/2010/main" val="0"/>
               </a:ext>
               <a:ext uri="{96DAC541-7B7A-43D3-8B79-37D633B846F1}">
-                <asvg:svgBlip xmlns:asvg="http://schemas.microsoft.com/office/drawing/2016/SVG/main" xmlns="" r:embed="rId4"/>
+                <asvg:svgBlip xmlns="" xmlns:asvg="http://schemas.microsoft.com/office/drawing/2016/SVG/main" r:embed="rId4"/>
               </a:ext>
             </a:extLst>
           </a:blip>
@@ -9196,7 +9196,7 @@
                     <a14:useLocalDpi xmlns:a14="http://schemas.microsoft.com/office/drawing/2010/main" val="0"/>
                   </a:ext>
                   <a:ext uri="{96DAC541-7B7A-43D3-8B79-37D633B846F1}">
-                    <asvg:svgBlip xmlns:asvg="http://schemas.microsoft.com/office/drawing/2016/SVG/main" xmlns="" r:embed="rId3"/>
+                    <asvg:svgBlip xmlns="" xmlns:asvg="http://schemas.microsoft.com/office/drawing/2016/SVG/main" r:embed="rId3"/>
                   </a:ext>
                 </a:extLst>
               </a:blip>
@@ -9391,7 +9391,7 @@
                 <a14:useLocalDpi xmlns:a14="http://schemas.microsoft.com/office/drawing/2010/main" val="0"/>
               </a:ext>
               <a:ext uri="{96DAC541-7B7A-43D3-8B79-37D633B846F1}">
-                <asvg:svgBlip xmlns:asvg="http://schemas.microsoft.com/office/drawing/2016/SVG/main" xmlns="" r:embed="rId6"/>
+                <asvg:svgBlip xmlns="" xmlns:asvg="http://schemas.microsoft.com/office/drawing/2016/SVG/main" r:embed="rId6"/>
               </a:ext>
             </a:extLst>
           </a:blip>
@@ -9430,7 +9430,7 @@
                 <a14:useLocalDpi xmlns:a14="http://schemas.microsoft.com/office/drawing/2010/main" val="0"/>
               </a:ext>
               <a:ext uri="{96DAC541-7B7A-43D3-8B79-37D633B846F1}">
-                <asvg:svgBlip xmlns:asvg="http://schemas.microsoft.com/office/drawing/2016/SVG/main" xmlns="" r:embed="rId8"/>
+                <asvg:svgBlip xmlns="" xmlns:asvg="http://schemas.microsoft.com/office/drawing/2016/SVG/main" r:embed="rId8"/>
               </a:ext>
             </a:extLst>
           </a:blip>
@@ -9469,7 +9469,7 @@
                 <a14:useLocalDpi xmlns:a14="http://schemas.microsoft.com/office/drawing/2010/main" val="0"/>
               </a:ext>
               <a:ext uri="{96DAC541-7B7A-43D3-8B79-37D633B846F1}">
-                <asvg:svgBlip xmlns:asvg="http://schemas.microsoft.com/office/drawing/2016/SVG/main" xmlns="" r:embed="rId10"/>
+                <asvg:svgBlip xmlns="" xmlns:asvg="http://schemas.microsoft.com/office/drawing/2016/SVG/main" r:embed="rId10"/>
               </a:ext>
             </a:extLst>
           </a:blip>
@@ -10047,7 +10047,7 @@
                 <a14:useLocalDpi xmlns:a14="http://schemas.microsoft.com/office/drawing/2010/main" val="0"/>
               </a:ext>
               <a:ext uri="{96DAC541-7B7A-43D3-8B79-37D633B846F1}">
-                <asvg:svgBlip xmlns:asvg="http://schemas.microsoft.com/office/drawing/2016/SVG/main" xmlns="" r:embed="rId4"/>
+                <asvg:svgBlip xmlns="" xmlns:asvg="http://schemas.microsoft.com/office/drawing/2016/SVG/main" r:embed="rId4"/>
               </a:ext>
             </a:extLst>
           </a:blip>
@@ -12519,7 +12519,7 @@
                     <a14:useLocalDpi xmlns:a14="http://schemas.microsoft.com/office/drawing/2010/main" val="0"/>
                   </a:ext>
                   <a:ext uri="{96DAC541-7B7A-43D3-8B79-37D633B846F1}">
-                    <asvg:svgBlip xmlns:asvg="http://schemas.microsoft.com/office/drawing/2016/SVG/main" xmlns="" r:embed="rId3"/>
+                    <asvg:svgBlip xmlns="" xmlns:asvg="http://schemas.microsoft.com/office/drawing/2016/SVG/main" r:embed="rId3"/>
                   </a:ext>
                 </a:extLst>
               </a:blip>
@@ -13118,7 +13118,7 @@
                     <a14:useLocalDpi xmlns:a14="http://schemas.microsoft.com/office/drawing/2010/main" val="0"/>
                   </a:ext>
                   <a:ext uri="{96DAC541-7B7A-43D3-8B79-37D633B846F1}">
-                    <asvg:svgBlip xmlns:asvg="http://schemas.microsoft.com/office/drawing/2016/SVG/main" xmlns="" r:embed="rId3"/>
+                    <asvg:svgBlip xmlns="" xmlns:asvg="http://schemas.microsoft.com/office/drawing/2016/SVG/main" r:embed="rId3"/>
                   </a:ext>
                 </a:extLst>
               </a:blip>
@@ -13717,7 +13717,7 @@
                     <a14:useLocalDpi xmlns:a14="http://schemas.microsoft.com/office/drawing/2010/main" val="0"/>
                   </a:ext>
                   <a:ext uri="{96DAC541-7B7A-43D3-8B79-37D633B846F1}">
-                    <asvg:svgBlip xmlns:asvg="http://schemas.microsoft.com/office/drawing/2016/SVG/main" xmlns="" r:embed="rId3"/>
+                    <asvg:svgBlip xmlns="" xmlns:asvg="http://schemas.microsoft.com/office/drawing/2016/SVG/main" r:embed="rId3"/>
                   </a:ext>
                 </a:extLst>
               </a:blip>
@@ -15002,7 +15002,7 @@
                 <a14:useLocalDpi xmlns:a14="http://schemas.microsoft.com/office/drawing/2010/main" val="0"/>
               </a:ext>
               <a:ext uri="{96DAC541-7B7A-43D3-8B79-37D633B846F1}">
-                <asvg:svgBlip xmlns:asvg="http://schemas.microsoft.com/office/drawing/2016/SVG/main" xmlns="" r:embed="rId4"/>
+                <asvg:svgBlip xmlns="" xmlns:asvg="http://schemas.microsoft.com/office/drawing/2016/SVG/main" r:embed="rId4"/>
               </a:ext>
             </a:extLst>
           </a:blip>
@@ -17885,7 +17885,7 @@
                     <a14:useLocalDpi xmlns:a14="http://schemas.microsoft.com/office/drawing/2010/main" val="0"/>
                   </a:ext>
                   <a:ext uri="{96DAC541-7B7A-43D3-8B79-37D633B846F1}">
-                    <asvg:svgBlip xmlns:asvg="http://schemas.microsoft.com/office/drawing/2016/SVG/main" xmlns="" r:embed="rId3"/>
+                    <asvg:svgBlip xmlns="" xmlns:asvg="http://schemas.microsoft.com/office/drawing/2016/SVG/main" r:embed="rId3"/>
                   </a:ext>
                 </a:extLst>
               </a:blip>
@@ -20813,7 +20813,7 @@
                     <a14:useLocalDpi xmlns:a14="http://schemas.microsoft.com/office/drawing/2010/main" val="0"/>
                   </a:ext>
                   <a:ext uri="{96DAC541-7B7A-43D3-8B79-37D633B846F1}">
-                    <asvg:svgBlip xmlns:asvg="http://schemas.microsoft.com/office/drawing/2016/SVG/main" xmlns="" r:embed="rId3"/>
+                    <asvg:svgBlip xmlns="" xmlns:asvg="http://schemas.microsoft.com/office/drawing/2016/SVG/main" r:embed="rId3"/>
                   </a:ext>
                 </a:extLst>
               </a:blip>
@@ -21498,7 +21498,7 @@
                     <a14:useLocalDpi xmlns:a14="http://schemas.microsoft.com/office/drawing/2010/main" val="0"/>
                   </a:ext>
                   <a:ext uri="{96DAC541-7B7A-43D3-8B79-37D633B846F1}">
-                    <asvg:svgBlip xmlns:asvg="http://schemas.microsoft.com/office/drawing/2016/SVG/main" xmlns="" r:embed="rId4"/>
+                    <asvg:svgBlip xmlns="" xmlns:asvg="http://schemas.microsoft.com/office/drawing/2016/SVG/main" r:embed="rId4"/>
                   </a:ext>
                 </a:extLst>
               </a:blip>
@@ -22029,7 +22029,7 @@
                     <a14:useLocalDpi xmlns:a14="http://schemas.microsoft.com/office/drawing/2010/main" val="0"/>
                   </a:ext>
                   <a:ext uri="{96DAC541-7B7A-43D3-8B79-37D633B846F1}">
-                    <asvg:svgBlip xmlns:asvg="http://schemas.microsoft.com/office/drawing/2016/SVG/main" xmlns="" r:embed="rId4"/>
+                    <asvg:svgBlip xmlns="" xmlns:asvg="http://schemas.microsoft.com/office/drawing/2016/SVG/main" r:embed="rId4"/>
                   </a:ext>
                 </a:extLst>
               </a:blip>
@@ -22651,7 +22651,7 @@
                 <a14:useLocalDpi xmlns:a14="http://schemas.microsoft.com/office/drawing/2010/main" val="0"/>
               </a:ext>
               <a:ext uri="{96DAC541-7B7A-43D3-8B79-37D633B846F1}">
-                <asvg:svgBlip xmlns:asvg="http://schemas.microsoft.com/office/drawing/2016/SVG/main" xmlns="" r:embed="rId4"/>
+                <asvg:svgBlip xmlns="" xmlns:asvg="http://schemas.microsoft.com/office/drawing/2016/SVG/main" r:embed="rId4"/>
               </a:ext>
             </a:extLst>
           </a:blip>
@@ -24463,7 +24463,7 @@
                     <a14:useLocalDpi xmlns:a14="http://schemas.microsoft.com/office/drawing/2010/main" val="0"/>
                   </a:ext>
                   <a:ext uri="{96DAC541-7B7A-43D3-8B79-37D633B846F1}">
-                    <asvg:svgBlip xmlns:asvg="http://schemas.microsoft.com/office/drawing/2016/SVG/main" xmlns="" r:embed="rId3"/>
+                    <asvg:svgBlip xmlns="" xmlns:asvg="http://schemas.microsoft.com/office/drawing/2016/SVG/main" r:embed="rId3"/>
                   </a:ext>
                 </a:extLst>
               </a:blip>
@@ -25127,7 +25127,7 @@
                     <a14:useLocalDpi xmlns:a14="http://schemas.microsoft.com/office/drawing/2010/main" val="0"/>
                   </a:ext>
                   <a:ext uri="{96DAC541-7B7A-43D3-8B79-37D633B846F1}">
-                    <asvg:svgBlip xmlns:asvg="http://schemas.microsoft.com/office/drawing/2016/SVG/main" xmlns="" r:embed="rId3"/>
+                    <asvg:svgBlip xmlns="" xmlns:asvg="http://schemas.microsoft.com/office/drawing/2016/SVG/main" r:embed="rId3"/>
                   </a:ext>
                 </a:extLst>
               </a:blip>
@@ -25717,6 +25717,12 @@
 </file>
 
 <file path=customXml/item1.xml><?xml version="1.0" encoding="utf-8"?>
+<p:properties xmlns:p="http://schemas.microsoft.com/office/2006/metadata/properties" xmlns:xsi="http://www.w3.org/2001/XMLSchema-instance" xmlns:pc="http://schemas.microsoft.com/office/infopath/2007/PartnerControls">
+  <documentManagement/>
+</p:properties>
+</file>
+
+<file path=customXml/item2.xml><?xml version="1.0" encoding="utf-8"?>
 <ct:contentTypeSchema xmlns:ct="http://schemas.microsoft.com/office/2006/metadata/contentType" xmlns:ma="http://schemas.microsoft.com/office/2006/metadata/properties/metaAttributes" ct:_="" ma:_="" ma:contentTypeName="Document" ma:contentTypeID="0x010100A663B016B9E10D44AF2D6A2076639652" ma:contentTypeVersion="9" ma:contentTypeDescription="Create a new document." ma:contentTypeScope="" ma:versionID="487f2b4f5bb26e664e658aeeb82afc06">
   <xsd:schema xmlns:xsd="http://www.w3.org/2001/XMLSchema" xmlns:xs="http://www.w3.org/2001/XMLSchema" xmlns:p="http://schemas.microsoft.com/office/2006/metadata/properties" xmlns:ns3="1f168f81-3f83-4b33-9f0c-ec152bce3f98" xmlns:ns4="86822d51-02f5-488a-80f3-0b621e7c317a" targetNamespace="http://schemas.microsoft.com/office/2006/metadata/properties" ma:root="true" ma:fieldsID="edc5afedb1afb76831d7c08402d80832" ns3:_="" ns4:_="">
     <xsd:import namespace="1f168f81-3f83-4b33-9f0c-ec152bce3f98"/>
@@ -25913,12 +25919,6 @@
 </ct:contentTypeSchema>
 </file>
 
-<file path=customXml/item2.xml><?xml version="1.0" encoding="utf-8"?>
-<p:properties xmlns:p="http://schemas.microsoft.com/office/2006/metadata/properties" xmlns:xsi="http://www.w3.org/2001/XMLSchema-instance" xmlns:pc="http://schemas.microsoft.com/office/infopath/2007/PartnerControls">
-  <documentManagement/>
-</p:properties>
-</file>
-
 <file path=customXml/item3.xml><?xml version="1.0" encoding="utf-8"?>
 <?mso-contentType ?>
 <FormTemplates xmlns="http://schemas.microsoft.com/sharepoint/v3/contenttype/forms">
@@ -25929,6 +25929,23 @@
 </file>
 
 <file path=customXml/itemProps1.xml><?xml version="1.0" encoding="utf-8"?>
+<ds:datastoreItem xmlns:ds="http://schemas.openxmlformats.org/officeDocument/2006/customXml" ds:itemID="{7972C250-C430-4380-B8BD-02E395B67AF0}">
+  <ds:schemaRefs>
+    <ds:schemaRef ds:uri="http://purl.org/dc/dcmitype/"/>
+    <ds:schemaRef ds:uri="http://purl.org/dc/terms/"/>
+    <ds:schemaRef ds:uri="http://schemas.openxmlformats.org/package/2006/metadata/core-properties"/>
+    <ds:schemaRef ds:uri="http://schemas.microsoft.com/office/2006/documentManagement/types"/>
+    <ds:schemaRef ds:uri="http://www.w3.org/XML/1998/namespace"/>
+    <ds:schemaRef ds:uri="http://schemas.microsoft.com/office/infopath/2007/PartnerControls"/>
+    <ds:schemaRef ds:uri="http://purl.org/dc/elements/1.1/"/>
+    <ds:schemaRef ds:uri="86822d51-02f5-488a-80f3-0b621e7c317a"/>
+    <ds:schemaRef ds:uri="1f168f81-3f83-4b33-9f0c-ec152bce3f98"/>
+    <ds:schemaRef ds:uri="http://schemas.microsoft.com/office/2006/metadata/properties"/>
+  </ds:schemaRefs>
+</ds:datastoreItem>
+</file>
+
+<file path=customXml/itemProps2.xml><?xml version="1.0" encoding="utf-8"?>
 <ds:datastoreItem xmlns:ds="http://schemas.openxmlformats.org/officeDocument/2006/customXml" ds:itemID="{ED87D459-01C6-46F3-85EB-8A8AB455C67D}">
   <ds:schemaRefs>
     <ds:schemaRef ds:uri="http://schemas.microsoft.com/office/2006/metadata/contentType"/>
@@ -25947,23 +25964,6 @@
 </ds:datastoreItem>
 </file>
 
-<file path=customXml/itemProps2.xml><?xml version="1.0" encoding="utf-8"?>
-<ds:datastoreItem xmlns:ds="http://schemas.openxmlformats.org/officeDocument/2006/customXml" ds:itemID="{7972C250-C430-4380-B8BD-02E395B67AF0}">
-  <ds:schemaRefs>
-    <ds:schemaRef ds:uri="http://purl.org/dc/dcmitype/"/>
-    <ds:schemaRef ds:uri="http://purl.org/dc/terms/"/>
-    <ds:schemaRef ds:uri="http://schemas.openxmlformats.org/package/2006/metadata/core-properties"/>
-    <ds:schemaRef ds:uri="http://schemas.microsoft.com/office/2006/documentManagement/types"/>
-    <ds:schemaRef ds:uri="http://www.w3.org/XML/1998/namespace"/>
-    <ds:schemaRef ds:uri="http://schemas.microsoft.com/office/infopath/2007/PartnerControls"/>
-    <ds:schemaRef ds:uri="http://purl.org/dc/elements/1.1/"/>
-    <ds:schemaRef ds:uri="86822d51-02f5-488a-80f3-0b621e7c317a"/>
-    <ds:schemaRef ds:uri="1f168f81-3f83-4b33-9f0c-ec152bce3f98"/>
-    <ds:schemaRef ds:uri="http://schemas.microsoft.com/office/2006/metadata/properties"/>
-  </ds:schemaRefs>
-</ds:datastoreItem>
-</file>
-
 <file path=customXml/itemProps3.xml><?xml version="1.0" encoding="utf-8"?>
 <ds:datastoreItem xmlns:ds="http://schemas.openxmlformats.org/officeDocument/2006/customXml" ds:itemID="{E12B114C-EB44-46E6-930B-B69E30F6F9AE}">
   <ds:schemaRefs>

--- a/MONITORAMENTO/Documentação/PPTs/Cold Stock Apresentação - Sprint 2.pptx
+++ b/MONITORAMENTO/Documentação/PPTs/Cold Stock Apresentação - Sprint 2.pptx
@@ -3151,6 +3151,7 @@
             </a:bodyPr>
             <a:lstStyle/>
             <a:p>
+              <a:pPr algn="ctr"/>
               <a:r>
                 <a:rPr lang="pt-BR" sz="7200" b="1" dirty="0" err="1">
                   <a:solidFill>
@@ -3306,7 +3307,7 @@
                     <a14:useLocalDpi xmlns:a14="http://schemas.microsoft.com/office/drawing/2010/main" val="0"/>
                   </a:ext>
                   <a:ext uri="{96DAC541-7B7A-43D3-8B79-37D633B846F1}">
-                    <asvg:svgBlip xmlns:asvg="http://schemas.microsoft.com/office/drawing/2016/SVG/main" xmlns="" r:embed="rId3"/>
+                    <asvg:svgBlip xmlns:asvg="http://schemas.microsoft.com/office/drawing/2016/SVG/main" r:embed="rId3"/>
                   </a:ext>
                 </a:extLst>
               </a:blip>
@@ -4205,7 +4206,7 @@
                     <a14:useLocalDpi xmlns:a14="http://schemas.microsoft.com/office/drawing/2010/main" val="0"/>
                   </a:ext>
                   <a:ext uri="{96DAC541-7B7A-43D3-8B79-37D633B846F1}">
-                    <asvg:svgBlip xmlns:asvg="http://schemas.microsoft.com/office/drawing/2016/SVG/main" xmlns="" r:embed="rId3"/>
+                    <asvg:svgBlip xmlns:asvg="http://schemas.microsoft.com/office/drawing/2016/SVG/main" r:embed="rId3"/>
                   </a:ext>
                 </a:extLst>
               </a:blip>
@@ -4795,7 +4796,7 @@
                     <a14:useLocalDpi xmlns:a14="http://schemas.microsoft.com/office/drawing/2010/main" val="0"/>
                   </a:ext>
                   <a:ext uri="{96DAC541-7B7A-43D3-8B79-37D633B846F1}">
-                    <asvg:svgBlip xmlns:asvg="http://schemas.microsoft.com/office/drawing/2016/SVG/main" xmlns="" r:embed="rId3"/>
+                    <asvg:svgBlip xmlns:asvg="http://schemas.microsoft.com/office/drawing/2016/SVG/main" r:embed="rId3"/>
                   </a:ext>
                 </a:extLst>
               </a:blip>
@@ -5468,7 +5469,7 @@
                     <a14:useLocalDpi xmlns:a14="http://schemas.microsoft.com/office/drawing/2010/main" val="0"/>
                   </a:ext>
                   <a:ext uri="{96DAC541-7B7A-43D3-8B79-37D633B846F1}">
-                    <asvg:svgBlip xmlns:asvg="http://schemas.microsoft.com/office/drawing/2016/SVG/main" xmlns="" r:embed="rId3"/>
+                    <asvg:svgBlip xmlns:asvg="http://schemas.microsoft.com/office/drawing/2016/SVG/main" r:embed="rId3"/>
                   </a:ext>
                 </a:extLst>
               </a:blip>
@@ -7458,7 +7459,7 @@
                 <a14:useLocalDpi xmlns:a14="http://schemas.microsoft.com/office/drawing/2010/main" val="0"/>
               </a:ext>
               <a:ext uri="{96DAC541-7B7A-43D3-8B79-37D633B846F1}">
-                <asvg:svgBlip xmlns:asvg="http://schemas.microsoft.com/office/drawing/2016/SVG/main" xmlns="" r:embed="rId4"/>
+                <asvg:svgBlip xmlns:asvg="http://schemas.microsoft.com/office/drawing/2016/SVG/main" r:embed="rId4"/>
               </a:ext>
             </a:extLst>
           </a:blip>
@@ -9196,7 +9197,7 @@
                     <a14:useLocalDpi xmlns:a14="http://schemas.microsoft.com/office/drawing/2010/main" val="0"/>
                   </a:ext>
                   <a:ext uri="{96DAC541-7B7A-43D3-8B79-37D633B846F1}">
-                    <asvg:svgBlip xmlns:asvg="http://schemas.microsoft.com/office/drawing/2016/SVG/main" xmlns="" r:embed="rId3"/>
+                    <asvg:svgBlip xmlns:asvg="http://schemas.microsoft.com/office/drawing/2016/SVG/main" r:embed="rId3"/>
                   </a:ext>
                 </a:extLst>
               </a:blip>
@@ -9391,7 +9392,7 @@
                 <a14:useLocalDpi xmlns:a14="http://schemas.microsoft.com/office/drawing/2010/main" val="0"/>
               </a:ext>
               <a:ext uri="{96DAC541-7B7A-43D3-8B79-37D633B846F1}">
-                <asvg:svgBlip xmlns:asvg="http://schemas.microsoft.com/office/drawing/2016/SVG/main" xmlns="" r:embed="rId6"/>
+                <asvg:svgBlip xmlns:asvg="http://schemas.microsoft.com/office/drawing/2016/SVG/main" r:embed="rId6"/>
               </a:ext>
             </a:extLst>
           </a:blip>
@@ -9402,45 +9403,6 @@
         <p:spPr>
           <a:xfrm>
             <a:off x="1437473" y="1801120"/>
-            <a:ext cx="914400" cy="914400"/>
-          </a:xfrm>
-          <a:prstGeom prst="rect">
-            <a:avLst/>
-          </a:prstGeom>
-        </p:spPr>
-      </p:pic>
-      <p:pic>
-        <p:nvPicPr>
-          <p:cNvPr id="14" name="Gráfico 13" descr="África">
-            <a:extLst>
-              <a:ext uri="{FF2B5EF4-FFF2-40B4-BE49-F238E27FC236}">
-                <a16:creationId xmlns:a16="http://schemas.microsoft.com/office/drawing/2014/main" id="{CD240FE6-2386-42D8-A0A6-D7CC1F42F2AB}"/>
-              </a:ext>
-            </a:extLst>
-          </p:cNvPr>
-          <p:cNvPicPr>
-            <a:picLocks noChangeAspect="1"/>
-          </p:cNvPicPr>
-          <p:nvPr/>
-        </p:nvPicPr>
-        <p:blipFill>
-          <a:blip r:embed="rId7" cstate="print">
-            <a:extLst>
-              <a:ext uri="{28A0092B-C50C-407E-A947-70E740481C1C}">
-                <a14:useLocalDpi xmlns:a14="http://schemas.microsoft.com/office/drawing/2010/main" val="0"/>
-              </a:ext>
-              <a:ext uri="{96DAC541-7B7A-43D3-8B79-37D633B846F1}">
-                <asvg:svgBlip xmlns:asvg="http://schemas.microsoft.com/office/drawing/2016/SVG/main" xmlns="" r:embed="rId8"/>
-              </a:ext>
-            </a:extLst>
-          </a:blip>
-          <a:stretch>
-            <a:fillRect/>
-          </a:stretch>
-        </p:blipFill>
-        <p:spPr>
-          <a:xfrm>
-            <a:off x="1437473" y="4132050"/>
             <a:ext cx="914400" cy="914400"/>
           </a:xfrm>
           <a:prstGeom prst="rect">
@@ -9463,13 +9425,13 @@
           <p:nvPr/>
         </p:nvPicPr>
         <p:blipFill>
-          <a:blip r:embed="rId9" cstate="print">
+          <a:blip r:embed="rId7" cstate="print">
             <a:extLst>
               <a:ext uri="{28A0092B-C50C-407E-A947-70E740481C1C}">
                 <a14:useLocalDpi xmlns:a14="http://schemas.microsoft.com/office/drawing/2010/main" val="0"/>
               </a:ext>
               <a:ext uri="{96DAC541-7B7A-43D3-8B79-37D633B846F1}">
-                <asvg:svgBlip xmlns:asvg="http://schemas.microsoft.com/office/drawing/2016/SVG/main" xmlns="" r:embed="rId10"/>
+                <asvg:svgBlip xmlns:asvg="http://schemas.microsoft.com/office/drawing/2016/SVG/main" r:embed="rId8"/>
               </a:ext>
             </a:extLst>
           </a:blip>
@@ -9502,7 +9464,7 @@
         <p:spPr>
           <a:xfrm>
             <a:off x="2473693" y="1801120"/>
-            <a:ext cx="7575082" cy="923330"/>
+            <a:ext cx="7575082" cy="369332"/>
           </a:xfrm>
           <a:prstGeom prst="rect">
             <a:avLst/>
@@ -9523,15 +9485,7 @@
             </a:r>
             <a:r>
               <a:rPr lang="pt-BR" dirty="0"/>
-              <a:t>Nós temos então nos preparado para aplicar na nuvem </a:t>
-            </a:r>
-            <a:r>
-              <a:rPr lang="pt-BR" dirty="0" err="1"/>
-              <a:t>aws</a:t>
-            </a:r>
-            <a:r>
-              <a:rPr lang="pt-BR" dirty="0"/>
-              <a:t> em que se localiza nosso projeto legado, a nossa aplicação de monitoramento. Com armazenamento local.</a:t>
+              <a:t>Implementar na nuvem legado</a:t>
             </a:r>
           </a:p>
         </p:txBody>
@@ -9627,6 +9581,105 @@
           </a:p>
         </p:txBody>
       </p:sp>
+      <p:grpSp>
+        <p:nvGrpSpPr>
+          <p:cNvPr id="13" name="Agrupar 12">
+            <a:extLst>
+              <a:ext uri="{FF2B5EF4-FFF2-40B4-BE49-F238E27FC236}">
+                <a16:creationId xmlns:a16="http://schemas.microsoft.com/office/drawing/2014/main" id="{0486EBF0-4F4D-4B69-92BD-314482E21937}"/>
+              </a:ext>
+            </a:extLst>
+          </p:cNvPr>
+          <p:cNvGrpSpPr/>
+          <p:nvPr/>
+        </p:nvGrpSpPr>
+        <p:grpSpPr>
+          <a:xfrm>
+            <a:off x="1333951" y="4316716"/>
+            <a:ext cx="1121444" cy="914400"/>
+            <a:chOff x="1230429" y="4132050"/>
+            <a:chExt cx="1121444" cy="914400"/>
+          </a:xfrm>
+        </p:grpSpPr>
+        <p:pic>
+          <p:nvPicPr>
+            <p:cNvPr id="14" name="Gráfico 13" descr="África">
+              <a:extLst>
+                <a:ext uri="{FF2B5EF4-FFF2-40B4-BE49-F238E27FC236}">
+                  <a16:creationId xmlns:a16="http://schemas.microsoft.com/office/drawing/2014/main" id="{CD240FE6-2386-42D8-A0A6-D7CC1F42F2AB}"/>
+                </a:ext>
+              </a:extLst>
+            </p:cNvPr>
+            <p:cNvPicPr>
+              <a:picLocks noChangeAspect="1"/>
+            </p:cNvPicPr>
+            <p:nvPr/>
+          </p:nvPicPr>
+          <p:blipFill>
+            <a:blip r:embed="rId9" cstate="print">
+              <a:extLst>
+                <a:ext uri="{28A0092B-C50C-407E-A947-70E740481C1C}">
+                  <a14:useLocalDpi xmlns:a14="http://schemas.microsoft.com/office/drawing/2010/main" val="0"/>
+                </a:ext>
+                <a:ext uri="{96DAC541-7B7A-43D3-8B79-37D633B846F1}">
+                  <asvg:svgBlip xmlns:asvg="http://schemas.microsoft.com/office/drawing/2016/SVG/main" r:embed="rId10"/>
+                </a:ext>
+              </a:extLst>
+            </a:blip>
+            <a:stretch>
+              <a:fillRect/>
+            </a:stretch>
+          </p:blipFill>
+          <p:spPr>
+            <a:xfrm>
+              <a:off x="1437473" y="4132050"/>
+              <a:ext cx="914400" cy="914400"/>
+            </a:xfrm>
+            <a:prstGeom prst="rect">
+              <a:avLst/>
+            </a:prstGeom>
+          </p:spPr>
+        </p:pic>
+        <p:pic>
+          <p:nvPicPr>
+            <p:cNvPr id="2" name="Gráfico 1" descr="África">
+              <a:extLst>
+                <a:ext uri="{FF2B5EF4-FFF2-40B4-BE49-F238E27FC236}">
+                  <a16:creationId xmlns:a16="http://schemas.microsoft.com/office/drawing/2014/main" id="{8D13D318-7B42-48E9-88B9-3BF5669FC054}"/>
+                </a:ext>
+              </a:extLst>
+            </p:cNvPr>
+            <p:cNvPicPr>
+              <a:picLocks noChangeAspect="1"/>
+            </p:cNvPicPr>
+            <p:nvPr/>
+          </p:nvPicPr>
+          <p:blipFill>
+            <a:blip r:embed="rId9" cstate="print">
+              <a:extLst>
+                <a:ext uri="{28A0092B-C50C-407E-A947-70E740481C1C}">
+                  <a14:useLocalDpi xmlns:a14="http://schemas.microsoft.com/office/drawing/2010/main" val="0"/>
+                </a:ext>
+                <a:ext uri="{96DAC541-7B7A-43D3-8B79-37D633B846F1}">
+                  <asvg:svgBlip xmlns:asvg="http://schemas.microsoft.com/office/drawing/2016/SVG/main" r:embed="rId10"/>
+                </a:ext>
+              </a:extLst>
+            </a:blip>
+            <a:stretch>
+              <a:fillRect/>
+            </a:stretch>
+          </p:blipFill>
+          <p:spPr>
+            <a:xfrm flipH="1">
+              <a:off x="1230429" y="4132050"/>
+              <a:ext cx="914400" cy="914400"/>
+            </a:xfrm>
+            <a:prstGeom prst="rect">
+              <a:avLst/>
+            </a:prstGeom>
+          </p:spPr>
+        </p:pic>
+      </p:grpSp>
     </p:spTree>
     <p:extLst>
       <p:ext uri="{BB962C8B-B14F-4D97-AF65-F5344CB8AC3E}">
@@ -10047,7 +10100,7 @@
                 <a14:useLocalDpi xmlns:a14="http://schemas.microsoft.com/office/drawing/2010/main" val="0"/>
               </a:ext>
               <a:ext uri="{96DAC541-7B7A-43D3-8B79-37D633B846F1}">
-                <asvg:svgBlip xmlns:asvg="http://schemas.microsoft.com/office/drawing/2016/SVG/main" xmlns="" r:embed="rId4"/>
+                <asvg:svgBlip xmlns:asvg="http://schemas.microsoft.com/office/drawing/2016/SVG/main" r:embed="rId4"/>
               </a:ext>
             </a:extLst>
           </a:blip>
@@ -12519,7 +12572,7 @@
                     <a14:useLocalDpi xmlns:a14="http://schemas.microsoft.com/office/drawing/2010/main" val="0"/>
                   </a:ext>
                   <a:ext uri="{96DAC541-7B7A-43D3-8B79-37D633B846F1}">
-                    <asvg:svgBlip xmlns:asvg="http://schemas.microsoft.com/office/drawing/2016/SVG/main" xmlns="" r:embed="rId3"/>
+                    <asvg:svgBlip xmlns:asvg="http://schemas.microsoft.com/office/drawing/2016/SVG/main" r:embed="rId3"/>
                   </a:ext>
                 </a:extLst>
               </a:blip>
@@ -13118,7 +13171,7 @@
                     <a14:useLocalDpi xmlns:a14="http://schemas.microsoft.com/office/drawing/2010/main" val="0"/>
                   </a:ext>
                   <a:ext uri="{96DAC541-7B7A-43D3-8B79-37D633B846F1}">
-                    <asvg:svgBlip xmlns:asvg="http://schemas.microsoft.com/office/drawing/2016/SVG/main" xmlns="" r:embed="rId3"/>
+                    <asvg:svgBlip xmlns:asvg="http://schemas.microsoft.com/office/drawing/2016/SVG/main" r:embed="rId3"/>
                   </a:ext>
                 </a:extLst>
               </a:blip>
@@ -13717,7 +13770,7 @@
                     <a14:useLocalDpi xmlns:a14="http://schemas.microsoft.com/office/drawing/2010/main" val="0"/>
                   </a:ext>
                   <a:ext uri="{96DAC541-7B7A-43D3-8B79-37D633B846F1}">
-                    <asvg:svgBlip xmlns:asvg="http://schemas.microsoft.com/office/drawing/2016/SVG/main" xmlns="" r:embed="rId3"/>
+                    <asvg:svgBlip xmlns:asvg="http://schemas.microsoft.com/office/drawing/2016/SVG/main" r:embed="rId3"/>
                   </a:ext>
                 </a:extLst>
               </a:blip>
@@ -15002,7 +15055,7 @@
                 <a14:useLocalDpi xmlns:a14="http://schemas.microsoft.com/office/drawing/2010/main" val="0"/>
               </a:ext>
               <a:ext uri="{96DAC541-7B7A-43D3-8B79-37D633B846F1}">
-                <asvg:svgBlip xmlns:asvg="http://schemas.microsoft.com/office/drawing/2016/SVG/main" xmlns="" r:embed="rId4"/>
+                <asvg:svgBlip xmlns:asvg="http://schemas.microsoft.com/office/drawing/2016/SVG/main" r:embed="rId4"/>
               </a:ext>
             </a:extLst>
           </a:blip>
@@ -17885,7 +17938,7 @@
                     <a14:useLocalDpi xmlns:a14="http://schemas.microsoft.com/office/drawing/2010/main" val="0"/>
                   </a:ext>
                   <a:ext uri="{96DAC541-7B7A-43D3-8B79-37D633B846F1}">
-                    <asvg:svgBlip xmlns:asvg="http://schemas.microsoft.com/office/drawing/2016/SVG/main" xmlns="" r:embed="rId3"/>
+                    <asvg:svgBlip xmlns:asvg="http://schemas.microsoft.com/office/drawing/2016/SVG/main" r:embed="rId3"/>
                   </a:ext>
                 </a:extLst>
               </a:blip>
@@ -20813,7 +20866,7 @@
                     <a14:useLocalDpi xmlns:a14="http://schemas.microsoft.com/office/drawing/2010/main" val="0"/>
                   </a:ext>
                   <a:ext uri="{96DAC541-7B7A-43D3-8B79-37D633B846F1}">
-                    <asvg:svgBlip xmlns:asvg="http://schemas.microsoft.com/office/drawing/2016/SVG/main" xmlns="" r:embed="rId3"/>
+                    <asvg:svgBlip xmlns:asvg="http://schemas.microsoft.com/office/drawing/2016/SVG/main" r:embed="rId3"/>
                   </a:ext>
                 </a:extLst>
               </a:blip>
@@ -21498,7 +21551,7 @@
                     <a14:useLocalDpi xmlns:a14="http://schemas.microsoft.com/office/drawing/2010/main" val="0"/>
                   </a:ext>
                   <a:ext uri="{96DAC541-7B7A-43D3-8B79-37D633B846F1}">
-                    <asvg:svgBlip xmlns:asvg="http://schemas.microsoft.com/office/drawing/2016/SVG/main" xmlns="" r:embed="rId4"/>
+                    <asvg:svgBlip xmlns:asvg="http://schemas.microsoft.com/office/drawing/2016/SVG/main" r:embed="rId4"/>
                   </a:ext>
                 </a:extLst>
               </a:blip>
@@ -22029,7 +22082,7 @@
                     <a14:useLocalDpi xmlns:a14="http://schemas.microsoft.com/office/drawing/2010/main" val="0"/>
                   </a:ext>
                   <a:ext uri="{96DAC541-7B7A-43D3-8B79-37D633B846F1}">
-                    <asvg:svgBlip xmlns:asvg="http://schemas.microsoft.com/office/drawing/2016/SVG/main" xmlns="" r:embed="rId4"/>
+                    <asvg:svgBlip xmlns:asvg="http://schemas.microsoft.com/office/drawing/2016/SVG/main" r:embed="rId4"/>
                   </a:ext>
                 </a:extLst>
               </a:blip>
@@ -22651,7 +22704,7 @@
                 <a14:useLocalDpi xmlns:a14="http://schemas.microsoft.com/office/drawing/2010/main" val="0"/>
               </a:ext>
               <a:ext uri="{96DAC541-7B7A-43D3-8B79-37D633B846F1}">
-                <asvg:svgBlip xmlns:asvg="http://schemas.microsoft.com/office/drawing/2016/SVG/main" xmlns="" r:embed="rId4"/>
+                <asvg:svgBlip xmlns:asvg="http://schemas.microsoft.com/office/drawing/2016/SVG/main" r:embed="rId4"/>
               </a:ext>
             </a:extLst>
           </a:blip>
@@ -24463,7 +24516,7 @@
                     <a14:useLocalDpi xmlns:a14="http://schemas.microsoft.com/office/drawing/2010/main" val="0"/>
                   </a:ext>
                   <a:ext uri="{96DAC541-7B7A-43D3-8B79-37D633B846F1}">
-                    <asvg:svgBlip xmlns:asvg="http://schemas.microsoft.com/office/drawing/2016/SVG/main" xmlns="" r:embed="rId3"/>
+                    <asvg:svgBlip xmlns:asvg="http://schemas.microsoft.com/office/drawing/2016/SVG/main" r:embed="rId3"/>
                   </a:ext>
                 </a:extLst>
               </a:blip>
@@ -25127,7 +25180,7 @@
                     <a14:useLocalDpi xmlns:a14="http://schemas.microsoft.com/office/drawing/2010/main" val="0"/>
                   </a:ext>
                   <a:ext uri="{96DAC541-7B7A-43D3-8B79-37D633B846F1}">
-                    <asvg:svgBlip xmlns:asvg="http://schemas.microsoft.com/office/drawing/2016/SVG/main" xmlns="" r:embed="rId3"/>
+                    <asvg:svgBlip xmlns:asvg="http://schemas.microsoft.com/office/drawing/2016/SVG/main" r:embed="rId3"/>
                   </a:ext>
                 </a:extLst>
               </a:blip>
@@ -25717,6 +25770,12 @@
 </file>
 
 <file path=customXml/item1.xml><?xml version="1.0" encoding="utf-8"?>
+<p:properties xmlns:p="http://schemas.microsoft.com/office/2006/metadata/properties" xmlns:xsi="http://www.w3.org/2001/XMLSchema-instance" xmlns:pc="http://schemas.microsoft.com/office/infopath/2007/PartnerControls">
+  <documentManagement/>
+</p:properties>
+</file>
+
+<file path=customXml/item2.xml><?xml version="1.0" encoding="utf-8"?>
 <ct:contentTypeSchema xmlns:ct="http://schemas.microsoft.com/office/2006/metadata/contentType" xmlns:ma="http://schemas.microsoft.com/office/2006/metadata/properties/metaAttributes" ct:_="" ma:_="" ma:contentTypeName="Document" ma:contentTypeID="0x010100A663B016B9E10D44AF2D6A2076639652" ma:contentTypeVersion="9" ma:contentTypeDescription="Create a new document." ma:contentTypeScope="" ma:versionID="487f2b4f5bb26e664e658aeeb82afc06">
   <xsd:schema xmlns:xsd="http://www.w3.org/2001/XMLSchema" xmlns:xs="http://www.w3.org/2001/XMLSchema" xmlns:p="http://schemas.microsoft.com/office/2006/metadata/properties" xmlns:ns3="1f168f81-3f83-4b33-9f0c-ec152bce3f98" xmlns:ns4="86822d51-02f5-488a-80f3-0b621e7c317a" targetNamespace="http://schemas.microsoft.com/office/2006/metadata/properties" ma:root="true" ma:fieldsID="edc5afedb1afb76831d7c08402d80832" ns3:_="" ns4:_="">
     <xsd:import namespace="1f168f81-3f83-4b33-9f0c-ec152bce3f98"/>
@@ -25913,12 +25972,6 @@
 </ct:contentTypeSchema>
 </file>
 
-<file path=customXml/item2.xml><?xml version="1.0" encoding="utf-8"?>
-<p:properties xmlns:p="http://schemas.microsoft.com/office/2006/metadata/properties" xmlns:xsi="http://www.w3.org/2001/XMLSchema-instance" xmlns:pc="http://schemas.microsoft.com/office/infopath/2007/PartnerControls">
-  <documentManagement/>
-</p:properties>
-</file>
-
 <file path=customXml/item3.xml><?xml version="1.0" encoding="utf-8"?>
 <?mso-contentType ?>
 <FormTemplates xmlns="http://schemas.microsoft.com/sharepoint/v3/contenttype/forms">
@@ -25929,6 +25982,23 @@
 </file>
 
 <file path=customXml/itemProps1.xml><?xml version="1.0" encoding="utf-8"?>
+<ds:datastoreItem xmlns:ds="http://schemas.openxmlformats.org/officeDocument/2006/customXml" ds:itemID="{7972C250-C430-4380-B8BD-02E395B67AF0}">
+  <ds:schemaRefs>
+    <ds:schemaRef ds:uri="http://purl.org/dc/dcmitype/"/>
+    <ds:schemaRef ds:uri="http://purl.org/dc/terms/"/>
+    <ds:schemaRef ds:uri="http://schemas.openxmlformats.org/package/2006/metadata/core-properties"/>
+    <ds:schemaRef ds:uri="http://schemas.microsoft.com/office/2006/documentManagement/types"/>
+    <ds:schemaRef ds:uri="http://www.w3.org/XML/1998/namespace"/>
+    <ds:schemaRef ds:uri="http://schemas.microsoft.com/office/infopath/2007/PartnerControls"/>
+    <ds:schemaRef ds:uri="http://purl.org/dc/elements/1.1/"/>
+    <ds:schemaRef ds:uri="86822d51-02f5-488a-80f3-0b621e7c317a"/>
+    <ds:schemaRef ds:uri="1f168f81-3f83-4b33-9f0c-ec152bce3f98"/>
+    <ds:schemaRef ds:uri="http://schemas.microsoft.com/office/2006/metadata/properties"/>
+  </ds:schemaRefs>
+</ds:datastoreItem>
+</file>
+
+<file path=customXml/itemProps2.xml><?xml version="1.0" encoding="utf-8"?>
 <ds:datastoreItem xmlns:ds="http://schemas.openxmlformats.org/officeDocument/2006/customXml" ds:itemID="{ED87D459-01C6-46F3-85EB-8A8AB455C67D}">
   <ds:schemaRefs>
     <ds:schemaRef ds:uri="http://schemas.microsoft.com/office/2006/metadata/contentType"/>
@@ -25947,23 +26017,6 @@
 </ds:datastoreItem>
 </file>
 
-<file path=customXml/itemProps2.xml><?xml version="1.0" encoding="utf-8"?>
-<ds:datastoreItem xmlns:ds="http://schemas.openxmlformats.org/officeDocument/2006/customXml" ds:itemID="{7972C250-C430-4380-B8BD-02E395B67AF0}">
-  <ds:schemaRefs>
-    <ds:schemaRef ds:uri="http://purl.org/dc/dcmitype/"/>
-    <ds:schemaRef ds:uri="http://purl.org/dc/terms/"/>
-    <ds:schemaRef ds:uri="http://schemas.openxmlformats.org/package/2006/metadata/core-properties"/>
-    <ds:schemaRef ds:uri="http://schemas.microsoft.com/office/2006/documentManagement/types"/>
-    <ds:schemaRef ds:uri="http://www.w3.org/XML/1998/namespace"/>
-    <ds:schemaRef ds:uri="http://schemas.microsoft.com/office/infopath/2007/PartnerControls"/>
-    <ds:schemaRef ds:uri="http://purl.org/dc/elements/1.1/"/>
-    <ds:schemaRef ds:uri="86822d51-02f5-488a-80f3-0b621e7c317a"/>
-    <ds:schemaRef ds:uri="1f168f81-3f83-4b33-9f0c-ec152bce3f98"/>
-    <ds:schemaRef ds:uri="http://schemas.microsoft.com/office/2006/metadata/properties"/>
-  </ds:schemaRefs>
-</ds:datastoreItem>
-</file>
-
 <file path=customXml/itemProps3.xml><?xml version="1.0" encoding="utf-8"?>
 <ds:datastoreItem xmlns:ds="http://schemas.openxmlformats.org/officeDocument/2006/customXml" ds:itemID="{E12B114C-EB44-46E6-930B-B69E30F6F9AE}">
   <ds:schemaRefs>

--- a/MONITORAMENTO/Documentação/PPTs/Cold Stock Apresentação - Sprint 2.pptx
+++ b/MONITORAMENTO/Documentação/PPTs/Cold Stock Apresentação - Sprint 2.pptx
@@ -3307,7 +3307,7 @@
                     <a14:useLocalDpi xmlns:a14="http://schemas.microsoft.com/office/drawing/2010/main" val="0"/>
                   </a:ext>
                   <a:ext uri="{96DAC541-7B7A-43D3-8B79-37D633B846F1}">
-                    <asvg:svgBlip xmlns:asvg="http://schemas.microsoft.com/office/drawing/2016/SVG/main" r:embed="rId3"/>
+                    <asvg:svgBlip xmlns:asvg="http://schemas.microsoft.com/office/drawing/2016/SVG/main" xmlns="" r:embed="rId3"/>
                   </a:ext>
                 </a:extLst>
               </a:blip>
@@ -4206,7 +4206,7 @@
                     <a14:useLocalDpi xmlns:a14="http://schemas.microsoft.com/office/drawing/2010/main" val="0"/>
                   </a:ext>
                   <a:ext uri="{96DAC541-7B7A-43D3-8B79-37D633B846F1}">
-                    <asvg:svgBlip xmlns:asvg="http://schemas.microsoft.com/office/drawing/2016/SVG/main" r:embed="rId3"/>
+                    <asvg:svgBlip xmlns:asvg="http://schemas.microsoft.com/office/drawing/2016/SVG/main" xmlns="" r:embed="rId3"/>
                   </a:ext>
                 </a:extLst>
               </a:blip>
@@ -4796,7 +4796,7 @@
                     <a14:useLocalDpi xmlns:a14="http://schemas.microsoft.com/office/drawing/2010/main" val="0"/>
                   </a:ext>
                   <a:ext uri="{96DAC541-7B7A-43D3-8B79-37D633B846F1}">
-                    <asvg:svgBlip xmlns:asvg="http://schemas.microsoft.com/office/drawing/2016/SVG/main" r:embed="rId3"/>
+                    <asvg:svgBlip xmlns:asvg="http://schemas.microsoft.com/office/drawing/2016/SVG/main" xmlns="" r:embed="rId3"/>
                   </a:ext>
                 </a:extLst>
               </a:blip>
@@ -5469,7 +5469,7 @@
                     <a14:useLocalDpi xmlns:a14="http://schemas.microsoft.com/office/drawing/2010/main" val="0"/>
                   </a:ext>
                   <a:ext uri="{96DAC541-7B7A-43D3-8B79-37D633B846F1}">
-                    <asvg:svgBlip xmlns:asvg="http://schemas.microsoft.com/office/drawing/2016/SVG/main" r:embed="rId3"/>
+                    <asvg:svgBlip xmlns:asvg="http://schemas.microsoft.com/office/drawing/2016/SVG/main" xmlns="" r:embed="rId3"/>
                   </a:ext>
                 </a:extLst>
               </a:blip>
@@ -5657,7 +5657,7 @@
         </p:nvSpPr>
         <p:spPr>
           <a:xfrm>
-            <a:off x="6005530" y="4485817"/>
+            <a:off x="4820475" y="4471073"/>
             <a:ext cx="180000" cy="180000"/>
           </a:xfrm>
           <a:prstGeom prst="ellipse">
@@ -5709,7 +5709,7 @@
         </p:nvSpPr>
         <p:spPr>
           <a:xfrm>
-            <a:off x="5088857" y="4833358"/>
+            <a:off x="3903802" y="4818614"/>
             <a:ext cx="2013346" cy="338554"/>
           </a:xfrm>
           <a:prstGeom prst="rect">
@@ -5755,7 +5755,7 @@
         </p:nvSpPr>
         <p:spPr>
           <a:xfrm>
-            <a:off x="2634381" y="4397947"/>
+            <a:off x="2146950" y="4428380"/>
             <a:ext cx="180000" cy="180000"/>
           </a:xfrm>
           <a:prstGeom prst="ellipse">
@@ -5807,7 +5807,7 @@
         </p:nvSpPr>
         <p:spPr>
           <a:xfrm>
-            <a:off x="9376679" y="4418780"/>
+            <a:off x="7392630" y="4496173"/>
             <a:ext cx="180000" cy="180000"/>
           </a:xfrm>
           <a:prstGeom prst="ellipse">
@@ -5859,7 +5859,7 @@
         </p:nvSpPr>
         <p:spPr>
           <a:xfrm>
-            <a:off x="1405323" y="4831221"/>
+            <a:off x="917892" y="4861654"/>
             <a:ext cx="2638116" cy="338554"/>
           </a:xfrm>
           <a:prstGeom prst="rect">
@@ -5902,8 +5902,8 @@
         </p:nvSpPr>
         <p:spPr>
           <a:xfrm>
-            <a:off x="7856938" y="4831221"/>
-            <a:ext cx="3219481" cy="338554"/>
+            <a:off x="6722759" y="4908614"/>
+            <a:ext cx="1519740" cy="338554"/>
           </a:xfrm>
           <a:prstGeom prst="rect">
             <a:avLst/>
@@ -5939,7 +5939,7 @@
         </p:nvGrpSpPr>
         <p:grpSpPr>
           <a:xfrm>
-            <a:off x="1914381" y="2189160"/>
+            <a:off x="1426950" y="2219593"/>
             <a:ext cx="1620000" cy="1620000"/>
             <a:chOff x="5286000" y="2254378"/>
             <a:chExt cx="1620000" cy="1620000"/>
@@ -6096,7 +6096,7 @@
         </p:nvGrpSpPr>
         <p:grpSpPr>
           <a:xfrm>
-            <a:off x="5285530" y="2294260"/>
+            <a:off x="4100475" y="2279516"/>
             <a:ext cx="1620000" cy="1620000"/>
             <a:chOff x="1833000" y="2254378"/>
             <a:chExt cx="1620000" cy="1620000"/>
@@ -6247,7 +6247,7 @@
         </p:nvGrpSpPr>
         <p:grpSpPr>
           <a:xfrm>
-            <a:off x="8656679" y="2209993"/>
+            <a:off x="6672630" y="2287386"/>
             <a:ext cx="1620000" cy="1620000"/>
             <a:chOff x="8656679" y="2209993"/>
             <a:chExt cx="1620000" cy="1620000"/>
@@ -6411,6 +6411,270 @@
           </p:spPr>
         </p:pic>
       </p:grpSp>
+      <p:sp>
+        <p:nvSpPr>
+          <p:cNvPr id="38" name="Elipse 37">
+            <a:extLst>
+              <a:ext uri="{FF2B5EF4-FFF2-40B4-BE49-F238E27FC236}">
+                <a16:creationId xmlns:a16="http://schemas.microsoft.com/office/drawing/2014/main" id="{C06E8EA3-C4C1-44E9-AD9A-5E3439F1F0DB}"/>
+              </a:ext>
+            </a:extLst>
+          </p:cNvPr>
+          <p:cNvSpPr/>
+          <p:nvPr/>
+        </p:nvSpPr>
+        <p:spPr>
+          <a:xfrm>
+            <a:off x="9964785" y="4496173"/>
+            <a:ext cx="180000" cy="180000"/>
+          </a:xfrm>
+          <a:prstGeom prst="ellipse">
+            <a:avLst/>
+          </a:prstGeom>
+          <a:solidFill>
+            <a:srgbClr val="3AAFA9"/>
+          </a:solidFill>
+          <a:ln>
+            <a:noFill/>
+          </a:ln>
+        </p:spPr>
+        <p:style>
+          <a:lnRef idx="2">
+            <a:schemeClr val="accent1">
+              <a:shade val="50000"/>
+            </a:schemeClr>
+          </a:lnRef>
+          <a:fillRef idx="1">
+            <a:schemeClr val="accent1"/>
+          </a:fillRef>
+          <a:effectRef idx="0">
+            <a:schemeClr val="accent1"/>
+          </a:effectRef>
+          <a:fontRef idx="minor">
+            <a:schemeClr val="lt1"/>
+          </a:fontRef>
+        </p:style>
+        <p:txBody>
+          <a:bodyPr rtlCol="0" anchor="ctr"/>
+          <a:lstStyle/>
+          <a:p>
+            <a:pPr algn="ctr"/>
+            <a:endParaRPr lang="pt-BR"/>
+          </a:p>
+        </p:txBody>
+      </p:sp>
+      <p:sp>
+        <p:nvSpPr>
+          <p:cNvPr id="39" name="Retângulo 38">
+            <a:extLst>
+              <a:ext uri="{FF2B5EF4-FFF2-40B4-BE49-F238E27FC236}">
+                <a16:creationId xmlns:a16="http://schemas.microsoft.com/office/drawing/2014/main" id="{DC09C38A-6C94-4B02-B10D-090FBBEAD89E}"/>
+              </a:ext>
+            </a:extLst>
+          </p:cNvPr>
+          <p:cNvSpPr/>
+          <p:nvPr/>
+        </p:nvSpPr>
+        <p:spPr>
+          <a:xfrm>
+            <a:off x="9646562" y="4908614"/>
+            <a:ext cx="816444" cy="338554"/>
+          </a:xfrm>
+          <a:prstGeom prst="rect">
+            <a:avLst/>
+          </a:prstGeom>
+        </p:spPr>
+        <p:txBody>
+          <a:bodyPr wrap="square">
+            <a:spAutoFit/>
+          </a:bodyPr>
+          <a:lstStyle/>
+          <a:p>
+            <a:pPr algn="ctr"/>
+            <a:r>
+              <a:rPr lang="pt-BR" sz="1600" b="1" dirty="0" smtClean="0">
+                <a:latin typeface="Montserrat" panose="00000500000000000000" pitchFamily="2" charset="0"/>
+              </a:rPr>
+              <a:t>R</a:t>
+            </a:r>
+            <a:endParaRPr lang="pt-BR" sz="1600" b="1" dirty="0">
+              <a:latin typeface="Montserrat" panose="00000500000000000000" pitchFamily="2" charset="0"/>
+            </a:endParaRPr>
+          </a:p>
+        </p:txBody>
+      </p:sp>
+      <p:grpSp>
+        <p:nvGrpSpPr>
+          <p:cNvPr id="40" name="Agrupar 39"/>
+          <p:cNvGrpSpPr/>
+          <p:nvPr/>
+        </p:nvGrpSpPr>
+        <p:grpSpPr>
+          <a:xfrm>
+            <a:off x="9244785" y="2287386"/>
+            <a:ext cx="1620000" cy="1620000"/>
+            <a:chOff x="8656679" y="2209993"/>
+            <a:chExt cx="1620000" cy="1620000"/>
+          </a:xfrm>
+        </p:grpSpPr>
+        <p:grpSp>
+          <p:nvGrpSpPr>
+            <p:cNvPr id="41" name="Agrupar 40">
+              <a:extLst>
+                <a:ext uri="{FF2B5EF4-FFF2-40B4-BE49-F238E27FC236}">
+                  <a16:creationId xmlns:a16="http://schemas.microsoft.com/office/drawing/2014/main" id="{DBA4B884-8098-4A36-BB0D-EC25A9A73130}"/>
+                </a:ext>
+              </a:extLst>
+            </p:cNvPr>
+            <p:cNvGrpSpPr/>
+            <p:nvPr/>
+          </p:nvGrpSpPr>
+          <p:grpSpPr>
+            <a:xfrm>
+              <a:off x="8656679" y="2209993"/>
+              <a:ext cx="1620000" cy="1620000"/>
+              <a:chOff x="8739000" y="2234606"/>
+              <a:chExt cx="1620000" cy="1620000"/>
+            </a:xfrm>
+          </p:grpSpPr>
+          <p:sp>
+            <p:nvSpPr>
+              <p:cNvPr id="43" name="Lágrima 42">
+                <a:extLst>
+                  <a:ext uri="{FF2B5EF4-FFF2-40B4-BE49-F238E27FC236}">
+                    <a16:creationId xmlns:a16="http://schemas.microsoft.com/office/drawing/2014/main" id="{0ED9A0F9-2495-4CA1-A986-4FCA3674C166}"/>
+                  </a:ext>
+                </a:extLst>
+              </p:cNvPr>
+              <p:cNvSpPr/>
+              <p:nvPr/>
+            </p:nvSpPr>
+            <p:spPr>
+              <a:xfrm rot="8100000">
+                <a:off x="8739000" y="2234606"/>
+                <a:ext cx="1620000" cy="1620000"/>
+              </a:xfrm>
+              <a:prstGeom prst="teardrop">
+                <a:avLst>
+                  <a:gd name="adj" fmla="val 111498"/>
+                </a:avLst>
+              </a:prstGeom>
+              <a:solidFill>
+                <a:srgbClr val="3AAFA9"/>
+              </a:solidFill>
+              <a:ln>
+                <a:noFill/>
+              </a:ln>
+            </p:spPr>
+            <p:style>
+              <a:lnRef idx="2">
+                <a:schemeClr val="accent1">
+                  <a:shade val="50000"/>
+                </a:schemeClr>
+              </a:lnRef>
+              <a:fillRef idx="1">
+                <a:schemeClr val="accent1"/>
+              </a:fillRef>
+              <a:effectRef idx="0">
+                <a:schemeClr val="accent1"/>
+              </a:effectRef>
+              <a:fontRef idx="minor">
+                <a:schemeClr val="lt1"/>
+              </a:fontRef>
+            </p:style>
+            <p:txBody>
+              <a:bodyPr rtlCol="0" anchor="ctr"/>
+              <a:lstStyle/>
+              <a:p>
+                <a:pPr algn="ctr"/>
+                <a:endParaRPr lang="pt-BR" dirty="0"/>
+              </a:p>
+            </p:txBody>
+          </p:sp>
+          <p:sp>
+            <p:nvSpPr>
+              <p:cNvPr id="44" name="Elipse 43">
+                <a:extLst>
+                  <a:ext uri="{FF2B5EF4-FFF2-40B4-BE49-F238E27FC236}">
+                    <a16:creationId xmlns:a16="http://schemas.microsoft.com/office/drawing/2014/main" id="{2271AFFF-C6DC-42B9-A1EE-5AA38CBC16DF}"/>
+                  </a:ext>
+                </a:extLst>
+              </p:cNvPr>
+              <p:cNvSpPr/>
+              <p:nvPr/>
+            </p:nvSpPr>
+            <p:spPr>
+              <a:xfrm>
+                <a:off x="8919075" y="2414540"/>
+                <a:ext cx="1260000" cy="1260000"/>
+              </a:xfrm>
+              <a:prstGeom prst="ellipse">
+                <a:avLst/>
+              </a:prstGeom>
+              <a:solidFill>
+                <a:srgbClr val="FDFFFF"/>
+              </a:solidFill>
+              <a:ln>
+                <a:noFill/>
+              </a:ln>
+            </p:spPr>
+            <p:style>
+              <a:lnRef idx="2">
+                <a:schemeClr val="accent1">
+                  <a:shade val="50000"/>
+                </a:schemeClr>
+              </a:lnRef>
+              <a:fillRef idx="1">
+                <a:schemeClr val="accent1"/>
+              </a:fillRef>
+              <a:effectRef idx="0">
+                <a:schemeClr val="accent1"/>
+              </a:effectRef>
+              <a:fontRef idx="minor">
+                <a:schemeClr val="lt1"/>
+              </a:fontRef>
+            </p:style>
+            <p:txBody>
+              <a:bodyPr rtlCol="0" anchor="ctr"/>
+              <a:lstStyle/>
+              <a:p>
+                <a:pPr algn="ctr"/>
+                <a:endParaRPr lang="pt-BR"/>
+              </a:p>
+            </p:txBody>
+          </p:sp>
+        </p:grpSp>
+        <p:pic>
+          <p:nvPicPr>
+            <p:cNvPr id="42" name="Imagem 41"/>
+            <p:cNvPicPr>
+              <a:picLocks noChangeAspect="1"/>
+            </p:cNvPicPr>
+            <p:nvPr/>
+          </p:nvPicPr>
+          <p:blipFill>
+            <a:blip r:embed="rId7" cstate="print">
+              <a:extLst>
+                <a:ext uri="{28A0092B-C50C-407E-A947-70E740481C1C}">
+                  <a14:useLocalDpi xmlns:a14="http://schemas.microsoft.com/office/drawing/2010/main" val="0"/>
+                </a:ext>
+              </a:extLst>
+            </a:blip>
+            <a:stretch>
+              <a:fillRect/>
+            </a:stretch>
+          </p:blipFill>
+          <p:spPr>
+            <a:xfrm>
+              <a:off x="9134658" y="2579658"/>
+              <a:ext cx="803620" cy="803620"/>
+            </a:xfrm>
+            <a:prstGeom prst="rect">
+              <a:avLst/>
+            </a:prstGeom>
+          </p:spPr>
+        </p:pic>
+      </p:grpSp>
     </p:spTree>
     <p:extLst>
       <p:ext uri="{BB962C8B-B14F-4D97-AF65-F5344CB8AC3E}">
@@ -7092,6 +7356,193 @@
                       </p:childTnLst>
                     </p:cTn>
                   </p:par>
+                  <p:par>
+                    <p:cTn id="55" fill="hold">
+                      <p:stCondLst>
+                        <p:cond delay="indefinite"/>
+                      </p:stCondLst>
+                      <p:childTnLst>
+                        <p:par>
+                          <p:cTn id="56" fill="hold">
+                            <p:stCondLst>
+                              <p:cond delay="0"/>
+                            </p:stCondLst>
+                            <p:childTnLst>
+                              <p:par>
+                                <p:cTn id="57" presetID="10" presetClass="entr" presetSubtype="0" fill="hold" grpId="0" nodeType="clickEffect">
+                                  <p:stCondLst>
+                                    <p:cond delay="0"/>
+                                  </p:stCondLst>
+                                  <p:childTnLst>
+                                    <p:set>
+                                      <p:cBhvr>
+                                        <p:cTn id="58" dur="1" fill="hold">
+                                          <p:stCondLst>
+                                            <p:cond delay="0"/>
+                                          </p:stCondLst>
+                                        </p:cTn>
+                                        <p:tgtEl>
+                                          <p:spTgt spid="38"/>
+                                        </p:tgtEl>
+                                        <p:attrNameLst>
+                                          <p:attrName>style.visibility</p:attrName>
+                                        </p:attrNameLst>
+                                      </p:cBhvr>
+                                      <p:to>
+                                        <p:strVal val="visible"/>
+                                      </p:to>
+                                    </p:set>
+                                    <p:animEffect transition="in" filter="fade">
+                                      <p:cBhvr>
+                                        <p:cTn id="59" dur="500"/>
+                                        <p:tgtEl>
+                                          <p:spTgt spid="38"/>
+                                        </p:tgtEl>
+                                      </p:cBhvr>
+                                    </p:animEffect>
+                                  </p:childTnLst>
+                                </p:cTn>
+                              </p:par>
+                            </p:childTnLst>
+                          </p:cTn>
+                        </p:par>
+                        <p:par>
+                          <p:cTn id="60" fill="hold">
+                            <p:stCondLst>
+                              <p:cond delay="500"/>
+                            </p:stCondLst>
+                            <p:childTnLst>
+                              <p:par>
+                                <p:cTn id="61" presetID="47" presetClass="entr" presetSubtype="0" fill="hold" nodeType="afterEffect">
+                                  <p:stCondLst>
+                                    <p:cond delay="0"/>
+                                  </p:stCondLst>
+                                  <p:childTnLst>
+                                    <p:set>
+                                      <p:cBhvr>
+                                        <p:cTn id="62" dur="1" fill="hold">
+                                          <p:stCondLst>
+                                            <p:cond delay="0"/>
+                                          </p:stCondLst>
+                                        </p:cTn>
+                                        <p:tgtEl>
+                                          <p:spTgt spid="40"/>
+                                        </p:tgtEl>
+                                        <p:attrNameLst>
+                                          <p:attrName>style.visibility</p:attrName>
+                                        </p:attrNameLst>
+                                      </p:cBhvr>
+                                      <p:to>
+                                        <p:strVal val="visible"/>
+                                      </p:to>
+                                    </p:set>
+                                    <p:animEffect transition="in" filter="fade">
+                                      <p:cBhvr>
+                                        <p:cTn id="63" dur="750"/>
+                                        <p:tgtEl>
+                                          <p:spTgt spid="40"/>
+                                        </p:tgtEl>
+                                      </p:cBhvr>
+                                    </p:animEffect>
+                                    <p:anim calcmode="lin" valueType="num">
+                                      <p:cBhvr>
+                                        <p:cTn id="64" dur="750" fill="hold"/>
+                                        <p:tgtEl>
+                                          <p:spTgt spid="40"/>
+                                        </p:tgtEl>
+                                        <p:attrNameLst>
+                                          <p:attrName>ppt_x</p:attrName>
+                                        </p:attrNameLst>
+                                      </p:cBhvr>
+                                      <p:tavLst>
+                                        <p:tav tm="0">
+                                          <p:val>
+                                            <p:strVal val="#ppt_x"/>
+                                          </p:val>
+                                        </p:tav>
+                                        <p:tav tm="100000">
+                                          <p:val>
+                                            <p:strVal val="#ppt_x"/>
+                                          </p:val>
+                                        </p:tav>
+                                      </p:tavLst>
+                                    </p:anim>
+                                    <p:anim calcmode="lin" valueType="num">
+                                      <p:cBhvr>
+                                        <p:cTn id="65" dur="750" fill="hold"/>
+                                        <p:tgtEl>
+                                          <p:spTgt spid="40"/>
+                                        </p:tgtEl>
+                                        <p:attrNameLst>
+                                          <p:attrName>ppt_y</p:attrName>
+                                        </p:attrNameLst>
+                                      </p:cBhvr>
+                                      <p:tavLst>
+                                        <p:tav tm="0">
+                                          <p:val>
+                                            <p:strVal val="#ppt_y-.1"/>
+                                          </p:val>
+                                        </p:tav>
+                                        <p:tav tm="100000">
+                                          <p:val>
+                                            <p:strVal val="#ppt_y"/>
+                                          </p:val>
+                                        </p:tav>
+                                      </p:tavLst>
+                                    </p:anim>
+                                  </p:childTnLst>
+                                </p:cTn>
+                              </p:par>
+                            </p:childTnLst>
+                          </p:cTn>
+                        </p:par>
+                        <p:par>
+                          <p:cTn id="66" fill="hold">
+                            <p:stCondLst>
+                              <p:cond delay="1250"/>
+                            </p:stCondLst>
+                            <p:childTnLst>
+                              <p:par>
+                                <p:cTn id="67" presetID="10" presetClass="entr" presetSubtype="0" fill="hold" grpId="0" nodeType="afterEffect">
+                                  <p:stCondLst>
+                                    <p:cond delay="0"/>
+                                  </p:stCondLst>
+                                  <p:childTnLst>
+                                    <p:set>
+                                      <p:cBhvr>
+                                        <p:cTn id="68" dur="1" fill="hold">
+                                          <p:stCondLst>
+                                            <p:cond delay="0"/>
+                                          </p:stCondLst>
+                                        </p:cTn>
+                                        <p:tgtEl>
+                                          <p:spTgt spid="39"/>
+                                        </p:tgtEl>
+                                        <p:attrNameLst>
+                                          <p:attrName>style.visibility</p:attrName>
+                                        </p:attrNameLst>
+                                      </p:cBhvr>
+                                      <p:to>
+                                        <p:strVal val="visible"/>
+                                      </p:to>
+                                    </p:set>
+                                    <p:animEffect transition="in" filter="fade">
+                                      <p:cBhvr>
+                                        <p:cTn id="69" dur="500"/>
+                                        <p:tgtEl>
+                                          <p:spTgt spid="39"/>
+                                        </p:tgtEl>
+                                      </p:cBhvr>
+                                    </p:animEffect>
+                                  </p:childTnLst>
+                                </p:cTn>
+                              </p:par>
+                            </p:childTnLst>
+                          </p:cTn>
+                        </p:par>
+                      </p:childTnLst>
+                    </p:cTn>
+                  </p:par>
                 </p:childTnLst>
               </p:cTn>
               <p:prevCondLst>
@@ -7120,6 +7571,8 @@
       <p:bldP spid="22" grpId="0" animBg="1"/>
       <p:bldP spid="23" grpId="0"/>
       <p:bldP spid="24" grpId="0"/>
+      <p:bldP spid="38" grpId="0" animBg="1"/>
+      <p:bldP spid="39" grpId="0"/>
     </p:bldLst>
   </p:timing>
 </p:sld>
@@ -7459,7 +7912,7 @@
                 <a14:useLocalDpi xmlns:a14="http://schemas.microsoft.com/office/drawing/2010/main" val="0"/>
               </a:ext>
               <a:ext uri="{96DAC541-7B7A-43D3-8B79-37D633B846F1}">
-                <asvg:svgBlip xmlns:asvg="http://schemas.microsoft.com/office/drawing/2016/SVG/main" r:embed="rId4"/>
+                <asvg:svgBlip xmlns:asvg="http://schemas.microsoft.com/office/drawing/2016/SVG/main" xmlns="" r:embed="rId4"/>
               </a:ext>
             </a:extLst>
           </a:blip>
@@ -9197,7 +9650,7 @@
                     <a14:useLocalDpi xmlns:a14="http://schemas.microsoft.com/office/drawing/2010/main" val="0"/>
                   </a:ext>
                   <a:ext uri="{96DAC541-7B7A-43D3-8B79-37D633B846F1}">
-                    <asvg:svgBlip xmlns:asvg="http://schemas.microsoft.com/office/drawing/2016/SVG/main" r:embed="rId3"/>
+                    <asvg:svgBlip xmlns:asvg="http://schemas.microsoft.com/office/drawing/2016/SVG/main" xmlns="" r:embed="rId3"/>
                   </a:ext>
                 </a:extLst>
               </a:blip>
@@ -9312,6 +9765,497 @@
           </a:prstGeom>
         </p:spPr>
       </p:pic>
+      <p:grpSp>
+        <p:nvGrpSpPr>
+          <p:cNvPr id="54" name="Agrupar 53"/>
+          <p:cNvGrpSpPr/>
+          <p:nvPr/>
+        </p:nvGrpSpPr>
+        <p:grpSpPr>
+          <a:xfrm>
+            <a:off x="717473" y="6917953"/>
+            <a:ext cx="3371203" cy="5440519"/>
+            <a:chOff x="717473" y="6917953"/>
+            <a:chExt cx="3371203" cy="5440519"/>
+          </a:xfrm>
+        </p:grpSpPr>
+        <p:grpSp>
+          <p:nvGrpSpPr>
+            <p:cNvPr id="20" name="Agrupar 19"/>
+            <p:cNvGrpSpPr/>
+            <p:nvPr/>
+          </p:nvGrpSpPr>
+          <p:grpSpPr>
+            <a:xfrm>
+              <a:off x="717473" y="6917953"/>
+              <a:ext cx="3371203" cy="5440519"/>
+              <a:chOff x="717473" y="1417479"/>
+              <a:chExt cx="3371203" cy="5440519"/>
+            </a:xfrm>
+          </p:grpSpPr>
+          <p:sp>
+            <p:nvSpPr>
+              <p:cNvPr id="21" name="Seta: Pentágono 27">
+                <a:extLst>
+                  <a:ext uri="{FF2B5EF4-FFF2-40B4-BE49-F238E27FC236}">
+                    <a16:creationId xmlns:a16="http://schemas.microsoft.com/office/drawing/2014/main" id="{1540FC21-3C51-403A-894A-8055A5B1F79B}"/>
+                  </a:ext>
+                </a:extLst>
+              </p:cNvPr>
+              <p:cNvSpPr/>
+              <p:nvPr/>
+            </p:nvSpPr>
+            <p:spPr>
+              <a:xfrm rot="16200000">
+                <a:off x="-317185" y="2452137"/>
+                <a:ext cx="5440519" cy="3371203"/>
+              </a:xfrm>
+              <a:prstGeom prst="homePlate">
+                <a:avLst>
+                  <a:gd name="adj" fmla="val 25845"/>
+                </a:avLst>
+              </a:prstGeom>
+              <a:solidFill>
+                <a:srgbClr val="17252A"/>
+              </a:solidFill>
+              <a:ln>
+                <a:noFill/>
+              </a:ln>
+            </p:spPr>
+            <p:style>
+              <a:lnRef idx="2">
+                <a:schemeClr val="accent1">
+                  <a:shade val="50000"/>
+                </a:schemeClr>
+              </a:lnRef>
+              <a:fillRef idx="1">
+                <a:schemeClr val="accent1"/>
+              </a:fillRef>
+              <a:effectRef idx="0">
+                <a:schemeClr val="accent1"/>
+              </a:effectRef>
+              <a:fontRef idx="minor">
+                <a:schemeClr val="lt1"/>
+              </a:fontRef>
+            </p:style>
+            <p:txBody>
+              <a:bodyPr rtlCol="0" anchor="ctr"/>
+              <a:lstStyle/>
+              <a:p>
+                <a:pPr algn="ctr"/>
+                <a:endParaRPr lang="pt-BR"/>
+              </a:p>
+            </p:txBody>
+          </p:sp>
+          <p:sp>
+            <p:nvSpPr>
+              <p:cNvPr id="24" name="Placa 23"/>
+              <p:cNvSpPr/>
+              <p:nvPr/>
+            </p:nvSpPr>
+            <p:spPr>
+              <a:xfrm>
+                <a:off x="824988" y="3882175"/>
+                <a:ext cx="561831" cy="520700"/>
+              </a:xfrm>
+              <a:prstGeom prst="plaque">
+                <a:avLst>
+                  <a:gd name="adj" fmla="val 31302"/>
+                </a:avLst>
+              </a:prstGeom>
+              <a:solidFill>
+                <a:srgbClr val="17252A"/>
+              </a:solidFill>
+              <a:ln>
+                <a:noFill/>
+              </a:ln>
+            </p:spPr>
+            <p:style>
+              <a:lnRef idx="2">
+                <a:schemeClr val="accent1">
+                  <a:shade val="50000"/>
+                </a:schemeClr>
+              </a:lnRef>
+              <a:fillRef idx="1">
+                <a:schemeClr val="accent1"/>
+              </a:fillRef>
+              <a:effectRef idx="0">
+                <a:schemeClr val="accent1"/>
+              </a:effectRef>
+              <a:fontRef idx="minor">
+                <a:schemeClr val="lt1"/>
+              </a:fontRef>
+            </p:style>
+            <p:txBody>
+              <a:bodyPr rtlCol="0" anchor="ctr"/>
+              <a:lstStyle/>
+              <a:p>
+                <a:pPr algn="ctr"/>
+                <a:endParaRPr lang="pt-BR"/>
+              </a:p>
+            </p:txBody>
+          </p:sp>
+          <p:sp>
+            <p:nvSpPr>
+              <p:cNvPr id="25" name="Placa 24"/>
+              <p:cNvSpPr/>
+              <p:nvPr/>
+            </p:nvSpPr>
+            <p:spPr>
+              <a:xfrm>
+                <a:off x="3418229" y="3882175"/>
+                <a:ext cx="561831" cy="520700"/>
+              </a:xfrm>
+              <a:prstGeom prst="plaque">
+                <a:avLst>
+                  <a:gd name="adj" fmla="val 31302"/>
+                </a:avLst>
+              </a:prstGeom>
+              <a:solidFill>
+                <a:srgbClr val="17252A"/>
+              </a:solidFill>
+              <a:ln>
+                <a:noFill/>
+              </a:ln>
+            </p:spPr>
+            <p:style>
+              <a:lnRef idx="2">
+                <a:schemeClr val="accent1">
+                  <a:shade val="50000"/>
+                </a:schemeClr>
+              </a:lnRef>
+              <a:fillRef idx="1">
+                <a:schemeClr val="accent1"/>
+              </a:fillRef>
+              <a:effectRef idx="0">
+                <a:schemeClr val="accent1"/>
+              </a:effectRef>
+              <a:fontRef idx="minor">
+                <a:schemeClr val="lt1"/>
+              </a:fontRef>
+            </p:style>
+            <p:txBody>
+              <a:bodyPr rtlCol="0" anchor="ctr"/>
+              <a:lstStyle/>
+              <a:p>
+                <a:pPr algn="ctr"/>
+                <a:endParaRPr lang="pt-BR"/>
+              </a:p>
+            </p:txBody>
+          </p:sp>
+          <p:sp>
+            <p:nvSpPr>
+              <p:cNvPr id="26" name="Placa 25"/>
+              <p:cNvSpPr/>
+              <p:nvPr/>
+            </p:nvSpPr>
+            <p:spPr>
+              <a:xfrm>
+                <a:off x="3424579" y="2113005"/>
+                <a:ext cx="561831" cy="520700"/>
+              </a:xfrm>
+              <a:prstGeom prst="plaque">
+                <a:avLst>
+                  <a:gd name="adj" fmla="val 31302"/>
+                </a:avLst>
+              </a:prstGeom>
+              <a:solidFill>
+                <a:srgbClr val="17252A"/>
+              </a:solidFill>
+              <a:ln>
+                <a:noFill/>
+              </a:ln>
+            </p:spPr>
+            <p:style>
+              <a:lnRef idx="2">
+                <a:schemeClr val="accent1">
+                  <a:shade val="50000"/>
+                </a:schemeClr>
+              </a:lnRef>
+              <a:fillRef idx="1">
+                <a:schemeClr val="accent1"/>
+              </a:fillRef>
+              <a:effectRef idx="0">
+                <a:schemeClr val="accent1"/>
+              </a:effectRef>
+              <a:fontRef idx="minor">
+                <a:schemeClr val="lt1"/>
+              </a:fontRef>
+            </p:style>
+            <p:txBody>
+              <a:bodyPr rtlCol="0" anchor="ctr"/>
+              <a:lstStyle/>
+              <a:p>
+                <a:pPr algn="ctr"/>
+                <a:endParaRPr lang="pt-BR"/>
+              </a:p>
+            </p:txBody>
+          </p:sp>
+          <p:sp>
+            <p:nvSpPr>
+              <p:cNvPr id="27" name="Placa 26"/>
+              <p:cNvSpPr/>
+              <p:nvPr/>
+            </p:nvSpPr>
+            <p:spPr>
+              <a:xfrm>
+                <a:off x="819738" y="2106655"/>
+                <a:ext cx="561831" cy="520700"/>
+              </a:xfrm>
+              <a:prstGeom prst="plaque">
+                <a:avLst>
+                  <a:gd name="adj" fmla="val 31302"/>
+                </a:avLst>
+              </a:prstGeom>
+              <a:solidFill>
+                <a:srgbClr val="17252A"/>
+              </a:solidFill>
+              <a:ln>
+                <a:noFill/>
+              </a:ln>
+            </p:spPr>
+            <p:style>
+              <a:lnRef idx="2">
+                <a:schemeClr val="accent1">
+                  <a:shade val="50000"/>
+                </a:schemeClr>
+              </a:lnRef>
+              <a:fillRef idx="1">
+                <a:schemeClr val="accent1"/>
+              </a:fillRef>
+              <a:effectRef idx="0">
+                <a:schemeClr val="accent1"/>
+              </a:effectRef>
+              <a:fontRef idx="minor">
+                <a:schemeClr val="lt1"/>
+              </a:fontRef>
+            </p:style>
+            <p:txBody>
+              <a:bodyPr rtlCol="0" anchor="ctr"/>
+              <a:lstStyle/>
+              <a:p>
+                <a:pPr algn="ctr"/>
+                <a:endParaRPr lang="pt-BR"/>
+              </a:p>
+            </p:txBody>
+          </p:sp>
+          <p:sp>
+            <p:nvSpPr>
+              <p:cNvPr id="28" name="Triângulo Retângulo 27"/>
+              <p:cNvSpPr/>
+              <p:nvPr/>
+            </p:nvSpPr>
+            <p:spPr>
+              <a:xfrm rot="9512428">
+                <a:off x="3725029" y="2052680"/>
+                <a:ext cx="155306" cy="171450"/>
+              </a:xfrm>
+              <a:prstGeom prst="rtTriangle">
+                <a:avLst/>
+              </a:prstGeom>
+              <a:solidFill>
+                <a:schemeClr val="bg1"/>
+              </a:solidFill>
+              <a:ln>
+                <a:noFill/>
+              </a:ln>
+            </p:spPr>
+            <p:style>
+              <a:lnRef idx="2">
+                <a:schemeClr val="accent1">
+                  <a:shade val="50000"/>
+                </a:schemeClr>
+              </a:lnRef>
+              <a:fillRef idx="1">
+                <a:schemeClr val="accent1"/>
+              </a:fillRef>
+              <a:effectRef idx="0">
+                <a:schemeClr val="accent1"/>
+              </a:effectRef>
+              <a:fontRef idx="minor">
+                <a:schemeClr val="lt1"/>
+              </a:fontRef>
+            </p:style>
+            <p:txBody>
+              <a:bodyPr rtlCol="0" anchor="ctr"/>
+              <a:lstStyle/>
+              <a:p>
+                <a:pPr algn="ctr"/>
+                <a:endParaRPr lang="pt-BR"/>
+              </a:p>
+            </p:txBody>
+          </p:sp>
+          <p:sp>
+            <p:nvSpPr>
+              <p:cNvPr id="29" name="Triângulo Retângulo 28"/>
+              <p:cNvSpPr/>
+              <p:nvPr/>
+            </p:nvSpPr>
+            <p:spPr>
+              <a:xfrm rot="14600451">
+                <a:off x="873770" y="1992339"/>
+                <a:ext cx="155306" cy="171450"/>
+              </a:xfrm>
+              <a:prstGeom prst="rtTriangle">
+                <a:avLst/>
+              </a:prstGeom>
+              <a:solidFill>
+                <a:schemeClr val="bg1"/>
+              </a:solidFill>
+              <a:ln>
+                <a:noFill/>
+              </a:ln>
+            </p:spPr>
+            <p:style>
+              <a:lnRef idx="2">
+                <a:schemeClr val="accent1">
+                  <a:shade val="50000"/>
+                </a:schemeClr>
+              </a:lnRef>
+              <a:fillRef idx="1">
+                <a:schemeClr val="accent1"/>
+              </a:fillRef>
+              <a:effectRef idx="0">
+                <a:schemeClr val="accent1"/>
+              </a:effectRef>
+              <a:fontRef idx="minor">
+                <a:schemeClr val="lt1"/>
+              </a:fontRef>
+            </p:style>
+            <p:txBody>
+              <a:bodyPr rtlCol="0" anchor="ctr"/>
+              <a:lstStyle/>
+              <a:p>
+                <a:pPr algn="ctr"/>
+                <a:endParaRPr lang="pt-BR"/>
+              </a:p>
+            </p:txBody>
+          </p:sp>
+          <p:sp>
+            <p:nvSpPr>
+              <p:cNvPr id="31" name="Retângulo 30">
+                <a:extLst>
+                  <a:ext uri="{FF2B5EF4-FFF2-40B4-BE49-F238E27FC236}">
+                    <a16:creationId xmlns:a16="http://schemas.microsoft.com/office/drawing/2014/main" id="{C01DAFF5-52E0-4E39-80AD-13601B5CD22E}"/>
+                  </a:ext>
+                </a:extLst>
+              </p:cNvPr>
+              <p:cNvSpPr/>
+              <p:nvPr/>
+            </p:nvSpPr>
+            <p:spPr>
+              <a:xfrm>
+                <a:off x="1156696" y="5050276"/>
+                <a:ext cx="2597398" cy="584775"/>
+              </a:xfrm>
+              <a:prstGeom prst="rect">
+                <a:avLst/>
+              </a:prstGeom>
+            </p:spPr>
+            <p:txBody>
+              <a:bodyPr wrap="square">
+                <a:spAutoFit/>
+              </a:bodyPr>
+              <a:lstStyle/>
+              <a:p>
+                <a:r>
+                  <a:rPr lang="pt-BR" sz="1600" b="1" dirty="0" smtClean="0">
+                    <a:solidFill>
+                      <a:srgbClr val="3AAFA9"/>
+                    </a:solidFill>
+                    <a:latin typeface="Montserrat" panose="00000500000000000000" pitchFamily="2" charset="0"/>
+                  </a:rPr>
+                  <a:t>Implementar na nuvem legado</a:t>
+                </a:r>
+                <a:endParaRPr lang="pt-BR" sz="1600" b="1" dirty="0">
+                  <a:solidFill>
+                    <a:srgbClr val="3AAFA9"/>
+                  </a:solidFill>
+                  <a:latin typeface="Montserrat" panose="00000500000000000000" pitchFamily="2" charset="0"/>
+                </a:endParaRPr>
+              </a:p>
+            </p:txBody>
+          </p:sp>
+        </p:grpSp>
+        <p:sp>
+          <p:nvSpPr>
+            <p:cNvPr id="15" name="Retângulo Arredondado 14"/>
+            <p:cNvSpPr/>
+            <p:nvPr/>
+          </p:nvSpPr>
+          <p:spPr>
+            <a:xfrm>
+              <a:off x="1252168" y="7970048"/>
+              <a:ext cx="2337693" cy="1576714"/>
+            </a:xfrm>
+            <a:prstGeom prst="roundRect">
+              <a:avLst/>
+            </a:prstGeom>
+            <a:solidFill>
+              <a:schemeClr val="bg1">
+                <a:alpha val="96000"/>
+              </a:schemeClr>
+            </a:solidFill>
+            <a:ln>
+              <a:noFill/>
+            </a:ln>
+          </p:spPr>
+          <p:style>
+            <a:lnRef idx="2">
+              <a:schemeClr val="accent1">
+                <a:shade val="50000"/>
+              </a:schemeClr>
+            </a:lnRef>
+            <a:fillRef idx="1">
+              <a:schemeClr val="accent1"/>
+            </a:fillRef>
+            <a:effectRef idx="0">
+              <a:schemeClr val="accent1"/>
+            </a:effectRef>
+            <a:fontRef idx="minor">
+              <a:schemeClr val="lt1"/>
+            </a:fontRef>
+          </p:style>
+          <p:txBody>
+            <a:bodyPr rtlCol="0" anchor="ctr"/>
+            <a:lstStyle/>
+            <a:p>
+              <a:pPr algn="ctr"/>
+              <a:endParaRPr lang="pt-BR"/>
+            </a:p>
+          </p:txBody>
+        </p:sp>
+        <p:pic>
+          <p:nvPicPr>
+            <p:cNvPr id="18" name="Imagem 17"/>
+            <p:cNvPicPr>
+              <a:picLocks noChangeAspect="1"/>
+            </p:cNvPicPr>
+            <p:nvPr/>
+          </p:nvPicPr>
+          <p:blipFill>
+            <a:blip r:embed="rId5" cstate="print">
+              <a:extLst>
+                <a:ext uri="{28A0092B-C50C-407E-A947-70E740481C1C}">
+                  <a14:useLocalDpi xmlns:a14="http://schemas.microsoft.com/office/drawing/2010/main" val="0"/>
+                </a:ext>
+              </a:extLst>
+            </a:blip>
+            <a:stretch>
+              <a:fillRect/>
+            </a:stretch>
+          </p:blipFill>
+          <p:spPr>
+            <a:xfrm>
+              <a:off x="1611706" y="8230248"/>
+              <a:ext cx="1627291" cy="1627291"/>
+            </a:xfrm>
+            <a:prstGeom prst="rect">
+              <a:avLst/>
+            </a:prstGeom>
+          </p:spPr>
+        </p:pic>
+      </p:grpSp>
       <p:sp>
         <p:nvSpPr>
           <p:cNvPr id="12" name="Triângulo Retângulo 11">
@@ -9371,258 +10315,473 @@
           </a:p>
         </p:txBody>
       </p:sp>
-      <p:pic>
-        <p:nvPicPr>
-          <p:cNvPr id="3" name="Gráfico 2" descr="Pato de borracha">
-            <a:extLst>
-              <a:ext uri="{FF2B5EF4-FFF2-40B4-BE49-F238E27FC236}">
-                <a16:creationId xmlns:a16="http://schemas.microsoft.com/office/drawing/2014/main" id="{EECB52C2-FCB4-458B-8DDB-90444923E66C}"/>
-              </a:ext>
-            </a:extLst>
-          </p:cNvPr>
-          <p:cNvPicPr>
-            <a:picLocks noChangeAspect="1"/>
-          </p:cNvPicPr>
-          <p:nvPr/>
-        </p:nvPicPr>
-        <p:blipFill>
-          <a:blip r:embed="rId5" cstate="print">
-            <a:extLst>
-              <a:ext uri="{28A0092B-C50C-407E-A947-70E740481C1C}">
-                <a14:useLocalDpi xmlns:a14="http://schemas.microsoft.com/office/drawing/2010/main" val="0"/>
-              </a:ext>
-              <a:ext uri="{96DAC541-7B7A-43D3-8B79-37D633B846F1}">
-                <asvg:svgBlip xmlns:asvg="http://schemas.microsoft.com/office/drawing/2016/SVG/main" r:embed="rId6"/>
-              </a:ext>
-            </a:extLst>
-          </a:blip>
-          <a:stretch>
-            <a:fillRect/>
-          </a:stretch>
-        </p:blipFill>
-        <p:spPr>
-          <a:xfrm>
-            <a:off x="1437473" y="1801120"/>
-            <a:ext cx="914400" cy="914400"/>
-          </a:xfrm>
-          <a:prstGeom prst="rect">
-            <a:avLst/>
-          </a:prstGeom>
-        </p:spPr>
-      </p:pic>
-      <p:pic>
-        <p:nvPicPr>
-          <p:cNvPr id="16" name="Gráfico 15" descr="Rosto alienígena">
-            <a:extLst>
-              <a:ext uri="{FF2B5EF4-FFF2-40B4-BE49-F238E27FC236}">
-                <a16:creationId xmlns:a16="http://schemas.microsoft.com/office/drawing/2014/main" id="{71901AAC-3748-4B03-8E99-2A778D28AB5B}"/>
-              </a:ext>
-            </a:extLst>
-          </p:cNvPr>
-          <p:cNvPicPr>
-            <a:picLocks noChangeAspect="1"/>
-          </p:cNvPicPr>
-          <p:nvPr/>
-        </p:nvPicPr>
-        <p:blipFill>
-          <a:blip r:embed="rId7" cstate="print">
-            <a:extLst>
-              <a:ext uri="{28A0092B-C50C-407E-A947-70E740481C1C}">
-                <a14:useLocalDpi xmlns:a14="http://schemas.microsoft.com/office/drawing/2010/main" val="0"/>
-              </a:ext>
-              <a:ext uri="{96DAC541-7B7A-43D3-8B79-37D633B846F1}">
-                <asvg:svgBlip xmlns:asvg="http://schemas.microsoft.com/office/drawing/2016/SVG/main" r:embed="rId8"/>
-              </a:ext>
-            </a:extLst>
-          </a:blip>
-          <a:stretch>
-            <a:fillRect/>
-          </a:stretch>
-        </p:blipFill>
-        <p:spPr>
-          <a:xfrm>
-            <a:off x="1437473" y="2966585"/>
-            <a:ext cx="914400" cy="914400"/>
-          </a:xfrm>
-          <a:prstGeom prst="rect">
-            <a:avLst/>
-          </a:prstGeom>
-        </p:spPr>
-      </p:pic>
-      <p:sp>
-        <p:nvSpPr>
-          <p:cNvPr id="17" name="CaixaDeTexto 16">
-            <a:extLst>
-              <a:ext uri="{FF2B5EF4-FFF2-40B4-BE49-F238E27FC236}">
-                <a16:creationId xmlns:a16="http://schemas.microsoft.com/office/drawing/2014/main" id="{2A76F44E-9C8F-4790-95B7-1CAA9874B0B3}"/>
-              </a:ext>
-            </a:extLst>
-          </p:cNvPr>
-          <p:cNvSpPr txBox="1"/>
-          <p:nvPr/>
-        </p:nvSpPr>
-        <p:spPr>
-          <a:xfrm>
-            <a:off x="2473693" y="1801120"/>
-            <a:ext cx="7575082" cy="369332"/>
-          </a:xfrm>
-          <a:prstGeom prst="rect">
-            <a:avLst/>
-          </a:prstGeom>
-          <a:noFill/>
-        </p:spPr>
-        <p:txBody>
-          <a:bodyPr wrap="square" rtlCol="0">
-            <a:spAutoFit/>
-          </a:bodyPr>
-          <a:lstStyle/>
-          <a:p>
-            <a:r>
-              <a:rPr lang="pt-BR" dirty="0">
-                <a:sym typeface="Wingdings" panose="05000000000000000000" pitchFamily="2" charset="2"/>
-              </a:rPr>
-              <a:t> </a:t>
-            </a:r>
-            <a:r>
-              <a:rPr lang="pt-BR" dirty="0"/>
-              <a:t>Implementar na nuvem legado</a:t>
-            </a:r>
-          </a:p>
-        </p:txBody>
-      </p:sp>
-      <p:sp>
-        <p:nvSpPr>
-          <p:cNvPr id="19" name="CaixaDeTexto 18">
-            <a:extLst>
-              <a:ext uri="{FF2B5EF4-FFF2-40B4-BE49-F238E27FC236}">
-                <a16:creationId xmlns:a16="http://schemas.microsoft.com/office/drawing/2014/main" id="{3F0BEE90-7452-4AAC-82A7-77ABCBD23705}"/>
-              </a:ext>
-            </a:extLst>
-          </p:cNvPr>
-          <p:cNvSpPr txBox="1"/>
-          <p:nvPr/>
-        </p:nvSpPr>
-        <p:spPr>
-          <a:xfrm>
-            <a:off x="2472089" y="3050371"/>
-            <a:ext cx="7575082" cy="646331"/>
-          </a:xfrm>
-          <a:prstGeom prst="rect">
-            <a:avLst/>
-          </a:prstGeom>
-          <a:noFill/>
-        </p:spPr>
-        <p:txBody>
-          <a:bodyPr wrap="square" rtlCol="0">
-            <a:spAutoFit/>
-          </a:bodyPr>
-          <a:lstStyle/>
-          <a:p>
-            <a:r>
-              <a:rPr lang="pt-BR" dirty="0">
-                <a:sym typeface="Wingdings" panose="05000000000000000000" pitchFamily="2" charset="2"/>
-              </a:rPr>
-              <a:t> </a:t>
-            </a:r>
-            <a:r>
-              <a:rPr lang="pt-BR" dirty="0"/>
-              <a:t>Para uma funcionalidade garantida do nosso monitoramento e da aplicação legado, nós estamos executando tudo em ambientes virtuais. </a:t>
-            </a:r>
-          </a:p>
-        </p:txBody>
-      </p:sp>
-      <p:sp>
-        <p:nvSpPr>
-          <p:cNvPr id="23" name="CaixaDeTexto 22">
-            <a:extLst>
-              <a:ext uri="{FF2B5EF4-FFF2-40B4-BE49-F238E27FC236}">
-                <a16:creationId xmlns:a16="http://schemas.microsoft.com/office/drawing/2014/main" id="{091279C1-4C40-4985-A991-F6BEE5E0B215}"/>
-              </a:ext>
-            </a:extLst>
-          </p:cNvPr>
-          <p:cNvSpPr txBox="1"/>
-          <p:nvPr/>
-        </p:nvSpPr>
-        <p:spPr>
-          <a:xfrm>
-            <a:off x="2472089" y="4132050"/>
-            <a:ext cx="7575082" cy="369332"/>
-          </a:xfrm>
-          <a:prstGeom prst="rect">
-            <a:avLst/>
-          </a:prstGeom>
-          <a:noFill/>
-        </p:spPr>
-        <p:txBody>
-          <a:bodyPr wrap="square" rtlCol="0">
-            <a:spAutoFit/>
-          </a:bodyPr>
-          <a:lstStyle/>
-          <a:p>
-            <a:r>
-              <a:rPr lang="pt-BR" dirty="0">
-                <a:sym typeface="Wingdings" panose="05000000000000000000" pitchFamily="2" charset="2"/>
-              </a:rPr>
-              <a:t> Aplicação </a:t>
-            </a:r>
-            <a:r>
-              <a:rPr lang="pt-BR" dirty="0" err="1">
-                <a:sym typeface="Wingdings" panose="05000000000000000000" pitchFamily="2" charset="2"/>
-              </a:rPr>
-              <a:t>java</a:t>
-            </a:r>
-            <a:r>
-              <a:rPr lang="pt-BR" dirty="0">
-                <a:sym typeface="Wingdings" panose="05000000000000000000" pitchFamily="2" charset="2"/>
-              </a:rPr>
-              <a:t> para consulta local.</a:t>
-            </a:r>
-            <a:endParaRPr lang="pt-BR" dirty="0"/>
-          </a:p>
-        </p:txBody>
-      </p:sp>
       <p:grpSp>
         <p:nvGrpSpPr>
-          <p:cNvPr id="13" name="Agrupar 12">
-            <a:extLst>
-              <a:ext uri="{FF2B5EF4-FFF2-40B4-BE49-F238E27FC236}">
-                <a16:creationId xmlns:a16="http://schemas.microsoft.com/office/drawing/2014/main" id="{0486EBF0-4F4D-4B69-92BD-314482E21937}"/>
-              </a:ext>
-            </a:extLst>
-          </p:cNvPr>
+          <p:cNvPr id="59" name="Agrupar 58"/>
           <p:cNvGrpSpPr/>
           <p:nvPr/>
         </p:nvGrpSpPr>
         <p:grpSpPr>
           <a:xfrm>
-            <a:off x="1333951" y="4316716"/>
-            <a:ext cx="1121444" cy="914400"/>
-            <a:chOff x="1230429" y="4132050"/>
-            <a:chExt cx="1121444" cy="914400"/>
+            <a:off x="4410398" y="6917946"/>
+            <a:ext cx="3371203" cy="5440519"/>
+            <a:chOff x="4410398" y="6917946"/>
+            <a:chExt cx="3371203" cy="5440519"/>
           </a:xfrm>
         </p:grpSpPr>
+        <p:grpSp>
+          <p:nvGrpSpPr>
+            <p:cNvPr id="32" name="Agrupar 31"/>
+            <p:cNvGrpSpPr/>
+            <p:nvPr/>
+          </p:nvGrpSpPr>
+          <p:grpSpPr>
+            <a:xfrm>
+              <a:off x="4410398" y="6917946"/>
+              <a:ext cx="3371203" cy="5440519"/>
+              <a:chOff x="4410398" y="1417481"/>
+              <a:chExt cx="3371203" cy="5440519"/>
+            </a:xfrm>
+          </p:grpSpPr>
+          <p:sp>
+            <p:nvSpPr>
+              <p:cNvPr id="33" name="Seta: Pentágono 27">
+                <a:extLst>
+                  <a:ext uri="{FF2B5EF4-FFF2-40B4-BE49-F238E27FC236}">
+                    <a16:creationId xmlns:a16="http://schemas.microsoft.com/office/drawing/2014/main" id="{1540FC21-3C51-403A-894A-8055A5B1F79B}"/>
+                  </a:ext>
+                </a:extLst>
+              </p:cNvPr>
+              <p:cNvSpPr/>
+              <p:nvPr/>
+            </p:nvSpPr>
+            <p:spPr>
+              <a:xfrm rot="16200000">
+                <a:off x="3375740" y="2452139"/>
+                <a:ext cx="5440519" cy="3371203"/>
+              </a:xfrm>
+              <a:prstGeom prst="homePlate">
+                <a:avLst>
+                  <a:gd name="adj" fmla="val 25845"/>
+                </a:avLst>
+              </a:prstGeom>
+              <a:solidFill>
+                <a:srgbClr val="17252A"/>
+              </a:solidFill>
+              <a:ln>
+                <a:noFill/>
+              </a:ln>
+            </p:spPr>
+            <p:style>
+              <a:lnRef idx="2">
+                <a:schemeClr val="accent1">
+                  <a:shade val="50000"/>
+                </a:schemeClr>
+              </a:lnRef>
+              <a:fillRef idx="1">
+                <a:schemeClr val="accent1"/>
+              </a:fillRef>
+              <a:effectRef idx="0">
+                <a:schemeClr val="accent1"/>
+              </a:effectRef>
+              <a:fontRef idx="minor">
+                <a:schemeClr val="lt1"/>
+              </a:fontRef>
+            </p:style>
+            <p:txBody>
+              <a:bodyPr rtlCol="0" anchor="ctr"/>
+              <a:lstStyle/>
+              <a:p>
+                <a:pPr algn="ctr"/>
+                <a:endParaRPr lang="pt-BR"/>
+              </a:p>
+            </p:txBody>
+          </p:sp>
+          <p:sp>
+            <p:nvSpPr>
+              <p:cNvPr id="35" name="Placa 34"/>
+              <p:cNvSpPr/>
+              <p:nvPr/>
+            </p:nvSpPr>
+            <p:spPr>
+              <a:xfrm>
+                <a:off x="4518544" y="3883737"/>
+                <a:ext cx="561831" cy="520700"/>
+              </a:xfrm>
+              <a:prstGeom prst="plaque">
+                <a:avLst>
+                  <a:gd name="adj" fmla="val 31302"/>
+                </a:avLst>
+              </a:prstGeom>
+              <a:solidFill>
+                <a:srgbClr val="17252A"/>
+              </a:solidFill>
+              <a:ln>
+                <a:noFill/>
+              </a:ln>
+            </p:spPr>
+            <p:style>
+              <a:lnRef idx="2">
+                <a:schemeClr val="accent1">
+                  <a:shade val="50000"/>
+                </a:schemeClr>
+              </a:lnRef>
+              <a:fillRef idx="1">
+                <a:schemeClr val="accent1"/>
+              </a:fillRef>
+              <a:effectRef idx="0">
+                <a:schemeClr val="accent1"/>
+              </a:effectRef>
+              <a:fontRef idx="minor">
+                <a:schemeClr val="lt1"/>
+              </a:fontRef>
+            </p:style>
+            <p:txBody>
+              <a:bodyPr rtlCol="0" anchor="ctr"/>
+              <a:lstStyle/>
+              <a:p>
+                <a:pPr algn="ctr"/>
+                <a:endParaRPr lang="pt-BR"/>
+              </a:p>
+            </p:txBody>
+          </p:sp>
+          <p:sp>
+            <p:nvSpPr>
+              <p:cNvPr id="36" name="Placa 35"/>
+              <p:cNvSpPr/>
+              <p:nvPr/>
+            </p:nvSpPr>
+            <p:spPr>
+              <a:xfrm>
+                <a:off x="7087504" y="3880322"/>
+                <a:ext cx="561831" cy="520700"/>
+              </a:xfrm>
+              <a:prstGeom prst="plaque">
+                <a:avLst>
+                  <a:gd name="adj" fmla="val 31302"/>
+                </a:avLst>
+              </a:prstGeom>
+              <a:solidFill>
+                <a:srgbClr val="17252A"/>
+              </a:solidFill>
+              <a:ln>
+                <a:noFill/>
+              </a:ln>
+            </p:spPr>
+            <p:style>
+              <a:lnRef idx="2">
+                <a:schemeClr val="accent1">
+                  <a:shade val="50000"/>
+                </a:schemeClr>
+              </a:lnRef>
+              <a:fillRef idx="1">
+                <a:schemeClr val="accent1"/>
+              </a:fillRef>
+              <a:effectRef idx="0">
+                <a:schemeClr val="accent1"/>
+              </a:effectRef>
+              <a:fontRef idx="minor">
+                <a:schemeClr val="lt1"/>
+              </a:fontRef>
+            </p:style>
+            <p:txBody>
+              <a:bodyPr rtlCol="0" anchor="ctr"/>
+              <a:lstStyle/>
+              <a:p>
+                <a:pPr algn="ctr"/>
+                <a:endParaRPr lang="pt-BR"/>
+              </a:p>
+            </p:txBody>
+          </p:sp>
+          <p:sp>
+            <p:nvSpPr>
+              <p:cNvPr id="37" name="Placa 36"/>
+              <p:cNvSpPr/>
+              <p:nvPr/>
+            </p:nvSpPr>
+            <p:spPr>
+              <a:xfrm>
+                <a:off x="7095973" y="2111443"/>
+                <a:ext cx="561831" cy="520700"/>
+              </a:xfrm>
+              <a:prstGeom prst="plaque">
+                <a:avLst>
+                  <a:gd name="adj" fmla="val 31302"/>
+                </a:avLst>
+              </a:prstGeom>
+              <a:solidFill>
+                <a:srgbClr val="17252A"/>
+              </a:solidFill>
+              <a:ln>
+                <a:noFill/>
+              </a:ln>
+            </p:spPr>
+            <p:style>
+              <a:lnRef idx="2">
+                <a:schemeClr val="accent1">
+                  <a:shade val="50000"/>
+                </a:schemeClr>
+              </a:lnRef>
+              <a:fillRef idx="1">
+                <a:schemeClr val="accent1"/>
+              </a:fillRef>
+              <a:effectRef idx="0">
+                <a:schemeClr val="accent1"/>
+              </a:effectRef>
+              <a:fontRef idx="minor">
+                <a:schemeClr val="lt1"/>
+              </a:fontRef>
+            </p:style>
+            <p:txBody>
+              <a:bodyPr rtlCol="0" anchor="ctr"/>
+              <a:lstStyle/>
+              <a:p>
+                <a:pPr algn="ctr"/>
+                <a:endParaRPr lang="pt-BR"/>
+              </a:p>
+            </p:txBody>
+          </p:sp>
+          <p:sp>
+            <p:nvSpPr>
+              <p:cNvPr id="38" name="Placa 37"/>
+              <p:cNvSpPr/>
+              <p:nvPr/>
+            </p:nvSpPr>
+            <p:spPr>
+              <a:xfrm>
+                <a:off x="4513693" y="2106396"/>
+                <a:ext cx="561831" cy="520700"/>
+              </a:xfrm>
+              <a:prstGeom prst="plaque">
+                <a:avLst>
+                  <a:gd name="adj" fmla="val 31302"/>
+                </a:avLst>
+              </a:prstGeom>
+              <a:solidFill>
+                <a:srgbClr val="17252A"/>
+              </a:solidFill>
+              <a:ln>
+                <a:noFill/>
+              </a:ln>
+            </p:spPr>
+            <p:style>
+              <a:lnRef idx="2">
+                <a:schemeClr val="accent1">
+                  <a:shade val="50000"/>
+                </a:schemeClr>
+              </a:lnRef>
+              <a:fillRef idx="1">
+                <a:schemeClr val="accent1"/>
+              </a:fillRef>
+              <a:effectRef idx="0">
+                <a:schemeClr val="accent1"/>
+              </a:effectRef>
+              <a:fontRef idx="minor">
+                <a:schemeClr val="lt1"/>
+              </a:fontRef>
+            </p:style>
+            <p:txBody>
+              <a:bodyPr rtlCol="0" anchor="ctr"/>
+              <a:lstStyle/>
+              <a:p>
+                <a:pPr algn="ctr"/>
+                <a:endParaRPr lang="pt-BR"/>
+              </a:p>
+            </p:txBody>
+          </p:sp>
+          <p:sp>
+            <p:nvSpPr>
+              <p:cNvPr id="39" name="Triângulo Retângulo 38"/>
+              <p:cNvSpPr/>
+              <p:nvPr/>
+            </p:nvSpPr>
+            <p:spPr>
+              <a:xfrm rot="14600451">
+                <a:off x="4584350" y="1985343"/>
+                <a:ext cx="155306" cy="171450"/>
+              </a:xfrm>
+              <a:prstGeom prst="rtTriangle">
+                <a:avLst/>
+              </a:prstGeom>
+              <a:solidFill>
+                <a:schemeClr val="bg1"/>
+              </a:solidFill>
+              <a:ln>
+                <a:noFill/>
+              </a:ln>
+            </p:spPr>
+            <p:style>
+              <a:lnRef idx="2">
+                <a:schemeClr val="accent1">
+                  <a:shade val="50000"/>
+                </a:schemeClr>
+              </a:lnRef>
+              <a:fillRef idx="1">
+                <a:schemeClr val="accent1"/>
+              </a:fillRef>
+              <a:effectRef idx="0">
+                <a:schemeClr val="accent1"/>
+              </a:effectRef>
+              <a:fontRef idx="minor">
+                <a:schemeClr val="lt1"/>
+              </a:fontRef>
+            </p:style>
+            <p:txBody>
+              <a:bodyPr rtlCol="0" anchor="ctr"/>
+              <a:lstStyle/>
+              <a:p>
+                <a:pPr algn="ctr"/>
+                <a:endParaRPr lang="pt-BR"/>
+              </a:p>
+            </p:txBody>
+          </p:sp>
+          <p:sp>
+            <p:nvSpPr>
+              <p:cNvPr id="40" name="Triângulo Retângulo 39"/>
+              <p:cNvSpPr/>
+              <p:nvPr/>
+            </p:nvSpPr>
+            <p:spPr>
+              <a:xfrm rot="9512428">
+                <a:off x="7421042" y="2057468"/>
+                <a:ext cx="155306" cy="171450"/>
+              </a:xfrm>
+              <a:prstGeom prst="rtTriangle">
+                <a:avLst/>
+              </a:prstGeom>
+              <a:solidFill>
+                <a:schemeClr val="bg1"/>
+              </a:solidFill>
+              <a:ln>
+                <a:noFill/>
+              </a:ln>
+            </p:spPr>
+            <p:style>
+              <a:lnRef idx="2">
+                <a:schemeClr val="accent1">
+                  <a:shade val="50000"/>
+                </a:schemeClr>
+              </a:lnRef>
+              <a:fillRef idx="1">
+                <a:schemeClr val="accent1"/>
+              </a:fillRef>
+              <a:effectRef idx="0">
+                <a:schemeClr val="accent1"/>
+              </a:effectRef>
+              <a:fontRef idx="minor">
+                <a:schemeClr val="lt1"/>
+              </a:fontRef>
+            </p:style>
+            <p:txBody>
+              <a:bodyPr rtlCol="0" anchor="ctr"/>
+              <a:lstStyle/>
+              <a:p>
+                <a:pPr algn="ctr"/>
+                <a:endParaRPr lang="pt-BR"/>
+              </a:p>
+            </p:txBody>
+          </p:sp>
+          <p:sp>
+            <p:nvSpPr>
+              <p:cNvPr id="42" name="Retângulo 41">
+                <a:extLst>
+                  <a:ext uri="{FF2B5EF4-FFF2-40B4-BE49-F238E27FC236}">
+                    <a16:creationId xmlns:a16="http://schemas.microsoft.com/office/drawing/2014/main" id="{C01DAFF5-52E0-4E39-80AD-13601B5CD22E}"/>
+                  </a:ext>
+                </a:extLst>
+              </p:cNvPr>
+              <p:cNvSpPr/>
+              <p:nvPr/>
+            </p:nvSpPr>
+            <p:spPr>
+              <a:xfrm>
+                <a:off x="4846510" y="4473994"/>
+                <a:ext cx="2597398" cy="2062103"/>
+              </a:xfrm>
+              <a:prstGeom prst="rect">
+                <a:avLst/>
+              </a:prstGeom>
+            </p:spPr>
+            <p:txBody>
+              <a:bodyPr wrap="square">
+                <a:spAutoFit/>
+              </a:bodyPr>
+              <a:lstStyle/>
+              <a:p>
+                <a:r>
+                  <a:rPr lang="pt-BR" sz="1600" b="1" dirty="0">
+                    <a:solidFill>
+                      <a:srgbClr val="3AAFA9"/>
+                    </a:solidFill>
+                    <a:latin typeface="Montserrat" panose="00000500000000000000" pitchFamily="2" charset="0"/>
+                  </a:rPr>
+                  <a:t>Para uma funcionalidade garantida do nosso monitoramento e da aplicação legado, nós estamos executando tudo em ambientes virtuais. </a:t>
+                </a:r>
+              </a:p>
+            </p:txBody>
+          </p:sp>
+        </p:grpSp>
+        <p:sp>
+          <p:nvSpPr>
+            <p:cNvPr id="55" name="Retângulo Arredondado 54"/>
+            <p:cNvSpPr/>
+            <p:nvPr/>
+          </p:nvSpPr>
+          <p:spPr>
+            <a:xfrm>
+              <a:off x="4906136" y="7963294"/>
+              <a:ext cx="2337693" cy="1576714"/>
+            </a:xfrm>
+            <a:prstGeom prst="roundRect">
+              <a:avLst/>
+            </a:prstGeom>
+            <a:solidFill>
+              <a:schemeClr val="bg1">
+                <a:alpha val="96000"/>
+              </a:schemeClr>
+            </a:solidFill>
+            <a:ln>
+              <a:noFill/>
+            </a:ln>
+          </p:spPr>
+          <p:style>
+            <a:lnRef idx="2">
+              <a:schemeClr val="accent1">
+                <a:shade val="50000"/>
+              </a:schemeClr>
+            </a:lnRef>
+            <a:fillRef idx="1">
+              <a:schemeClr val="accent1"/>
+            </a:fillRef>
+            <a:effectRef idx="0">
+              <a:schemeClr val="accent1"/>
+            </a:effectRef>
+            <a:fontRef idx="minor">
+              <a:schemeClr val="lt1"/>
+            </a:fontRef>
+          </p:style>
+          <p:txBody>
+            <a:bodyPr rtlCol="0" anchor="ctr"/>
+            <a:lstStyle/>
+            <a:p>
+              <a:pPr algn="ctr"/>
+              <a:endParaRPr lang="pt-BR"/>
+            </a:p>
+          </p:txBody>
+        </p:sp>
         <p:pic>
           <p:nvPicPr>
-            <p:cNvPr id="14" name="Gráfico 13" descr="África">
-              <a:extLst>
-                <a:ext uri="{FF2B5EF4-FFF2-40B4-BE49-F238E27FC236}">
-                  <a16:creationId xmlns:a16="http://schemas.microsoft.com/office/drawing/2014/main" id="{CD240FE6-2386-42D8-A0A6-D7CC1F42F2AB}"/>
-                </a:ext>
-              </a:extLst>
-            </p:cNvPr>
+            <p:cNvPr id="57" name="Imagem 56"/>
             <p:cNvPicPr>
               <a:picLocks noChangeAspect="1"/>
             </p:cNvPicPr>
             <p:nvPr/>
           </p:nvPicPr>
           <p:blipFill>
-            <a:blip r:embed="rId9" cstate="print">
+            <a:blip r:embed="rId6" cstate="print">
               <a:extLst>
                 <a:ext uri="{28A0092B-C50C-407E-A947-70E740481C1C}">
                   <a14:useLocalDpi xmlns:a14="http://schemas.microsoft.com/office/drawing/2010/main" val="0"/>
-                </a:ext>
-                <a:ext uri="{96DAC541-7B7A-43D3-8B79-37D633B846F1}">
-                  <asvg:svgBlip xmlns:asvg="http://schemas.microsoft.com/office/drawing/2016/SVG/main" r:embed="rId10"/>
                 </a:ext>
               </a:extLst>
             </a:blip>
@@ -9632,36 +10791,509 @@
           </p:blipFill>
           <p:spPr>
             <a:xfrm>
-              <a:off x="1437473" y="4132050"/>
-              <a:ext cx="914400" cy="914400"/>
+              <a:off x="5341538" y="8032748"/>
+              <a:ext cx="1437806" cy="1437806"/>
             </a:xfrm>
             <a:prstGeom prst="rect">
               <a:avLst/>
             </a:prstGeom>
           </p:spPr>
         </p:pic>
+      </p:grpSp>
+      <p:grpSp>
+        <p:nvGrpSpPr>
+          <p:cNvPr id="60" name="Agrupar 59"/>
+          <p:cNvGrpSpPr/>
+          <p:nvPr/>
+        </p:nvGrpSpPr>
+        <p:grpSpPr>
+          <a:xfrm>
+            <a:off x="8100797" y="6917949"/>
+            <a:ext cx="3371203" cy="5440519"/>
+            <a:chOff x="8100797" y="6917949"/>
+            <a:chExt cx="3371203" cy="5440519"/>
+          </a:xfrm>
+        </p:grpSpPr>
+        <p:grpSp>
+          <p:nvGrpSpPr>
+            <p:cNvPr id="43" name="Agrupar 42"/>
+            <p:cNvGrpSpPr/>
+            <p:nvPr/>
+          </p:nvGrpSpPr>
+          <p:grpSpPr>
+            <a:xfrm>
+              <a:off x="8100797" y="6917949"/>
+              <a:ext cx="3371203" cy="5440519"/>
+              <a:chOff x="8100797" y="1417478"/>
+              <a:chExt cx="3371203" cy="5440519"/>
+            </a:xfrm>
+          </p:grpSpPr>
+          <p:sp>
+            <p:nvSpPr>
+              <p:cNvPr id="44" name="Seta: Pentágono 27">
+                <a:extLst>
+                  <a:ext uri="{FF2B5EF4-FFF2-40B4-BE49-F238E27FC236}">
+                    <a16:creationId xmlns:a16="http://schemas.microsoft.com/office/drawing/2014/main" id="{1540FC21-3C51-403A-894A-8055A5B1F79B}"/>
+                  </a:ext>
+                </a:extLst>
+              </p:cNvPr>
+              <p:cNvSpPr/>
+              <p:nvPr/>
+            </p:nvSpPr>
+            <p:spPr>
+              <a:xfrm rot="16200000">
+                <a:off x="7066139" y="2452136"/>
+                <a:ext cx="5440519" cy="3371203"/>
+              </a:xfrm>
+              <a:prstGeom prst="homePlate">
+                <a:avLst>
+                  <a:gd name="adj" fmla="val 25845"/>
+                </a:avLst>
+              </a:prstGeom>
+              <a:solidFill>
+                <a:srgbClr val="17252A"/>
+              </a:solidFill>
+              <a:ln>
+                <a:noFill/>
+              </a:ln>
+            </p:spPr>
+            <p:style>
+              <a:lnRef idx="2">
+                <a:schemeClr val="accent1">
+                  <a:shade val="50000"/>
+                </a:schemeClr>
+              </a:lnRef>
+              <a:fillRef idx="1">
+                <a:schemeClr val="accent1"/>
+              </a:fillRef>
+              <a:effectRef idx="0">
+                <a:schemeClr val="accent1"/>
+              </a:effectRef>
+              <a:fontRef idx="minor">
+                <a:schemeClr val="lt1"/>
+              </a:fontRef>
+            </p:style>
+            <p:txBody>
+              <a:bodyPr rtlCol="0" anchor="ctr"/>
+              <a:lstStyle/>
+              <a:p>
+                <a:pPr algn="ctr"/>
+                <a:endParaRPr lang="pt-BR"/>
+              </a:p>
+            </p:txBody>
+          </p:sp>
+          <p:sp>
+            <p:nvSpPr>
+              <p:cNvPr id="46" name="Placa 45"/>
+              <p:cNvSpPr/>
+              <p:nvPr/>
+            </p:nvSpPr>
+            <p:spPr>
+              <a:xfrm>
+                <a:off x="8206722" y="3885588"/>
+                <a:ext cx="561831" cy="520700"/>
+              </a:xfrm>
+              <a:prstGeom prst="plaque">
+                <a:avLst>
+                  <a:gd name="adj" fmla="val 31302"/>
+                </a:avLst>
+              </a:prstGeom>
+              <a:solidFill>
+                <a:srgbClr val="17252A"/>
+              </a:solidFill>
+              <a:ln>
+                <a:noFill/>
+              </a:ln>
+            </p:spPr>
+            <p:style>
+              <a:lnRef idx="2">
+                <a:schemeClr val="accent1">
+                  <a:shade val="50000"/>
+                </a:schemeClr>
+              </a:lnRef>
+              <a:fillRef idx="1">
+                <a:schemeClr val="accent1"/>
+              </a:fillRef>
+              <a:effectRef idx="0">
+                <a:schemeClr val="accent1"/>
+              </a:effectRef>
+              <a:fontRef idx="minor">
+                <a:schemeClr val="lt1"/>
+              </a:fontRef>
+            </p:style>
+            <p:txBody>
+              <a:bodyPr rtlCol="0" anchor="ctr"/>
+              <a:lstStyle/>
+              <a:p>
+                <a:pPr algn="ctr"/>
+                <a:endParaRPr lang="pt-BR"/>
+              </a:p>
+            </p:txBody>
+          </p:sp>
+          <p:sp>
+            <p:nvSpPr>
+              <p:cNvPr id="47" name="Placa 46"/>
+              <p:cNvSpPr/>
+              <p:nvPr/>
+            </p:nvSpPr>
+            <p:spPr>
+              <a:xfrm>
+                <a:off x="10801082" y="3882173"/>
+                <a:ext cx="561831" cy="520700"/>
+              </a:xfrm>
+              <a:prstGeom prst="plaque">
+                <a:avLst>
+                  <a:gd name="adj" fmla="val 31302"/>
+                </a:avLst>
+              </a:prstGeom>
+              <a:solidFill>
+                <a:srgbClr val="17252A"/>
+              </a:solidFill>
+              <a:ln>
+                <a:noFill/>
+              </a:ln>
+            </p:spPr>
+            <p:style>
+              <a:lnRef idx="2">
+                <a:schemeClr val="accent1">
+                  <a:shade val="50000"/>
+                </a:schemeClr>
+              </a:lnRef>
+              <a:fillRef idx="1">
+                <a:schemeClr val="accent1"/>
+              </a:fillRef>
+              <a:effectRef idx="0">
+                <a:schemeClr val="accent1"/>
+              </a:effectRef>
+              <a:fontRef idx="minor">
+                <a:schemeClr val="lt1"/>
+              </a:fontRef>
+            </p:style>
+            <p:txBody>
+              <a:bodyPr rtlCol="0" anchor="ctr"/>
+              <a:lstStyle/>
+              <a:p>
+                <a:pPr algn="ctr"/>
+                <a:endParaRPr lang="pt-BR"/>
+              </a:p>
+            </p:txBody>
+          </p:sp>
+          <p:sp>
+            <p:nvSpPr>
+              <p:cNvPr id="48" name="Placa 47"/>
+              <p:cNvSpPr/>
+              <p:nvPr/>
+            </p:nvSpPr>
+            <p:spPr>
+              <a:xfrm>
+                <a:off x="10807432" y="2109830"/>
+                <a:ext cx="561831" cy="520700"/>
+              </a:xfrm>
+              <a:prstGeom prst="plaque">
+                <a:avLst>
+                  <a:gd name="adj" fmla="val 31302"/>
+                </a:avLst>
+              </a:prstGeom>
+              <a:solidFill>
+                <a:srgbClr val="17252A"/>
+              </a:solidFill>
+              <a:ln>
+                <a:noFill/>
+              </a:ln>
+            </p:spPr>
+            <p:style>
+              <a:lnRef idx="2">
+                <a:schemeClr val="accent1">
+                  <a:shade val="50000"/>
+                </a:schemeClr>
+              </a:lnRef>
+              <a:fillRef idx="1">
+                <a:schemeClr val="accent1"/>
+              </a:fillRef>
+              <a:effectRef idx="0">
+                <a:schemeClr val="accent1"/>
+              </a:effectRef>
+              <a:fontRef idx="minor">
+                <a:schemeClr val="lt1"/>
+              </a:fontRef>
+            </p:style>
+            <p:txBody>
+              <a:bodyPr rtlCol="0" anchor="ctr"/>
+              <a:lstStyle/>
+              <a:p>
+                <a:pPr algn="ctr"/>
+                <a:endParaRPr lang="pt-BR"/>
+              </a:p>
+            </p:txBody>
+          </p:sp>
+          <p:sp>
+            <p:nvSpPr>
+              <p:cNvPr id="49" name="Triângulo Retângulo 48"/>
+              <p:cNvSpPr/>
+              <p:nvPr/>
+            </p:nvSpPr>
+            <p:spPr>
+              <a:xfrm rot="9512428">
+                <a:off x="11104801" y="2050876"/>
+                <a:ext cx="155306" cy="171450"/>
+              </a:xfrm>
+              <a:prstGeom prst="rtTriangle">
+                <a:avLst/>
+              </a:prstGeom>
+              <a:solidFill>
+                <a:schemeClr val="bg1"/>
+              </a:solidFill>
+              <a:ln>
+                <a:noFill/>
+              </a:ln>
+            </p:spPr>
+            <p:style>
+              <a:lnRef idx="2">
+                <a:schemeClr val="accent1">
+                  <a:shade val="50000"/>
+                </a:schemeClr>
+              </a:lnRef>
+              <a:fillRef idx="1">
+                <a:schemeClr val="accent1"/>
+              </a:fillRef>
+              <a:effectRef idx="0">
+                <a:schemeClr val="accent1"/>
+              </a:effectRef>
+              <a:fontRef idx="minor">
+                <a:schemeClr val="lt1"/>
+              </a:fontRef>
+            </p:style>
+            <p:txBody>
+              <a:bodyPr rtlCol="0" anchor="ctr"/>
+              <a:lstStyle/>
+              <a:p>
+                <a:pPr algn="ctr"/>
+                <a:endParaRPr lang="pt-BR"/>
+              </a:p>
+            </p:txBody>
+          </p:sp>
+          <p:sp>
+            <p:nvSpPr>
+              <p:cNvPr id="50" name="Placa 49"/>
+              <p:cNvSpPr/>
+              <p:nvPr/>
+            </p:nvSpPr>
+            <p:spPr>
+              <a:xfrm>
+                <a:off x="8198346" y="2110318"/>
+                <a:ext cx="561831" cy="520700"/>
+              </a:xfrm>
+              <a:prstGeom prst="plaque">
+                <a:avLst>
+                  <a:gd name="adj" fmla="val 31302"/>
+                </a:avLst>
+              </a:prstGeom>
+              <a:solidFill>
+                <a:srgbClr val="17252A"/>
+              </a:solidFill>
+              <a:ln>
+                <a:noFill/>
+              </a:ln>
+            </p:spPr>
+            <p:style>
+              <a:lnRef idx="2">
+                <a:schemeClr val="accent1">
+                  <a:shade val="50000"/>
+                </a:schemeClr>
+              </a:lnRef>
+              <a:fillRef idx="1">
+                <a:schemeClr val="accent1"/>
+              </a:fillRef>
+              <a:effectRef idx="0">
+                <a:schemeClr val="accent1"/>
+              </a:effectRef>
+              <a:fontRef idx="minor">
+                <a:schemeClr val="lt1"/>
+              </a:fontRef>
+            </p:style>
+            <p:txBody>
+              <a:bodyPr rtlCol="0" anchor="ctr"/>
+              <a:lstStyle/>
+              <a:p>
+                <a:pPr algn="ctr"/>
+                <a:endParaRPr lang="pt-BR"/>
+              </a:p>
+            </p:txBody>
+          </p:sp>
+          <p:sp>
+            <p:nvSpPr>
+              <p:cNvPr id="51" name="Triângulo Retângulo 50"/>
+              <p:cNvSpPr/>
+              <p:nvPr/>
+            </p:nvSpPr>
+            <p:spPr>
+              <a:xfrm rot="14600451">
+                <a:off x="8269003" y="1986090"/>
+                <a:ext cx="155306" cy="171450"/>
+              </a:xfrm>
+              <a:prstGeom prst="rtTriangle">
+                <a:avLst/>
+              </a:prstGeom>
+              <a:solidFill>
+                <a:schemeClr val="bg1"/>
+              </a:solidFill>
+              <a:ln>
+                <a:noFill/>
+              </a:ln>
+            </p:spPr>
+            <p:style>
+              <a:lnRef idx="2">
+                <a:schemeClr val="accent1">
+                  <a:shade val="50000"/>
+                </a:schemeClr>
+              </a:lnRef>
+              <a:fillRef idx="1">
+                <a:schemeClr val="accent1"/>
+              </a:fillRef>
+              <a:effectRef idx="0">
+                <a:schemeClr val="accent1"/>
+              </a:effectRef>
+              <a:fontRef idx="minor">
+                <a:schemeClr val="lt1"/>
+              </a:fontRef>
+            </p:style>
+            <p:txBody>
+              <a:bodyPr rtlCol="0" anchor="ctr"/>
+              <a:lstStyle/>
+              <a:p>
+                <a:pPr algn="ctr"/>
+                <a:endParaRPr lang="pt-BR"/>
+              </a:p>
+            </p:txBody>
+          </p:sp>
+          <p:sp>
+            <p:nvSpPr>
+              <p:cNvPr id="53" name="Retângulo 52">
+                <a:extLst>
+                  <a:ext uri="{FF2B5EF4-FFF2-40B4-BE49-F238E27FC236}">
+                    <a16:creationId xmlns:a16="http://schemas.microsoft.com/office/drawing/2014/main" id="{C01DAFF5-52E0-4E39-80AD-13601B5CD22E}"/>
+                  </a:ext>
+                </a:extLst>
+              </p:cNvPr>
+              <p:cNvSpPr/>
+              <p:nvPr/>
+            </p:nvSpPr>
+            <p:spPr>
+              <a:xfrm>
+                <a:off x="8515432" y="5026080"/>
+                <a:ext cx="2597398" cy="584775"/>
+              </a:xfrm>
+              <a:prstGeom prst="rect">
+                <a:avLst/>
+              </a:prstGeom>
+            </p:spPr>
+            <p:txBody>
+              <a:bodyPr wrap="square">
+                <a:spAutoFit/>
+              </a:bodyPr>
+              <a:lstStyle/>
+              <a:p>
+                <a:r>
+                  <a:rPr lang="pt-BR" sz="1600" b="1" dirty="0">
+                    <a:solidFill>
+                      <a:srgbClr val="3AAFA9"/>
+                    </a:solidFill>
+                    <a:latin typeface="Montserrat" panose="00000500000000000000" pitchFamily="2" charset="0"/>
+                    <a:sym typeface="Wingdings" panose="05000000000000000000" pitchFamily="2" charset="2"/>
+                  </a:rPr>
+                  <a:t>Aplicação </a:t>
+                </a:r>
+                <a:r>
+                  <a:rPr lang="pt-BR" sz="1600" b="1" dirty="0" err="1">
+                    <a:solidFill>
+                      <a:srgbClr val="3AAFA9"/>
+                    </a:solidFill>
+                    <a:latin typeface="Montserrat" panose="00000500000000000000" pitchFamily="2" charset="0"/>
+                    <a:sym typeface="Wingdings" panose="05000000000000000000" pitchFamily="2" charset="2"/>
+                  </a:rPr>
+                  <a:t>java</a:t>
+                </a:r>
+                <a:r>
+                  <a:rPr lang="pt-BR" sz="1600" b="1" dirty="0">
+                    <a:solidFill>
+                      <a:srgbClr val="3AAFA9"/>
+                    </a:solidFill>
+                    <a:latin typeface="Montserrat" panose="00000500000000000000" pitchFamily="2" charset="0"/>
+                    <a:sym typeface="Wingdings" panose="05000000000000000000" pitchFamily="2" charset="2"/>
+                  </a:rPr>
+                  <a:t> para consulta local.</a:t>
+                </a:r>
+                <a:endParaRPr lang="pt-BR" sz="1600" b="1" dirty="0">
+                  <a:solidFill>
+                    <a:srgbClr val="3AAFA9"/>
+                  </a:solidFill>
+                  <a:latin typeface="Montserrat" panose="00000500000000000000" pitchFamily="2" charset="0"/>
+                </a:endParaRPr>
+              </a:p>
+            </p:txBody>
+          </p:sp>
+        </p:grpSp>
+        <p:sp>
+          <p:nvSpPr>
+            <p:cNvPr id="56" name="Retângulo Arredondado 55"/>
+            <p:cNvSpPr/>
+            <p:nvPr/>
+          </p:nvSpPr>
+          <p:spPr>
+            <a:xfrm>
+              <a:off x="8660010" y="8034997"/>
+              <a:ext cx="2337693" cy="1576714"/>
+            </a:xfrm>
+            <a:prstGeom prst="roundRect">
+              <a:avLst/>
+            </a:prstGeom>
+            <a:solidFill>
+              <a:schemeClr val="bg1">
+                <a:alpha val="96000"/>
+              </a:schemeClr>
+            </a:solidFill>
+            <a:ln>
+              <a:noFill/>
+            </a:ln>
+          </p:spPr>
+          <p:style>
+            <a:lnRef idx="2">
+              <a:schemeClr val="accent1">
+                <a:shade val="50000"/>
+              </a:schemeClr>
+            </a:lnRef>
+            <a:fillRef idx="1">
+              <a:schemeClr val="accent1"/>
+            </a:fillRef>
+            <a:effectRef idx="0">
+              <a:schemeClr val="accent1"/>
+            </a:effectRef>
+            <a:fontRef idx="minor">
+              <a:schemeClr val="lt1"/>
+            </a:fontRef>
+          </p:style>
+          <p:txBody>
+            <a:bodyPr rtlCol="0" anchor="ctr"/>
+            <a:lstStyle/>
+            <a:p>
+              <a:pPr algn="ctr"/>
+              <a:endParaRPr lang="pt-BR"/>
+            </a:p>
+          </p:txBody>
+        </p:sp>
         <p:pic>
           <p:nvPicPr>
-            <p:cNvPr id="2" name="Gráfico 1" descr="África">
-              <a:extLst>
-                <a:ext uri="{FF2B5EF4-FFF2-40B4-BE49-F238E27FC236}">
-                  <a16:creationId xmlns:a16="http://schemas.microsoft.com/office/drawing/2014/main" id="{8D13D318-7B42-48E9-88B9-3BF5669FC054}"/>
-                </a:ext>
-              </a:extLst>
-            </p:cNvPr>
+            <p:cNvPr id="58" name="Imagem 57"/>
             <p:cNvPicPr>
               <a:picLocks noChangeAspect="1"/>
             </p:cNvPicPr>
             <p:nvPr/>
           </p:nvPicPr>
           <p:blipFill>
-            <a:blip r:embed="rId9" cstate="print">
+            <a:blip r:embed="rId7" cstate="print">
               <a:extLst>
                 <a:ext uri="{28A0092B-C50C-407E-A947-70E740481C1C}">
                   <a14:useLocalDpi xmlns:a14="http://schemas.microsoft.com/office/drawing/2010/main" val="0"/>
-                </a:ext>
-                <a:ext uri="{96DAC541-7B7A-43D3-8B79-37D633B846F1}">
-                  <asvg:svgBlip xmlns:asvg="http://schemas.microsoft.com/office/drawing/2016/SVG/main" r:embed="rId10"/>
                 </a:ext>
               </a:extLst>
             </a:blip>
@@ -9670,9 +11302,9 @@
             </a:stretch>
           </p:blipFill>
           <p:spPr>
-            <a:xfrm flipH="1">
-              <a:off x="1230429" y="4132050"/>
-              <a:ext cx="914400" cy="914400"/>
+            <a:xfrm>
+              <a:off x="9155655" y="8164878"/>
+              <a:ext cx="1316952" cy="1316952"/>
             </a:xfrm>
             <a:prstGeom prst="rect">
               <a:avLst/>
@@ -9791,6 +11423,126 @@
                                         </p:tgtEl>
                                       </p:cBhvr>
                                     </p:animEffect>
+                                  </p:childTnLst>
+                                </p:cTn>
+                              </p:par>
+                            </p:childTnLst>
+                          </p:cTn>
+                        </p:par>
+                      </p:childTnLst>
+                    </p:cTn>
+                  </p:par>
+                  <p:par>
+                    <p:cTn id="10" fill="hold">
+                      <p:stCondLst>
+                        <p:cond delay="indefinite"/>
+                      </p:stCondLst>
+                      <p:childTnLst>
+                        <p:par>
+                          <p:cTn id="11" fill="hold">
+                            <p:stCondLst>
+                              <p:cond delay="0"/>
+                            </p:stCondLst>
+                            <p:childTnLst>
+                              <p:par>
+                                <p:cTn id="12" presetID="64" presetClass="path" presetSubtype="0" accel="50000" decel="50000" fill="hold" nodeType="clickEffect">
+                                  <p:stCondLst>
+                                    <p:cond delay="0"/>
+                                  </p:stCondLst>
+                                  <p:childTnLst>
+                                    <p:animMotion origin="layout" path="M 4.58333E-6 -4.07407E-6 L 4.58333E-6 -0.80023 " pathEditMode="relative" rAng="0" ptsTypes="AA">
+                                      <p:cBhvr>
+                                        <p:cTn id="13" dur="2000" fill="hold"/>
+                                        <p:tgtEl>
+                                          <p:spTgt spid="54"/>
+                                        </p:tgtEl>
+                                        <p:attrNameLst>
+                                          <p:attrName>ppt_x</p:attrName>
+                                          <p:attrName>ppt_y</p:attrName>
+                                        </p:attrNameLst>
+                                      </p:cBhvr>
+                                      <p:rCtr x="0" y="-40023"/>
+                                    </p:animMotion>
+                                  </p:childTnLst>
+                                </p:cTn>
+                              </p:par>
+                            </p:childTnLst>
+                          </p:cTn>
+                        </p:par>
+                      </p:childTnLst>
+                    </p:cTn>
+                  </p:par>
+                  <p:par>
+                    <p:cTn id="14" fill="hold">
+                      <p:stCondLst>
+                        <p:cond delay="indefinite"/>
+                      </p:stCondLst>
+                      <p:childTnLst>
+                        <p:par>
+                          <p:cTn id="15" fill="hold">
+                            <p:stCondLst>
+                              <p:cond delay="0"/>
+                            </p:stCondLst>
+                            <p:childTnLst>
+                              <p:par>
+                                <p:cTn id="16" presetID="64" presetClass="path" presetSubtype="0" accel="50000" decel="50000" fill="hold" nodeType="clickEffect">
+                                  <p:stCondLst>
+                                    <p:cond delay="0"/>
+                                  </p:stCondLst>
+                                  <p:childTnLst>
+                                    <p:animMotion origin="layout" path="M 4.58333E-6 -4.07407E-6 L 4.58333E-6 -0.80023 " pathEditMode="relative" rAng="0" ptsTypes="AA">
+                                      <p:cBhvr>
+                                        <p:cTn id="17" dur="2000" fill="hold"/>
+                                        <p:tgtEl>
+                                          <p:spTgt spid="59"/>
+                                        </p:tgtEl>
+                                        <p:attrNameLst>
+                                          <p:attrName>ppt_x</p:attrName>
+                                          <p:attrName>ppt_y</p:attrName>
+                                        </p:attrNameLst>
+                                      </p:cBhvr>
+                                      <p:rCtr x="0" y="-40023"/>
+                                    </p:animMotion>
+                                  </p:childTnLst>
+                                </p:cTn>
+                              </p:par>
+                            </p:childTnLst>
+                          </p:cTn>
+                        </p:par>
+                      </p:childTnLst>
+                    </p:cTn>
+                  </p:par>
+                  <p:par>
+                    <p:cTn id="18" fill="hold">
+                      <p:stCondLst>
+                        <p:cond delay="indefinite"/>
+                      </p:stCondLst>
+                      <p:childTnLst>
+                        <p:par>
+                          <p:cTn id="19" fill="hold">
+                            <p:stCondLst>
+                              <p:cond delay="0"/>
+                            </p:stCondLst>
+                            <p:childTnLst>
+                              <p:par>
+                                <p:cTn id="20" presetID="64" presetClass="path" presetSubtype="0" accel="50000" decel="50000" fill="hold" nodeType="clickEffect">
+                                  <p:stCondLst>
+                                    <p:cond delay="0"/>
+                                  </p:stCondLst>
+                                  <p:childTnLst>
+                                    <p:animMotion origin="layout" path="M 4.58333E-6 -4.07407E-6 L 4.58333E-6 -0.80023 " pathEditMode="relative" rAng="0" ptsTypes="AA">
+                                      <p:cBhvr>
+                                        <p:cTn id="21" dur="2000" fill="hold"/>
+                                        <p:tgtEl>
+                                          <p:spTgt spid="60"/>
+                                        </p:tgtEl>
+                                        <p:attrNameLst>
+                                          <p:attrName>ppt_x</p:attrName>
+                                          <p:attrName>ppt_y</p:attrName>
+                                        </p:attrNameLst>
+                                      </p:cBhvr>
+                                      <p:rCtr x="0" y="-40023"/>
+                                    </p:animMotion>
                                   </p:childTnLst>
                                 </p:cTn>
                               </p:par>
@@ -10100,7 +11852,7 @@
                 <a14:useLocalDpi xmlns:a14="http://schemas.microsoft.com/office/drawing/2010/main" val="0"/>
               </a:ext>
               <a:ext uri="{96DAC541-7B7A-43D3-8B79-37D633B846F1}">
-                <asvg:svgBlip xmlns:asvg="http://schemas.microsoft.com/office/drawing/2016/SVG/main" r:embed="rId4"/>
+                <asvg:svgBlip xmlns:asvg="http://schemas.microsoft.com/office/drawing/2016/SVG/main" xmlns="" r:embed="rId4"/>
               </a:ext>
             </a:extLst>
           </a:blip>
@@ -12572,7 +14324,7 @@
                     <a14:useLocalDpi xmlns:a14="http://schemas.microsoft.com/office/drawing/2010/main" val="0"/>
                   </a:ext>
                   <a:ext uri="{96DAC541-7B7A-43D3-8B79-37D633B846F1}">
-                    <asvg:svgBlip xmlns:asvg="http://schemas.microsoft.com/office/drawing/2016/SVG/main" r:embed="rId3"/>
+                    <asvg:svgBlip xmlns:asvg="http://schemas.microsoft.com/office/drawing/2016/SVG/main" xmlns="" r:embed="rId3"/>
                   </a:ext>
                 </a:extLst>
               </a:blip>
@@ -13171,7 +14923,7 @@
                     <a14:useLocalDpi xmlns:a14="http://schemas.microsoft.com/office/drawing/2010/main" val="0"/>
                   </a:ext>
                   <a:ext uri="{96DAC541-7B7A-43D3-8B79-37D633B846F1}">
-                    <asvg:svgBlip xmlns:asvg="http://schemas.microsoft.com/office/drawing/2016/SVG/main" r:embed="rId3"/>
+                    <asvg:svgBlip xmlns:asvg="http://schemas.microsoft.com/office/drawing/2016/SVG/main" xmlns="" r:embed="rId3"/>
                   </a:ext>
                 </a:extLst>
               </a:blip>
@@ -13770,7 +15522,7 @@
                     <a14:useLocalDpi xmlns:a14="http://schemas.microsoft.com/office/drawing/2010/main" val="0"/>
                   </a:ext>
                   <a:ext uri="{96DAC541-7B7A-43D3-8B79-37D633B846F1}">
-                    <asvg:svgBlip xmlns:asvg="http://schemas.microsoft.com/office/drawing/2016/SVG/main" r:embed="rId3"/>
+                    <asvg:svgBlip xmlns:asvg="http://schemas.microsoft.com/office/drawing/2016/SVG/main" xmlns="" r:embed="rId3"/>
                   </a:ext>
                 </a:extLst>
               </a:blip>
@@ -15055,7 +16807,7 @@
                 <a14:useLocalDpi xmlns:a14="http://schemas.microsoft.com/office/drawing/2010/main" val="0"/>
               </a:ext>
               <a:ext uri="{96DAC541-7B7A-43D3-8B79-37D633B846F1}">
-                <asvg:svgBlip xmlns:asvg="http://schemas.microsoft.com/office/drawing/2016/SVG/main" r:embed="rId4"/>
+                <asvg:svgBlip xmlns:asvg="http://schemas.microsoft.com/office/drawing/2016/SVG/main" xmlns="" r:embed="rId4"/>
               </a:ext>
             </a:extLst>
           </a:blip>
@@ -17938,7 +19690,7 @@
                     <a14:useLocalDpi xmlns:a14="http://schemas.microsoft.com/office/drawing/2010/main" val="0"/>
                   </a:ext>
                   <a:ext uri="{96DAC541-7B7A-43D3-8B79-37D633B846F1}">
-                    <asvg:svgBlip xmlns:asvg="http://schemas.microsoft.com/office/drawing/2016/SVG/main" r:embed="rId3"/>
+                    <asvg:svgBlip xmlns:asvg="http://schemas.microsoft.com/office/drawing/2016/SVG/main" xmlns="" r:embed="rId3"/>
                   </a:ext>
                 </a:extLst>
               </a:blip>
@@ -20866,7 +22618,7 @@
                     <a14:useLocalDpi xmlns:a14="http://schemas.microsoft.com/office/drawing/2010/main" val="0"/>
                   </a:ext>
                   <a:ext uri="{96DAC541-7B7A-43D3-8B79-37D633B846F1}">
-                    <asvg:svgBlip xmlns:asvg="http://schemas.microsoft.com/office/drawing/2016/SVG/main" r:embed="rId3"/>
+                    <asvg:svgBlip xmlns:asvg="http://schemas.microsoft.com/office/drawing/2016/SVG/main" xmlns="" r:embed="rId3"/>
                   </a:ext>
                 </a:extLst>
               </a:blip>
@@ -20983,7 +22735,7 @@
       </p:pic>
       <p:pic>
         <p:nvPicPr>
-          <p:cNvPr id="13" name="Imagem 12"/>
+          <p:cNvPr id="2" name="Imagem 1"/>
           <p:cNvPicPr>
             <a:picLocks noChangeAspect="1"/>
           </p:cNvPicPr>
@@ -20997,8 +22749,8 @@
         </p:blipFill>
         <p:spPr>
           <a:xfrm>
-            <a:off x="2672171" y="1302201"/>
-            <a:ext cx="7083184" cy="5152345"/>
+            <a:off x="2525944" y="1277712"/>
+            <a:ext cx="7573192" cy="5524887"/>
           </a:xfrm>
           <a:prstGeom prst="rect">
             <a:avLst/>
@@ -21142,7 +22894,7 @@
                                           </p:stCondLst>
                                         </p:cTn>
                                         <p:tgtEl>
-                                          <p:spTgt spid="13"/>
+                                          <p:spTgt spid="2"/>
                                         </p:tgtEl>
                                         <p:attrNameLst>
                                           <p:attrName>style.visibility</p:attrName>
@@ -21156,7 +22908,7 @@
                                       <p:cBhvr>
                                         <p:cTn id="13" dur="1000"/>
                                         <p:tgtEl>
-                                          <p:spTgt spid="13"/>
+                                          <p:spTgt spid="2"/>
                                         </p:tgtEl>
                                       </p:cBhvr>
                                     </p:animEffect>
@@ -21551,7 +23303,7 @@
                     <a14:useLocalDpi xmlns:a14="http://schemas.microsoft.com/office/drawing/2010/main" val="0"/>
                   </a:ext>
                   <a:ext uri="{96DAC541-7B7A-43D3-8B79-37D633B846F1}">
-                    <asvg:svgBlip xmlns:asvg="http://schemas.microsoft.com/office/drawing/2016/SVG/main" r:embed="rId4"/>
+                    <asvg:svgBlip xmlns:asvg="http://schemas.microsoft.com/office/drawing/2016/SVG/main" xmlns="" r:embed="rId4"/>
                   </a:ext>
                 </a:extLst>
               </a:blip>
@@ -21573,7 +23325,7 @@
       </p:grpSp>
       <p:pic>
         <p:nvPicPr>
-          <p:cNvPr id="12" name="Imagem 11"/>
+          <p:cNvPr id="2" name="Imagem 1"/>
           <p:cNvPicPr>
             <a:picLocks noChangeAspect="1"/>
           </p:cNvPicPr>
@@ -21587,8 +23339,8 @@
         </p:blipFill>
         <p:spPr>
           <a:xfrm>
-            <a:off x="1582154" y="1277712"/>
-            <a:ext cx="9046028" cy="5050971"/>
+            <a:off x="1432266" y="1277712"/>
+            <a:ext cx="9537129" cy="5374005"/>
           </a:xfrm>
           <a:prstGeom prst="rect">
             <a:avLst/>
@@ -21732,7 +23484,7 @@
                                           </p:stCondLst>
                                         </p:cTn>
                                         <p:tgtEl>
-                                          <p:spTgt spid="12"/>
+                                          <p:spTgt spid="2"/>
                                         </p:tgtEl>
                                         <p:attrNameLst>
                                           <p:attrName>style.visibility</p:attrName>
@@ -21746,7 +23498,7 @@
                                       <p:cBhvr>
                                         <p:cTn id="13" dur="1000"/>
                                         <p:tgtEl>
-                                          <p:spTgt spid="12"/>
+                                          <p:spTgt spid="2"/>
                                         </p:tgtEl>
                                       </p:cBhvr>
                                     </p:animEffect>
@@ -22082,7 +23834,7 @@
                     <a14:useLocalDpi xmlns:a14="http://schemas.microsoft.com/office/drawing/2010/main" val="0"/>
                   </a:ext>
                   <a:ext uri="{96DAC541-7B7A-43D3-8B79-37D633B846F1}">
-                    <asvg:svgBlip xmlns:asvg="http://schemas.microsoft.com/office/drawing/2016/SVG/main" r:embed="rId4"/>
+                    <asvg:svgBlip xmlns:asvg="http://schemas.microsoft.com/office/drawing/2016/SVG/main" xmlns="" r:embed="rId4"/>
                   </a:ext>
                 </a:extLst>
               </a:blip>
@@ -22704,7 +24456,7 @@
                 <a14:useLocalDpi xmlns:a14="http://schemas.microsoft.com/office/drawing/2010/main" val="0"/>
               </a:ext>
               <a:ext uri="{96DAC541-7B7A-43D3-8B79-37D633B846F1}">
-                <asvg:svgBlip xmlns:asvg="http://schemas.microsoft.com/office/drawing/2016/SVG/main" r:embed="rId4"/>
+                <asvg:svgBlip xmlns:asvg="http://schemas.microsoft.com/office/drawing/2016/SVG/main" xmlns="" r:embed="rId4"/>
               </a:ext>
             </a:extLst>
           </a:blip>
@@ -24516,7 +26268,7 @@
                     <a14:useLocalDpi xmlns:a14="http://schemas.microsoft.com/office/drawing/2010/main" val="0"/>
                   </a:ext>
                   <a:ext uri="{96DAC541-7B7A-43D3-8B79-37D633B846F1}">
-                    <asvg:svgBlip xmlns:asvg="http://schemas.microsoft.com/office/drawing/2016/SVG/main" r:embed="rId3"/>
+                    <asvg:svgBlip xmlns:asvg="http://schemas.microsoft.com/office/drawing/2016/SVG/main" xmlns="" r:embed="rId3"/>
                   </a:ext>
                 </a:extLst>
               </a:blip>
@@ -25180,7 +26932,7 @@
                     <a14:useLocalDpi xmlns:a14="http://schemas.microsoft.com/office/drawing/2010/main" val="0"/>
                   </a:ext>
                   <a:ext uri="{96DAC541-7B7A-43D3-8B79-37D633B846F1}">
-                    <asvg:svgBlip xmlns:asvg="http://schemas.microsoft.com/office/drawing/2016/SVG/main" r:embed="rId3"/>
+                    <asvg:svgBlip xmlns:asvg="http://schemas.microsoft.com/office/drawing/2016/SVG/main" xmlns="" r:embed="rId3"/>
                   </a:ext>
                 </a:extLst>
               </a:blip>
@@ -25770,12 +27522,6 @@
 </file>
 
 <file path=customXml/item1.xml><?xml version="1.0" encoding="utf-8"?>
-<p:properties xmlns:p="http://schemas.microsoft.com/office/2006/metadata/properties" xmlns:xsi="http://www.w3.org/2001/XMLSchema-instance" xmlns:pc="http://schemas.microsoft.com/office/infopath/2007/PartnerControls">
-  <documentManagement/>
-</p:properties>
-</file>
-
-<file path=customXml/item2.xml><?xml version="1.0" encoding="utf-8"?>
 <ct:contentTypeSchema xmlns:ct="http://schemas.microsoft.com/office/2006/metadata/contentType" xmlns:ma="http://schemas.microsoft.com/office/2006/metadata/properties/metaAttributes" ct:_="" ma:_="" ma:contentTypeName="Document" ma:contentTypeID="0x010100A663B016B9E10D44AF2D6A2076639652" ma:contentTypeVersion="9" ma:contentTypeDescription="Create a new document." ma:contentTypeScope="" ma:versionID="487f2b4f5bb26e664e658aeeb82afc06">
   <xsd:schema xmlns:xsd="http://www.w3.org/2001/XMLSchema" xmlns:xs="http://www.w3.org/2001/XMLSchema" xmlns:p="http://schemas.microsoft.com/office/2006/metadata/properties" xmlns:ns3="1f168f81-3f83-4b33-9f0c-ec152bce3f98" xmlns:ns4="86822d51-02f5-488a-80f3-0b621e7c317a" targetNamespace="http://schemas.microsoft.com/office/2006/metadata/properties" ma:root="true" ma:fieldsID="edc5afedb1afb76831d7c08402d80832" ns3:_="" ns4:_="">
     <xsd:import namespace="1f168f81-3f83-4b33-9f0c-ec152bce3f98"/>
@@ -25972,6 +27718,12 @@
 </ct:contentTypeSchema>
 </file>
 
+<file path=customXml/item2.xml><?xml version="1.0" encoding="utf-8"?>
+<p:properties xmlns:p="http://schemas.microsoft.com/office/2006/metadata/properties" xmlns:xsi="http://www.w3.org/2001/XMLSchema-instance" xmlns:pc="http://schemas.microsoft.com/office/infopath/2007/PartnerControls">
+  <documentManagement/>
+</p:properties>
+</file>
+
 <file path=customXml/item3.xml><?xml version="1.0" encoding="utf-8"?>
 <?mso-contentType ?>
 <FormTemplates xmlns="http://schemas.microsoft.com/sharepoint/v3/contenttype/forms">
@@ -25982,23 +27734,6 @@
 </file>
 
 <file path=customXml/itemProps1.xml><?xml version="1.0" encoding="utf-8"?>
-<ds:datastoreItem xmlns:ds="http://schemas.openxmlformats.org/officeDocument/2006/customXml" ds:itemID="{7972C250-C430-4380-B8BD-02E395B67AF0}">
-  <ds:schemaRefs>
-    <ds:schemaRef ds:uri="http://purl.org/dc/dcmitype/"/>
-    <ds:schemaRef ds:uri="http://purl.org/dc/terms/"/>
-    <ds:schemaRef ds:uri="http://schemas.openxmlformats.org/package/2006/metadata/core-properties"/>
-    <ds:schemaRef ds:uri="http://schemas.microsoft.com/office/2006/documentManagement/types"/>
-    <ds:schemaRef ds:uri="http://www.w3.org/XML/1998/namespace"/>
-    <ds:schemaRef ds:uri="http://schemas.microsoft.com/office/infopath/2007/PartnerControls"/>
-    <ds:schemaRef ds:uri="http://purl.org/dc/elements/1.1/"/>
-    <ds:schemaRef ds:uri="86822d51-02f5-488a-80f3-0b621e7c317a"/>
-    <ds:schemaRef ds:uri="1f168f81-3f83-4b33-9f0c-ec152bce3f98"/>
-    <ds:schemaRef ds:uri="http://schemas.microsoft.com/office/2006/metadata/properties"/>
-  </ds:schemaRefs>
-</ds:datastoreItem>
-</file>
-
-<file path=customXml/itemProps2.xml><?xml version="1.0" encoding="utf-8"?>
 <ds:datastoreItem xmlns:ds="http://schemas.openxmlformats.org/officeDocument/2006/customXml" ds:itemID="{ED87D459-01C6-46F3-85EB-8A8AB455C67D}">
   <ds:schemaRefs>
     <ds:schemaRef ds:uri="http://schemas.microsoft.com/office/2006/metadata/contentType"/>
@@ -26017,6 +27752,23 @@
 </ds:datastoreItem>
 </file>
 
+<file path=customXml/itemProps2.xml><?xml version="1.0" encoding="utf-8"?>
+<ds:datastoreItem xmlns:ds="http://schemas.openxmlformats.org/officeDocument/2006/customXml" ds:itemID="{7972C250-C430-4380-B8BD-02E395B67AF0}">
+  <ds:schemaRefs>
+    <ds:schemaRef ds:uri="http://purl.org/dc/dcmitype/"/>
+    <ds:schemaRef ds:uri="http://purl.org/dc/terms/"/>
+    <ds:schemaRef ds:uri="http://schemas.openxmlformats.org/package/2006/metadata/core-properties"/>
+    <ds:schemaRef ds:uri="http://schemas.microsoft.com/office/2006/documentManagement/types"/>
+    <ds:schemaRef ds:uri="http://www.w3.org/XML/1998/namespace"/>
+    <ds:schemaRef ds:uri="http://schemas.microsoft.com/office/infopath/2007/PartnerControls"/>
+    <ds:schemaRef ds:uri="http://purl.org/dc/elements/1.1/"/>
+    <ds:schemaRef ds:uri="86822d51-02f5-488a-80f3-0b621e7c317a"/>
+    <ds:schemaRef ds:uri="1f168f81-3f83-4b33-9f0c-ec152bce3f98"/>
+    <ds:schemaRef ds:uri="http://schemas.microsoft.com/office/2006/metadata/properties"/>
+  </ds:schemaRefs>
+</ds:datastoreItem>
+</file>
+
 <file path=customXml/itemProps3.xml><?xml version="1.0" encoding="utf-8"?>
 <ds:datastoreItem xmlns:ds="http://schemas.openxmlformats.org/officeDocument/2006/customXml" ds:itemID="{E12B114C-EB44-46E6-930B-B69E30F6F9AE}">
   <ds:schemaRefs>

--- a/MONITORAMENTO/Documentação/PPTs/Cold Stock Apresentação - Sprint 2.pptx
+++ b/MONITORAMENTO/Documentação/PPTs/Cold Stock Apresentação - Sprint 2.pptx
@@ -17,13 +17,14 @@
     <p:sldId id="269" r:id="rId14"/>
     <p:sldId id="270" r:id="rId15"/>
     <p:sldId id="265" r:id="rId16"/>
-    <p:sldId id="271" r:id="rId17"/>
-    <p:sldId id="272" r:id="rId18"/>
-    <p:sldId id="273" r:id="rId19"/>
-    <p:sldId id="274" r:id="rId20"/>
-    <p:sldId id="275" r:id="rId21"/>
-    <p:sldId id="276" r:id="rId22"/>
-    <p:sldId id="267" r:id="rId23"/>
+    <p:sldId id="277" r:id="rId17"/>
+    <p:sldId id="271" r:id="rId18"/>
+    <p:sldId id="272" r:id="rId19"/>
+    <p:sldId id="273" r:id="rId20"/>
+    <p:sldId id="274" r:id="rId21"/>
+    <p:sldId id="275" r:id="rId22"/>
+    <p:sldId id="276" r:id="rId23"/>
+    <p:sldId id="267" r:id="rId24"/>
   </p:sldIdLst>
   <p:sldSz cx="12192000" cy="6858000"/>
   <p:notesSz cx="6858000" cy="9144000"/>
@@ -271,7 +272,7 @@
           <a:p>
             <a:fld id="{47278C1A-96D6-4232-9F36-8FBD0594C554}" type="datetimeFigureOut">
               <a:rPr lang="pt-BR" smtClean="0"/>
-              <a:t>26/10/2020</a:t>
+              <a:t>27/10/2020</a:t>
             </a:fld>
             <a:endParaRPr lang="pt-BR"/>
           </a:p>
@@ -439,7 +440,7 @@
           <a:p>
             <a:fld id="{47278C1A-96D6-4232-9F36-8FBD0594C554}" type="datetimeFigureOut">
               <a:rPr lang="pt-BR" smtClean="0"/>
-              <a:t>26/10/2020</a:t>
+              <a:t>27/10/2020</a:t>
             </a:fld>
             <a:endParaRPr lang="pt-BR"/>
           </a:p>
@@ -617,7 +618,7 @@
           <a:p>
             <a:fld id="{47278C1A-96D6-4232-9F36-8FBD0594C554}" type="datetimeFigureOut">
               <a:rPr lang="pt-BR" smtClean="0"/>
-              <a:t>26/10/2020</a:t>
+              <a:t>27/10/2020</a:t>
             </a:fld>
             <a:endParaRPr lang="pt-BR"/>
           </a:p>
@@ -785,7 +786,7 @@
           <a:p>
             <a:fld id="{47278C1A-96D6-4232-9F36-8FBD0594C554}" type="datetimeFigureOut">
               <a:rPr lang="pt-BR" smtClean="0"/>
-              <a:t>26/10/2020</a:t>
+              <a:t>27/10/2020</a:t>
             </a:fld>
             <a:endParaRPr lang="pt-BR"/>
           </a:p>
@@ -1030,7 +1031,7 @@
           <a:p>
             <a:fld id="{47278C1A-96D6-4232-9F36-8FBD0594C554}" type="datetimeFigureOut">
               <a:rPr lang="pt-BR" smtClean="0"/>
-              <a:t>26/10/2020</a:t>
+              <a:t>27/10/2020</a:t>
             </a:fld>
             <a:endParaRPr lang="pt-BR"/>
           </a:p>
@@ -1259,7 +1260,7 @@
           <a:p>
             <a:fld id="{47278C1A-96D6-4232-9F36-8FBD0594C554}" type="datetimeFigureOut">
               <a:rPr lang="pt-BR" smtClean="0"/>
-              <a:t>26/10/2020</a:t>
+              <a:t>27/10/2020</a:t>
             </a:fld>
             <a:endParaRPr lang="pt-BR"/>
           </a:p>
@@ -1623,7 +1624,7 @@
           <a:p>
             <a:fld id="{47278C1A-96D6-4232-9F36-8FBD0594C554}" type="datetimeFigureOut">
               <a:rPr lang="pt-BR" smtClean="0"/>
-              <a:t>26/10/2020</a:t>
+              <a:t>27/10/2020</a:t>
             </a:fld>
             <a:endParaRPr lang="pt-BR"/>
           </a:p>
@@ -1740,7 +1741,7 @@
           <a:p>
             <a:fld id="{47278C1A-96D6-4232-9F36-8FBD0594C554}" type="datetimeFigureOut">
               <a:rPr lang="pt-BR" smtClean="0"/>
-              <a:t>26/10/2020</a:t>
+              <a:t>27/10/2020</a:t>
             </a:fld>
             <a:endParaRPr lang="pt-BR"/>
           </a:p>
@@ -1835,7 +1836,7 @@
           <a:p>
             <a:fld id="{47278C1A-96D6-4232-9F36-8FBD0594C554}" type="datetimeFigureOut">
               <a:rPr lang="pt-BR" smtClean="0"/>
-              <a:t>26/10/2020</a:t>
+              <a:t>27/10/2020</a:t>
             </a:fld>
             <a:endParaRPr lang="pt-BR"/>
           </a:p>
@@ -2110,7 +2111,7 @@
           <a:p>
             <a:fld id="{47278C1A-96D6-4232-9F36-8FBD0594C554}" type="datetimeFigureOut">
               <a:rPr lang="pt-BR" smtClean="0"/>
-              <a:t>26/10/2020</a:t>
+              <a:t>27/10/2020</a:t>
             </a:fld>
             <a:endParaRPr lang="pt-BR"/>
           </a:p>
@@ -2362,7 +2363,7 @@
           <a:p>
             <a:fld id="{47278C1A-96D6-4232-9F36-8FBD0594C554}" type="datetimeFigureOut">
               <a:rPr lang="pt-BR" smtClean="0"/>
-              <a:t>26/10/2020</a:t>
+              <a:t>27/10/2020</a:t>
             </a:fld>
             <a:endParaRPr lang="pt-BR"/>
           </a:p>
@@ -2573,7 +2574,7 @@
           <a:p>
             <a:fld id="{47278C1A-96D6-4232-9F36-8FBD0594C554}" type="datetimeFigureOut">
               <a:rPr lang="pt-BR" smtClean="0"/>
-              <a:t>26/10/2020</a:t>
+              <a:t>27/10/2020</a:t>
             </a:fld>
             <a:endParaRPr lang="pt-BR"/>
           </a:p>
@@ -3307,7 +3308,7 @@
                     <a14:useLocalDpi xmlns:a14="http://schemas.microsoft.com/office/drawing/2010/main" val="0"/>
                   </a:ext>
                   <a:ext uri="{96DAC541-7B7A-43D3-8B79-37D633B846F1}">
-                    <asvg:svgBlip xmlns:asvg="http://schemas.microsoft.com/office/drawing/2016/SVG/main" xmlns="" r:embed="rId3"/>
+                    <asvg:svgBlip xmlns="" xmlns:asvg="http://schemas.microsoft.com/office/drawing/2016/SVG/main" r:embed="rId3"/>
                   </a:ext>
                 </a:extLst>
               </a:blip>
@@ -4206,7 +4207,7 @@
                     <a14:useLocalDpi xmlns:a14="http://schemas.microsoft.com/office/drawing/2010/main" val="0"/>
                   </a:ext>
                   <a:ext uri="{96DAC541-7B7A-43D3-8B79-37D633B846F1}">
-                    <asvg:svgBlip xmlns:asvg="http://schemas.microsoft.com/office/drawing/2016/SVG/main" xmlns="" r:embed="rId3"/>
+                    <asvg:svgBlip xmlns="" xmlns:asvg="http://schemas.microsoft.com/office/drawing/2016/SVG/main" r:embed="rId3"/>
                   </a:ext>
                 </a:extLst>
               </a:blip>
@@ -4796,7 +4797,7 @@
                     <a14:useLocalDpi xmlns:a14="http://schemas.microsoft.com/office/drawing/2010/main" val="0"/>
                   </a:ext>
                   <a:ext uri="{96DAC541-7B7A-43D3-8B79-37D633B846F1}">
-                    <asvg:svgBlip xmlns:asvg="http://schemas.microsoft.com/office/drawing/2016/SVG/main" xmlns="" r:embed="rId3"/>
+                    <asvg:svgBlip xmlns="" xmlns:asvg="http://schemas.microsoft.com/office/drawing/2016/SVG/main" r:embed="rId3"/>
                   </a:ext>
                 </a:extLst>
               </a:blip>
@@ -5327,13 +5328,13 @@
             <a:p>
               <a:pPr algn="ctr"/>
               <a:r>
-                <a:rPr lang="pt-BR" sz="5400" dirty="0" err="1">
+                <a:rPr lang="pt-BR" sz="5400" dirty="0" smtClean="0">
                   <a:solidFill>
                     <a:srgbClr val="3AAFA9"/>
                   </a:solidFill>
                   <a:latin typeface="Montserrat SemiBold" panose="00000700000000000000" pitchFamily="2" charset="0"/>
                 </a:rPr>
-                <a:t>APIs</a:t>
+                <a:t>Modelagem</a:t>
               </a:r>
               <a:endParaRPr lang="pt-BR" sz="5400" dirty="0">
                 <a:solidFill>
@@ -5469,7 +5470,7 @@
                     <a14:useLocalDpi xmlns:a14="http://schemas.microsoft.com/office/drawing/2010/main" val="0"/>
                   </a:ext>
                   <a:ext uri="{96DAC541-7B7A-43D3-8B79-37D633B846F1}">
-                    <asvg:svgBlip xmlns:asvg="http://schemas.microsoft.com/office/drawing/2016/SVG/main" xmlns="" r:embed="rId3"/>
+                    <asvg:svgBlip xmlns="" xmlns:asvg="http://schemas.microsoft.com/office/drawing/2016/SVG/main" r:embed="rId3"/>
                   </a:ext>
                 </a:extLst>
               </a:blip>
@@ -5643,6 +5644,543 @@
           </a:p>
         </p:txBody>
       </p:sp>
+      <p:pic>
+        <p:nvPicPr>
+          <p:cNvPr id="3" name="Imagem 2"/>
+          <p:cNvPicPr>
+            <a:picLocks noChangeAspect="1"/>
+          </p:cNvPicPr>
+          <p:nvPr/>
+        </p:nvPicPr>
+        <p:blipFill>
+          <a:blip r:embed="rId5"/>
+          <a:stretch>
+            <a:fillRect/>
+          </a:stretch>
+        </p:blipFill>
+        <p:spPr>
+          <a:xfrm>
+            <a:off x="2076450" y="1302201"/>
+            <a:ext cx="8039100" cy="5238750"/>
+          </a:xfrm>
+          <a:prstGeom prst="rect">
+            <a:avLst/>
+          </a:prstGeom>
+        </p:spPr>
+      </p:pic>
+    </p:spTree>
+    <p:extLst>
+      <p:ext uri="{BB962C8B-B14F-4D97-AF65-F5344CB8AC3E}">
+        <p14:creationId xmlns:p14="http://schemas.microsoft.com/office/powerpoint/2010/main" val="3589048794"/>
+      </p:ext>
+    </p:extLst>
+  </p:cSld>
+  <p:clrMapOvr>
+    <a:masterClrMapping/>
+  </p:clrMapOvr>
+  <p:timing>
+    <p:tnLst>
+      <p:par>
+        <p:cTn id="1" dur="indefinite" restart="never" nodeType="tmRoot">
+          <p:childTnLst>
+            <p:seq concurrent="1" nextAc="seek">
+              <p:cTn id="2" dur="indefinite" nodeType="mainSeq">
+                <p:childTnLst>
+                  <p:par>
+                    <p:cTn id="3" fill="hold">
+                      <p:stCondLst>
+                        <p:cond delay="indefinite"/>
+                        <p:cond evt="onBegin" delay="0">
+                          <p:tn val="2"/>
+                        </p:cond>
+                      </p:stCondLst>
+                      <p:childTnLst>
+                        <p:par>
+                          <p:cTn id="4" fill="hold">
+                            <p:stCondLst>
+                              <p:cond delay="0"/>
+                            </p:stCondLst>
+                            <p:childTnLst>
+                              <p:par>
+                                <p:cTn id="5" presetID="53" presetClass="entr" presetSubtype="16" fill="hold" nodeType="afterEffect">
+                                  <p:stCondLst>
+                                    <p:cond delay="0"/>
+                                  </p:stCondLst>
+                                  <p:childTnLst>
+                                    <p:set>
+                                      <p:cBhvr>
+                                        <p:cTn id="6" dur="1" fill="hold">
+                                          <p:stCondLst>
+                                            <p:cond delay="0"/>
+                                          </p:stCondLst>
+                                        </p:cTn>
+                                        <p:tgtEl>
+                                          <p:spTgt spid="4"/>
+                                        </p:tgtEl>
+                                        <p:attrNameLst>
+                                          <p:attrName>style.visibility</p:attrName>
+                                        </p:attrNameLst>
+                                      </p:cBhvr>
+                                      <p:to>
+                                        <p:strVal val="visible"/>
+                                      </p:to>
+                                    </p:set>
+                                    <p:anim calcmode="lin" valueType="num">
+                                      <p:cBhvr>
+                                        <p:cTn id="7" dur="500" fill="hold"/>
+                                        <p:tgtEl>
+                                          <p:spTgt spid="4"/>
+                                        </p:tgtEl>
+                                        <p:attrNameLst>
+                                          <p:attrName>ppt_w</p:attrName>
+                                        </p:attrNameLst>
+                                      </p:cBhvr>
+                                      <p:tavLst>
+                                        <p:tav tm="0">
+                                          <p:val>
+                                            <p:fltVal val="0"/>
+                                          </p:val>
+                                        </p:tav>
+                                        <p:tav tm="100000">
+                                          <p:val>
+                                            <p:strVal val="#ppt_w"/>
+                                          </p:val>
+                                        </p:tav>
+                                      </p:tavLst>
+                                    </p:anim>
+                                    <p:anim calcmode="lin" valueType="num">
+                                      <p:cBhvr>
+                                        <p:cTn id="8" dur="500" fill="hold"/>
+                                        <p:tgtEl>
+                                          <p:spTgt spid="4"/>
+                                        </p:tgtEl>
+                                        <p:attrNameLst>
+                                          <p:attrName>ppt_h</p:attrName>
+                                        </p:attrNameLst>
+                                      </p:cBhvr>
+                                      <p:tavLst>
+                                        <p:tav tm="0">
+                                          <p:val>
+                                            <p:fltVal val="0"/>
+                                          </p:val>
+                                        </p:tav>
+                                        <p:tav tm="100000">
+                                          <p:val>
+                                            <p:strVal val="#ppt_h"/>
+                                          </p:val>
+                                        </p:tav>
+                                      </p:tavLst>
+                                    </p:anim>
+                                    <p:animEffect transition="in" filter="fade">
+                                      <p:cBhvr>
+                                        <p:cTn id="9" dur="500"/>
+                                        <p:tgtEl>
+                                          <p:spTgt spid="4"/>
+                                        </p:tgtEl>
+                                      </p:cBhvr>
+                                    </p:animEffect>
+                                  </p:childTnLst>
+                                </p:cTn>
+                              </p:par>
+                            </p:childTnLst>
+                          </p:cTn>
+                        </p:par>
+                        <p:par>
+                          <p:cTn id="10" fill="hold">
+                            <p:stCondLst>
+                              <p:cond delay="500"/>
+                            </p:stCondLst>
+                            <p:childTnLst>
+                              <p:par>
+                                <p:cTn id="11" presetID="10" presetClass="entr" presetSubtype="0" fill="hold" nodeType="afterEffect">
+                                  <p:stCondLst>
+                                    <p:cond delay="0"/>
+                                  </p:stCondLst>
+                                  <p:childTnLst>
+                                    <p:set>
+                                      <p:cBhvr>
+                                        <p:cTn id="12" dur="1" fill="hold">
+                                          <p:stCondLst>
+                                            <p:cond delay="0"/>
+                                          </p:stCondLst>
+                                        </p:cTn>
+                                        <p:tgtEl>
+                                          <p:spTgt spid="3"/>
+                                        </p:tgtEl>
+                                        <p:attrNameLst>
+                                          <p:attrName>style.visibility</p:attrName>
+                                        </p:attrNameLst>
+                                      </p:cBhvr>
+                                      <p:to>
+                                        <p:strVal val="visible"/>
+                                      </p:to>
+                                    </p:set>
+                                    <p:animEffect transition="in" filter="fade">
+                                      <p:cBhvr>
+                                        <p:cTn id="13" dur="1000"/>
+                                        <p:tgtEl>
+                                          <p:spTgt spid="3"/>
+                                        </p:tgtEl>
+                                      </p:cBhvr>
+                                    </p:animEffect>
+                                  </p:childTnLst>
+                                </p:cTn>
+                              </p:par>
+                            </p:childTnLst>
+                          </p:cTn>
+                        </p:par>
+                      </p:childTnLst>
+                    </p:cTn>
+                  </p:par>
+                </p:childTnLst>
+              </p:cTn>
+              <p:prevCondLst>
+                <p:cond evt="onPrev" delay="0">
+                  <p:tgtEl>
+                    <p:sldTgt/>
+                  </p:tgtEl>
+                </p:cond>
+              </p:prevCondLst>
+              <p:nextCondLst>
+                <p:cond evt="onNext" delay="0">
+                  <p:tgtEl>
+                    <p:sldTgt/>
+                  </p:tgtEl>
+                </p:cond>
+              </p:nextCondLst>
+            </p:seq>
+          </p:childTnLst>
+        </p:cTn>
+      </p:par>
+    </p:tnLst>
+  </p:timing>
+</p:sld>
+</file>
+
+<file path=ppt/slides/slide13.xml><?xml version="1.0" encoding="utf-8"?>
+<p:sld xmlns:a="http://schemas.openxmlformats.org/drawingml/2006/main" xmlns:r="http://schemas.openxmlformats.org/officeDocument/2006/relationships" xmlns:p="http://schemas.openxmlformats.org/presentationml/2006/main">
+  <p:cSld>
+    <p:spTree>
+      <p:nvGrpSpPr>
+        <p:cNvPr id="1" name=""/>
+        <p:cNvGrpSpPr/>
+        <p:nvPr/>
+      </p:nvGrpSpPr>
+      <p:grpSpPr>
+        <a:xfrm>
+          <a:off x="0" y="0"/>
+          <a:ext cx="0" cy="0"/>
+          <a:chOff x="0" y="0"/>
+          <a:chExt cx="0" cy="0"/>
+        </a:xfrm>
+      </p:grpSpPr>
+      <p:grpSp>
+        <p:nvGrpSpPr>
+          <p:cNvPr id="4" name="Agrupar 3">
+            <a:extLst>
+              <a:ext uri="{FF2B5EF4-FFF2-40B4-BE49-F238E27FC236}">
+                <a16:creationId xmlns:a16="http://schemas.microsoft.com/office/drawing/2014/main" id="{CF19D031-129C-4403-89C9-402CECE5548A}"/>
+              </a:ext>
+            </a:extLst>
+          </p:cNvPr>
+          <p:cNvGrpSpPr/>
+          <p:nvPr/>
+        </p:nvGrpSpPr>
+        <p:grpSpPr>
+          <a:xfrm>
+            <a:off x="1563819" y="150271"/>
+            <a:ext cx="9064363" cy="1127441"/>
+            <a:chOff x="1563819" y="150271"/>
+            <a:chExt cx="9064363" cy="1127441"/>
+          </a:xfrm>
+        </p:grpSpPr>
+        <p:sp>
+          <p:nvSpPr>
+            <p:cNvPr id="5" name="CaixaDeTexto 4">
+              <a:extLst>
+                <a:ext uri="{FF2B5EF4-FFF2-40B4-BE49-F238E27FC236}">
+                  <a16:creationId xmlns:a16="http://schemas.microsoft.com/office/drawing/2014/main" id="{48389BA0-EB7A-4D9C-A020-EE7E30785F15}"/>
+                </a:ext>
+              </a:extLst>
+            </p:cNvPr>
+            <p:cNvSpPr txBox="1"/>
+            <p:nvPr/>
+          </p:nvSpPr>
+          <p:spPr>
+            <a:xfrm>
+              <a:off x="1563819" y="150271"/>
+              <a:ext cx="9064363" cy="923330"/>
+            </a:xfrm>
+            <a:prstGeom prst="rect">
+              <a:avLst/>
+            </a:prstGeom>
+            <a:noFill/>
+          </p:spPr>
+          <p:txBody>
+            <a:bodyPr wrap="square" rtlCol="0">
+              <a:spAutoFit/>
+            </a:bodyPr>
+            <a:lstStyle/>
+            <a:p>
+              <a:pPr algn="ctr"/>
+              <a:r>
+                <a:rPr lang="pt-BR" sz="5400" dirty="0" err="1">
+                  <a:solidFill>
+                    <a:srgbClr val="3AAFA9"/>
+                  </a:solidFill>
+                  <a:latin typeface="Montserrat SemiBold" panose="00000700000000000000" pitchFamily="2" charset="0"/>
+                </a:rPr>
+                <a:t>APIs</a:t>
+              </a:r>
+              <a:endParaRPr lang="pt-BR" sz="5400" dirty="0">
+                <a:solidFill>
+                  <a:srgbClr val="3AAFA9"/>
+                </a:solidFill>
+                <a:latin typeface="Montserrat SemiBold" panose="00000700000000000000" pitchFamily="2" charset="0"/>
+              </a:endParaRPr>
+            </a:p>
+          </p:txBody>
+        </p:sp>
+        <p:grpSp>
+          <p:nvGrpSpPr>
+            <p:cNvPr id="6" name="Agrupar 5">
+              <a:extLst>
+                <a:ext uri="{FF2B5EF4-FFF2-40B4-BE49-F238E27FC236}">
+                  <a16:creationId xmlns:a16="http://schemas.microsoft.com/office/drawing/2014/main" id="{37C7C3AC-9700-4BE7-A4EF-2491564D8BC3}"/>
+                </a:ext>
+              </a:extLst>
+            </p:cNvPr>
+            <p:cNvGrpSpPr/>
+            <p:nvPr/>
+          </p:nvGrpSpPr>
+          <p:grpSpPr>
+            <a:xfrm>
+              <a:off x="3329674" y="820512"/>
+              <a:ext cx="5532653" cy="457200"/>
+              <a:chOff x="3338450" y="732746"/>
+              <a:chExt cx="5532653" cy="457200"/>
+            </a:xfrm>
+          </p:grpSpPr>
+          <p:cxnSp>
+            <p:nvCxnSpPr>
+              <p:cNvPr id="7" name="Conector reto 6">
+                <a:extLst>
+                  <a:ext uri="{FF2B5EF4-FFF2-40B4-BE49-F238E27FC236}">
+                    <a16:creationId xmlns:a16="http://schemas.microsoft.com/office/drawing/2014/main" id="{EDE2D347-7CE7-44BA-853C-67CE632ED9A2}"/>
+                  </a:ext>
+                </a:extLst>
+              </p:cNvPr>
+              <p:cNvCxnSpPr>
+                <a:cxnSpLocks/>
+              </p:cNvCxnSpPr>
+              <p:nvPr/>
+            </p:nvCxnSpPr>
+            <p:spPr>
+              <a:xfrm>
+                <a:off x="6351103" y="961346"/>
+                <a:ext cx="2520000" cy="0"/>
+              </a:xfrm>
+              <a:prstGeom prst="line">
+                <a:avLst/>
+              </a:prstGeom>
+              <a:ln w="38100">
+                <a:solidFill>
+                  <a:srgbClr val="2B7A78"/>
+                </a:solidFill>
+              </a:ln>
+            </p:spPr>
+            <p:style>
+              <a:lnRef idx="1">
+                <a:schemeClr val="accent1"/>
+              </a:lnRef>
+              <a:fillRef idx="0">
+                <a:schemeClr val="accent1"/>
+              </a:fillRef>
+              <a:effectRef idx="0">
+                <a:schemeClr val="accent1"/>
+              </a:effectRef>
+              <a:fontRef idx="minor">
+                <a:schemeClr val="tx1"/>
+              </a:fontRef>
+            </p:style>
+          </p:cxnSp>
+          <p:cxnSp>
+            <p:nvCxnSpPr>
+              <p:cNvPr id="8" name="Conector reto 7">
+                <a:extLst>
+                  <a:ext uri="{FF2B5EF4-FFF2-40B4-BE49-F238E27FC236}">
+                    <a16:creationId xmlns:a16="http://schemas.microsoft.com/office/drawing/2014/main" id="{A1B1770C-9267-424E-89CC-A52F46C4A616}"/>
+                  </a:ext>
+                </a:extLst>
+              </p:cNvPr>
+              <p:cNvCxnSpPr/>
+              <p:nvPr/>
+            </p:nvCxnSpPr>
+            <p:spPr>
+              <a:xfrm>
+                <a:off x="3338450" y="961346"/>
+                <a:ext cx="2520000" cy="0"/>
+              </a:xfrm>
+              <a:prstGeom prst="line">
+                <a:avLst/>
+              </a:prstGeom>
+              <a:ln w="38100">
+                <a:solidFill>
+                  <a:srgbClr val="2B7A78"/>
+                </a:solidFill>
+              </a:ln>
+            </p:spPr>
+            <p:style>
+              <a:lnRef idx="1">
+                <a:schemeClr val="accent1"/>
+              </a:lnRef>
+              <a:fillRef idx="0">
+                <a:schemeClr val="accent1"/>
+              </a:fillRef>
+              <a:effectRef idx="0">
+                <a:schemeClr val="accent1"/>
+              </a:effectRef>
+              <a:fontRef idx="minor">
+                <a:schemeClr val="tx1"/>
+              </a:fontRef>
+            </p:style>
+          </p:cxnSp>
+          <p:pic>
+            <p:nvPicPr>
+              <p:cNvPr id="9" name="Gráfico 16" descr="Floco de Neve">
+                <a:extLst>
+                  <a:ext uri="{FF2B5EF4-FFF2-40B4-BE49-F238E27FC236}">
+                    <a16:creationId xmlns:a16="http://schemas.microsoft.com/office/drawing/2014/main" id="{7032740E-2F78-4501-AA3B-231B3A993B95}"/>
+                  </a:ext>
+                </a:extLst>
+              </p:cNvPr>
+              <p:cNvPicPr>
+                <a:picLocks noChangeAspect="1"/>
+              </p:cNvPicPr>
+              <p:nvPr/>
+            </p:nvPicPr>
+            <p:blipFill>
+              <a:blip r:embed="rId2" cstate="print">
+                <a:extLst>
+                  <a:ext uri="{28A0092B-C50C-407E-A947-70E740481C1C}">
+                    <a14:useLocalDpi xmlns:a14="http://schemas.microsoft.com/office/drawing/2010/main" val="0"/>
+                  </a:ext>
+                  <a:ext uri="{96DAC541-7B7A-43D3-8B79-37D633B846F1}">
+                    <asvg:svgBlip xmlns="" xmlns:asvg="http://schemas.microsoft.com/office/drawing/2016/SVG/main" r:embed="rId3"/>
+                  </a:ext>
+                </a:extLst>
+              </a:blip>
+              <a:stretch>
+                <a:fillRect/>
+              </a:stretch>
+            </p:blipFill>
+            <p:spPr>
+              <a:xfrm>
+                <a:off x="5864116" y="732746"/>
+                <a:ext cx="457200" cy="457200"/>
+              </a:xfrm>
+              <a:prstGeom prst="rect">
+                <a:avLst/>
+              </a:prstGeom>
+            </p:spPr>
+          </p:pic>
+        </p:grpSp>
+      </p:grpSp>
+      <p:sp>
+        <p:nvSpPr>
+          <p:cNvPr id="10" name="Seta: Pentágono 28">
+            <a:extLst>
+              <a:ext uri="{FF2B5EF4-FFF2-40B4-BE49-F238E27FC236}">
+                <a16:creationId xmlns:a16="http://schemas.microsoft.com/office/drawing/2014/main" id="{AF2875AE-D373-48D9-BC7D-1602CCDD82BC}"/>
+              </a:ext>
+            </a:extLst>
+          </p:cNvPr>
+          <p:cNvSpPr/>
+          <p:nvPr/>
+        </p:nvSpPr>
+        <p:spPr>
+          <a:xfrm>
+            <a:off x="-2527" y="0"/>
+            <a:ext cx="1440000" cy="858157"/>
+          </a:xfrm>
+          <a:prstGeom prst="homePlate">
+            <a:avLst/>
+          </a:prstGeom>
+          <a:solidFill>
+            <a:srgbClr val="17252A"/>
+          </a:solidFill>
+          <a:ln>
+            <a:noFill/>
+          </a:ln>
+          <a:effectLst>
+            <a:outerShdw blurRad="203200" dist="38100" dir="2700000" algn="tl" rotWithShape="0">
+              <a:prstClr val="black">
+                <a:alpha val="34000"/>
+              </a:prstClr>
+            </a:outerShdw>
+          </a:effectLst>
+        </p:spPr>
+        <p:style>
+          <a:lnRef idx="2">
+            <a:schemeClr val="accent1">
+              <a:shade val="50000"/>
+            </a:schemeClr>
+          </a:lnRef>
+          <a:fillRef idx="1">
+            <a:schemeClr val="accent1"/>
+          </a:fillRef>
+          <a:effectRef idx="0">
+            <a:schemeClr val="accent1"/>
+          </a:effectRef>
+          <a:fontRef idx="minor">
+            <a:schemeClr val="lt1"/>
+          </a:fontRef>
+        </p:style>
+        <p:txBody>
+          <a:bodyPr rtlCol="0" anchor="ctr"/>
+          <a:lstStyle/>
+          <a:p>
+            <a:pPr algn="ctr"/>
+            <a:endParaRPr lang="pt-BR"/>
+          </a:p>
+        </p:txBody>
+      </p:sp>
+      <p:pic>
+        <p:nvPicPr>
+          <p:cNvPr id="11" name="Imagem 10" descr="Uma imagem contendo gráfico, desenho&#10;&#10;Descrição gerada automaticamente">
+            <a:extLst>
+              <a:ext uri="{FF2B5EF4-FFF2-40B4-BE49-F238E27FC236}">
+                <a16:creationId xmlns:a16="http://schemas.microsoft.com/office/drawing/2014/main" id="{BB59CEA4-075F-430D-9973-2704A2E495AA}"/>
+              </a:ext>
+            </a:extLst>
+          </p:cNvPr>
+          <p:cNvPicPr>
+            <a:picLocks noChangeAspect="1"/>
+          </p:cNvPicPr>
+          <p:nvPr/>
+        </p:nvPicPr>
+        <p:blipFill>
+          <a:blip r:embed="rId4" cstate="print">
+            <a:extLst>
+              <a:ext uri="{28A0092B-C50C-407E-A947-70E740481C1C}">
+                <a14:useLocalDpi xmlns:a14="http://schemas.microsoft.com/office/drawing/2010/main" val="0"/>
+              </a:ext>
+            </a:extLst>
+          </a:blip>
+          <a:stretch>
+            <a:fillRect/>
+          </a:stretch>
+        </p:blipFill>
+        <p:spPr>
+          <a:xfrm>
+            <a:off x="215347" y="85278"/>
+            <a:ext cx="687600" cy="687600"/>
+          </a:xfrm>
+          <a:prstGeom prst="rect">
+            <a:avLst/>
+          </a:prstGeom>
+        </p:spPr>
+      </p:pic>
       <p:sp>
         <p:nvSpPr>
           <p:cNvPr id="19" name="Elipse 18">
@@ -6675,10 +7213,69 @@
           </p:spPr>
         </p:pic>
       </p:grpSp>
+      <p:sp>
+        <p:nvSpPr>
+          <p:cNvPr id="45" name="Triângulo Retângulo 44">
+            <a:extLst>
+              <a:ext uri="{FF2B5EF4-FFF2-40B4-BE49-F238E27FC236}">
+                <a16:creationId xmlns:a16="http://schemas.microsoft.com/office/drawing/2014/main" id="{26DF48E9-18A1-45D2-8DFD-17F6C62711FC}"/>
+              </a:ext>
+            </a:extLst>
+          </p:cNvPr>
+          <p:cNvSpPr/>
+          <p:nvPr/>
+        </p:nvSpPr>
+        <p:spPr>
+          <a:xfrm flipH="1">
+            <a:off x="10969395" y="5654516"/>
+            <a:ext cx="1222605" cy="1203483"/>
+          </a:xfrm>
+          <a:prstGeom prst="rtTriangle">
+            <a:avLst/>
+          </a:prstGeom>
+          <a:solidFill>
+            <a:srgbClr val="2B7A78"/>
+          </a:solidFill>
+          <a:ln>
+            <a:noFill/>
+          </a:ln>
+          <a:effectLst>
+            <a:outerShdw blurRad="203200" dist="38100" dir="10800000" algn="r" rotWithShape="0">
+              <a:prstClr val="black">
+                <a:alpha val="34000"/>
+              </a:prstClr>
+            </a:outerShdw>
+          </a:effectLst>
+        </p:spPr>
+        <p:style>
+          <a:lnRef idx="2">
+            <a:schemeClr val="accent1">
+              <a:shade val="50000"/>
+            </a:schemeClr>
+          </a:lnRef>
+          <a:fillRef idx="1">
+            <a:schemeClr val="accent1"/>
+          </a:fillRef>
+          <a:effectRef idx="0">
+            <a:schemeClr val="accent1"/>
+          </a:effectRef>
+          <a:fontRef idx="minor">
+            <a:schemeClr val="lt1"/>
+          </a:fontRef>
+        </p:style>
+        <p:txBody>
+          <a:bodyPr rtlCol="0" anchor="ctr"/>
+          <a:lstStyle/>
+          <a:p>
+            <a:pPr algn="ctr"/>
+            <a:endParaRPr lang="pt-BR"/>
+          </a:p>
+        </p:txBody>
+      </p:sp>
     </p:spTree>
     <p:extLst>
       <p:ext uri="{BB962C8B-B14F-4D97-AF65-F5344CB8AC3E}">
-        <p14:creationId xmlns:p14="http://schemas.microsoft.com/office/powerpoint/2010/main" val="3589048794"/>
+        <p14:creationId xmlns:p14="http://schemas.microsoft.com/office/powerpoint/2010/main" val="2591072187"/>
       </p:ext>
     </p:extLst>
   </p:cSld>
@@ -7578,7 +8175,7 @@
 </p:sld>
 </file>
 
-<file path=ppt/slides/slide13.xml><?xml version="1.0" encoding="utf-8"?>
+<file path=ppt/slides/slide14.xml><?xml version="1.0" encoding="utf-8"?>
 <p:sld xmlns:a="http://schemas.openxmlformats.org/drawingml/2006/main" xmlns:r="http://schemas.openxmlformats.org/officeDocument/2006/relationships" xmlns:p="http://schemas.openxmlformats.org/presentationml/2006/main">
   <p:cSld>
     <p:spTree>
@@ -7690,65 +8287,6 @@
           </a:prstGeom>
         </p:spPr>
       </p:pic>
-      <p:sp>
-        <p:nvSpPr>
-          <p:cNvPr id="38" name="Triângulo Retângulo 37">
-            <a:extLst>
-              <a:ext uri="{FF2B5EF4-FFF2-40B4-BE49-F238E27FC236}">
-                <a16:creationId xmlns:a16="http://schemas.microsoft.com/office/drawing/2014/main" id="{26DF48E9-18A1-45D2-8DFD-17F6C62711FC}"/>
-              </a:ext>
-            </a:extLst>
-          </p:cNvPr>
-          <p:cNvSpPr/>
-          <p:nvPr/>
-        </p:nvSpPr>
-        <p:spPr>
-          <a:xfrm flipH="1">
-            <a:off x="10969395" y="5654516"/>
-            <a:ext cx="1222605" cy="1203483"/>
-          </a:xfrm>
-          <a:prstGeom prst="rtTriangle">
-            <a:avLst/>
-          </a:prstGeom>
-          <a:solidFill>
-            <a:srgbClr val="2B7A78"/>
-          </a:solidFill>
-          <a:ln>
-            <a:noFill/>
-          </a:ln>
-          <a:effectLst>
-            <a:outerShdw blurRad="203200" dist="38100" dir="10800000" algn="r" rotWithShape="0">
-              <a:prstClr val="black">
-                <a:alpha val="34000"/>
-              </a:prstClr>
-            </a:outerShdw>
-          </a:effectLst>
-        </p:spPr>
-        <p:style>
-          <a:lnRef idx="2">
-            <a:schemeClr val="accent1">
-              <a:shade val="50000"/>
-            </a:schemeClr>
-          </a:lnRef>
-          <a:fillRef idx="1">
-            <a:schemeClr val="accent1"/>
-          </a:fillRef>
-          <a:effectRef idx="0">
-            <a:schemeClr val="accent1"/>
-          </a:effectRef>
-          <a:fontRef idx="minor">
-            <a:schemeClr val="lt1"/>
-          </a:fontRef>
-        </p:style>
-        <p:txBody>
-          <a:bodyPr rtlCol="0" anchor="ctr"/>
-          <a:lstStyle/>
-          <a:p>
-            <a:pPr algn="ctr"/>
-            <a:endParaRPr lang="pt-BR"/>
-          </a:p>
-        </p:txBody>
-      </p:sp>
       <p:sp>
         <p:nvSpPr>
           <p:cNvPr id="39" name="CaixaDeTexto 38">
@@ -7912,7 +8450,7 @@
                 <a14:useLocalDpi xmlns:a14="http://schemas.microsoft.com/office/drawing/2010/main" val="0"/>
               </a:ext>
               <a:ext uri="{96DAC541-7B7A-43D3-8B79-37D633B846F1}">
-                <asvg:svgBlip xmlns:asvg="http://schemas.microsoft.com/office/drawing/2016/SVG/main" xmlns="" r:embed="rId4"/>
+                <asvg:svgBlip xmlns="" xmlns:asvg="http://schemas.microsoft.com/office/drawing/2016/SVG/main" r:embed="rId4"/>
               </a:ext>
             </a:extLst>
           </a:blip>
@@ -8527,6 +9065,65 @@
           </p:spPr>
         </p:pic>
       </p:grpSp>
+      <p:sp>
+        <p:nvSpPr>
+          <p:cNvPr id="25" name="Triângulo Retângulo 24">
+            <a:extLst>
+              <a:ext uri="{FF2B5EF4-FFF2-40B4-BE49-F238E27FC236}">
+                <a16:creationId xmlns:a16="http://schemas.microsoft.com/office/drawing/2014/main" id="{26DF48E9-18A1-45D2-8DFD-17F6C62711FC}"/>
+              </a:ext>
+            </a:extLst>
+          </p:cNvPr>
+          <p:cNvSpPr/>
+          <p:nvPr/>
+        </p:nvSpPr>
+        <p:spPr>
+          <a:xfrm>
+            <a:off x="-2527" y="5654515"/>
+            <a:ext cx="1222605" cy="1203483"/>
+          </a:xfrm>
+          <a:prstGeom prst="rtTriangle">
+            <a:avLst/>
+          </a:prstGeom>
+          <a:solidFill>
+            <a:srgbClr val="2B7A78"/>
+          </a:solidFill>
+          <a:ln>
+            <a:noFill/>
+          </a:ln>
+          <a:effectLst>
+            <a:outerShdw blurRad="203200" dist="38100" dir="10800000" algn="r" rotWithShape="0">
+              <a:prstClr val="black">
+                <a:alpha val="34000"/>
+              </a:prstClr>
+            </a:outerShdw>
+          </a:effectLst>
+        </p:spPr>
+        <p:style>
+          <a:lnRef idx="2">
+            <a:schemeClr val="accent1">
+              <a:shade val="50000"/>
+            </a:schemeClr>
+          </a:lnRef>
+          <a:fillRef idx="1">
+            <a:schemeClr val="accent1"/>
+          </a:fillRef>
+          <a:effectRef idx="0">
+            <a:schemeClr val="accent1"/>
+          </a:effectRef>
+          <a:fontRef idx="minor">
+            <a:schemeClr val="lt1"/>
+          </a:fontRef>
+        </p:style>
+        <p:txBody>
+          <a:bodyPr rtlCol="0" anchor="ctr"/>
+          <a:lstStyle/>
+          <a:p>
+            <a:pPr algn="ctr"/>
+            <a:endParaRPr lang="pt-BR"/>
+          </a:p>
+        </p:txBody>
+      </p:sp>
     </p:spTree>
     <p:extLst>
       <p:ext uri="{BB962C8B-B14F-4D97-AF65-F5344CB8AC3E}">
@@ -9447,7 +10044,7 @@
 </p:sld>
 </file>
 
-<file path=ppt/slides/slide14.xml><?xml version="1.0" encoding="utf-8"?>
+<file path=ppt/slides/slide15.xml><?xml version="1.0" encoding="utf-8"?>
 <p:sld xmlns:a="http://schemas.openxmlformats.org/drawingml/2006/main" xmlns:r="http://schemas.openxmlformats.org/officeDocument/2006/relationships" xmlns:p="http://schemas.openxmlformats.org/presentationml/2006/main">
   <p:cSld>
     <p:spTree>
@@ -9650,7 +10247,7 @@
                     <a14:useLocalDpi xmlns:a14="http://schemas.microsoft.com/office/drawing/2010/main" val="0"/>
                   </a:ext>
                   <a:ext uri="{96DAC541-7B7A-43D3-8B79-37D633B846F1}">
-                    <asvg:svgBlip xmlns:asvg="http://schemas.microsoft.com/office/drawing/2016/SVG/main" xmlns="" r:embed="rId3"/>
+                    <asvg:svgBlip xmlns="" xmlns:asvg="http://schemas.microsoft.com/office/drawing/2016/SVG/main" r:embed="rId3"/>
                   </a:ext>
                 </a:extLst>
               </a:blip>
@@ -10256,65 +10853,6 @@
           </p:spPr>
         </p:pic>
       </p:grpSp>
-      <p:sp>
-        <p:nvSpPr>
-          <p:cNvPr id="12" name="Triângulo Retângulo 11">
-            <a:extLst>
-              <a:ext uri="{FF2B5EF4-FFF2-40B4-BE49-F238E27FC236}">
-                <a16:creationId xmlns:a16="http://schemas.microsoft.com/office/drawing/2014/main" id="{26DF48E9-18A1-45D2-8DFD-17F6C62711FC}"/>
-              </a:ext>
-            </a:extLst>
-          </p:cNvPr>
-          <p:cNvSpPr/>
-          <p:nvPr/>
-        </p:nvSpPr>
-        <p:spPr>
-          <a:xfrm>
-            <a:off x="-2527" y="5654515"/>
-            <a:ext cx="1222605" cy="1203483"/>
-          </a:xfrm>
-          <a:prstGeom prst="rtTriangle">
-            <a:avLst/>
-          </a:prstGeom>
-          <a:solidFill>
-            <a:srgbClr val="2B7A78"/>
-          </a:solidFill>
-          <a:ln>
-            <a:noFill/>
-          </a:ln>
-          <a:effectLst>
-            <a:outerShdw blurRad="203200" dist="38100" dir="10800000" algn="r" rotWithShape="0">
-              <a:prstClr val="black">
-                <a:alpha val="34000"/>
-              </a:prstClr>
-            </a:outerShdw>
-          </a:effectLst>
-        </p:spPr>
-        <p:style>
-          <a:lnRef idx="2">
-            <a:schemeClr val="accent1">
-              <a:shade val="50000"/>
-            </a:schemeClr>
-          </a:lnRef>
-          <a:fillRef idx="1">
-            <a:schemeClr val="accent1"/>
-          </a:fillRef>
-          <a:effectRef idx="0">
-            <a:schemeClr val="accent1"/>
-          </a:effectRef>
-          <a:fontRef idx="minor">
-            <a:schemeClr val="lt1"/>
-          </a:fontRef>
-        </p:style>
-        <p:txBody>
-          <a:bodyPr rtlCol="0" anchor="ctr"/>
-          <a:lstStyle/>
-          <a:p>
-            <a:pPr algn="ctr"/>
-            <a:endParaRPr lang="pt-BR"/>
-          </a:p>
-        </p:txBody>
-      </p:sp>
       <p:grpSp>
         <p:nvGrpSpPr>
           <p:cNvPr id="59" name="Agrupar 58"/>
@@ -11312,6 +11850,65 @@
           </p:spPr>
         </p:pic>
       </p:grpSp>
+      <p:sp>
+        <p:nvSpPr>
+          <p:cNvPr id="52" name="Triângulo Retângulo 51">
+            <a:extLst>
+              <a:ext uri="{FF2B5EF4-FFF2-40B4-BE49-F238E27FC236}">
+                <a16:creationId xmlns:a16="http://schemas.microsoft.com/office/drawing/2014/main" id="{26DF48E9-18A1-45D2-8DFD-17F6C62711FC}"/>
+              </a:ext>
+            </a:extLst>
+          </p:cNvPr>
+          <p:cNvSpPr/>
+          <p:nvPr/>
+        </p:nvSpPr>
+        <p:spPr>
+          <a:xfrm flipH="1">
+            <a:off x="10969395" y="5654516"/>
+            <a:ext cx="1222605" cy="1203483"/>
+          </a:xfrm>
+          <a:prstGeom prst="rtTriangle">
+            <a:avLst/>
+          </a:prstGeom>
+          <a:solidFill>
+            <a:srgbClr val="2B7A78"/>
+          </a:solidFill>
+          <a:ln>
+            <a:noFill/>
+          </a:ln>
+          <a:effectLst>
+            <a:outerShdw blurRad="203200" dist="38100" dir="10800000" algn="r" rotWithShape="0">
+              <a:prstClr val="black">
+                <a:alpha val="34000"/>
+              </a:prstClr>
+            </a:outerShdw>
+          </a:effectLst>
+        </p:spPr>
+        <p:style>
+          <a:lnRef idx="2">
+            <a:schemeClr val="accent1">
+              <a:shade val="50000"/>
+            </a:schemeClr>
+          </a:lnRef>
+          <a:fillRef idx="1">
+            <a:schemeClr val="accent1"/>
+          </a:fillRef>
+          <a:effectRef idx="0">
+            <a:schemeClr val="accent1"/>
+          </a:effectRef>
+          <a:fontRef idx="minor">
+            <a:schemeClr val="lt1"/>
+          </a:fontRef>
+        </p:style>
+        <p:txBody>
+          <a:bodyPr rtlCol="0" anchor="ctr"/>
+          <a:lstStyle/>
+          <a:p>
+            <a:pPr algn="ctr"/>
+            <a:endParaRPr lang="pt-BR"/>
+          </a:p>
+        </p:txBody>
+      </p:sp>
     </p:spTree>
     <p:extLst>
       <p:ext uri="{BB962C8B-B14F-4D97-AF65-F5344CB8AC3E}">
@@ -11577,7 +12174,7 @@
 </p:sld>
 </file>
 
-<file path=ppt/slides/slide15.xml><?xml version="1.0" encoding="utf-8"?>
+<file path=ppt/slides/slide16.xml><?xml version="1.0" encoding="utf-8"?>
 <p:sld xmlns:a="http://schemas.openxmlformats.org/drawingml/2006/main" xmlns:r="http://schemas.openxmlformats.org/officeDocument/2006/relationships" xmlns:p="http://schemas.openxmlformats.org/presentationml/2006/main">
   <p:cSld>
     <p:spTree>
@@ -11852,7 +12449,7 @@
                 <a14:useLocalDpi xmlns:a14="http://schemas.microsoft.com/office/drawing/2010/main" val="0"/>
               </a:ext>
               <a:ext uri="{96DAC541-7B7A-43D3-8B79-37D633B846F1}">
-                <asvg:svgBlip xmlns:asvg="http://schemas.microsoft.com/office/drawing/2016/SVG/main" xmlns="" r:embed="rId4"/>
+                <asvg:svgBlip xmlns="" xmlns:asvg="http://schemas.microsoft.com/office/drawing/2016/SVG/main" r:embed="rId4"/>
               </a:ext>
             </a:extLst>
           </a:blip>
@@ -12750,9 +13347,39 @@
           </p:spPr>
         </p:pic>
       </p:grpSp>
+      <p:pic>
+        <p:nvPicPr>
+          <p:cNvPr id="2" name="Imagem 1"/>
+          <p:cNvPicPr>
+            <a:picLocks noChangeAspect="1"/>
+          </p:cNvPicPr>
+          <p:nvPr/>
+        </p:nvPicPr>
+        <p:blipFill>
+          <a:blip r:embed="rId8" cstate="print">
+            <a:extLst>
+              <a:ext uri="{28A0092B-C50C-407E-A947-70E740481C1C}">
+                <a14:useLocalDpi xmlns:a14="http://schemas.microsoft.com/office/drawing/2010/main" val="0"/>
+              </a:ext>
+            </a:extLst>
+          </a:blip>
+          <a:stretch>
+            <a:fillRect/>
+          </a:stretch>
+        </p:blipFill>
+        <p:spPr>
+          <a:xfrm>
+            <a:off x="6426089" y="429078"/>
+            <a:ext cx="6096012" cy="6096012"/>
+          </a:xfrm>
+          <a:prstGeom prst="rect">
+            <a:avLst/>
+          </a:prstGeom>
+        </p:spPr>
+      </p:pic>
       <p:sp>
         <p:nvSpPr>
-          <p:cNvPr id="31" name="Triângulo Retângulo 30">
+          <p:cNvPr id="32" name="Triângulo Retângulo 31">
             <a:extLst>
               <a:ext uri="{FF2B5EF4-FFF2-40B4-BE49-F238E27FC236}">
                 <a16:creationId xmlns:a16="http://schemas.microsoft.com/office/drawing/2014/main" id="{26DF48E9-18A1-45D2-8DFD-17F6C62711FC}"/>
@@ -12763,8 +13390,8 @@
           <p:nvPr/>
         </p:nvSpPr>
         <p:spPr>
-          <a:xfrm flipH="1">
-            <a:off x="10969395" y="5654516"/>
+          <a:xfrm>
+            <a:off x="-2527" y="5654515"/>
             <a:ext cx="1222605" cy="1203483"/>
           </a:xfrm>
           <a:prstGeom prst="rtTriangle">
@@ -12809,36 +13436,6 @@
           </a:p>
         </p:txBody>
       </p:sp>
-      <p:pic>
-        <p:nvPicPr>
-          <p:cNvPr id="2" name="Imagem 1"/>
-          <p:cNvPicPr>
-            <a:picLocks noChangeAspect="1"/>
-          </p:cNvPicPr>
-          <p:nvPr/>
-        </p:nvPicPr>
-        <p:blipFill>
-          <a:blip r:embed="rId8" cstate="print">
-            <a:extLst>
-              <a:ext uri="{28A0092B-C50C-407E-A947-70E740481C1C}">
-                <a14:useLocalDpi xmlns:a14="http://schemas.microsoft.com/office/drawing/2010/main" val="0"/>
-              </a:ext>
-            </a:extLst>
-          </a:blip>
-          <a:stretch>
-            <a:fillRect/>
-          </a:stretch>
-        </p:blipFill>
-        <p:spPr>
-          <a:xfrm>
-            <a:off x="6426089" y="429078"/>
-            <a:ext cx="6096012" cy="6096012"/>
-          </a:xfrm>
-          <a:prstGeom prst="rect">
-            <a:avLst/>
-          </a:prstGeom>
-        </p:spPr>
-      </p:pic>
     </p:spTree>
     <p:extLst>
       <p:ext uri="{BB962C8B-B14F-4D97-AF65-F5344CB8AC3E}">
@@ -14121,7 +14718,7 @@
 </p:sld>
 </file>
 
-<file path=ppt/slides/slide16.xml><?xml version="1.0" encoding="utf-8"?>
+<file path=ppt/slides/slide17.xml><?xml version="1.0" encoding="utf-8"?>
 <p:sld xmlns:a="http://schemas.openxmlformats.org/drawingml/2006/main" xmlns:r="http://schemas.openxmlformats.org/officeDocument/2006/relationships" xmlns:p="http://schemas.openxmlformats.org/presentationml/2006/main">
   <p:cSld>
     <p:spTree>
@@ -14324,7 +14921,7 @@
                     <a14:useLocalDpi xmlns:a14="http://schemas.microsoft.com/office/drawing/2010/main" val="0"/>
                   </a:ext>
                   <a:ext uri="{96DAC541-7B7A-43D3-8B79-37D633B846F1}">
-                    <asvg:svgBlip xmlns:asvg="http://schemas.microsoft.com/office/drawing/2016/SVG/main" xmlns="" r:embed="rId3"/>
+                    <asvg:svgBlip xmlns="" xmlns:asvg="http://schemas.microsoft.com/office/drawing/2016/SVG/main" r:embed="rId3"/>
                   </a:ext>
                 </a:extLst>
               </a:blip>
@@ -14465,7 +15062,7 @@
       </p:pic>
       <p:sp>
         <p:nvSpPr>
-          <p:cNvPr id="15" name="Triângulo Retângulo 14">
+          <p:cNvPr id="12" name="Triângulo Retângulo 11">
             <a:extLst>
               <a:ext uri="{FF2B5EF4-FFF2-40B4-BE49-F238E27FC236}">
                 <a16:creationId xmlns:a16="http://schemas.microsoft.com/office/drawing/2014/main" id="{26DF48E9-18A1-45D2-8DFD-17F6C62711FC}"/>
@@ -14476,8 +15073,8 @@
           <p:nvPr/>
         </p:nvSpPr>
         <p:spPr>
-          <a:xfrm>
-            <a:off x="-2527" y="5654515"/>
+          <a:xfrm flipH="1">
+            <a:off x="10969395" y="5654516"/>
             <a:ext cx="1222605" cy="1203483"/>
           </a:xfrm>
           <a:prstGeom prst="rtTriangle">
@@ -14720,7 +15317,7 @@
 </p:sld>
 </file>
 
-<file path=ppt/slides/slide17.xml><?xml version="1.0" encoding="utf-8"?>
+<file path=ppt/slides/slide18.xml><?xml version="1.0" encoding="utf-8"?>
 <p:sld xmlns:a="http://schemas.openxmlformats.org/drawingml/2006/main" xmlns:r="http://schemas.openxmlformats.org/officeDocument/2006/relationships" xmlns:p="http://schemas.openxmlformats.org/presentationml/2006/main">
   <p:cSld>
     <p:spTree>
@@ -14923,7 +15520,7 @@
                     <a14:useLocalDpi xmlns:a14="http://schemas.microsoft.com/office/drawing/2010/main" val="0"/>
                   </a:ext>
                   <a:ext uri="{96DAC541-7B7A-43D3-8B79-37D633B846F1}">
-                    <asvg:svgBlip xmlns:asvg="http://schemas.microsoft.com/office/drawing/2016/SVG/main" xmlns="" r:embed="rId3"/>
+                    <asvg:svgBlip xmlns="" xmlns:asvg="http://schemas.microsoft.com/office/drawing/2016/SVG/main" r:embed="rId3"/>
                   </a:ext>
                 </a:extLst>
               </a:blip>
@@ -15038,9 +15635,33 @@
           </a:prstGeom>
         </p:spPr>
       </p:pic>
+      <p:pic>
+        <p:nvPicPr>
+          <p:cNvPr id="2" name="Imagem 1"/>
+          <p:cNvPicPr>
+            <a:picLocks noChangeAspect="1"/>
+          </p:cNvPicPr>
+          <p:nvPr/>
+        </p:nvPicPr>
+        <p:blipFill>
+          <a:blip r:embed="rId5"/>
+          <a:stretch>
+            <a:fillRect/>
+          </a:stretch>
+        </p:blipFill>
+        <p:spPr>
+          <a:xfrm>
+            <a:off x="3150240" y="1277712"/>
+            <a:ext cx="5867400" cy="5486400"/>
+          </a:xfrm>
+          <a:prstGeom prst="rect">
+            <a:avLst/>
+          </a:prstGeom>
+        </p:spPr>
+      </p:pic>
       <p:sp>
         <p:nvSpPr>
-          <p:cNvPr id="13" name="Triângulo Retângulo 12">
+          <p:cNvPr id="12" name="Triângulo Retângulo 11">
             <a:extLst>
               <a:ext uri="{FF2B5EF4-FFF2-40B4-BE49-F238E27FC236}">
                 <a16:creationId xmlns:a16="http://schemas.microsoft.com/office/drawing/2014/main" id="{26DF48E9-18A1-45D2-8DFD-17F6C62711FC}"/>
@@ -15051,8 +15672,8 @@
           <p:nvPr/>
         </p:nvSpPr>
         <p:spPr>
-          <a:xfrm flipH="1">
-            <a:off x="10969395" y="5654516"/>
+          <a:xfrm>
+            <a:off x="-2527" y="5654515"/>
             <a:ext cx="1222605" cy="1203483"/>
           </a:xfrm>
           <a:prstGeom prst="rtTriangle">
@@ -15097,30 +15718,6 @@
           </a:p>
         </p:txBody>
       </p:sp>
-      <p:pic>
-        <p:nvPicPr>
-          <p:cNvPr id="2" name="Imagem 1"/>
-          <p:cNvPicPr>
-            <a:picLocks noChangeAspect="1"/>
-          </p:cNvPicPr>
-          <p:nvPr/>
-        </p:nvPicPr>
-        <p:blipFill>
-          <a:blip r:embed="rId5"/>
-          <a:stretch>
-            <a:fillRect/>
-          </a:stretch>
-        </p:blipFill>
-        <p:spPr>
-          <a:xfrm>
-            <a:off x="3150240" y="1277712"/>
-            <a:ext cx="5867400" cy="5486400"/>
-          </a:xfrm>
-          <a:prstGeom prst="rect">
-            <a:avLst/>
-          </a:prstGeom>
-        </p:spPr>
-      </p:pic>
     </p:spTree>
     <p:extLst>
       <p:ext uri="{BB962C8B-B14F-4D97-AF65-F5344CB8AC3E}">
@@ -15319,7 +15916,7 @@
 </p:sld>
 </file>
 
-<file path=ppt/slides/slide18.xml><?xml version="1.0" encoding="utf-8"?>
+<file path=ppt/slides/slide19.xml><?xml version="1.0" encoding="utf-8"?>
 <p:sld xmlns:a="http://schemas.openxmlformats.org/drawingml/2006/main" xmlns:r="http://schemas.openxmlformats.org/officeDocument/2006/relationships" xmlns:p="http://schemas.openxmlformats.org/presentationml/2006/main">
   <p:cSld>
     <p:spTree>
@@ -15522,7 +16119,7 @@
                     <a14:useLocalDpi xmlns:a14="http://schemas.microsoft.com/office/drawing/2010/main" val="0"/>
                   </a:ext>
                   <a:ext uri="{96DAC541-7B7A-43D3-8B79-37D633B846F1}">
-                    <asvg:svgBlip xmlns:asvg="http://schemas.microsoft.com/office/drawing/2016/SVG/main" xmlns="" r:embed="rId3"/>
+                    <asvg:svgBlip xmlns="" xmlns:asvg="http://schemas.microsoft.com/office/drawing/2016/SVG/main" r:embed="rId3"/>
                   </a:ext>
                 </a:extLst>
               </a:blip>
@@ -15637,65 +16234,6 @@
           </a:prstGeom>
         </p:spPr>
       </p:pic>
-      <p:sp>
-        <p:nvSpPr>
-          <p:cNvPr id="15" name="Triângulo Retângulo 14">
-            <a:extLst>
-              <a:ext uri="{FF2B5EF4-FFF2-40B4-BE49-F238E27FC236}">
-                <a16:creationId xmlns:a16="http://schemas.microsoft.com/office/drawing/2014/main" id="{26DF48E9-18A1-45D2-8DFD-17F6C62711FC}"/>
-              </a:ext>
-            </a:extLst>
-          </p:cNvPr>
-          <p:cNvSpPr/>
-          <p:nvPr/>
-        </p:nvSpPr>
-        <p:spPr>
-          <a:xfrm>
-            <a:off x="-2527" y="5654515"/>
-            <a:ext cx="1222605" cy="1203483"/>
-          </a:xfrm>
-          <a:prstGeom prst="rtTriangle">
-            <a:avLst/>
-          </a:prstGeom>
-          <a:solidFill>
-            <a:srgbClr val="2B7A78"/>
-          </a:solidFill>
-          <a:ln>
-            <a:noFill/>
-          </a:ln>
-          <a:effectLst>
-            <a:outerShdw blurRad="203200" dist="38100" dir="10800000" algn="r" rotWithShape="0">
-              <a:prstClr val="black">
-                <a:alpha val="34000"/>
-              </a:prstClr>
-            </a:outerShdw>
-          </a:effectLst>
-        </p:spPr>
-        <p:style>
-          <a:lnRef idx="2">
-            <a:schemeClr val="accent1">
-              <a:shade val="50000"/>
-            </a:schemeClr>
-          </a:lnRef>
-          <a:fillRef idx="1">
-            <a:schemeClr val="accent1"/>
-          </a:fillRef>
-          <a:effectRef idx="0">
-            <a:schemeClr val="accent1"/>
-          </a:effectRef>
-          <a:fontRef idx="minor">
-            <a:schemeClr val="lt1"/>
-          </a:fontRef>
-        </p:style>
-        <p:txBody>
-          <a:bodyPr rtlCol="0" anchor="ctr"/>
-          <a:lstStyle/>
-          <a:p>
-            <a:pPr algn="ctr"/>
-            <a:endParaRPr lang="pt-BR"/>
-          </a:p>
-        </p:txBody>
-      </p:sp>
       <p:pic>
         <p:nvPicPr>
           <p:cNvPr id="2" name="Imagem 1"/>
@@ -15720,452 +16258,9 @@
           </a:prstGeom>
         </p:spPr>
       </p:pic>
-    </p:spTree>
-    <p:extLst>
-      <p:ext uri="{BB962C8B-B14F-4D97-AF65-F5344CB8AC3E}">
-        <p14:creationId xmlns:p14="http://schemas.microsoft.com/office/powerpoint/2010/main" val="2922887714"/>
-      </p:ext>
-    </p:extLst>
-  </p:cSld>
-  <p:clrMapOvr>
-    <a:masterClrMapping/>
-  </p:clrMapOvr>
-  <p:timing>
-    <p:tnLst>
-      <p:par>
-        <p:cTn id="1" dur="indefinite" restart="never" nodeType="tmRoot">
-          <p:childTnLst>
-            <p:seq concurrent="1" nextAc="seek">
-              <p:cTn id="2" dur="indefinite" nodeType="mainSeq">
-                <p:childTnLst>
-                  <p:par>
-                    <p:cTn id="3" fill="hold">
-                      <p:stCondLst>
-                        <p:cond delay="indefinite"/>
-                        <p:cond evt="onBegin" delay="0">
-                          <p:tn val="2"/>
-                        </p:cond>
-                      </p:stCondLst>
-                      <p:childTnLst>
-                        <p:par>
-                          <p:cTn id="4" fill="hold">
-                            <p:stCondLst>
-                              <p:cond delay="0"/>
-                            </p:stCondLst>
-                            <p:childTnLst>
-                              <p:par>
-                                <p:cTn id="5" presetID="53" presetClass="entr" presetSubtype="16" fill="hold" nodeType="afterEffect">
-                                  <p:stCondLst>
-                                    <p:cond delay="0"/>
-                                  </p:stCondLst>
-                                  <p:childTnLst>
-                                    <p:set>
-                                      <p:cBhvr>
-                                        <p:cTn id="6" dur="1" fill="hold">
-                                          <p:stCondLst>
-                                            <p:cond delay="0"/>
-                                          </p:stCondLst>
-                                        </p:cTn>
-                                        <p:tgtEl>
-                                          <p:spTgt spid="4"/>
-                                        </p:tgtEl>
-                                        <p:attrNameLst>
-                                          <p:attrName>style.visibility</p:attrName>
-                                        </p:attrNameLst>
-                                      </p:cBhvr>
-                                      <p:to>
-                                        <p:strVal val="visible"/>
-                                      </p:to>
-                                    </p:set>
-                                    <p:anim calcmode="lin" valueType="num">
-                                      <p:cBhvr>
-                                        <p:cTn id="7" dur="500" fill="hold"/>
-                                        <p:tgtEl>
-                                          <p:spTgt spid="4"/>
-                                        </p:tgtEl>
-                                        <p:attrNameLst>
-                                          <p:attrName>ppt_w</p:attrName>
-                                        </p:attrNameLst>
-                                      </p:cBhvr>
-                                      <p:tavLst>
-                                        <p:tav tm="0">
-                                          <p:val>
-                                            <p:fltVal val="0"/>
-                                          </p:val>
-                                        </p:tav>
-                                        <p:tav tm="100000">
-                                          <p:val>
-                                            <p:strVal val="#ppt_w"/>
-                                          </p:val>
-                                        </p:tav>
-                                      </p:tavLst>
-                                    </p:anim>
-                                    <p:anim calcmode="lin" valueType="num">
-                                      <p:cBhvr>
-                                        <p:cTn id="8" dur="500" fill="hold"/>
-                                        <p:tgtEl>
-                                          <p:spTgt spid="4"/>
-                                        </p:tgtEl>
-                                        <p:attrNameLst>
-                                          <p:attrName>ppt_h</p:attrName>
-                                        </p:attrNameLst>
-                                      </p:cBhvr>
-                                      <p:tavLst>
-                                        <p:tav tm="0">
-                                          <p:val>
-                                            <p:fltVal val="0"/>
-                                          </p:val>
-                                        </p:tav>
-                                        <p:tav tm="100000">
-                                          <p:val>
-                                            <p:strVal val="#ppt_h"/>
-                                          </p:val>
-                                        </p:tav>
-                                      </p:tavLst>
-                                    </p:anim>
-                                    <p:animEffect transition="in" filter="fade">
-                                      <p:cBhvr>
-                                        <p:cTn id="9" dur="500"/>
-                                        <p:tgtEl>
-                                          <p:spTgt spid="4"/>
-                                        </p:tgtEl>
-                                      </p:cBhvr>
-                                    </p:animEffect>
-                                  </p:childTnLst>
-                                </p:cTn>
-                              </p:par>
-                            </p:childTnLst>
-                          </p:cTn>
-                        </p:par>
-                      </p:childTnLst>
-                    </p:cTn>
-                  </p:par>
-                  <p:par>
-                    <p:cTn id="10" fill="hold">
-                      <p:stCondLst>
-                        <p:cond delay="indefinite"/>
-                      </p:stCondLst>
-                      <p:childTnLst>
-                        <p:par>
-                          <p:cTn id="11" fill="hold">
-                            <p:stCondLst>
-                              <p:cond delay="0"/>
-                            </p:stCondLst>
-                            <p:childTnLst>
-                              <p:par>
-                                <p:cTn id="12" presetID="10" presetClass="entr" presetSubtype="0" fill="hold" nodeType="clickEffect">
-                                  <p:stCondLst>
-                                    <p:cond delay="0"/>
-                                  </p:stCondLst>
-                                  <p:childTnLst>
-                                    <p:set>
-                                      <p:cBhvr>
-                                        <p:cTn id="13" dur="1" fill="hold">
-                                          <p:stCondLst>
-                                            <p:cond delay="0"/>
-                                          </p:stCondLst>
-                                        </p:cTn>
-                                        <p:tgtEl>
-                                          <p:spTgt spid="2"/>
-                                        </p:tgtEl>
-                                        <p:attrNameLst>
-                                          <p:attrName>style.visibility</p:attrName>
-                                        </p:attrNameLst>
-                                      </p:cBhvr>
-                                      <p:to>
-                                        <p:strVal val="visible"/>
-                                      </p:to>
-                                    </p:set>
-                                    <p:animEffect transition="in" filter="fade">
-                                      <p:cBhvr>
-                                        <p:cTn id="14" dur="1000"/>
-                                        <p:tgtEl>
-                                          <p:spTgt spid="2"/>
-                                        </p:tgtEl>
-                                      </p:cBhvr>
-                                    </p:animEffect>
-                                  </p:childTnLst>
-                                </p:cTn>
-                              </p:par>
-                            </p:childTnLst>
-                          </p:cTn>
-                        </p:par>
-                      </p:childTnLst>
-                    </p:cTn>
-                  </p:par>
-                </p:childTnLst>
-              </p:cTn>
-              <p:prevCondLst>
-                <p:cond evt="onPrev" delay="0">
-                  <p:tgtEl>
-                    <p:sldTgt/>
-                  </p:tgtEl>
-                </p:cond>
-              </p:prevCondLst>
-              <p:nextCondLst>
-                <p:cond evt="onNext" delay="0">
-                  <p:tgtEl>
-                    <p:sldTgt/>
-                  </p:tgtEl>
-                </p:cond>
-              </p:nextCondLst>
-            </p:seq>
-          </p:childTnLst>
-        </p:cTn>
-      </p:par>
-    </p:tnLst>
-  </p:timing>
-</p:sld>
-</file>
-
-<file path=ppt/slides/slide19.xml><?xml version="1.0" encoding="utf-8"?>
-<p:sld xmlns:a="http://schemas.openxmlformats.org/drawingml/2006/main" xmlns:r="http://schemas.openxmlformats.org/officeDocument/2006/relationships" xmlns:p="http://schemas.openxmlformats.org/presentationml/2006/main">
-  <p:cSld>
-    <p:spTree>
-      <p:nvGrpSpPr>
-        <p:cNvPr id="1" name=""/>
-        <p:cNvGrpSpPr/>
-        <p:nvPr/>
-      </p:nvGrpSpPr>
-      <p:grpSpPr>
-        <a:xfrm>
-          <a:off x="0" y="0"/>
-          <a:ext cx="0" cy="0"/>
-          <a:chOff x="0" y="0"/>
-          <a:chExt cx="0" cy="0"/>
-        </a:xfrm>
-      </p:grpSpPr>
       <p:sp>
         <p:nvSpPr>
-          <p:cNvPr id="4" name="Seta: Pentágono 26">
-            <a:extLst>
-              <a:ext uri="{FF2B5EF4-FFF2-40B4-BE49-F238E27FC236}">
-                <a16:creationId xmlns:a16="http://schemas.microsoft.com/office/drawing/2014/main" id="{106400D3-E7D1-483B-99EF-5780C970968D}"/>
-              </a:ext>
-            </a:extLst>
-          </p:cNvPr>
-          <p:cNvSpPr/>
-          <p:nvPr/>
-        </p:nvSpPr>
-        <p:spPr>
-          <a:xfrm>
-            <a:off x="-2527" y="0"/>
-            <a:ext cx="1440000" cy="858157"/>
-          </a:xfrm>
-          <a:prstGeom prst="homePlate">
-            <a:avLst/>
-          </a:prstGeom>
-          <a:solidFill>
-            <a:srgbClr val="17252A"/>
-          </a:solidFill>
-          <a:ln>
-            <a:noFill/>
-          </a:ln>
-          <a:effectLst>
-            <a:outerShdw blurRad="203200" dist="38100" dir="2700000" algn="tl" rotWithShape="0">
-              <a:prstClr val="black">
-                <a:alpha val="34000"/>
-              </a:prstClr>
-            </a:outerShdw>
-          </a:effectLst>
-        </p:spPr>
-        <p:style>
-          <a:lnRef idx="2">
-            <a:schemeClr val="accent1">
-              <a:shade val="50000"/>
-            </a:schemeClr>
-          </a:lnRef>
-          <a:fillRef idx="1">
-            <a:schemeClr val="accent1"/>
-          </a:fillRef>
-          <a:effectRef idx="0">
-            <a:schemeClr val="accent1"/>
-          </a:effectRef>
-          <a:fontRef idx="minor">
-            <a:schemeClr val="lt1"/>
-          </a:fontRef>
-        </p:style>
-        <p:txBody>
-          <a:bodyPr rtlCol="0" anchor="ctr"/>
-          <a:lstStyle/>
-          <a:p>
-            <a:pPr algn="ctr"/>
-            <a:endParaRPr lang="pt-BR"/>
-          </a:p>
-        </p:txBody>
-      </p:sp>
-      <p:pic>
-        <p:nvPicPr>
-          <p:cNvPr id="5" name="Imagem 4" descr="Uma imagem contendo gráfico, desenho&#10;&#10;Descrição gerada automaticamente">
-            <a:extLst>
-              <a:ext uri="{FF2B5EF4-FFF2-40B4-BE49-F238E27FC236}">
-                <a16:creationId xmlns:a16="http://schemas.microsoft.com/office/drawing/2014/main" id="{D6971971-E7D6-4E0A-B24B-C0624CD2BCAB}"/>
-              </a:ext>
-            </a:extLst>
-          </p:cNvPr>
-          <p:cNvPicPr>
-            <a:picLocks noChangeAspect="1"/>
-          </p:cNvPicPr>
-          <p:nvPr/>
-        </p:nvPicPr>
-        <p:blipFill>
-          <a:blip r:embed="rId2" cstate="print">
-            <a:extLst>
-              <a:ext uri="{28A0092B-C50C-407E-A947-70E740481C1C}">
-                <a14:useLocalDpi xmlns:a14="http://schemas.microsoft.com/office/drawing/2010/main" val="0"/>
-              </a:ext>
-            </a:extLst>
-          </a:blip>
-          <a:stretch>
-            <a:fillRect/>
-          </a:stretch>
-        </p:blipFill>
-        <p:spPr>
-          <a:xfrm>
-            <a:off x="215347" y="85278"/>
-            <a:ext cx="687600" cy="687600"/>
-          </a:xfrm>
-          <a:prstGeom prst="rect">
-            <a:avLst/>
-          </a:prstGeom>
-        </p:spPr>
-      </p:pic>
-      <p:sp>
-        <p:nvSpPr>
-          <p:cNvPr id="6" name="CaixaDeTexto 5">
-            <a:extLst>
-              <a:ext uri="{FF2B5EF4-FFF2-40B4-BE49-F238E27FC236}">
-                <a16:creationId xmlns:a16="http://schemas.microsoft.com/office/drawing/2014/main" id="{6A20748C-BF37-4002-A114-BC7903DDBC4B}"/>
-              </a:ext>
-            </a:extLst>
-          </p:cNvPr>
-          <p:cNvSpPr txBox="1"/>
-          <p:nvPr/>
-        </p:nvSpPr>
-        <p:spPr>
-          <a:xfrm>
-            <a:off x="3685257" y="2759585"/>
-            <a:ext cx="5378062" cy="1338828"/>
-          </a:xfrm>
-          <a:prstGeom prst="rect">
-            <a:avLst/>
-          </a:prstGeom>
-          <a:noFill/>
-        </p:spPr>
-        <p:txBody>
-          <a:bodyPr wrap="square" rtlCol="0">
-            <a:spAutoFit/>
-          </a:bodyPr>
-          <a:lstStyle/>
-          <a:p>
-            <a:r>
-              <a:rPr lang="pt-BR" sz="7200" dirty="0">
-                <a:solidFill>
-                  <a:srgbClr val="3AAFA9"/>
-                </a:solidFill>
-                <a:latin typeface="Montserrat SemiBold" panose="00000700000000000000" pitchFamily="2" charset="0"/>
-              </a:rPr>
-              <a:t>Obrigado</a:t>
-            </a:r>
-            <a:r>
-              <a:rPr lang="pt-BR" sz="8100" dirty="0">
-                <a:solidFill>
-                  <a:srgbClr val="3AAFA9"/>
-                </a:solidFill>
-                <a:latin typeface="Montserrat SemiBold" panose="00000700000000000000" pitchFamily="2" charset="0"/>
-              </a:rPr>
-              <a:t>!</a:t>
-            </a:r>
-          </a:p>
-        </p:txBody>
-      </p:sp>
-      <p:cxnSp>
-        <p:nvCxnSpPr>
-          <p:cNvPr id="7" name="Conector reto 6">
-            <a:extLst>
-              <a:ext uri="{FF2B5EF4-FFF2-40B4-BE49-F238E27FC236}">
-                <a16:creationId xmlns:a16="http://schemas.microsoft.com/office/drawing/2014/main" id="{DF4283E6-27FF-456C-818C-8E0B8B7F4E2A}"/>
-              </a:ext>
-            </a:extLst>
-          </p:cNvPr>
-          <p:cNvCxnSpPr>
-            <a:cxnSpLocks/>
-          </p:cNvCxnSpPr>
-          <p:nvPr/>
-        </p:nvCxnSpPr>
-        <p:spPr>
-          <a:xfrm flipV="1">
-            <a:off x="6453379" y="3868556"/>
-            <a:ext cx="1879983" cy="14583"/>
-          </a:xfrm>
-          <a:prstGeom prst="line">
-            <a:avLst/>
-          </a:prstGeom>
-          <a:ln w="38100">
-            <a:solidFill>
-              <a:srgbClr val="3AAFA9"/>
-            </a:solidFill>
-          </a:ln>
-        </p:spPr>
-        <p:style>
-          <a:lnRef idx="1">
-            <a:schemeClr val="accent1"/>
-          </a:lnRef>
-          <a:fillRef idx="0">
-            <a:schemeClr val="accent1"/>
-          </a:fillRef>
-          <a:effectRef idx="0">
-            <a:schemeClr val="accent1"/>
-          </a:effectRef>
-          <a:fontRef idx="minor">
-            <a:schemeClr val="tx1"/>
-          </a:fontRef>
-        </p:style>
-      </p:cxnSp>
-      <p:cxnSp>
-        <p:nvCxnSpPr>
-          <p:cNvPr id="8" name="Conector reto 7">
-            <a:extLst>
-              <a:ext uri="{FF2B5EF4-FFF2-40B4-BE49-F238E27FC236}">
-                <a16:creationId xmlns:a16="http://schemas.microsoft.com/office/drawing/2014/main" id="{79ECC75E-4B92-440A-8D09-7B23BDA38A43}"/>
-              </a:ext>
-            </a:extLst>
-          </p:cNvPr>
-          <p:cNvCxnSpPr/>
-          <p:nvPr/>
-        </p:nvCxnSpPr>
-        <p:spPr>
-          <a:xfrm>
-            <a:off x="3506227" y="3883139"/>
-            <a:ext cx="2319294" cy="0"/>
-          </a:xfrm>
-          <a:prstGeom prst="line">
-            <a:avLst/>
-          </a:prstGeom>
-          <a:ln w="38100">
-            <a:solidFill>
-              <a:srgbClr val="3AAFA9"/>
-            </a:solidFill>
-          </a:ln>
-        </p:spPr>
-        <p:style>
-          <a:lnRef idx="1">
-            <a:schemeClr val="accent1"/>
-          </a:lnRef>
-          <a:fillRef idx="0">
-            <a:schemeClr val="accent1"/>
-          </a:fillRef>
-          <a:effectRef idx="0">
-            <a:schemeClr val="accent1"/>
-          </a:effectRef>
-          <a:fontRef idx="minor">
-            <a:schemeClr val="tx1"/>
-          </a:fontRef>
-        </p:style>
-      </p:cxnSp>
-      <p:sp>
-        <p:nvSpPr>
-          <p:cNvPr id="10" name="Triângulo Retângulo 9">
+          <p:cNvPr id="12" name="Triângulo Retângulo 11">
             <a:extLst>
               <a:ext uri="{FF2B5EF4-FFF2-40B4-BE49-F238E27FC236}">
                 <a16:creationId xmlns:a16="http://schemas.microsoft.com/office/drawing/2014/main" id="{26DF48E9-18A1-45D2-8DFD-17F6C62711FC}"/>
@@ -16176,8 +16271,8 @@
           <p:nvPr/>
         </p:nvSpPr>
         <p:spPr>
-          <a:xfrm>
-            <a:off x="-2527" y="5654515"/>
+          <a:xfrm flipH="1">
+            <a:off x="10969395" y="5654516"/>
             <a:ext cx="1222605" cy="1203483"/>
           </a:xfrm>
           <a:prstGeom prst="rtTriangle">
@@ -16225,7 +16320,7 @@
     </p:spTree>
     <p:extLst>
       <p:ext uri="{BB962C8B-B14F-4D97-AF65-F5344CB8AC3E}">
-        <p14:creationId xmlns:p14="http://schemas.microsoft.com/office/powerpoint/2010/main" val="429990641"/>
+        <p14:creationId xmlns:p14="http://schemas.microsoft.com/office/powerpoint/2010/main" val="2922887714"/>
       </p:ext>
     </p:extLst>
   </p:cSld>
@@ -16256,7 +16351,7 @@
                             </p:stCondLst>
                             <p:childTnLst>
                               <p:par>
-                                <p:cTn id="5" presetID="53" presetClass="entr" presetSubtype="16" fill="hold" grpId="0" nodeType="afterEffect">
+                                <p:cTn id="5" presetID="53" presetClass="entr" presetSubtype="16" fill="hold" nodeType="afterEffect">
                                   <p:stCondLst>
                                     <p:cond delay="0"/>
                                   </p:stCondLst>
@@ -16269,7 +16364,7 @@
                                           </p:stCondLst>
                                         </p:cTn>
                                         <p:tgtEl>
-                                          <p:spTgt spid="6"/>
+                                          <p:spTgt spid="4"/>
                                         </p:tgtEl>
                                         <p:attrNameLst>
                                           <p:attrName>style.visibility</p:attrName>
@@ -16283,7 +16378,7 @@
                                       <p:cBhvr>
                                         <p:cTn id="7" dur="500" fill="hold"/>
                                         <p:tgtEl>
-                                          <p:spTgt spid="6"/>
+                                          <p:spTgt spid="4"/>
                                         </p:tgtEl>
                                         <p:attrNameLst>
                                           <p:attrName>ppt_w</p:attrName>
@@ -16306,7 +16401,7 @@
                                       <p:cBhvr>
                                         <p:cTn id="8" dur="500" fill="hold"/>
                                         <p:tgtEl>
-                                          <p:spTgt spid="6"/>
+                                          <p:spTgt spid="4"/>
                                         </p:tgtEl>
                                         <p:attrNameLst>
                                           <p:attrName>ppt_h</p:attrName>
@@ -16329,28 +16424,46 @@
                                       <p:cBhvr>
                                         <p:cTn id="9" dur="500"/>
                                         <p:tgtEl>
-                                          <p:spTgt spid="6"/>
+                                          <p:spTgt spid="4"/>
                                         </p:tgtEl>
                                       </p:cBhvr>
                                     </p:animEffect>
                                   </p:childTnLst>
                                 </p:cTn>
                               </p:par>
+                            </p:childTnLst>
+                          </p:cTn>
+                        </p:par>
+                      </p:childTnLst>
+                    </p:cTn>
+                  </p:par>
+                  <p:par>
+                    <p:cTn id="10" fill="hold">
+                      <p:stCondLst>
+                        <p:cond delay="indefinite"/>
+                      </p:stCondLst>
+                      <p:childTnLst>
+                        <p:par>
+                          <p:cTn id="11" fill="hold">
+                            <p:stCondLst>
+                              <p:cond delay="0"/>
+                            </p:stCondLst>
+                            <p:childTnLst>
                               <p:par>
-                                <p:cTn id="10" presetID="53" presetClass="entr" presetSubtype="16" fill="hold" nodeType="withEffect">
+                                <p:cTn id="12" presetID="10" presetClass="entr" presetSubtype="0" fill="hold" nodeType="clickEffect">
                                   <p:stCondLst>
                                     <p:cond delay="0"/>
                                   </p:stCondLst>
                                   <p:childTnLst>
                                     <p:set>
                                       <p:cBhvr>
-                                        <p:cTn id="11" dur="1" fill="hold">
+                                        <p:cTn id="13" dur="1" fill="hold">
                                           <p:stCondLst>
                                             <p:cond delay="0"/>
                                           </p:stCondLst>
                                         </p:cTn>
                                         <p:tgtEl>
-                                          <p:spTgt spid="7"/>
+                                          <p:spTgt spid="2"/>
                                         </p:tgtEl>
                                         <p:attrNameLst>
                                           <p:attrName>style.visibility</p:attrName>
@@ -16360,138 +16473,11 @@
                                         <p:strVal val="visible"/>
                                       </p:to>
                                     </p:set>
-                                    <p:anim calcmode="lin" valueType="num">
-                                      <p:cBhvr>
-                                        <p:cTn id="12" dur="500" fill="hold"/>
-                                        <p:tgtEl>
-                                          <p:spTgt spid="7"/>
-                                        </p:tgtEl>
-                                        <p:attrNameLst>
-                                          <p:attrName>ppt_w</p:attrName>
-                                        </p:attrNameLst>
-                                      </p:cBhvr>
-                                      <p:tavLst>
-                                        <p:tav tm="0">
-                                          <p:val>
-                                            <p:fltVal val="0"/>
-                                          </p:val>
-                                        </p:tav>
-                                        <p:tav tm="100000">
-                                          <p:val>
-                                            <p:strVal val="#ppt_w"/>
-                                          </p:val>
-                                        </p:tav>
-                                      </p:tavLst>
-                                    </p:anim>
-                                    <p:anim calcmode="lin" valueType="num">
-                                      <p:cBhvr>
-                                        <p:cTn id="13" dur="500" fill="hold"/>
-                                        <p:tgtEl>
-                                          <p:spTgt spid="7"/>
-                                        </p:tgtEl>
-                                        <p:attrNameLst>
-                                          <p:attrName>ppt_h</p:attrName>
-                                        </p:attrNameLst>
-                                      </p:cBhvr>
-                                      <p:tavLst>
-                                        <p:tav tm="0">
-                                          <p:val>
-                                            <p:fltVal val="0"/>
-                                          </p:val>
-                                        </p:tav>
-                                        <p:tav tm="100000">
-                                          <p:val>
-                                            <p:strVal val="#ppt_h"/>
-                                          </p:val>
-                                        </p:tav>
-                                      </p:tavLst>
-                                    </p:anim>
                                     <p:animEffect transition="in" filter="fade">
                                       <p:cBhvr>
-                                        <p:cTn id="14" dur="500"/>
-                                        <p:tgtEl>
-                                          <p:spTgt spid="7"/>
-                                        </p:tgtEl>
-                                      </p:cBhvr>
-                                    </p:animEffect>
-                                  </p:childTnLst>
-                                </p:cTn>
-                              </p:par>
-                              <p:par>
-                                <p:cTn id="15" presetID="53" presetClass="entr" presetSubtype="16" fill="hold" nodeType="withEffect">
-                                  <p:stCondLst>
-                                    <p:cond delay="0"/>
-                                  </p:stCondLst>
-                                  <p:childTnLst>
-                                    <p:set>
-                                      <p:cBhvr>
-                                        <p:cTn id="16" dur="1" fill="hold">
-                                          <p:stCondLst>
-                                            <p:cond delay="0"/>
-                                          </p:stCondLst>
-                                        </p:cTn>
-                                        <p:tgtEl>
-                                          <p:spTgt spid="8"/>
-                                        </p:tgtEl>
-                                        <p:attrNameLst>
-                                          <p:attrName>style.visibility</p:attrName>
-                                        </p:attrNameLst>
-                                      </p:cBhvr>
-                                      <p:to>
-                                        <p:strVal val="visible"/>
-                                      </p:to>
-                                    </p:set>
-                                    <p:anim calcmode="lin" valueType="num">
-                                      <p:cBhvr>
-                                        <p:cTn id="17" dur="500" fill="hold"/>
-                                        <p:tgtEl>
-                                          <p:spTgt spid="8"/>
-                                        </p:tgtEl>
-                                        <p:attrNameLst>
-                                          <p:attrName>ppt_w</p:attrName>
-                                        </p:attrNameLst>
-                                      </p:cBhvr>
-                                      <p:tavLst>
-                                        <p:tav tm="0">
-                                          <p:val>
-                                            <p:fltVal val="0"/>
-                                          </p:val>
-                                        </p:tav>
-                                        <p:tav tm="100000">
-                                          <p:val>
-                                            <p:strVal val="#ppt_w"/>
-                                          </p:val>
-                                        </p:tav>
-                                      </p:tavLst>
-                                    </p:anim>
-                                    <p:anim calcmode="lin" valueType="num">
-                                      <p:cBhvr>
-                                        <p:cTn id="18" dur="500" fill="hold"/>
-                                        <p:tgtEl>
-                                          <p:spTgt spid="8"/>
-                                        </p:tgtEl>
-                                        <p:attrNameLst>
-                                          <p:attrName>ppt_h</p:attrName>
-                                        </p:attrNameLst>
-                                      </p:cBhvr>
-                                      <p:tavLst>
-                                        <p:tav tm="0">
-                                          <p:val>
-                                            <p:fltVal val="0"/>
-                                          </p:val>
-                                        </p:tav>
-                                        <p:tav tm="100000">
-                                          <p:val>
-                                            <p:strVal val="#ppt_h"/>
-                                          </p:val>
-                                        </p:tav>
-                                      </p:tavLst>
-                                    </p:anim>
-                                    <p:animEffect transition="in" filter="fade">
-                                      <p:cBhvr>
-                                        <p:cTn id="19" dur="500"/>
-                                        <p:tgtEl>
-                                          <p:spTgt spid="8"/>
+                                        <p:cTn id="14" dur="1000"/>
+                                        <p:tgtEl>
+                                          <p:spTgt spid="2"/>
                                         </p:tgtEl>
                                       </p:cBhvr>
                                     </p:animEffect>
@@ -16525,9 +16511,6 @@
         </p:cTn>
       </p:par>
     </p:tnLst>
-    <p:bldLst>
-      <p:bldP spid="6" grpId="0"/>
-    </p:bldLst>
   </p:timing>
 </p:sld>
 </file>
@@ -16807,7 +16790,7 @@
                 <a14:useLocalDpi xmlns:a14="http://schemas.microsoft.com/office/drawing/2010/main" val="0"/>
               </a:ext>
               <a:ext uri="{96DAC541-7B7A-43D3-8B79-37D633B846F1}">
-                <asvg:svgBlip xmlns:asvg="http://schemas.microsoft.com/office/drawing/2016/SVG/main" xmlns="" r:embed="rId4"/>
+                <asvg:svgBlip xmlns="" xmlns:asvg="http://schemas.microsoft.com/office/drawing/2016/SVG/main" r:embed="rId4"/>
               </a:ext>
             </a:extLst>
           </a:blip>
@@ -19487,6 +19470,620 @@
 </p:sld>
 </file>
 
+<file path=ppt/slides/slide20.xml><?xml version="1.0" encoding="utf-8"?>
+<p:sld xmlns:a="http://schemas.openxmlformats.org/drawingml/2006/main" xmlns:r="http://schemas.openxmlformats.org/officeDocument/2006/relationships" xmlns:p="http://schemas.openxmlformats.org/presentationml/2006/main">
+  <p:cSld>
+    <p:spTree>
+      <p:nvGrpSpPr>
+        <p:cNvPr id="1" name=""/>
+        <p:cNvGrpSpPr/>
+        <p:nvPr/>
+      </p:nvGrpSpPr>
+      <p:grpSpPr>
+        <a:xfrm>
+          <a:off x="0" y="0"/>
+          <a:ext cx="0" cy="0"/>
+          <a:chOff x="0" y="0"/>
+          <a:chExt cx="0" cy="0"/>
+        </a:xfrm>
+      </p:grpSpPr>
+      <p:sp>
+        <p:nvSpPr>
+          <p:cNvPr id="4" name="Seta: Pentágono 26">
+            <a:extLst>
+              <a:ext uri="{FF2B5EF4-FFF2-40B4-BE49-F238E27FC236}">
+                <a16:creationId xmlns:a16="http://schemas.microsoft.com/office/drawing/2014/main" id="{106400D3-E7D1-483B-99EF-5780C970968D}"/>
+              </a:ext>
+            </a:extLst>
+          </p:cNvPr>
+          <p:cNvSpPr/>
+          <p:nvPr/>
+        </p:nvSpPr>
+        <p:spPr>
+          <a:xfrm>
+            <a:off x="-2527" y="0"/>
+            <a:ext cx="1440000" cy="858157"/>
+          </a:xfrm>
+          <a:prstGeom prst="homePlate">
+            <a:avLst/>
+          </a:prstGeom>
+          <a:solidFill>
+            <a:srgbClr val="17252A"/>
+          </a:solidFill>
+          <a:ln>
+            <a:noFill/>
+          </a:ln>
+          <a:effectLst>
+            <a:outerShdw blurRad="203200" dist="38100" dir="2700000" algn="tl" rotWithShape="0">
+              <a:prstClr val="black">
+                <a:alpha val="34000"/>
+              </a:prstClr>
+            </a:outerShdw>
+          </a:effectLst>
+        </p:spPr>
+        <p:style>
+          <a:lnRef idx="2">
+            <a:schemeClr val="accent1">
+              <a:shade val="50000"/>
+            </a:schemeClr>
+          </a:lnRef>
+          <a:fillRef idx="1">
+            <a:schemeClr val="accent1"/>
+          </a:fillRef>
+          <a:effectRef idx="0">
+            <a:schemeClr val="accent1"/>
+          </a:effectRef>
+          <a:fontRef idx="minor">
+            <a:schemeClr val="lt1"/>
+          </a:fontRef>
+        </p:style>
+        <p:txBody>
+          <a:bodyPr rtlCol="0" anchor="ctr"/>
+          <a:lstStyle/>
+          <a:p>
+            <a:pPr algn="ctr"/>
+            <a:endParaRPr lang="pt-BR"/>
+          </a:p>
+        </p:txBody>
+      </p:sp>
+      <p:pic>
+        <p:nvPicPr>
+          <p:cNvPr id="5" name="Imagem 4" descr="Uma imagem contendo gráfico, desenho&#10;&#10;Descrição gerada automaticamente">
+            <a:extLst>
+              <a:ext uri="{FF2B5EF4-FFF2-40B4-BE49-F238E27FC236}">
+                <a16:creationId xmlns:a16="http://schemas.microsoft.com/office/drawing/2014/main" id="{D6971971-E7D6-4E0A-B24B-C0624CD2BCAB}"/>
+              </a:ext>
+            </a:extLst>
+          </p:cNvPr>
+          <p:cNvPicPr>
+            <a:picLocks noChangeAspect="1"/>
+          </p:cNvPicPr>
+          <p:nvPr/>
+        </p:nvPicPr>
+        <p:blipFill>
+          <a:blip r:embed="rId2" cstate="print">
+            <a:extLst>
+              <a:ext uri="{28A0092B-C50C-407E-A947-70E740481C1C}">
+                <a14:useLocalDpi xmlns:a14="http://schemas.microsoft.com/office/drawing/2010/main" val="0"/>
+              </a:ext>
+            </a:extLst>
+          </a:blip>
+          <a:stretch>
+            <a:fillRect/>
+          </a:stretch>
+        </p:blipFill>
+        <p:spPr>
+          <a:xfrm>
+            <a:off x="215347" y="85278"/>
+            <a:ext cx="687600" cy="687600"/>
+          </a:xfrm>
+          <a:prstGeom prst="rect">
+            <a:avLst/>
+          </a:prstGeom>
+        </p:spPr>
+      </p:pic>
+      <p:sp>
+        <p:nvSpPr>
+          <p:cNvPr id="6" name="CaixaDeTexto 5">
+            <a:extLst>
+              <a:ext uri="{FF2B5EF4-FFF2-40B4-BE49-F238E27FC236}">
+                <a16:creationId xmlns:a16="http://schemas.microsoft.com/office/drawing/2014/main" id="{6A20748C-BF37-4002-A114-BC7903DDBC4B}"/>
+              </a:ext>
+            </a:extLst>
+          </p:cNvPr>
+          <p:cNvSpPr txBox="1"/>
+          <p:nvPr/>
+        </p:nvSpPr>
+        <p:spPr>
+          <a:xfrm>
+            <a:off x="3685257" y="2759585"/>
+            <a:ext cx="5378062" cy="1338828"/>
+          </a:xfrm>
+          <a:prstGeom prst="rect">
+            <a:avLst/>
+          </a:prstGeom>
+          <a:noFill/>
+        </p:spPr>
+        <p:txBody>
+          <a:bodyPr wrap="square" rtlCol="0">
+            <a:spAutoFit/>
+          </a:bodyPr>
+          <a:lstStyle/>
+          <a:p>
+            <a:r>
+              <a:rPr lang="pt-BR" sz="7200" dirty="0">
+                <a:solidFill>
+                  <a:srgbClr val="3AAFA9"/>
+                </a:solidFill>
+                <a:latin typeface="Montserrat SemiBold" panose="00000700000000000000" pitchFamily="2" charset="0"/>
+              </a:rPr>
+              <a:t>Obrigado</a:t>
+            </a:r>
+            <a:r>
+              <a:rPr lang="pt-BR" sz="8100" dirty="0">
+                <a:solidFill>
+                  <a:srgbClr val="3AAFA9"/>
+                </a:solidFill>
+                <a:latin typeface="Montserrat SemiBold" panose="00000700000000000000" pitchFamily="2" charset="0"/>
+              </a:rPr>
+              <a:t>!</a:t>
+            </a:r>
+          </a:p>
+        </p:txBody>
+      </p:sp>
+      <p:cxnSp>
+        <p:nvCxnSpPr>
+          <p:cNvPr id="7" name="Conector reto 6">
+            <a:extLst>
+              <a:ext uri="{FF2B5EF4-FFF2-40B4-BE49-F238E27FC236}">
+                <a16:creationId xmlns:a16="http://schemas.microsoft.com/office/drawing/2014/main" id="{DF4283E6-27FF-456C-818C-8E0B8B7F4E2A}"/>
+              </a:ext>
+            </a:extLst>
+          </p:cNvPr>
+          <p:cNvCxnSpPr>
+            <a:cxnSpLocks/>
+          </p:cNvCxnSpPr>
+          <p:nvPr/>
+        </p:nvCxnSpPr>
+        <p:spPr>
+          <a:xfrm flipV="1">
+            <a:off x="6453379" y="3868556"/>
+            <a:ext cx="1879983" cy="14583"/>
+          </a:xfrm>
+          <a:prstGeom prst="line">
+            <a:avLst/>
+          </a:prstGeom>
+          <a:ln w="38100">
+            <a:solidFill>
+              <a:srgbClr val="3AAFA9"/>
+            </a:solidFill>
+          </a:ln>
+        </p:spPr>
+        <p:style>
+          <a:lnRef idx="1">
+            <a:schemeClr val="accent1"/>
+          </a:lnRef>
+          <a:fillRef idx="0">
+            <a:schemeClr val="accent1"/>
+          </a:fillRef>
+          <a:effectRef idx="0">
+            <a:schemeClr val="accent1"/>
+          </a:effectRef>
+          <a:fontRef idx="minor">
+            <a:schemeClr val="tx1"/>
+          </a:fontRef>
+        </p:style>
+      </p:cxnSp>
+      <p:cxnSp>
+        <p:nvCxnSpPr>
+          <p:cNvPr id="8" name="Conector reto 7">
+            <a:extLst>
+              <a:ext uri="{FF2B5EF4-FFF2-40B4-BE49-F238E27FC236}">
+                <a16:creationId xmlns:a16="http://schemas.microsoft.com/office/drawing/2014/main" id="{79ECC75E-4B92-440A-8D09-7B23BDA38A43}"/>
+              </a:ext>
+            </a:extLst>
+          </p:cNvPr>
+          <p:cNvCxnSpPr/>
+          <p:nvPr/>
+        </p:nvCxnSpPr>
+        <p:spPr>
+          <a:xfrm>
+            <a:off x="3506227" y="3883139"/>
+            <a:ext cx="2319294" cy="0"/>
+          </a:xfrm>
+          <a:prstGeom prst="line">
+            <a:avLst/>
+          </a:prstGeom>
+          <a:ln w="38100">
+            <a:solidFill>
+              <a:srgbClr val="3AAFA9"/>
+            </a:solidFill>
+          </a:ln>
+        </p:spPr>
+        <p:style>
+          <a:lnRef idx="1">
+            <a:schemeClr val="accent1"/>
+          </a:lnRef>
+          <a:fillRef idx="0">
+            <a:schemeClr val="accent1"/>
+          </a:fillRef>
+          <a:effectRef idx="0">
+            <a:schemeClr val="accent1"/>
+          </a:effectRef>
+          <a:fontRef idx="minor">
+            <a:schemeClr val="tx1"/>
+          </a:fontRef>
+        </p:style>
+      </p:cxnSp>
+      <p:sp>
+        <p:nvSpPr>
+          <p:cNvPr id="10" name="Triângulo Retângulo 9">
+            <a:extLst>
+              <a:ext uri="{FF2B5EF4-FFF2-40B4-BE49-F238E27FC236}">
+                <a16:creationId xmlns:a16="http://schemas.microsoft.com/office/drawing/2014/main" id="{26DF48E9-18A1-45D2-8DFD-17F6C62711FC}"/>
+              </a:ext>
+            </a:extLst>
+          </p:cNvPr>
+          <p:cNvSpPr/>
+          <p:nvPr/>
+        </p:nvSpPr>
+        <p:spPr>
+          <a:xfrm>
+            <a:off x="-2527" y="5654515"/>
+            <a:ext cx="1222605" cy="1203483"/>
+          </a:xfrm>
+          <a:prstGeom prst="rtTriangle">
+            <a:avLst/>
+          </a:prstGeom>
+          <a:solidFill>
+            <a:srgbClr val="2B7A78"/>
+          </a:solidFill>
+          <a:ln>
+            <a:noFill/>
+          </a:ln>
+          <a:effectLst>
+            <a:outerShdw blurRad="203200" dist="38100" dir="10800000" algn="r" rotWithShape="0">
+              <a:prstClr val="black">
+                <a:alpha val="34000"/>
+              </a:prstClr>
+            </a:outerShdw>
+          </a:effectLst>
+        </p:spPr>
+        <p:style>
+          <a:lnRef idx="2">
+            <a:schemeClr val="accent1">
+              <a:shade val="50000"/>
+            </a:schemeClr>
+          </a:lnRef>
+          <a:fillRef idx="1">
+            <a:schemeClr val="accent1"/>
+          </a:fillRef>
+          <a:effectRef idx="0">
+            <a:schemeClr val="accent1"/>
+          </a:effectRef>
+          <a:fontRef idx="minor">
+            <a:schemeClr val="lt1"/>
+          </a:fontRef>
+        </p:style>
+        <p:txBody>
+          <a:bodyPr rtlCol="0" anchor="ctr"/>
+          <a:lstStyle/>
+          <a:p>
+            <a:pPr algn="ctr"/>
+            <a:endParaRPr lang="pt-BR"/>
+          </a:p>
+        </p:txBody>
+      </p:sp>
+    </p:spTree>
+    <p:extLst>
+      <p:ext uri="{BB962C8B-B14F-4D97-AF65-F5344CB8AC3E}">
+        <p14:creationId xmlns:p14="http://schemas.microsoft.com/office/powerpoint/2010/main" val="429990641"/>
+      </p:ext>
+    </p:extLst>
+  </p:cSld>
+  <p:clrMapOvr>
+    <a:masterClrMapping/>
+  </p:clrMapOvr>
+  <p:timing>
+    <p:tnLst>
+      <p:par>
+        <p:cTn id="1" dur="indefinite" restart="never" nodeType="tmRoot">
+          <p:childTnLst>
+            <p:seq concurrent="1" nextAc="seek">
+              <p:cTn id="2" dur="indefinite" nodeType="mainSeq">
+                <p:childTnLst>
+                  <p:par>
+                    <p:cTn id="3" fill="hold">
+                      <p:stCondLst>
+                        <p:cond delay="indefinite"/>
+                        <p:cond evt="onBegin" delay="0">
+                          <p:tn val="2"/>
+                        </p:cond>
+                      </p:stCondLst>
+                      <p:childTnLst>
+                        <p:par>
+                          <p:cTn id="4" fill="hold">
+                            <p:stCondLst>
+                              <p:cond delay="0"/>
+                            </p:stCondLst>
+                            <p:childTnLst>
+                              <p:par>
+                                <p:cTn id="5" presetID="53" presetClass="entr" presetSubtype="16" fill="hold" grpId="0" nodeType="afterEffect">
+                                  <p:stCondLst>
+                                    <p:cond delay="0"/>
+                                  </p:stCondLst>
+                                  <p:childTnLst>
+                                    <p:set>
+                                      <p:cBhvr>
+                                        <p:cTn id="6" dur="1" fill="hold">
+                                          <p:stCondLst>
+                                            <p:cond delay="0"/>
+                                          </p:stCondLst>
+                                        </p:cTn>
+                                        <p:tgtEl>
+                                          <p:spTgt spid="6"/>
+                                        </p:tgtEl>
+                                        <p:attrNameLst>
+                                          <p:attrName>style.visibility</p:attrName>
+                                        </p:attrNameLst>
+                                      </p:cBhvr>
+                                      <p:to>
+                                        <p:strVal val="visible"/>
+                                      </p:to>
+                                    </p:set>
+                                    <p:anim calcmode="lin" valueType="num">
+                                      <p:cBhvr>
+                                        <p:cTn id="7" dur="500" fill="hold"/>
+                                        <p:tgtEl>
+                                          <p:spTgt spid="6"/>
+                                        </p:tgtEl>
+                                        <p:attrNameLst>
+                                          <p:attrName>ppt_w</p:attrName>
+                                        </p:attrNameLst>
+                                      </p:cBhvr>
+                                      <p:tavLst>
+                                        <p:tav tm="0">
+                                          <p:val>
+                                            <p:fltVal val="0"/>
+                                          </p:val>
+                                        </p:tav>
+                                        <p:tav tm="100000">
+                                          <p:val>
+                                            <p:strVal val="#ppt_w"/>
+                                          </p:val>
+                                        </p:tav>
+                                      </p:tavLst>
+                                    </p:anim>
+                                    <p:anim calcmode="lin" valueType="num">
+                                      <p:cBhvr>
+                                        <p:cTn id="8" dur="500" fill="hold"/>
+                                        <p:tgtEl>
+                                          <p:spTgt spid="6"/>
+                                        </p:tgtEl>
+                                        <p:attrNameLst>
+                                          <p:attrName>ppt_h</p:attrName>
+                                        </p:attrNameLst>
+                                      </p:cBhvr>
+                                      <p:tavLst>
+                                        <p:tav tm="0">
+                                          <p:val>
+                                            <p:fltVal val="0"/>
+                                          </p:val>
+                                        </p:tav>
+                                        <p:tav tm="100000">
+                                          <p:val>
+                                            <p:strVal val="#ppt_h"/>
+                                          </p:val>
+                                        </p:tav>
+                                      </p:tavLst>
+                                    </p:anim>
+                                    <p:animEffect transition="in" filter="fade">
+                                      <p:cBhvr>
+                                        <p:cTn id="9" dur="500"/>
+                                        <p:tgtEl>
+                                          <p:spTgt spid="6"/>
+                                        </p:tgtEl>
+                                      </p:cBhvr>
+                                    </p:animEffect>
+                                  </p:childTnLst>
+                                </p:cTn>
+                              </p:par>
+                              <p:par>
+                                <p:cTn id="10" presetID="53" presetClass="entr" presetSubtype="16" fill="hold" nodeType="withEffect">
+                                  <p:stCondLst>
+                                    <p:cond delay="0"/>
+                                  </p:stCondLst>
+                                  <p:childTnLst>
+                                    <p:set>
+                                      <p:cBhvr>
+                                        <p:cTn id="11" dur="1" fill="hold">
+                                          <p:stCondLst>
+                                            <p:cond delay="0"/>
+                                          </p:stCondLst>
+                                        </p:cTn>
+                                        <p:tgtEl>
+                                          <p:spTgt spid="7"/>
+                                        </p:tgtEl>
+                                        <p:attrNameLst>
+                                          <p:attrName>style.visibility</p:attrName>
+                                        </p:attrNameLst>
+                                      </p:cBhvr>
+                                      <p:to>
+                                        <p:strVal val="visible"/>
+                                      </p:to>
+                                    </p:set>
+                                    <p:anim calcmode="lin" valueType="num">
+                                      <p:cBhvr>
+                                        <p:cTn id="12" dur="500" fill="hold"/>
+                                        <p:tgtEl>
+                                          <p:spTgt spid="7"/>
+                                        </p:tgtEl>
+                                        <p:attrNameLst>
+                                          <p:attrName>ppt_w</p:attrName>
+                                        </p:attrNameLst>
+                                      </p:cBhvr>
+                                      <p:tavLst>
+                                        <p:tav tm="0">
+                                          <p:val>
+                                            <p:fltVal val="0"/>
+                                          </p:val>
+                                        </p:tav>
+                                        <p:tav tm="100000">
+                                          <p:val>
+                                            <p:strVal val="#ppt_w"/>
+                                          </p:val>
+                                        </p:tav>
+                                      </p:tavLst>
+                                    </p:anim>
+                                    <p:anim calcmode="lin" valueType="num">
+                                      <p:cBhvr>
+                                        <p:cTn id="13" dur="500" fill="hold"/>
+                                        <p:tgtEl>
+                                          <p:spTgt spid="7"/>
+                                        </p:tgtEl>
+                                        <p:attrNameLst>
+                                          <p:attrName>ppt_h</p:attrName>
+                                        </p:attrNameLst>
+                                      </p:cBhvr>
+                                      <p:tavLst>
+                                        <p:tav tm="0">
+                                          <p:val>
+                                            <p:fltVal val="0"/>
+                                          </p:val>
+                                        </p:tav>
+                                        <p:tav tm="100000">
+                                          <p:val>
+                                            <p:strVal val="#ppt_h"/>
+                                          </p:val>
+                                        </p:tav>
+                                      </p:tavLst>
+                                    </p:anim>
+                                    <p:animEffect transition="in" filter="fade">
+                                      <p:cBhvr>
+                                        <p:cTn id="14" dur="500"/>
+                                        <p:tgtEl>
+                                          <p:spTgt spid="7"/>
+                                        </p:tgtEl>
+                                      </p:cBhvr>
+                                    </p:animEffect>
+                                  </p:childTnLst>
+                                </p:cTn>
+                              </p:par>
+                              <p:par>
+                                <p:cTn id="15" presetID="53" presetClass="entr" presetSubtype="16" fill="hold" nodeType="withEffect">
+                                  <p:stCondLst>
+                                    <p:cond delay="0"/>
+                                  </p:stCondLst>
+                                  <p:childTnLst>
+                                    <p:set>
+                                      <p:cBhvr>
+                                        <p:cTn id="16" dur="1" fill="hold">
+                                          <p:stCondLst>
+                                            <p:cond delay="0"/>
+                                          </p:stCondLst>
+                                        </p:cTn>
+                                        <p:tgtEl>
+                                          <p:spTgt spid="8"/>
+                                        </p:tgtEl>
+                                        <p:attrNameLst>
+                                          <p:attrName>style.visibility</p:attrName>
+                                        </p:attrNameLst>
+                                      </p:cBhvr>
+                                      <p:to>
+                                        <p:strVal val="visible"/>
+                                      </p:to>
+                                    </p:set>
+                                    <p:anim calcmode="lin" valueType="num">
+                                      <p:cBhvr>
+                                        <p:cTn id="17" dur="500" fill="hold"/>
+                                        <p:tgtEl>
+                                          <p:spTgt spid="8"/>
+                                        </p:tgtEl>
+                                        <p:attrNameLst>
+                                          <p:attrName>ppt_w</p:attrName>
+                                        </p:attrNameLst>
+                                      </p:cBhvr>
+                                      <p:tavLst>
+                                        <p:tav tm="0">
+                                          <p:val>
+                                            <p:fltVal val="0"/>
+                                          </p:val>
+                                        </p:tav>
+                                        <p:tav tm="100000">
+                                          <p:val>
+                                            <p:strVal val="#ppt_w"/>
+                                          </p:val>
+                                        </p:tav>
+                                      </p:tavLst>
+                                    </p:anim>
+                                    <p:anim calcmode="lin" valueType="num">
+                                      <p:cBhvr>
+                                        <p:cTn id="18" dur="500" fill="hold"/>
+                                        <p:tgtEl>
+                                          <p:spTgt spid="8"/>
+                                        </p:tgtEl>
+                                        <p:attrNameLst>
+                                          <p:attrName>ppt_h</p:attrName>
+                                        </p:attrNameLst>
+                                      </p:cBhvr>
+                                      <p:tavLst>
+                                        <p:tav tm="0">
+                                          <p:val>
+                                            <p:fltVal val="0"/>
+                                          </p:val>
+                                        </p:tav>
+                                        <p:tav tm="100000">
+                                          <p:val>
+                                            <p:strVal val="#ppt_h"/>
+                                          </p:val>
+                                        </p:tav>
+                                      </p:tavLst>
+                                    </p:anim>
+                                    <p:animEffect transition="in" filter="fade">
+                                      <p:cBhvr>
+                                        <p:cTn id="19" dur="500"/>
+                                        <p:tgtEl>
+                                          <p:spTgt spid="8"/>
+                                        </p:tgtEl>
+                                      </p:cBhvr>
+                                    </p:animEffect>
+                                  </p:childTnLst>
+                                </p:cTn>
+                              </p:par>
+                            </p:childTnLst>
+                          </p:cTn>
+                        </p:par>
+                      </p:childTnLst>
+                    </p:cTn>
+                  </p:par>
+                </p:childTnLst>
+              </p:cTn>
+              <p:prevCondLst>
+                <p:cond evt="onPrev" delay="0">
+                  <p:tgtEl>
+                    <p:sldTgt/>
+                  </p:tgtEl>
+                </p:cond>
+              </p:prevCondLst>
+              <p:nextCondLst>
+                <p:cond evt="onNext" delay="0">
+                  <p:tgtEl>
+                    <p:sldTgt/>
+                  </p:tgtEl>
+                </p:cond>
+              </p:nextCondLst>
+            </p:seq>
+          </p:childTnLst>
+        </p:cTn>
+      </p:par>
+    </p:tnLst>
+    <p:bldLst>
+      <p:bldP spid="6" grpId="0"/>
+    </p:bldLst>
+  </p:timing>
+</p:sld>
+</file>
+
 <file path=ppt/slides/slide3.xml><?xml version="1.0" encoding="utf-8"?>
 <p:sld xmlns:a="http://schemas.openxmlformats.org/drawingml/2006/main" xmlns:r="http://schemas.openxmlformats.org/officeDocument/2006/relationships" xmlns:p="http://schemas.openxmlformats.org/presentationml/2006/main">
   <p:cSld>
@@ -19690,7 +20287,7 @@
                     <a14:useLocalDpi xmlns:a14="http://schemas.microsoft.com/office/drawing/2010/main" val="0"/>
                   </a:ext>
                   <a:ext uri="{96DAC541-7B7A-43D3-8B79-37D633B846F1}">
-                    <asvg:svgBlip xmlns:asvg="http://schemas.microsoft.com/office/drawing/2016/SVG/main" xmlns="" r:embed="rId3"/>
+                    <asvg:svgBlip xmlns="" xmlns:asvg="http://schemas.microsoft.com/office/drawing/2016/SVG/main" r:embed="rId3"/>
                   </a:ext>
                 </a:extLst>
               </a:blip>
@@ -22618,7 +23215,7 @@
                     <a14:useLocalDpi xmlns:a14="http://schemas.microsoft.com/office/drawing/2010/main" val="0"/>
                   </a:ext>
                   <a:ext uri="{96DAC541-7B7A-43D3-8B79-37D633B846F1}">
-                    <asvg:svgBlip xmlns:asvg="http://schemas.microsoft.com/office/drawing/2016/SVG/main" xmlns="" r:embed="rId3"/>
+                    <asvg:svgBlip xmlns="" xmlns:asvg="http://schemas.microsoft.com/office/drawing/2016/SVG/main" r:embed="rId3"/>
                   </a:ext>
                 </a:extLst>
               </a:blip>
@@ -23303,7 +23900,7 @@
                     <a14:useLocalDpi xmlns:a14="http://schemas.microsoft.com/office/drawing/2010/main" val="0"/>
                   </a:ext>
                   <a:ext uri="{96DAC541-7B7A-43D3-8B79-37D633B846F1}">
-                    <asvg:svgBlip xmlns:asvg="http://schemas.microsoft.com/office/drawing/2016/SVG/main" xmlns="" r:embed="rId4"/>
+                    <asvg:svgBlip xmlns="" xmlns:asvg="http://schemas.microsoft.com/office/drawing/2016/SVG/main" r:embed="rId4"/>
                   </a:ext>
                 </a:extLst>
               </a:blip>
@@ -23834,7 +24431,7 @@
                     <a14:useLocalDpi xmlns:a14="http://schemas.microsoft.com/office/drawing/2010/main" val="0"/>
                   </a:ext>
                   <a:ext uri="{96DAC541-7B7A-43D3-8B79-37D633B846F1}">
-                    <asvg:svgBlip xmlns:asvg="http://schemas.microsoft.com/office/drawing/2016/SVG/main" xmlns="" r:embed="rId4"/>
+                    <asvg:svgBlip xmlns="" xmlns:asvg="http://schemas.microsoft.com/office/drawing/2016/SVG/main" r:embed="rId4"/>
                   </a:ext>
                 </a:extLst>
               </a:blip>
@@ -24456,7 +25053,7 @@
                 <a14:useLocalDpi xmlns:a14="http://schemas.microsoft.com/office/drawing/2010/main" val="0"/>
               </a:ext>
               <a:ext uri="{96DAC541-7B7A-43D3-8B79-37D633B846F1}">
-                <asvg:svgBlip xmlns:asvg="http://schemas.microsoft.com/office/drawing/2016/SVG/main" xmlns="" r:embed="rId4"/>
+                <asvg:svgBlip xmlns="" xmlns:asvg="http://schemas.microsoft.com/office/drawing/2016/SVG/main" r:embed="rId4"/>
               </a:ext>
             </a:extLst>
           </a:blip>
@@ -26268,7 +26865,7 @@
                     <a14:useLocalDpi xmlns:a14="http://schemas.microsoft.com/office/drawing/2010/main" val="0"/>
                   </a:ext>
                   <a:ext uri="{96DAC541-7B7A-43D3-8B79-37D633B846F1}">
-                    <asvg:svgBlip xmlns:asvg="http://schemas.microsoft.com/office/drawing/2016/SVG/main" xmlns="" r:embed="rId3"/>
+                    <asvg:svgBlip xmlns="" xmlns:asvg="http://schemas.microsoft.com/office/drawing/2016/SVG/main" r:embed="rId3"/>
                   </a:ext>
                 </a:extLst>
               </a:blip>
@@ -26932,7 +27529,7 @@
                     <a14:useLocalDpi xmlns:a14="http://schemas.microsoft.com/office/drawing/2010/main" val="0"/>
                   </a:ext>
                   <a:ext uri="{96DAC541-7B7A-43D3-8B79-37D633B846F1}">
-                    <asvg:svgBlip xmlns:asvg="http://schemas.microsoft.com/office/drawing/2016/SVG/main" xmlns="" r:embed="rId3"/>
+                    <asvg:svgBlip xmlns="" xmlns:asvg="http://schemas.microsoft.com/office/drawing/2016/SVG/main" r:embed="rId3"/>
                   </a:ext>
                 </a:extLst>
               </a:blip>
@@ -27522,6 +28119,12 @@
 </file>
 
 <file path=customXml/item1.xml><?xml version="1.0" encoding="utf-8"?>
+<p:properties xmlns:p="http://schemas.microsoft.com/office/2006/metadata/properties" xmlns:xsi="http://www.w3.org/2001/XMLSchema-instance" xmlns:pc="http://schemas.microsoft.com/office/infopath/2007/PartnerControls">
+  <documentManagement/>
+</p:properties>
+</file>
+
+<file path=customXml/item2.xml><?xml version="1.0" encoding="utf-8"?>
 <ct:contentTypeSchema xmlns:ct="http://schemas.microsoft.com/office/2006/metadata/contentType" xmlns:ma="http://schemas.microsoft.com/office/2006/metadata/properties/metaAttributes" ct:_="" ma:_="" ma:contentTypeName="Document" ma:contentTypeID="0x010100A663B016B9E10D44AF2D6A2076639652" ma:contentTypeVersion="9" ma:contentTypeDescription="Create a new document." ma:contentTypeScope="" ma:versionID="487f2b4f5bb26e664e658aeeb82afc06">
   <xsd:schema xmlns:xsd="http://www.w3.org/2001/XMLSchema" xmlns:xs="http://www.w3.org/2001/XMLSchema" xmlns:p="http://schemas.microsoft.com/office/2006/metadata/properties" xmlns:ns3="1f168f81-3f83-4b33-9f0c-ec152bce3f98" xmlns:ns4="86822d51-02f5-488a-80f3-0b621e7c317a" targetNamespace="http://schemas.microsoft.com/office/2006/metadata/properties" ma:root="true" ma:fieldsID="edc5afedb1afb76831d7c08402d80832" ns3:_="" ns4:_="">
     <xsd:import namespace="1f168f81-3f83-4b33-9f0c-ec152bce3f98"/>
@@ -27718,12 +28321,6 @@
 </ct:contentTypeSchema>
 </file>
 
-<file path=customXml/item2.xml><?xml version="1.0" encoding="utf-8"?>
-<p:properties xmlns:p="http://schemas.microsoft.com/office/2006/metadata/properties" xmlns:xsi="http://www.w3.org/2001/XMLSchema-instance" xmlns:pc="http://schemas.microsoft.com/office/infopath/2007/PartnerControls">
-  <documentManagement/>
-</p:properties>
-</file>
-
 <file path=customXml/item3.xml><?xml version="1.0" encoding="utf-8"?>
 <?mso-contentType ?>
 <FormTemplates xmlns="http://schemas.microsoft.com/sharepoint/v3/contenttype/forms">
@@ -27734,6 +28331,23 @@
 </file>
 
 <file path=customXml/itemProps1.xml><?xml version="1.0" encoding="utf-8"?>
+<ds:datastoreItem xmlns:ds="http://schemas.openxmlformats.org/officeDocument/2006/customXml" ds:itemID="{7972C250-C430-4380-B8BD-02E395B67AF0}">
+  <ds:schemaRefs>
+    <ds:schemaRef ds:uri="http://purl.org/dc/dcmitype/"/>
+    <ds:schemaRef ds:uri="http://purl.org/dc/terms/"/>
+    <ds:schemaRef ds:uri="http://schemas.openxmlformats.org/package/2006/metadata/core-properties"/>
+    <ds:schemaRef ds:uri="http://schemas.microsoft.com/office/2006/documentManagement/types"/>
+    <ds:schemaRef ds:uri="http://www.w3.org/XML/1998/namespace"/>
+    <ds:schemaRef ds:uri="http://schemas.microsoft.com/office/infopath/2007/PartnerControls"/>
+    <ds:schemaRef ds:uri="http://purl.org/dc/elements/1.1/"/>
+    <ds:schemaRef ds:uri="86822d51-02f5-488a-80f3-0b621e7c317a"/>
+    <ds:schemaRef ds:uri="1f168f81-3f83-4b33-9f0c-ec152bce3f98"/>
+    <ds:schemaRef ds:uri="http://schemas.microsoft.com/office/2006/metadata/properties"/>
+  </ds:schemaRefs>
+</ds:datastoreItem>
+</file>
+
+<file path=customXml/itemProps2.xml><?xml version="1.0" encoding="utf-8"?>
 <ds:datastoreItem xmlns:ds="http://schemas.openxmlformats.org/officeDocument/2006/customXml" ds:itemID="{ED87D459-01C6-46F3-85EB-8A8AB455C67D}">
   <ds:schemaRefs>
     <ds:schemaRef ds:uri="http://schemas.microsoft.com/office/2006/metadata/contentType"/>
@@ -27752,23 +28366,6 @@
 </ds:datastoreItem>
 </file>
 
-<file path=customXml/itemProps2.xml><?xml version="1.0" encoding="utf-8"?>
-<ds:datastoreItem xmlns:ds="http://schemas.openxmlformats.org/officeDocument/2006/customXml" ds:itemID="{7972C250-C430-4380-B8BD-02E395B67AF0}">
-  <ds:schemaRefs>
-    <ds:schemaRef ds:uri="http://purl.org/dc/dcmitype/"/>
-    <ds:schemaRef ds:uri="http://purl.org/dc/terms/"/>
-    <ds:schemaRef ds:uri="http://schemas.openxmlformats.org/package/2006/metadata/core-properties"/>
-    <ds:schemaRef ds:uri="http://schemas.microsoft.com/office/2006/documentManagement/types"/>
-    <ds:schemaRef ds:uri="http://www.w3.org/XML/1998/namespace"/>
-    <ds:schemaRef ds:uri="http://schemas.microsoft.com/office/infopath/2007/PartnerControls"/>
-    <ds:schemaRef ds:uri="http://purl.org/dc/elements/1.1/"/>
-    <ds:schemaRef ds:uri="86822d51-02f5-488a-80f3-0b621e7c317a"/>
-    <ds:schemaRef ds:uri="1f168f81-3f83-4b33-9f0c-ec152bce3f98"/>
-    <ds:schemaRef ds:uri="http://schemas.microsoft.com/office/2006/metadata/properties"/>
-  </ds:schemaRefs>
-</ds:datastoreItem>
-</file>
-
 <file path=customXml/itemProps3.xml><?xml version="1.0" encoding="utf-8"?>
 <ds:datastoreItem xmlns:ds="http://schemas.openxmlformats.org/officeDocument/2006/customXml" ds:itemID="{E12B114C-EB44-46E6-930B-B69E30F6F9AE}">
   <ds:schemaRefs>

--- a/MONITORAMENTO/Documentação/PPTs/Cold Stock Apresentação - Sprint 2.pptx
+++ b/MONITORAMENTO/Documentação/PPTs/Cold Stock Apresentação - Sprint 2.pptx
@@ -7,24 +7,25 @@
   <p:sldIdLst>
     <p:sldId id="256" r:id="rId5"/>
     <p:sldId id="258" r:id="rId6"/>
-    <p:sldId id="259" r:id="rId7"/>
-    <p:sldId id="260" r:id="rId8"/>
-    <p:sldId id="261" r:id="rId9"/>
-    <p:sldId id="257" r:id="rId10"/>
-    <p:sldId id="268" r:id="rId11"/>
-    <p:sldId id="263" r:id="rId12"/>
-    <p:sldId id="264" r:id="rId13"/>
-    <p:sldId id="269" r:id="rId14"/>
-    <p:sldId id="270" r:id="rId15"/>
-    <p:sldId id="265" r:id="rId16"/>
-    <p:sldId id="277" r:id="rId17"/>
-    <p:sldId id="271" r:id="rId18"/>
-    <p:sldId id="272" r:id="rId19"/>
-    <p:sldId id="273" r:id="rId20"/>
-    <p:sldId id="274" r:id="rId21"/>
-    <p:sldId id="275" r:id="rId22"/>
-    <p:sldId id="276" r:id="rId23"/>
-    <p:sldId id="267" r:id="rId24"/>
+    <p:sldId id="278" r:id="rId7"/>
+    <p:sldId id="259" r:id="rId8"/>
+    <p:sldId id="260" r:id="rId9"/>
+    <p:sldId id="261" r:id="rId10"/>
+    <p:sldId id="257" r:id="rId11"/>
+    <p:sldId id="268" r:id="rId12"/>
+    <p:sldId id="263" r:id="rId13"/>
+    <p:sldId id="264" r:id="rId14"/>
+    <p:sldId id="269" r:id="rId15"/>
+    <p:sldId id="270" r:id="rId16"/>
+    <p:sldId id="265" r:id="rId17"/>
+    <p:sldId id="277" r:id="rId18"/>
+    <p:sldId id="271" r:id="rId19"/>
+    <p:sldId id="272" r:id="rId20"/>
+    <p:sldId id="273" r:id="rId21"/>
+    <p:sldId id="274" r:id="rId22"/>
+    <p:sldId id="275" r:id="rId23"/>
+    <p:sldId id="276" r:id="rId24"/>
+    <p:sldId id="267" r:id="rId25"/>
   </p:sldIdLst>
   <p:sldSz cx="12192000" cy="6858000"/>
   <p:notesSz cx="6858000" cy="9144000"/>
@@ -272,7 +273,7 @@
           <a:p>
             <a:fld id="{47278C1A-96D6-4232-9F36-8FBD0594C554}" type="datetimeFigureOut">
               <a:rPr lang="pt-BR" smtClean="0"/>
-              <a:t>27/10/2020</a:t>
+              <a:t>12/12/2020</a:t>
             </a:fld>
             <a:endParaRPr lang="pt-BR"/>
           </a:p>
@@ -314,7 +315,7 @@
           <a:p>
             <a:fld id="{26DF22C3-F9EA-40C4-AB4C-A1C88679FAB8}" type="slidenum">
               <a:rPr lang="pt-BR" smtClean="0"/>
-              <a:t>‹nº›</a:t>
+              <a:t>‹#›</a:t>
             </a:fld>
             <a:endParaRPr lang="pt-BR"/>
           </a:p>
@@ -440,7 +441,7 @@
           <a:p>
             <a:fld id="{47278C1A-96D6-4232-9F36-8FBD0594C554}" type="datetimeFigureOut">
               <a:rPr lang="pt-BR" smtClean="0"/>
-              <a:t>27/10/2020</a:t>
+              <a:t>12/12/2020</a:t>
             </a:fld>
             <a:endParaRPr lang="pt-BR"/>
           </a:p>
@@ -482,7 +483,7 @@
           <a:p>
             <a:fld id="{26DF22C3-F9EA-40C4-AB4C-A1C88679FAB8}" type="slidenum">
               <a:rPr lang="pt-BR" smtClean="0"/>
-              <a:t>‹nº›</a:t>
+              <a:t>‹#›</a:t>
             </a:fld>
             <a:endParaRPr lang="pt-BR"/>
           </a:p>
@@ -618,7 +619,7 @@
           <a:p>
             <a:fld id="{47278C1A-96D6-4232-9F36-8FBD0594C554}" type="datetimeFigureOut">
               <a:rPr lang="pt-BR" smtClean="0"/>
-              <a:t>27/10/2020</a:t>
+              <a:t>12/12/2020</a:t>
             </a:fld>
             <a:endParaRPr lang="pt-BR"/>
           </a:p>
@@ -660,7 +661,7 @@
           <a:p>
             <a:fld id="{26DF22C3-F9EA-40C4-AB4C-A1C88679FAB8}" type="slidenum">
               <a:rPr lang="pt-BR" smtClean="0"/>
-              <a:t>‹nº›</a:t>
+              <a:t>‹#›</a:t>
             </a:fld>
             <a:endParaRPr lang="pt-BR"/>
           </a:p>
@@ -786,7 +787,7 @@
           <a:p>
             <a:fld id="{47278C1A-96D6-4232-9F36-8FBD0594C554}" type="datetimeFigureOut">
               <a:rPr lang="pt-BR" smtClean="0"/>
-              <a:t>27/10/2020</a:t>
+              <a:t>12/12/2020</a:t>
             </a:fld>
             <a:endParaRPr lang="pt-BR"/>
           </a:p>
@@ -828,7 +829,7 @@
           <a:p>
             <a:fld id="{26DF22C3-F9EA-40C4-AB4C-A1C88679FAB8}" type="slidenum">
               <a:rPr lang="pt-BR" smtClean="0"/>
-              <a:t>‹nº›</a:t>
+              <a:t>‹#›</a:t>
             </a:fld>
             <a:endParaRPr lang="pt-BR"/>
           </a:p>
@@ -1031,7 +1032,7 @@
           <a:p>
             <a:fld id="{47278C1A-96D6-4232-9F36-8FBD0594C554}" type="datetimeFigureOut">
               <a:rPr lang="pt-BR" smtClean="0"/>
-              <a:t>27/10/2020</a:t>
+              <a:t>12/12/2020</a:t>
             </a:fld>
             <a:endParaRPr lang="pt-BR"/>
           </a:p>
@@ -1073,7 +1074,7 @@
           <a:p>
             <a:fld id="{26DF22C3-F9EA-40C4-AB4C-A1C88679FAB8}" type="slidenum">
               <a:rPr lang="pt-BR" smtClean="0"/>
-              <a:t>‹nº›</a:t>
+              <a:t>‹#›</a:t>
             </a:fld>
             <a:endParaRPr lang="pt-BR"/>
           </a:p>
@@ -1260,7 +1261,7 @@
           <a:p>
             <a:fld id="{47278C1A-96D6-4232-9F36-8FBD0594C554}" type="datetimeFigureOut">
               <a:rPr lang="pt-BR" smtClean="0"/>
-              <a:t>27/10/2020</a:t>
+              <a:t>12/12/2020</a:t>
             </a:fld>
             <a:endParaRPr lang="pt-BR"/>
           </a:p>
@@ -1302,7 +1303,7 @@
           <a:p>
             <a:fld id="{26DF22C3-F9EA-40C4-AB4C-A1C88679FAB8}" type="slidenum">
               <a:rPr lang="pt-BR" smtClean="0"/>
-              <a:t>‹nº›</a:t>
+              <a:t>‹#›</a:t>
             </a:fld>
             <a:endParaRPr lang="pt-BR"/>
           </a:p>
@@ -1624,7 +1625,7 @@
           <a:p>
             <a:fld id="{47278C1A-96D6-4232-9F36-8FBD0594C554}" type="datetimeFigureOut">
               <a:rPr lang="pt-BR" smtClean="0"/>
-              <a:t>27/10/2020</a:t>
+              <a:t>12/12/2020</a:t>
             </a:fld>
             <a:endParaRPr lang="pt-BR"/>
           </a:p>
@@ -1666,7 +1667,7 @@
           <a:p>
             <a:fld id="{26DF22C3-F9EA-40C4-AB4C-A1C88679FAB8}" type="slidenum">
               <a:rPr lang="pt-BR" smtClean="0"/>
-              <a:t>‹nº›</a:t>
+              <a:t>‹#›</a:t>
             </a:fld>
             <a:endParaRPr lang="pt-BR"/>
           </a:p>
@@ -1741,7 +1742,7 @@
           <a:p>
             <a:fld id="{47278C1A-96D6-4232-9F36-8FBD0594C554}" type="datetimeFigureOut">
               <a:rPr lang="pt-BR" smtClean="0"/>
-              <a:t>27/10/2020</a:t>
+              <a:t>12/12/2020</a:t>
             </a:fld>
             <a:endParaRPr lang="pt-BR"/>
           </a:p>
@@ -1783,7 +1784,7 @@
           <a:p>
             <a:fld id="{26DF22C3-F9EA-40C4-AB4C-A1C88679FAB8}" type="slidenum">
               <a:rPr lang="pt-BR" smtClean="0"/>
-              <a:t>‹nº›</a:t>
+              <a:t>‹#›</a:t>
             </a:fld>
             <a:endParaRPr lang="pt-BR"/>
           </a:p>
@@ -1836,7 +1837,7 @@
           <a:p>
             <a:fld id="{47278C1A-96D6-4232-9F36-8FBD0594C554}" type="datetimeFigureOut">
               <a:rPr lang="pt-BR" smtClean="0"/>
-              <a:t>27/10/2020</a:t>
+              <a:t>12/12/2020</a:t>
             </a:fld>
             <a:endParaRPr lang="pt-BR"/>
           </a:p>
@@ -1878,7 +1879,7 @@
           <a:p>
             <a:fld id="{26DF22C3-F9EA-40C4-AB4C-A1C88679FAB8}" type="slidenum">
               <a:rPr lang="pt-BR" smtClean="0"/>
-              <a:t>‹nº›</a:t>
+              <a:t>‹#›</a:t>
             </a:fld>
             <a:endParaRPr lang="pt-BR"/>
           </a:p>
@@ -2111,7 +2112,7 @@
           <a:p>
             <a:fld id="{47278C1A-96D6-4232-9F36-8FBD0594C554}" type="datetimeFigureOut">
               <a:rPr lang="pt-BR" smtClean="0"/>
-              <a:t>27/10/2020</a:t>
+              <a:t>12/12/2020</a:t>
             </a:fld>
             <a:endParaRPr lang="pt-BR"/>
           </a:p>
@@ -2153,7 +2154,7 @@
           <a:p>
             <a:fld id="{26DF22C3-F9EA-40C4-AB4C-A1C88679FAB8}" type="slidenum">
               <a:rPr lang="pt-BR" smtClean="0"/>
-              <a:t>‹nº›</a:t>
+              <a:t>‹#›</a:t>
             </a:fld>
             <a:endParaRPr lang="pt-BR"/>
           </a:p>
@@ -2363,7 +2364,7 @@
           <a:p>
             <a:fld id="{47278C1A-96D6-4232-9F36-8FBD0594C554}" type="datetimeFigureOut">
               <a:rPr lang="pt-BR" smtClean="0"/>
-              <a:t>27/10/2020</a:t>
+              <a:t>12/12/2020</a:t>
             </a:fld>
             <a:endParaRPr lang="pt-BR"/>
           </a:p>
@@ -2405,7 +2406,7 @@
           <a:p>
             <a:fld id="{26DF22C3-F9EA-40C4-AB4C-A1C88679FAB8}" type="slidenum">
               <a:rPr lang="pt-BR" smtClean="0"/>
-              <a:t>‹nº›</a:t>
+              <a:t>‹#›</a:t>
             </a:fld>
             <a:endParaRPr lang="pt-BR"/>
           </a:p>
@@ -2574,7 +2575,7 @@
           <a:p>
             <a:fld id="{47278C1A-96D6-4232-9F36-8FBD0594C554}" type="datetimeFigureOut">
               <a:rPr lang="pt-BR" smtClean="0"/>
-              <a:t>27/10/2020</a:t>
+              <a:t>12/12/2020</a:t>
             </a:fld>
             <a:endParaRPr lang="pt-BR"/>
           </a:p>
@@ -2652,7 +2653,7 @@
           <a:p>
             <a:fld id="{26DF22C3-F9EA-40C4-AB4C-A1C88679FAB8}" type="slidenum">
               <a:rPr lang="pt-BR" smtClean="0"/>
-              <a:t>‹nº›</a:t>
+              <a:t>‹#›</a:t>
             </a:fld>
             <a:endParaRPr lang="pt-BR"/>
           </a:p>
@@ -3308,7 +3309,7 @@
                     <a14:useLocalDpi xmlns:a14="http://schemas.microsoft.com/office/drawing/2010/main" val="0"/>
                   </a:ext>
                   <a:ext uri="{96DAC541-7B7A-43D3-8B79-37D633B846F1}">
-                    <asvg:svgBlip xmlns="" xmlns:asvg="http://schemas.microsoft.com/office/drawing/2016/SVG/main" r:embed="rId3"/>
+                    <asvg:svgBlip xmlns:asvg="http://schemas.microsoft.com/office/drawing/2016/SVG/main" r:embed="rId3"/>
                   </a:ext>
                 </a:extLst>
               </a:blip>
@@ -4021,9 +4022,68 @@
           <a:chExt cx="0" cy="0"/>
         </a:xfrm>
       </p:grpSpPr>
+      <p:sp>
+        <p:nvSpPr>
+          <p:cNvPr id="4" name="Triângulo Retângulo 3">
+            <a:extLst>
+              <a:ext uri="{FF2B5EF4-FFF2-40B4-BE49-F238E27FC236}">
+                <a16:creationId xmlns:a16="http://schemas.microsoft.com/office/drawing/2014/main" id="{26DF48E9-18A1-45D2-8DFD-17F6C62711FC}"/>
+              </a:ext>
+            </a:extLst>
+          </p:cNvPr>
+          <p:cNvSpPr/>
+          <p:nvPr/>
+        </p:nvSpPr>
+        <p:spPr>
+          <a:xfrm flipH="1">
+            <a:off x="10969395" y="5654516"/>
+            <a:ext cx="1222605" cy="1203483"/>
+          </a:xfrm>
+          <a:prstGeom prst="rtTriangle">
+            <a:avLst/>
+          </a:prstGeom>
+          <a:solidFill>
+            <a:srgbClr val="2B7A78"/>
+          </a:solidFill>
+          <a:ln>
+            <a:noFill/>
+          </a:ln>
+          <a:effectLst>
+            <a:outerShdw blurRad="203200" dist="38100" dir="10800000" algn="r" rotWithShape="0">
+              <a:prstClr val="black">
+                <a:alpha val="34000"/>
+              </a:prstClr>
+            </a:outerShdw>
+          </a:effectLst>
+        </p:spPr>
+        <p:style>
+          <a:lnRef idx="2">
+            <a:schemeClr val="accent1">
+              <a:shade val="50000"/>
+            </a:schemeClr>
+          </a:lnRef>
+          <a:fillRef idx="1">
+            <a:schemeClr val="accent1"/>
+          </a:fillRef>
+          <a:effectRef idx="0">
+            <a:schemeClr val="accent1"/>
+          </a:effectRef>
+          <a:fontRef idx="minor">
+            <a:schemeClr val="lt1"/>
+          </a:fontRef>
+        </p:style>
+        <p:txBody>
+          <a:bodyPr rtlCol="0" anchor="ctr"/>
+          <a:lstStyle/>
+          <a:p>
+            <a:pPr algn="ctr"/>
+            <a:endParaRPr lang="pt-BR"/>
+          </a:p>
+        </p:txBody>
+      </p:sp>
       <p:grpSp>
         <p:nvGrpSpPr>
-          <p:cNvPr id="4" name="Agrupar 3">
+          <p:cNvPr id="5" name="Agrupar 4">
             <a:extLst>
               <a:ext uri="{FF2B5EF4-FFF2-40B4-BE49-F238E27FC236}">
                 <a16:creationId xmlns:a16="http://schemas.microsoft.com/office/drawing/2014/main" id="{CF19D031-129C-4403-89C9-402CECE5548A}"/>
@@ -4036,14 +4096,14 @@
         <p:grpSpPr>
           <a:xfrm>
             <a:off x="1563819" y="150271"/>
-            <a:ext cx="9467038" cy="1127441"/>
+            <a:ext cx="9064363" cy="1127441"/>
             <a:chOff x="1563819" y="150271"/>
-            <a:chExt cx="9467038" cy="1127441"/>
+            <a:chExt cx="9064363" cy="1127441"/>
           </a:xfrm>
         </p:grpSpPr>
         <p:sp>
           <p:nvSpPr>
-            <p:cNvPr id="5" name="CaixaDeTexto 4">
+            <p:cNvPr id="6" name="CaixaDeTexto 5">
               <a:extLst>
                 <a:ext uri="{FF2B5EF4-FFF2-40B4-BE49-F238E27FC236}">
                   <a16:creationId xmlns:a16="http://schemas.microsoft.com/office/drawing/2014/main" id="{48389BA0-EB7A-4D9C-A020-EE7E30785F15}"/>
@@ -4056,7 +4116,7 @@
           <p:spPr>
             <a:xfrm>
               <a:off x="1563819" y="150271"/>
-              <a:ext cx="9467038" cy="923330"/>
+              <a:ext cx="9064363" cy="923330"/>
             </a:xfrm>
             <a:prstGeom prst="rect">
               <a:avLst/>
@@ -4077,14 +4137,29 @@
                   </a:solidFill>
                   <a:latin typeface="Montserrat SemiBold" panose="00000700000000000000" pitchFamily="2" charset="0"/>
                 </a:rPr>
-                <a:t>Protótipo Máquinas</a:t>
+                <a:t>Protótipo </a:t>
               </a:r>
+              <a:r>
+                <a:rPr lang="pt-BR" sz="5400" dirty="0" err="1">
+                  <a:solidFill>
+                    <a:srgbClr val="3AAFA9"/>
+                  </a:solidFill>
+                  <a:latin typeface="Montserrat SemiBold" panose="00000700000000000000" pitchFamily="2" charset="0"/>
+                </a:rPr>
+                <a:t>Login</a:t>
+              </a:r>
+              <a:endParaRPr lang="pt-BR" sz="5400" dirty="0">
+                <a:solidFill>
+                  <a:srgbClr val="3AAFA9"/>
+                </a:solidFill>
+                <a:latin typeface="Montserrat SemiBold" panose="00000700000000000000" pitchFamily="2" charset="0"/>
+              </a:endParaRPr>
             </a:p>
           </p:txBody>
         </p:sp>
         <p:grpSp>
           <p:nvGrpSpPr>
-            <p:cNvPr id="6" name="Agrupar 5">
+            <p:cNvPr id="7" name="Agrupar 6">
               <a:extLst>
                 <a:ext uri="{FF2B5EF4-FFF2-40B4-BE49-F238E27FC236}">
                   <a16:creationId xmlns:a16="http://schemas.microsoft.com/office/drawing/2014/main" id="{37C7C3AC-9700-4BE7-A4EF-2491564D8BC3}"/>
@@ -4104,7 +4179,7 @@
           </p:grpSpPr>
           <p:cxnSp>
             <p:nvCxnSpPr>
-              <p:cNvPr id="7" name="Conector reto 6">
+              <p:cNvPr id="8" name="Conector reto 7">
                 <a:extLst>
                   <a:ext uri="{FF2B5EF4-FFF2-40B4-BE49-F238E27FC236}">
                     <a16:creationId xmlns:a16="http://schemas.microsoft.com/office/drawing/2014/main" id="{EDE2D347-7CE7-44BA-853C-67CE632ED9A2}"/>
@@ -4147,7 +4222,7 @@
           </p:cxnSp>
           <p:cxnSp>
             <p:nvCxnSpPr>
-              <p:cNvPr id="8" name="Conector reto 7">
+              <p:cNvPr id="9" name="Conector reto 8">
                 <a:extLst>
                   <a:ext uri="{FF2B5EF4-FFF2-40B4-BE49-F238E27FC236}">
                     <a16:creationId xmlns:a16="http://schemas.microsoft.com/office/drawing/2014/main" id="{A1B1770C-9267-424E-89CC-A52F46C4A616}"/>
@@ -4188,7 +4263,7 @@
           </p:cxnSp>
           <p:pic>
             <p:nvPicPr>
-              <p:cNvPr id="9" name="Gráfico 16" descr="Floco de Neve">
+              <p:cNvPr id="10" name="Gráfico 16" descr="Floco de Neve">
                 <a:extLst>
                   <a:ext uri="{FF2B5EF4-FFF2-40B4-BE49-F238E27FC236}">
                     <a16:creationId xmlns:a16="http://schemas.microsoft.com/office/drawing/2014/main" id="{7032740E-2F78-4501-AA3B-231B3A993B95}"/>
@@ -4207,7 +4282,7 @@
                     <a14:useLocalDpi xmlns:a14="http://schemas.microsoft.com/office/drawing/2010/main" val="0"/>
                   </a:ext>
                   <a:ext uri="{96DAC541-7B7A-43D3-8B79-37D633B846F1}">
-                    <asvg:svgBlip xmlns="" xmlns:asvg="http://schemas.microsoft.com/office/drawing/2016/SVG/main" r:embed="rId3"/>
+                    <asvg:svgBlip xmlns:asvg="http://schemas.microsoft.com/office/drawing/2016/SVG/main" r:embed="rId3"/>
                   </a:ext>
                 </a:extLst>
               </a:blip>
@@ -4229,7 +4304,7 @@
       </p:grpSp>
       <p:sp>
         <p:nvSpPr>
-          <p:cNvPr id="10" name="Seta: Pentágono 28">
+          <p:cNvPr id="11" name="Seta: Pentágono 28">
             <a:extLst>
               <a:ext uri="{FF2B5EF4-FFF2-40B4-BE49-F238E27FC236}">
                 <a16:creationId xmlns:a16="http://schemas.microsoft.com/office/drawing/2014/main" id="{AF2875AE-D373-48D9-BC7D-1602CCDD82BC}"/>
@@ -4288,7 +4363,7 @@
       </p:sp>
       <p:pic>
         <p:nvPicPr>
-          <p:cNvPr id="11" name="Imagem 10" descr="Uma imagem contendo gráfico, desenho&#10;&#10;Descrição gerada automaticamente">
+          <p:cNvPr id="12" name="Imagem 11" descr="Uma imagem contendo gráfico, desenho&#10;&#10;Descrição gerada automaticamente">
             <a:extLst>
               <a:ext uri="{FF2B5EF4-FFF2-40B4-BE49-F238E27FC236}">
                 <a16:creationId xmlns:a16="http://schemas.microsoft.com/office/drawing/2014/main" id="{BB59CEA4-075F-430D-9973-2704A2E495AA}"/>
@@ -4322,68 +4397,9 @@
           </a:prstGeom>
         </p:spPr>
       </p:pic>
-      <p:sp>
-        <p:nvSpPr>
-          <p:cNvPr id="12" name="Triângulo Retângulo 11">
-            <a:extLst>
-              <a:ext uri="{FF2B5EF4-FFF2-40B4-BE49-F238E27FC236}">
-                <a16:creationId xmlns:a16="http://schemas.microsoft.com/office/drawing/2014/main" id="{26DF48E9-18A1-45D2-8DFD-17F6C62711FC}"/>
-              </a:ext>
-            </a:extLst>
-          </p:cNvPr>
-          <p:cNvSpPr/>
-          <p:nvPr/>
-        </p:nvSpPr>
-        <p:spPr>
-          <a:xfrm>
-            <a:off x="-2527" y="5654515"/>
-            <a:ext cx="1222605" cy="1203483"/>
-          </a:xfrm>
-          <a:prstGeom prst="rtTriangle">
-            <a:avLst/>
-          </a:prstGeom>
-          <a:solidFill>
-            <a:srgbClr val="2B7A78"/>
-          </a:solidFill>
-          <a:ln>
-            <a:noFill/>
-          </a:ln>
-          <a:effectLst>
-            <a:outerShdw blurRad="203200" dist="38100" dir="10800000" algn="r" rotWithShape="0">
-              <a:prstClr val="black">
-                <a:alpha val="34000"/>
-              </a:prstClr>
-            </a:outerShdw>
-          </a:effectLst>
-        </p:spPr>
-        <p:style>
-          <a:lnRef idx="2">
-            <a:schemeClr val="accent1">
-              <a:shade val="50000"/>
-            </a:schemeClr>
-          </a:lnRef>
-          <a:fillRef idx="1">
-            <a:schemeClr val="accent1"/>
-          </a:fillRef>
-          <a:effectRef idx="0">
-            <a:schemeClr val="accent1"/>
-          </a:effectRef>
-          <a:fontRef idx="minor">
-            <a:schemeClr val="lt1"/>
-          </a:fontRef>
-        </p:style>
-        <p:txBody>
-          <a:bodyPr rtlCol="0" anchor="ctr"/>
-          <a:lstStyle/>
-          <a:p>
-            <a:pPr algn="ctr"/>
-            <a:endParaRPr lang="pt-BR"/>
-          </a:p>
-        </p:txBody>
-      </p:sp>
       <p:pic>
         <p:nvPicPr>
-          <p:cNvPr id="3" name="Imagem 2"/>
+          <p:cNvPr id="2" name="Imagem 1"/>
           <p:cNvPicPr>
             <a:picLocks noChangeAspect="1"/>
           </p:cNvPicPr>
@@ -4397,8 +4413,8 @@
         </p:blipFill>
         <p:spPr>
           <a:xfrm>
-            <a:off x="2078677" y="1277712"/>
-            <a:ext cx="8010525" cy="5019675"/>
+            <a:off x="2095500" y="1277712"/>
+            <a:ext cx="8001000" cy="5114925"/>
           </a:xfrm>
           <a:prstGeom prst="rect">
             <a:avLst/>
@@ -4408,7 +4424,7 @@
     </p:spTree>
     <p:extLst>
       <p:ext uri="{BB962C8B-B14F-4D97-AF65-F5344CB8AC3E}">
-        <p14:creationId xmlns:p14="http://schemas.microsoft.com/office/powerpoint/2010/main" val="3163445671"/>
+        <p14:creationId xmlns:p14="http://schemas.microsoft.com/office/powerpoint/2010/main" val="4189839217"/>
       </p:ext>
     </p:extLst>
   </p:cSld>
@@ -4452,7 +4468,7 @@
                                           </p:stCondLst>
                                         </p:cTn>
                                         <p:tgtEl>
-                                          <p:spTgt spid="4"/>
+                                          <p:spTgt spid="5"/>
                                         </p:tgtEl>
                                         <p:attrNameLst>
                                           <p:attrName>style.visibility</p:attrName>
@@ -4466,7 +4482,7 @@
                                       <p:cBhvr>
                                         <p:cTn id="7" dur="500" fill="hold"/>
                                         <p:tgtEl>
-                                          <p:spTgt spid="4"/>
+                                          <p:spTgt spid="5"/>
                                         </p:tgtEl>
                                         <p:attrNameLst>
                                           <p:attrName>ppt_w</p:attrName>
@@ -4489,7 +4505,7 @@
                                       <p:cBhvr>
                                         <p:cTn id="8" dur="500" fill="hold"/>
                                         <p:tgtEl>
-                                          <p:spTgt spid="4"/>
+                                          <p:spTgt spid="5"/>
                                         </p:tgtEl>
                                         <p:attrNameLst>
                                           <p:attrName>ppt_h</p:attrName>
@@ -4512,7 +4528,7 @@
                                       <p:cBhvr>
                                         <p:cTn id="9" dur="500"/>
                                         <p:tgtEl>
-                                          <p:spTgt spid="4"/>
+                                          <p:spTgt spid="5"/>
                                         </p:tgtEl>
                                       </p:cBhvr>
                                     </p:animEffect>
@@ -4542,7 +4558,7 @@
                                           </p:stCondLst>
                                         </p:cTn>
                                         <p:tgtEl>
-                                          <p:spTgt spid="3"/>
+                                          <p:spTgt spid="2"/>
                                         </p:tgtEl>
                                         <p:attrNameLst>
                                           <p:attrName>style.visibility</p:attrName>
@@ -4556,7 +4572,7 @@
                                       <p:cBhvr>
                                         <p:cTn id="13" dur="1000"/>
                                         <p:tgtEl>
-                                          <p:spTgt spid="3"/>
+                                          <p:spTgt spid="2"/>
                                         </p:tgtEl>
                                       </p:cBhvr>
                                     </p:animEffect>
@@ -4797,7 +4813,597 @@
                     <a14:useLocalDpi xmlns:a14="http://schemas.microsoft.com/office/drawing/2010/main" val="0"/>
                   </a:ext>
                   <a:ext uri="{96DAC541-7B7A-43D3-8B79-37D633B846F1}">
-                    <asvg:svgBlip xmlns="" xmlns:asvg="http://schemas.microsoft.com/office/drawing/2016/SVG/main" r:embed="rId3"/>
+                    <asvg:svgBlip xmlns:asvg="http://schemas.microsoft.com/office/drawing/2016/SVG/main" r:embed="rId3"/>
+                  </a:ext>
+                </a:extLst>
+              </a:blip>
+              <a:stretch>
+                <a:fillRect/>
+              </a:stretch>
+            </p:blipFill>
+            <p:spPr>
+              <a:xfrm>
+                <a:off x="5864116" y="732746"/>
+                <a:ext cx="457200" cy="457200"/>
+              </a:xfrm>
+              <a:prstGeom prst="rect">
+                <a:avLst/>
+              </a:prstGeom>
+            </p:spPr>
+          </p:pic>
+        </p:grpSp>
+      </p:grpSp>
+      <p:sp>
+        <p:nvSpPr>
+          <p:cNvPr id="10" name="Seta: Pentágono 28">
+            <a:extLst>
+              <a:ext uri="{FF2B5EF4-FFF2-40B4-BE49-F238E27FC236}">
+                <a16:creationId xmlns:a16="http://schemas.microsoft.com/office/drawing/2014/main" id="{AF2875AE-D373-48D9-BC7D-1602CCDD82BC}"/>
+              </a:ext>
+            </a:extLst>
+          </p:cNvPr>
+          <p:cNvSpPr/>
+          <p:nvPr/>
+        </p:nvSpPr>
+        <p:spPr>
+          <a:xfrm>
+            <a:off x="-2527" y="0"/>
+            <a:ext cx="1440000" cy="858157"/>
+          </a:xfrm>
+          <a:prstGeom prst="homePlate">
+            <a:avLst/>
+          </a:prstGeom>
+          <a:solidFill>
+            <a:srgbClr val="17252A"/>
+          </a:solidFill>
+          <a:ln>
+            <a:noFill/>
+          </a:ln>
+          <a:effectLst>
+            <a:outerShdw blurRad="203200" dist="38100" dir="2700000" algn="tl" rotWithShape="0">
+              <a:prstClr val="black">
+                <a:alpha val="34000"/>
+              </a:prstClr>
+            </a:outerShdw>
+          </a:effectLst>
+        </p:spPr>
+        <p:style>
+          <a:lnRef idx="2">
+            <a:schemeClr val="accent1">
+              <a:shade val="50000"/>
+            </a:schemeClr>
+          </a:lnRef>
+          <a:fillRef idx="1">
+            <a:schemeClr val="accent1"/>
+          </a:fillRef>
+          <a:effectRef idx="0">
+            <a:schemeClr val="accent1"/>
+          </a:effectRef>
+          <a:fontRef idx="minor">
+            <a:schemeClr val="lt1"/>
+          </a:fontRef>
+        </p:style>
+        <p:txBody>
+          <a:bodyPr rtlCol="0" anchor="ctr"/>
+          <a:lstStyle/>
+          <a:p>
+            <a:pPr algn="ctr"/>
+            <a:endParaRPr lang="pt-BR"/>
+          </a:p>
+        </p:txBody>
+      </p:sp>
+      <p:pic>
+        <p:nvPicPr>
+          <p:cNvPr id="11" name="Imagem 10" descr="Uma imagem contendo gráfico, desenho&#10;&#10;Descrição gerada automaticamente">
+            <a:extLst>
+              <a:ext uri="{FF2B5EF4-FFF2-40B4-BE49-F238E27FC236}">
+                <a16:creationId xmlns:a16="http://schemas.microsoft.com/office/drawing/2014/main" id="{BB59CEA4-075F-430D-9973-2704A2E495AA}"/>
+              </a:ext>
+            </a:extLst>
+          </p:cNvPr>
+          <p:cNvPicPr>
+            <a:picLocks noChangeAspect="1"/>
+          </p:cNvPicPr>
+          <p:nvPr/>
+        </p:nvPicPr>
+        <p:blipFill>
+          <a:blip r:embed="rId4" cstate="print">
+            <a:extLst>
+              <a:ext uri="{28A0092B-C50C-407E-A947-70E740481C1C}">
+                <a14:useLocalDpi xmlns:a14="http://schemas.microsoft.com/office/drawing/2010/main" val="0"/>
+              </a:ext>
+            </a:extLst>
+          </a:blip>
+          <a:stretch>
+            <a:fillRect/>
+          </a:stretch>
+        </p:blipFill>
+        <p:spPr>
+          <a:xfrm>
+            <a:off x="215347" y="85278"/>
+            <a:ext cx="687600" cy="687600"/>
+          </a:xfrm>
+          <a:prstGeom prst="rect">
+            <a:avLst/>
+          </a:prstGeom>
+        </p:spPr>
+      </p:pic>
+      <p:sp>
+        <p:nvSpPr>
+          <p:cNvPr id="12" name="Triângulo Retângulo 11">
+            <a:extLst>
+              <a:ext uri="{FF2B5EF4-FFF2-40B4-BE49-F238E27FC236}">
+                <a16:creationId xmlns:a16="http://schemas.microsoft.com/office/drawing/2014/main" id="{26DF48E9-18A1-45D2-8DFD-17F6C62711FC}"/>
+              </a:ext>
+            </a:extLst>
+          </p:cNvPr>
+          <p:cNvSpPr/>
+          <p:nvPr/>
+        </p:nvSpPr>
+        <p:spPr>
+          <a:xfrm>
+            <a:off x="-2527" y="5654515"/>
+            <a:ext cx="1222605" cy="1203483"/>
+          </a:xfrm>
+          <a:prstGeom prst="rtTriangle">
+            <a:avLst/>
+          </a:prstGeom>
+          <a:solidFill>
+            <a:srgbClr val="2B7A78"/>
+          </a:solidFill>
+          <a:ln>
+            <a:noFill/>
+          </a:ln>
+          <a:effectLst>
+            <a:outerShdw blurRad="203200" dist="38100" dir="10800000" algn="r" rotWithShape="0">
+              <a:prstClr val="black">
+                <a:alpha val="34000"/>
+              </a:prstClr>
+            </a:outerShdw>
+          </a:effectLst>
+        </p:spPr>
+        <p:style>
+          <a:lnRef idx="2">
+            <a:schemeClr val="accent1">
+              <a:shade val="50000"/>
+            </a:schemeClr>
+          </a:lnRef>
+          <a:fillRef idx="1">
+            <a:schemeClr val="accent1"/>
+          </a:fillRef>
+          <a:effectRef idx="0">
+            <a:schemeClr val="accent1"/>
+          </a:effectRef>
+          <a:fontRef idx="minor">
+            <a:schemeClr val="lt1"/>
+          </a:fontRef>
+        </p:style>
+        <p:txBody>
+          <a:bodyPr rtlCol="0" anchor="ctr"/>
+          <a:lstStyle/>
+          <a:p>
+            <a:pPr algn="ctr"/>
+            <a:endParaRPr lang="pt-BR"/>
+          </a:p>
+        </p:txBody>
+      </p:sp>
+      <p:pic>
+        <p:nvPicPr>
+          <p:cNvPr id="3" name="Imagem 2"/>
+          <p:cNvPicPr>
+            <a:picLocks noChangeAspect="1"/>
+          </p:cNvPicPr>
+          <p:nvPr/>
+        </p:nvPicPr>
+        <p:blipFill>
+          <a:blip r:embed="rId5"/>
+          <a:stretch>
+            <a:fillRect/>
+          </a:stretch>
+        </p:blipFill>
+        <p:spPr>
+          <a:xfrm>
+            <a:off x="2078677" y="1277712"/>
+            <a:ext cx="8010525" cy="5019675"/>
+          </a:xfrm>
+          <a:prstGeom prst="rect">
+            <a:avLst/>
+          </a:prstGeom>
+        </p:spPr>
+      </p:pic>
+    </p:spTree>
+    <p:extLst>
+      <p:ext uri="{BB962C8B-B14F-4D97-AF65-F5344CB8AC3E}">
+        <p14:creationId xmlns:p14="http://schemas.microsoft.com/office/powerpoint/2010/main" val="3163445671"/>
+      </p:ext>
+    </p:extLst>
+  </p:cSld>
+  <p:clrMapOvr>
+    <a:masterClrMapping/>
+  </p:clrMapOvr>
+  <p:timing>
+    <p:tnLst>
+      <p:par>
+        <p:cTn id="1" dur="indefinite" restart="never" nodeType="tmRoot">
+          <p:childTnLst>
+            <p:seq concurrent="1" nextAc="seek">
+              <p:cTn id="2" dur="indefinite" nodeType="mainSeq">
+                <p:childTnLst>
+                  <p:par>
+                    <p:cTn id="3" fill="hold">
+                      <p:stCondLst>
+                        <p:cond delay="indefinite"/>
+                        <p:cond evt="onBegin" delay="0">
+                          <p:tn val="2"/>
+                        </p:cond>
+                      </p:stCondLst>
+                      <p:childTnLst>
+                        <p:par>
+                          <p:cTn id="4" fill="hold">
+                            <p:stCondLst>
+                              <p:cond delay="0"/>
+                            </p:stCondLst>
+                            <p:childTnLst>
+                              <p:par>
+                                <p:cTn id="5" presetID="53" presetClass="entr" presetSubtype="16" fill="hold" nodeType="afterEffect">
+                                  <p:stCondLst>
+                                    <p:cond delay="0"/>
+                                  </p:stCondLst>
+                                  <p:childTnLst>
+                                    <p:set>
+                                      <p:cBhvr>
+                                        <p:cTn id="6" dur="1" fill="hold">
+                                          <p:stCondLst>
+                                            <p:cond delay="0"/>
+                                          </p:stCondLst>
+                                        </p:cTn>
+                                        <p:tgtEl>
+                                          <p:spTgt spid="4"/>
+                                        </p:tgtEl>
+                                        <p:attrNameLst>
+                                          <p:attrName>style.visibility</p:attrName>
+                                        </p:attrNameLst>
+                                      </p:cBhvr>
+                                      <p:to>
+                                        <p:strVal val="visible"/>
+                                      </p:to>
+                                    </p:set>
+                                    <p:anim calcmode="lin" valueType="num">
+                                      <p:cBhvr>
+                                        <p:cTn id="7" dur="500" fill="hold"/>
+                                        <p:tgtEl>
+                                          <p:spTgt spid="4"/>
+                                        </p:tgtEl>
+                                        <p:attrNameLst>
+                                          <p:attrName>ppt_w</p:attrName>
+                                        </p:attrNameLst>
+                                      </p:cBhvr>
+                                      <p:tavLst>
+                                        <p:tav tm="0">
+                                          <p:val>
+                                            <p:fltVal val="0"/>
+                                          </p:val>
+                                        </p:tav>
+                                        <p:tav tm="100000">
+                                          <p:val>
+                                            <p:strVal val="#ppt_w"/>
+                                          </p:val>
+                                        </p:tav>
+                                      </p:tavLst>
+                                    </p:anim>
+                                    <p:anim calcmode="lin" valueType="num">
+                                      <p:cBhvr>
+                                        <p:cTn id="8" dur="500" fill="hold"/>
+                                        <p:tgtEl>
+                                          <p:spTgt spid="4"/>
+                                        </p:tgtEl>
+                                        <p:attrNameLst>
+                                          <p:attrName>ppt_h</p:attrName>
+                                        </p:attrNameLst>
+                                      </p:cBhvr>
+                                      <p:tavLst>
+                                        <p:tav tm="0">
+                                          <p:val>
+                                            <p:fltVal val="0"/>
+                                          </p:val>
+                                        </p:tav>
+                                        <p:tav tm="100000">
+                                          <p:val>
+                                            <p:strVal val="#ppt_h"/>
+                                          </p:val>
+                                        </p:tav>
+                                      </p:tavLst>
+                                    </p:anim>
+                                    <p:animEffect transition="in" filter="fade">
+                                      <p:cBhvr>
+                                        <p:cTn id="9" dur="500"/>
+                                        <p:tgtEl>
+                                          <p:spTgt spid="4"/>
+                                        </p:tgtEl>
+                                      </p:cBhvr>
+                                    </p:animEffect>
+                                  </p:childTnLst>
+                                </p:cTn>
+                              </p:par>
+                            </p:childTnLst>
+                          </p:cTn>
+                        </p:par>
+                        <p:par>
+                          <p:cTn id="10" fill="hold">
+                            <p:stCondLst>
+                              <p:cond delay="500"/>
+                            </p:stCondLst>
+                            <p:childTnLst>
+                              <p:par>
+                                <p:cTn id="11" presetID="10" presetClass="entr" presetSubtype="0" fill="hold" nodeType="afterEffect">
+                                  <p:stCondLst>
+                                    <p:cond delay="0"/>
+                                  </p:stCondLst>
+                                  <p:childTnLst>
+                                    <p:set>
+                                      <p:cBhvr>
+                                        <p:cTn id="12" dur="1" fill="hold">
+                                          <p:stCondLst>
+                                            <p:cond delay="0"/>
+                                          </p:stCondLst>
+                                        </p:cTn>
+                                        <p:tgtEl>
+                                          <p:spTgt spid="3"/>
+                                        </p:tgtEl>
+                                        <p:attrNameLst>
+                                          <p:attrName>style.visibility</p:attrName>
+                                        </p:attrNameLst>
+                                      </p:cBhvr>
+                                      <p:to>
+                                        <p:strVal val="visible"/>
+                                      </p:to>
+                                    </p:set>
+                                    <p:animEffect transition="in" filter="fade">
+                                      <p:cBhvr>
+                                        <p:cTn id="13" dur="1000"/>
+                                        <p:tgtEl>
+                                          <p:spTgt spid="3"/>
+                                        </p:tgtEl>
+                                      </p:cBhvr>
+                                    </p:animEffect>
+                                  </p:childTnLst>
+                                </p:cTn>
+                              </p:par>
+                            </p:childTnLst>
+                          </p:cTn>
+                        </p:par>
+                      </p:childTnLst>
+                    </p:cTn>
+                  </p:par>
+                </p:childTnLst>
+              </p:cTn>
+              <p:prevCondLst>
+                <p:cond evt="onPrev" delay="0">
+                  <p:tgtEl>
+                    <p:sldTgt/>
+                  </p:tgtEl>
+                </p:cond>
+              </p:prevCondLst>
+              <p:nextCondLst>
+                <p:cond evt="onNext" delay="0">
+                  <p:tgtEl>
+                    <p:sldTgt/>
+                  </p:tgtEl>
+                </p:cond>
+              </p:nextCondLst>
+            </p:seq>
+          </p:childTnLst>
+        </p:cTn>
+      </p:par>
+    </p:tnLst>
+  </p:timing>
+</p:sld>
+</file>
+
+<file path=ppt/slides/slide12.xml><?xml version="1.0" encoding="utf-8"?>
+<p:sld xmlns:a="http://schemas.openxmlformats.org/drawingml/2006/main" xmlns:r="http://schemas.openxmlformats.org/officeDocument/2006/relationships" xmlns:p="http://schemas.openxmlformats.org/presentationml/2006/main">
+  <p:cSld>
+    <p:spTree>
+      <p:nvGrpSpPr>
+        <p:cNvPr id="1" name=""/>
+        <p:cNvGrpSpPr/>
+        <p:nvPr/>
+      </p:nvGrpSpPr>
+      <p:grpSpPr>
+        <a:xfrm>
+          <a:off x="0" y="0"/>
+          <a:ext cx="0" cy="0"/>
+          <a:chOff x="0" y="0"/>
+          <a:chExt cx="0" cy="0"/>
+        </a:xfrm>
+      </p:grpSpPr>
+      <p:grpSp>
+        <p:nvGrpSpPr>
+          <p:cNvPr id="4" name="Agrupar 3">
+            <a:extLst>
+              <a:ext uri="{FF2B5EF4-FFF2-40B4-BE49-F238E27FC236}">
+                <a16:creationId xmlns:a16="http://schemas.microsoft.com/office/drawing/2014/main" id="{CF19D031-129C-4403-89C9-402CECE5548A}"/>
+              </a:ext>
+            </a:extLst>
+          </p:cNvPr>
+          <p:cNvGrpSpPr/>
+          <p:nvPr/>
+        </p:nvGrpSpPr>
+        <p:grpSpPr>
+          <a:xfrm>
+            <a:off x="1563819" y="150271"/>
+            <a:ext cx="9467038" cy="1127441"/>
+            <a:chOff x="1563819" y="150271"/>
+            <a:chExt cx="9467038" cy="1127441"/>
+          </a:xfrm>
+        </p:grpSpPr>
+        <p:sp>
+          <p:nvSpPr>
+            <p:cNvPr id="5" name="CaixaDeTexto 4">
+              <a:extLst>
+                <a:ext uri="{FF2B5EF4-FFF2-40B4-BE49-F238E27FC236}">
+                  <a16:creationId xmlns:a16="http://schemas.microsoft.com/office/drawing/2014/main" id="{48389BA0-EB7A-4D9C-A020-EE7E30785F15}"/>
+                </a:ext>
+              </a:extLst>
+            </p:cNvPr>
+            <p:cNvSpPr txBox="1"/>
+            <p:nvPr/>
+          </p:nvSpPr>
+          <p:spPr>
+            <a:xfrm>
+              <a:off x="1563819" y="150271"/>
+              <a:ext cx="9467038" cy="923330"/>
+            </a:xfrm>
+            <a:prstGeom prst="rect">
+              <a:avLst/>
+            </a:prstGeom>
+            <a:noFill/>
+          </p:spPr>
+          <p:txBody>
+            <a:bodyPr wrap="square" rtlCol="0">
+              <a:spAutoFit/>
+            </a:bodyPr>
+            <a:lstStyle/>
+            <a:p>
+              <a:pPr algn="ctr"/>
+              <a:r>
+                <a:rPr lang="pt-BR" sz="5400" dirty="0">
+                  <a:solidFill>
+                    <a:srgbClr val="3AAFA9"/>
+                  </a:solidFill>
+                  <a:latin typeface="Montserrat SemiBold" panose="00000700000000000000" pitchFamily="2" charset="0"/>
+                </a:rPr>
+                <a:t>Protótipo Máquinas</a:t>
+              </a:r>
+            </a:p>
+          </p:txBody>
+        </p:sp>
+        <p:grpSp>
+          <p:nvGrpSpPr>
+            <p:cNvPr id="6" name="Agrupar 5">
+              <a:extLst>
+                <a:ext uri="{FF2B5EF4-FFF2-40B4-BE49-F238E27FC236}">
+                  <a16:creationId xmlns:a16="http://schemas.microsoft.com/office/drawing/2014/main" id="{37C7C3AC-9700-4BE7-A4EF-2491564D8BC3}"/>
+                </a:ext>
+              </a:extLst>
+            </p:cNvPr>
+            <p:cNvGrpSpPr/>
+            <p:nvPr/>
+          </p:nvGrpSpPr>
+          <p:grpSpPr>
+            <a:xfrm>
+              <a:off x="3329674" y="820512"/>
+              <a:ext cx="5532653" cy="457200"/>
+              <a:chOff x="3338450" y="732746"/>
+              <a:chExt cx="5532653" cy="457200"/>
+            </a:xfrm>
+          </p:grpSpPr>
+          <p:cxnSp>
+            <p:nvCxnSpPr>
+              <p:cNvPr id="7" name="Conector reto 6">
+                <a:extLst>
+                  <a:ext uri="{FF2B5EF4-FFF2-40B4-BE49-F238E27FC236}">
+                    <a16:creationId xmlns:a16="http://schemas.microsoft.com/office/drawing/2014/main" id="{EDE2D347-7CE7-44BA-853C-67CE632ED9A2}"/>
+                  </a:ext>
+                </a:extLst>
+              </p:cNvPr>
+              <p:cNvCxnSpPr>
+                <a:cxnSpLocks/>
+              </p:cNvCxnSpPr>
+              <p:nvPr/>
+            </p:nvCxnSpPr>
+            <p:spPr>
+              <a:xfrm>
+                <a:off x="6351103" y="961346"/>
+                <a:ext cx="2520000" cy="0"/>
+              </a:xfrm>
+              <a:prstGeom prst="line">
+                <a:avLst/>
+              </a:prstGeom>
+              <a:ln w="38100">
+                <a:solidFill>
+                  <a:srgbClr val="2B7A78"/>
+                </a:solidFill>
+              </a:ln>
+            </p:spPr>
+            <p:style>
+              <a:lnRef idx="1">
+                <a:schemeClr val="accent1"/>
+              </a:lnRef>
+              <a:fillRef idx="0">
+                <a:schemeClr val="accent1"/>
+              </a:fillRef>
+              <a:effectRef idx="0">
+                <a:schemeClr val="accent1"/>
+              </a:effectRef>
+              <a:fontRef idx="minor">
+                <a:schemeClr val="tx1"/>
+              </a:fontRef>
+            </p:style>
+          </p:cxnSp>
+          <p:cxnSp>
+            <p:nvCxnSpPr>
+              <p:cNvPr id="8" name="Conector reto 7">
+                <a:extLst>
+                  <a:ext uri="{FF2B5EF4-FFF2-40B4-BE49-F238E27FC236}">
+                    <a16:creationId xmlns:a16="http://schemas.microsoft.com/office/drawing/2014/main" id="{A1B1770C-9267-424E-89CC-A52F46C4A616}"/>
+                  </a:ext>
+                </a:extLst>
+              </p:cNvPr>
+              <p:cNvCxnSpPr/>
+              <p:nvPr/>
+            </p:nvCxnSpPr>
+            <p:spPr>
+              <a:xfrm>
+                <a:off x="3338450" y="961346"/>
+                <a:ext cx="2520000" cy="0"/>
+              </a:xfrm>
+              <a:prstGeom prst="line">
+                <a:avLst/>
+              </a:prstGeom>
+              <a:ln w="38100">
+                <a:solidFill>
+                  <a:srgbClr val="2B7A78"/>
+                </a:solidFill>
+              </a:ln>
+            </p:spPr>
+            <p:style>
+              <a:lnRef idx="1">
+                <a:schemeClr val="accent1"/>
+              </a:lnRef>
+              <a:fillRef idx="0">
+                <a:schemeClr val="accent1"/>
+              </a:fillRef>
+              <a:effectRef idx="0">
+                <a:schemeClr val="accent1"/>
+              </a:effectRef>
+              <a:fontRef idx="minor">
+                <a:schemeClr val="tx1"/>
+              </a:fontRef>
+            </p:style>
+          </p:cxnSp>
+          <p:pic>
+            <p:nvPicPr>
+              <p:cNvPr id="9" name="Gráfico 16" descr="Floco de Neve">
+                <a:extLst>
+                  <a:ext uri="{FF2B5EF4-FFF2-40B4-BE49-F238E27FC236}">
+                    <a16:creationId xmlns:a16="http://schemas.microsoft.com/office/drawing/2014/main" id="{7032740E-2F78-4501-AA3B-231B3A993B95}"/>
+                  </a:ext>
+                </a:extLst>
+              </p:cNvPr>
+              <p:cNvPicPr>
+                <a:picLocks noChangeAspect="1"/>
+              </p:cNvPicPr>
+              <p:nvPr/>
+            </p:nvPicPr>
+            <p:blipFill>
+              <a:blip r:embed="rId2" cstate="print">
+                <a:extLst>
+                  <a:ext uri="{28A0092B-C50C-407E-A947-70E740481C1C}">
+                    <a14:useLocalDpi xmlns:a14="http://schemas.microsoft.com/office/drawing/2010/main" val="0"/>
+                  </a:ext>
+                  <a:ext uri="{96DAC541-7B7A-43D3-8B79-37D633B846F1}">
+                    <asvg:svgBlip xmlns:asvg="http://schemas.microsoft.com/office/drawing/2016/SVG/main" r:embed="rId3"/>
                   </a:ext>
                 </a:extLst>
               </a:blip>
@@ -5261,7 +5867,7 @@
 </p:sld>
 </file>
 
-<file path=ppt/slides/slide12.xml><?xml version="1.0" encoding="utf-8"?>
+<file path=ppt/slides/slide13.xml><?xml version="1.0" encoding="utf-8"?>
 <p:sld xmlns:a="http://schemas.openxmlformats.org/drawingml/2006/main" xmlns:r="http://schemas.openxmlformats.org/officeDocument/2006/relationships" xmlns:p="http://schemas.openxmlformats.org/presentationml/2006/main">
   <p:cSld>
     <p:spTree>
@@ -5328,7 +5934,7 @@
             <a:p>
               <a:pPr algn="ctr"/>
               <a:r>
-                <a:rPr lang="pt-BR" sz="5400" dirty="0" smtClean="0">
+                <a:rPr lang="pt-BR" sz="5400" dirty="0">
                   <a:solidFill>
                     <a:srgbClr val="3AAFA9"/>
                   </a:solidFill>
@@ -5336,12 +5942,6 @@
                 </a:rPr>
                 <a:t>Modelagem</a:t>
               </a:r>
-              <a:endParaRPr lang="pt-BR" sz="5400" dirty="0">
-                <a:solidFill>
-                  <a:srgbClr val="3AAFA9"/>
-                </a:solidFill>
-                <a:latin typeface="Montserrat SemiBold" panose="00000700000000000000" pitchFamily="2" charset="0"/>
-              </a:endParaRPr>
             </a:p>
           </p:txBody>
         </p:sp>
@@ -5470,7 +6070,7 @@
                     <a14:useLocalDpi xmlns:a14="http://schemas.microsoft.com/office/drawing/2010/main" val="0"/>
                   </a:ext>
                   <a:ext uri="{96DAC541-7B7A-43D3-8B79-37D633B846F1}">
-                    <asvg:svgBlip xmlns="" xmlns:asvg="http://schemas.microsoft.com/office/drawing/2016/SVG/main" r:embed="rId3"/>
+                    <asvg:svgBlip xmlns:asvg="http://schemas.microsoft.com/office/drawing/2016/SVG/main" r:embed="rId3"/>
                   </a:ext>
                 </a:extLst>
               </a:blip>
@@ -5857,7 +6457,7 @@
 </p:sld>
 </file>
 
-<file path=ppt/slides/slide13.xml><?xml version="1.0" encoding="utf-8"?>
+<file path=ppt/slides/slide14.xml><?xml version="1.0" encoding="utf-8"?>
 <p:sld xmlns:a="http://schemas.openxmlformats.org/drawingml/2006/main" xmlns:r="http://schemas.openxmlformats.org/officeDocument/2006/relationships" xmlns:p="http://schemas.openxmlformats.org/presentationml/2006/main">
   <p:cSld>
     <p:spTree>
@@ -6066,7 +6666,7 @@
                     <a14:useLocalDpi xmlns:a14="http://schemas.microsoft.com/office/drawing/2010/main" val="0"/>
                   </a:ext>
                   <a:ext uri="{96DAC541-7B7A-43D3-8B79-37D633B846F1}">
-                    <asvg:svgBlip xmlns="" xmlns:asvg="http://schemas.microsoft.com/office/drawing/2016/SVG/main" r:embed="rId3"/>
+                    <asvg:svgBlip xmlns:asvg="http://schemas.microsoft.com/office/drawing/2016/SVG/main" r:embed="rId3"/>
                   </a:ext>
                 </a:extLst>
               </a:blip>
@@ -7030,14 +7630,11 @@
           <a:p>
             <a:pPr algn="ctr"/>
             <a:r>
-              <a:rPr lang="pt-BR" sz="1600" b="1" dirty="0" smtClean="0">
+              <a:rPr lang="pt-BR" sz="1600" b="1" dirty="0">
                 <a:latin typeface="Montserrat" panose="00000500000000000000" pitchFamily="2" charset="0"/>
               </a:rPr>
               <a:t>R</a:t>
             </a:r>
-            <a:endParaRPr lang="pt-BR" sz="1600" b="1" dirty="0">
-              <a:latin typeface="Montserrat" panose="00000500000000000000" pitchFamily="2" charset="0"/>
-            </a:endParaRPr>
           </a:p>
         </p:txBody>
       </p:sp>
@@ -8175,7 +8772,7 @@
 </p:sld>
 </file>
 
-<file path=ppt/slides/slide14.xml><?xml version="1.0" encoding="utf-8"?>
+<file path=ppt/slides/slide15.xml><?xml version="1.0" encoding="utf-8"?>
 <p:sld xmlns:a="http://schemas.openxmlformats.org/drawingml/2006/main" xmlns:r="http://schemas.openxmlformats.org/officeDocument/2006/relationships" xmlns:p="http://schemas.openxmlformats.org/presentationml/2006/main">
   <p:cSld>
     <p:spTree>
@@ -8450,7 +9047,7 @@
                 <a14:useLocalDpi xmlns:a14="http://schemas.microsoft.com/office/drawing/2010/main" val="0"/>
               </a:ext>
               <a:ext uri="{96DAC541-7B7A-43D3-8B79-37D633B846F1}">
-                <asvg:svgBlip xmlns="" xmlns:asvg="http://schemas.microsoft.com/office/drawing/2016/SVG/main" r:embed="rId4"/>
+                <asvg:svgBlip xmlns:asvg="http://schemas.microsoft.com/office/drawing/2016/SVG/main" r:embed="rId4"/>
               </a:ext>
             </a:extLst>
           </a:blip>
@@ -10044,7 +10641,7 @@
 </p:sld>
 </file>
 
-<file path=ppt/slides/slide15.xml><?xml version="1.0" encoding="utf-8"?>
+<file path=ppt/slides/slide16.xml><?xml version="1.0" encoding="utf-8"?>
 <p:sld xmlns:a="http://schemas.openxmlformats.org/drawingml/2006/main" xmlns:r="http://schemas.openxmlformats.org/officeDocument/2006/relationships" xmlns:p="http://schemas.openxmlformats.org/presentationml/2006/main">
   <p:cSld>
     <p:spTree>
@@ -10247,7 +10844,7 @@
                     <a14:useLocalDpi xmlns:a14="http://schemas.microsoft.com/office/drawing/2010/main" val="0"/>
                   </a:ext>
                   <a:ext uri="{96DAC541-7B7A-43D3-8B79-37D633B846F1}">
-                    <asvg:svgBlip xmlns="" xmlns:asvg="http://schemas.microsoft.com/office/drawing/2016/SVG/main" r:embed="rId3"/>
+                    <asvg:svgBlip xmlns:asvg="http://schemas.microsoft.com/office/drawing/2016/SVG/main" r:embed="rId3"/>
                   </a:ext>
                 </a:extLst>
               </a:blip>
@@ -10756,7 +11353,7 @@
               <a:lstStyle/>
               <a:p>
                 <a:r>
-                  <a:rPr lang="pt-BR" sz="1600" b="1" dirty="0" smtClean="0">
+                  <a:rPr lang="pt-BR" sz="1600" b="1" dirty="0">
                     <a:solidFill>
                       <a:srgbClr val="3AAFA9"/>
                     </a:solidFill>
@@ -10764,12 +11361,6 @@
                   </a:rPr>
                   <a:t>Implementar na nuvem legado</a:t>
                 </a:r>
-                <a:endParaRPr lang="pt-BR" sz="1600" b="1" dirty="0">
-                  <a:solidFill>
-                    <a:srgbClr val="3AAFA9"/>
-                  </a:solidFill>
-                  <a:latin typeface="Montserrat" panose="00000500000000000000" pitchFamily="2" charset="0"/>
-                </a:endParaRPr>
               </a:p>
             </p:txBody>
           </p:sp>
@@ -12174,7 +12765,7 @@
 </p:sld>
 </file>
 
-<file path=ppt/slides/slide16.xml><?xml version="1.0" encoding="utf-8"?>
+<file path=ppt/slides/slide17.xml><?xml version="1.0" encoding="utf-8"?>
 <p:sld xmlns:a="http://schemas.openxmlformats.org/drawingml/2006/main" xmlns:r="http://schemas.openxmlformats.org/officeDocument/2006/relationships" xmlns:p="http://schemas.openxmlformats.org/presentationml/2006/main">
   <p:cSld>
     <p:spTree>
@@ -12449,7 +13040,7 @@
                 <a14:useLocalDpi xmlns:a14="http://schemas.microsoft.com/office/drawing/2010/main" val="0"/>
               </a:ext>
               <a:ext uri="{96DAC541-7B7A-43D3-8B79-37D633B846F1}">
-                <asvg:svgBlip xmlns="" xmlns:asvg="http://schemas.microsoft.com/office/drawing/2016/SVG/main" r:embed="rId4"/>
+                <asvg:svgBlip xmlns:asvg="http://schemas.microsoft.com/office/drawing/2016/SVG/main" r:embed="rId4"/>
               </a:ext>
             </a:extLst>
           </a:blip>
@@ -14718,7 +15309,7 @@
 </p:sld>
 </file>
 
-<file path=ppt/slides/slide17.xml><?xml version="1.0" encoding="utf-8"?>
+<file path=ppt/slides/slide18.xml><?xml version="1.0" encoding="utf-8"?>
 <p:sld xmlns:a="http://schemas.openxmlformats.org/drawingml/2006/main" xmlns:r="http://schemas.openxmlformats.org/officeDocument/2006/relationships" xmlns:p="http://schemas.openxmlformats.org/presentationml/2006/main">
   <p:cSld>
     <p:spTree>
@@ -14921,7 +15512,7 @@
                     <a14:useLocalDpi xmlns:a14="http://schemas.microsoft.com/office/drawing/2010/main" val="0"/>
                   </a:ext>
                   <a:ext uri="{96DAC541-7B7A-43D3-8B79-37D633B846F1}">
-                    <asvg:svgBlip xmlns="" xmlns:asvg="http://schemas.microsoft.com/office/drawing/2016/SVG/main" r:embed="rId3"/>
+                    <asvg:svgBlip xmlns:asvg="http://schemas.microsoft.com/office/drawing/2016/SVG/main" r:embed="rId3"/>
                   </a:ext>
                 </a:extLst>
               </a:blip>
@@ -15317,7 +15908,7 @@
 </p:sld>
 </file>
 
-<file path=ppt/slides/slide18.xml><?xml version="1.0" encoding="utf-8"?>
+<file path=ppt/slides/slide19.xml><?xml version="1.0" encoding="utf-8"?>
 <p:sld xmlns:a="http://schemas.openxmlformats.org/drawingml/2006/main" xmlns:r="http://schemas.openxmlformats.org/officeDocument/2006/relationships" xmlns:p="http://schemas.openxmlformats.org/presentationml/2006/main">
   <p:cSld>
     <p:spTree>
@@ -15520,7 +16111,7 @@
                     <a14:useLocalDpi xmlns:a14="http://schemas.microsoft.com/office/drawing/2010/main" val="0"/>
                   </a:ext>
                   <a:ext uri="{96DAC541-7B7A-43D3-8B79-37D633B846F1}">
-                    <asvg:svgBlip xmlns="" xmlns:asvg="http://schemas.microsoft.com/office/drawing/2016/SVG/main" r:embed="rId3"/>
+                    <asvg:svgBlip xmlns:asvg="http://schemas.microsoft.com/office/drawing/2016/SVG/main" r:embed="rId3"/>
                   </a:ext>
                 </a:extLst>
               </a:blip>
@@ -15722,605 +16313,6 @@
     <p:extLst>
       <p:ext uri="{BB962C8B-B14F-4D97-AF65-F5344CB8AC3E}">
         <p14:creationId xmlns:p14="http://schemas.microsoft.com/office/powerpoint/2010/main" val="2941704221"/>
-      </p:ext>
-    </p:extLst>
-  </p:cSld>
-  <p:clrMapOvr>
-    <a:masterClrMapping/>
-  </p:clrMapOvr>
-  <p:timing>
-    <p:tnLst>
-      <p:par>
-        <p:cTn id="1" dur="indefinite" restart="never" nodeType="tmRoot">
-          <p:childTnLst>
-            <p:seq concurrent="1" nextAc="seek">
-              <p:cTn id="2" dur="indefinite" nodeType="mainSeq">
-                <p:childTnLst>
-                  <p:par>
-                    <p:cTn id="3" fill="hold">
-                      <p:stCondLst>
-                        <p:cond delay="indefinite"/>
-                        <p:cond evt="onBegin" delay="0">
-                          <p:tn val="2"/>
-                        </p:cond>
-                      </p:stCondLst>
-                      <p:childTnLst>
-                        <p:par>
-                          <p:cTn id="4" fill="hold">
-                            <p:stCondLst>
-                              <p:cond delay="0"/>
-                            </p:stCondLst>
-                            <p:childTnLst>
-                              <p:par>
-                                <p:cTn id="5" presetID="53" presetClass="entr" presetSubtype="16" fill="hold" nodeType="afterEffect">
-                                  <p:stCondLst>
-                                    <p:cond delay="0"/>
-                                  </p:stCondLst>
-                                  <p:childTnLst>
-                                    <p:set>
-                                      <p:cBhvr>
-                                        <p:cTn id="6" dur="1" fill="hold">
-                                          <p:stCondLst>
-                                            <p:cond delay="0"/>
-                                          </p:stCondLst>
-                                        </p:cTn>
-                                        <p:tgtEl>
-                                          <p:spTgt spid="4"/>
-                                        </p:tgtEl>
-                                        <p:attrNameLst>
-                                          <p:attrName>style.visibility</p:attrName>
-                                        </p:attrNameLst>
-                                      </p:cBhvr>
-                                      <p:to>
-                                        <p:strVal val="visible"/>
-                                      </p:to>
-                                    </p:set>
-                                    <p:anim calcmode="lin" valueType="num">
-                                      <p:cBhvr>
-                                        <p:cTn id="7" dur="500" fill="hold"/>
-                                        <p:tgtEl>
-                                          <p:spTgt spid="4"/>
-                                        </p:tgtEl>
-                                        <p:attrNameLst>
-                                          <p:attrName>ppt_w</p:attrName>
-                                        </p:attrNameLst>
-                                      </p:cBhvr>
-                                      <p:tavLst>
-                                        <p:tav tm="0">
-                                          <p:val>
-                                            <p:fltVal val="0"/>
-                                          </p:val>
-                                        </p:tav>
-                                        <p:tav tm="100000">
-                                          <p:val>
-                                            <p:strVal val="#ppt_w"/>
-                                          </p:val>
-                                        </p:tav>
-                                      </p:tavLst>
-                                    </p:anim>
-                                    <p:anim calcmode="lin" valueType="num">
-                                      <p:cBhvr>
-                                        <p:cTn id="8" dur="500" fill="hold"/>
-                                        <p:tgtEl>
-                                          <p:spTgt spid="4"/>
-                                        </p:tgtEl>
-                                        <p:attrNameLst>
-                                          <p:attrName>ppt_h</p:attrName>
-                                        </p:attrNameLst>
-                                      </p:cBhvr>
-                                      <p:tavLst>
-                                        <p:tav tm="0">
-                                          <p:val>
-                                            <p:fltVal val="0"/>
-                                          </p:val>
-                                        </p:tav>
-                                        <p:tav tm="100000">
-                                          <p:val>
-                                            <p:strVal val="#ppt_h"/>
-                                          </p:val>
-                                        </p:tav>
-                                      </p:tavLst>
-                                    </p:anim>
-                                    <p:animEffect transition="in" filter="fade">
-                                      <p:cBhvr>
-                                        <p:cTn id="9" dur="500"/>
-                                        <p:tgtEl>
-                                          <p:spTgt spid="4"/>
-                                        </p:tgtEl>
-                                      </p:cBhvr>
-                                    </p:animEffect>
-                                  </p:childTnLst>
-                                </p:cTn>
-                              </p:par>
-                            </p:childTnLst>
-                          </p:cTn>
-                        </p:par>
-                      </p:childTnLst>
-                    </p:cTn>
-                  </p:par>
-                  <p:par>
-                    <p:cTn id="10" fill="hold">
-                      <p:stCondLst>
-                        <p:cond delay="indefinite"/>
-                      </p:stCondLst>
-                      <p:childTnLst>
-                        <p:par>
-                          <p:cTn id="11" fill="hold">
-                            <p:stCondLst>
-                              <p:cond delay="0"/>
-                            </p:stCondLst>
-                            <p:childTnLst>
-                              <p:par>
-                                <p:cTn id="12" presetID="10" presetClass="entr" presetSubtype="0" fill="hold" nodeType="clickEffect">
-                                  <p:stCondLst>
-                                    <p:cond delay="0"/>
-                                  </p:stCondLst>
-                                  <p:childTnLst>
-                                    <p:set>
-                                      <p:cBhvr>
-                                        <p:cTn id="13" dur="1" fill="hold">
-                                          <p:stCondLst>
-                                            <p:cond delay="0"/>
-                                          </p:stCondLst>
-                                        </p:cTn>
-                                        <p:tgtEl>
-                                          <p:spTgt spid="2"/>
-                                        </p:tgtEl>
-                                        <p:attrNameLst>
-                                          <p:attrName>style.visibility</p:attrName>
-                                        </p:attrNameLst>
-                                      </p:cBhvr>
-                                      <p:to>
-                                        <p:strVal val="visible"/>
-                                      </p:to>
-                                    </p:set>
-                                    <p:animEffect transition="in" filter="fade">
-                                      <p:cBhvr>
-                                        <p:cTn id="14" dur="1000"/>
-                                        <p:tgtEl>
-                                          <p:spTgt spid="2"/>
-                                        </p:tgtEl>
-                                      </p:cBhvr>
-                                    </p:animEffect>
-                                  </p:childTnLst>
-                                </p:cTn>
-                              </p:par>
-                            </p:childTnLst>
-                          </p:cTn>
-                        </p:par>
-                      </p:childTnLst>
-                    </p:cTn>
-                  </p:par>
-                </p:childTnLst>
-              </p:cTn>
-              <p:prevCondLst>
-                <p:cond evt="onPrev" delay="0">
-                  <p:tgtEl>
-                    <p:sldTgt/>
-                  </p:tgtEl>
-                </p:cond>
-              </p:prevCondLst>
-              <p:nextCondLst>
-                <p:cond evt="onNext" delay="0">
-                  <p:tgtEl>
-                    <p:sldTgt/>
-                  </p:tgtEl>
-                </p:cond>
-              </p:nextCondLst>
-            </p:seq>
-          </p:childTnLst>
-        </p:cTn>
-      </p:par>
-    </p:tnLst>
-  </p:timing>
-</p:sld>
-</file>
-
-<file path=ppt/slides/slide19.xml><?xml version="1.0" encoding="utf-8"?>
-<p:sld xmlns:a="http://schemas.openxmlformats.org/drawingml/2006/main" xmlns:r="http://schemas.openxmlformats.org/officeDocument/2006/relationships" xmlns:p="http://schemas.openxmlformats.org/presentationml/2006/main">
-  <p:cSld>
-    <p:spTree>
-      <p:nvGrpSpPr>
-        <p:cNvPr id="1" name=""/>
-        <p:cNvGrpSpPr/>
-        <p:nvPr/>
-      </p:nvGrpSpPr>
-      <p:grpSpPr>
-        <a:xfrm>
-          <a:off x="0" y="0"/>
-          <a:ext cx="0" cy="0"/>
-          <a:chOff x="0" y="0"/>
-          <a:chExt cx="0" cy="0"/>
-        </a:xfrm>
-      </p:grpSpPr>
-      <p:grpSp>
-        <p:nvGrpSpPr>
-          <p:cNvPr id="4" name="Agrupar 3">
-            <a:extLst>
-              <a:ext uri="{FF2B5EF4-FFF2-40B4-BE49-F238E27FC236}">
-                <a16:creationId xmlns:a16="http://schemas.microsoft.com/office/drawing/2014/main" id="{CF19D031-129C-4403-89C9-402CECE5548A}"/>
-              </a:ext>
-            </a:extLst>
-          </p:cNvPr>
-          <p:cNvGrpSpPr/>
-          <p:nvPr/>
-        </p:nvGrpSpPr>
-        <p:grpSpPr>
-          <a:xfrm>
-            <a:off x="1563819" y="150271"/>
-            <a:ext cx="9467038" cy="1127441"/>
-            <a:chOff x="1563819" y="150271"/>
-            <a:chExt cx="9467038" cy="1127441"/>
-          </a:xfrm>
-        </p:grpSpPr>
-        <p:sp>
-          <p:nvSpPr>
-            <p:cNvPr id="5" name="CaixaDeTexto 4">
-              <a:extLst>
-                <a:ext uri="{FF2B5EF4-FFF2-40B4-BE49-F238E27FC236}">
-                  <a16:creationId xmlns:a16="http://schemas.microsoft.com/office/drawing/2014/main" id="{48389BA0-EB7A-4D9C-A020-EE7E30785F15}"/>
-                </a:ext>
-              </a:extLst>
-            </p:cNvPr>
-            <p:cNvSpPr txBox="1"/>
-            <p:nvPr/>
-          </p:nvSpPr>
-          <p:spPr>
-            <a:xfrm>
-              <a:off x="1563819" y="150271"/>
-              <a:ext cx="9467038" cy="923330"/>
-            </a:xfrm>
-            <a:prstGeom prst="rect">
-              <a:avLst/>
-            </a:prstGeom>
-            <a:noFill/>
-          </p:spPr>
-          <p:txBody>
-            <a:bodyPr wrap="square" rtlCol="0">
-              <a:spAutoFit/>
-            </a:bodyPr>
-            <a:lstStyle/>
-            <a:p>
-              <a:pPr algn="ctr"/>
-              <a:r>
-                <a:rPr lang="pt-BR" sz="5400" dirty="0">
-                  <a:solidFill>
-                    <a:srgbClr val="3AAFA9"/>
-                  </a:solidFill>
-                  <a:latin typeface="Montserrat SemiBold" panose="00000700000000000000" pitchFamily="2" charset="0"/>
-                </a:rPr>
-                <a:t>Suporte</a:t>
-              </a:r>
-            </a:p>
-          </p:txBody>
-        </p:sp>
-        <p:grpSp>
-          <p:nvGrpSpPr>
-            <p:cNvPr id="6" name="Agrupar 5">
-              <a:extLst>
-                <a:ext uri="{FF2B5EF4-FFF2-40B4-BE49-F238E27FC236}">
-                  <a16:creationId xmlns:a16="http://schemas.microsoft.com/office/drawing/2014/main" id="{37C7C3AC-9700-4BE7-A4EF-2491564D8BC3}"/>
-                </a:ext>
-              </a:extLst>
-            </p:cNvPr>
-            <p:cNvGrpSpPr/>
-            <p:nvPr/>
-          </p:nvGrpSpPr>
-          <p:grpSpPr>
-            <a:xfrm>
-              <a:off x="3329674" y="820512"/>
-              <a:ext cx="5532653" cy="457200"/>
-              <a:chOff x="3338450" y="732746"/>
-              <a:chExt cx="5532653" cy="457200"/>
-            </a:xfrm>
-          </p:grpSpPr>
-          <p:cxnSp>
-            <p:nvCxnSpPr>
-              <p:cNvPr id="7" name="Conector reto 6">
-                <a:extLst>
-                  <a:ext uri="{FF2B5EF4-FFF2-40B4-BE49-F238E27FC236}">
-                    <a16:creationId xmlns:a16="http://schemas.microsoft.com/office/drawing/2014/main" id="{EDE2D347-7CE7-44BA-853C-67CE632ED9A2}"/>
-                  </a:ext>
-                </a:extLst>
-              </p:cNvPr>
-              <p:cNvCxnSpPr>
-                <a:cxnSpLocks/>
-              </p:cNvCxnSpPr>
-              <p:nvPr/>
-            </p:nvCxnSpPr>
-            <p:spPr>
-              <a:xfrm>
-                <a:off x="6351103" y="961346"/>
-                <a:ext cx="2520000" cy="0"/>
-              </a:xfrm>
-              <a:prstGeom prst="line">
-                <a:avLst/>
-              </a:prstGeom>
-              <a:ln w="38100">
-                <a:solidFill>
-                  <a:srgbClr val="2B7A78"/>
-                </a:solidFill>
-              </a:ln>
-            </p:spPr>
-            <p:style>
-              <a:lnRef idx="1">
-                <a:schemeClr val="accent1"/>
-              </a:lnRef>
-              <a:fillRef idx="0">
-                <a:schemeClr val="accent1"/>
-              </a:fillRef>
-              <a:effectRef idx="0">
-                <a:schemeClr val="accent1"/>
-              </a:effectRef>
-              <a:fontRef idx="minor">
-                <a:schemeClr val="tx1"/>
-              </a:fontRef>
-            </p:style>
-          </p:cxnSp>
-          <p:cxnSp>
-            <p:nvCxnSpPr>
-              <p:cNvPr id="8" name="Conector reto 7">
-                <a:extLst>
-                  <a:ext uri="{FF2B5EF4-FFF2-40B4-BE49-F238E27FC236}">
-                    <a16:creationId xmlns:a16="http://schemas.microsoft.com/office/drawing/2014/main" id="{A1B1770C-9267-424E-89CC-A52F46C4A616}"/>
-                  </a:ext>
-                </a:extLst>
-              </p:cNvPr>
-              <p:cNvCxnSpPr/>
-              <p:nvPr/>
-            </p:nvCxnSpPr>
-            <p:spPr>
-              <a:xfrm>
-                <a:off x="3338450" y="961346"/>
-                <a:ext cx="2520000" cy="0"/>
-              </a:xfrm>
-              <a:prstGeom prst="line">
-                <a:avLst/>
-              </a:prstGeom>
-              <a:ln w="38100">
-                <a:solidFill>
-                  <a:srgbClr val="2B7A78"/>
-                </a:solidFill>
-              </a:ln>
-            </p:spPr>
-            <p:style>
-              <a:lnRef idx="1">
-                <a:schemeClr val="accent1"/>
-              </a:lnRef>
-              <a:fillRef idx="0">
-                <a:schemeClr val="accent1"/>
-              </a:fillRef>
-              <a:effectRef idx="0">
-                <a:schemeClr val="accent1"/>
-              </a:effectRef>
-              <a:fontRef idx="minor">
-                <a:schemeClr val="tx1"/>
-              </a:fontRef>
-            </p:style>
-          </p:cxnSp>
-          <p:pic>
-            <p:nvPicPr>
-              <p:cNvPr id="9" name="Gráfico 16" descr="Floco de Neve">
-                <a:extLst>
-                  <a:ext uri="{FF2B5EF4-FFF2-40B4-BE49-F238E27FC236}">
-                    <a16:creationId xmlns:a16="http://schemas.microsoft.com/office/drawing/2014/main" id="{7032740E-2F78-4501-AA3B-231B3A993B95}"/>
-                  </a:ext>
-                </a:extLst>
-              </p:cNvPr>
-              <p:cNvPicPr>
-                <a:picLocks noChangeAspect="1"/>
-              </p:cNvPicPr>
-              <p:nvPr/>
-            </p:nvPicPr>
-            <p:blipFill>
-              <a:blip r:embed="rId2" cstate="print">
-                <a:extLst>
-                  <a:ext uri="{28A0092B-C50C-407E-A947-70E740481C1C}">
-                    <a14:useLocalDpi xmlns:a14="http://schemas.microsoft.com/office/drawing/2010/main" val="0"/>
-                  </a:ext>
-                  <a:ext uri="{96DAC541-7B7A-43D3-8B79-37D633B846F1}">
-                    <asvg:svgBlip xmlns="" xmlns:asvg="http://schemas.microsoft.com/office/drawing/2016/SVG/main" r:embed="rId3"/>
-                  </a:ext>
-                </a:extLst>
-              </a:blip>
-              <a:stretch>
-                <a:fillRect/>
-              </a:stretch>
-            </p:blipFill>
-            <p:spPr>
-              <a:xfrm>
-                <a:off x="5864116" y="732746"/>
-                <a:ext cx="457200" cy="457200"/>
-              </a:xfrm>
-              <a:prstGeom prst="rect">
-                <a:avLst/>
-              </a:prstGeom>
-            </p:spPr>
-          </p:pic>
-        </p:grpSp>
-      </p:grpSp>
-      <p:sp>
-        <p:nvSpPr>
-          <p:cNvPr id="10" name="Seta: Pentágono 28">
-            <a:extLst>
-              <a:ext uri="{FF2B5EF4-FFF2-40B4-BE49-F238E27FC236}">
-                <a16:creationId xmlns:a16="http://schemas.microsoft.com/office/drawing/2014/main" id="{AF2875AE-D373-48D9-BC7D-1602CCDD82BC}"/>
-              </a:ext>
-            </a:extLst>
-          </p:cNvPr>
-          <p:cNvSpPr/>
-          <p:nvPr/>
-        </p:nvSpPr>
-        <p:spPr>
-          <a:xfrm>
-            <a:off x="-2527" y="0"/>
-            <a:ext cx="1440000" cy="858157"/>
-          </a:xfrm>
-          <a:prstGeom prst="homePlate">
-            <a:avLst/>
-          </a:prstGeom>
-          <a:solidFill>
-            <a:srgbClr val="17252A"/>
-          </a:solidFill>
-          <a:ln>
-            <a:noFill/>
-          </a:ln>
-          <a:effectLst>
-            <a:outerShdw blurRad="203200" dist="38100" dir="2700000" algn="tl" rotWithShape="0">
-              <a:prstClr val="black">
-                <a:alpha val="34000"/>
-              </a:prstClr>
-            </a:outerShdw>
-          </a:effectLst>
-        </p:spPr>
-        <p:style>
-          <a:lnRef idx="2">
-            <a:schemeClr val="accent1">
-              <a:shade val="50000"/>
-            </a:schemeClr>
-          </a:lnRef>
-          <a:fillRef idx="1">
-            <a:schemeClr val="accent1"/>
-          </a:fillRef>
-          <a:effectRef idx="0">
-            <a:schemeClr val="accent1"/>
-          </a:effectRef>
-          <a:fontRef idx="minor">
-            <a:schemeClr val="lt1"/>
-          </a:fontRef>
-        </p:style>
-        <p:txBody>
-          <a:bodyPr rtlCol="0" anchor="ctr"/>
-          <a:lstStyle/>
-          <a:p>
-            <a:pPr algn="ctr"/>
-            <a:endParaRPr lang="pt-BR"/>
-          </a:p>
-        </p:txBody>
-      </p:sp>
-      <p:pic>
-        <p:nvPicPr>
-          <p:cNvPr id="11" name="Imagem 10" descr="Uma imagem contendo gráfico, desenho&#10;&#10;Descrição gerada automaticamente">
-            <a:extLst>
-              <a:ext uri="{FF2B5EF4-FFF2-40B4-BE49-F238E27FC236}">
-                <a16:creationId xmlns:a16="http://schemas.microsoft.com/office/drawing/2014/main" id="{BB59CEA4-075F-430D-9973-2704A2E495AA}"/>
-              </a:ext>
-            </a:extLst>
-          </p:cNvPr>
-          <p:cNvPicPr>
-            <a:picLocks noChangeAspect="1"/>
-          </p:cNvPicPr>
-          <p:nvPr/>
-        </p:nvPicPr>
-        <p:blipFill>
-          <a:blip r:embed="rId4" cstate="print">
-            <a:extLst>
-              <a:ext uri="{28A0092B-C50C-407E-A947-70E740481C1C}">
-                <a14:useLocalDpi xmlns:a14="http://schemas.microsoft.com/office/drawing/2010/main" val="0"/>
-              </a:ext>
-            </a:extLst>
-          </a:blip>
-          <a:stretch>
-            <a:fillRect/>
-          </a:stretch>
-        </p:blipFill>
-        <p:spPr>
-          <a:xfrm>
-            <a:off x="215347" y="85278"/>
-            <a:ext cx="687600" cy="687600"/>
-          </a:xfrm>
-          <a:prstGeom prst="rect">
-            <a:avLst/>
-          </a:prstGeom>
-        </p:spPr>
-      </p:pic>
-      <p:pic>
-        <p:nvPicPr>
-          <p:cNvPr id="2" name="Imagem 1"/>
-          <p:cNvPicPr>
-            <a:picLocks noChangeAspect="1"/>
-          </p:cNvPicPr>
-          <p:nvPr/>
-        </p:nvPicPr>
-        <p:blipFill>
-          <a:blip r:embed="rId5"/>
-          <a:stretch>
-            <a:fillRect/>
-          </a:stretch>
-        </p:blipFill>
-        <p:spPr>
-          <a:xfrm>
-            <a:off x="2699750" y="1277712"/>
-            <a:ext cx="6768379" cy="5529263"/>
-          </a:xfrm>
-          <a:prstGeom prst="rect">
-            <a:avLst/>
-          </a:prstGeom>
-        </p:spPr>
-      </p:pic>
-      <p:sp>
-        <p:nvSpPr>
-          <p:cNvPr id="12" name="Triângulo Retângulo 11">
-            <a:extLst>
-              <a:ext uri="{FF2B5EF4-FFF2-40B4-BE49-F238E27FC236}">
-                <a16:creationId xmlns:a16="http://schemas.microsoft.com/office/drawing/2014/main" id="{26DF48E9-18A1-45D2-8DFD-17F6C62711FC}"/>
-              </a:ext>
-            </a:extLst>
-          </p:cNvPr>
-          <p:cNvSpPr/>
-          <p:nvPr/>
-        </p:nvSpPr>
-        <p:spPr>
-          <a:xfrm flipH="1">
-            <a:off x="10969395" y="5654516"/>
-            <a:ext cx="1222605" cy="1203483"/>
-          </a:xfrm>
-          <a:prstGeom prst="rtTriangle">
-            <a:avLst/>
-          </a:prstGeom>
-          <a:solidFill>
-            <a:srgbClr val="2B7A78"/>
-          </a:solidFill>
-          <a:ln>
-            <a:noFill/>
-          </a:ln>
-          <a:effectLst>
-            <a:outerShdw blurRad="203200" dist="38100" dir="10800000" algn="r" rotWithShape="0">
-              <a:prstClr val="black">
-                <a:alpha val="34000"/>
-              </a:prstClr>
-            </a:outerShdw>
-          </a:effectLst>
-        </p:spPr>
-        <p:style>
-          <a:lnRef idx="2">
-            <a:schemeClr val="accent1">
-              <a:shade val="50000"/>
-            </a:schemeClr>
-          </a:lnRef>
-          <a:fillRef idx="1">
-            <a:schemeClr val="accent1"/>
-          </a:fillRef>
-          <a:effectRef idx="0">
-            <a:schemeClr val="accent1"/>
-          </a:effectRef>
-          <a:fontRef idx="minor">
-            <a:schemeClr val="lt1"/>
-          </a:fontRef>
-        </p:style>
-        <p:txBody>
-          <a:bodyPr rtlCol="0" anchor="ctr"/>
-          <a:lstStyle/>
-          <a:p>
-            <a:pPr algn="ctr"/>
-            <a:endParaRPr lang="pt-BR"/>
-          </a:p>
-        </p:txBody>
-      </p:sp>
-    </p:spTree>
-    <p:extLst>
-      <p:ext uri="{BB962C8B-B14F-4D97-AF65-F5344CB8AC3E}">
-        <p14:creationId xmlns:p14="http://schemas.microsoft.com/office/powerpoint/2010/main" val="2922887714"/>
       </p:ext>
     </p:extLst>
   </p:cSld>
@@ -16790,7 +16782,7 @@
                 <a14:useLocalDpi xmlns:a14="http://schemas.microsoft.com/office/drawing/2010/main" val="0"/>
               </a:ext>
               <a:ext uri="{96DAC541-7B7A-43D3-8B79-37D633B846F1}">
-                <asvg:svgBlip xmlns="" xmlns:asvg="http://schemas.microsoft.com/office/drawing/2016/SVG/main" r:embed="rId4"/>
+                <asvg:svgBlip xmlns:asvg="http://schemas.microsoft.com/office/drawing/2016/SVG/main" r:embed="rId4"/>
               </a:ext>
             </a:extLst>
           </a:blip>
@@ -16824,7 +16816,7 @@
         </p:nvCxnSpPr>
         <p:spPr>
           <a:xfrm flipV="1">
-            <a:off x="-2201047" y="3624295"/>
+            <a:off x="-2199826" y="3464012"/>
             <a:ext cx="2201047" cy="15314"/>
           </a:xfrm>
           <a:prstGeom prst="line">
@@ -19487,6 +19479,605 @@
           <a:chExt cx="0" cy="0"/>
         </a:xfrm>
       </p:grpSpPr>
+      <p:grpSp>
+        <p:nvGrpSpPr>
+          <p:cNvPr id="4" name="Agrupar 3">
+            <a:extLst>
+              <a:ext uri="{FF2B5EF4-FFF2-40B4-BE49-F238E27FC236}">
+                <a16:creationId xmlns:a16="http://schemas.microsoft.com/office/drawing/2014/main" id="{CF19D031-129C-4403-89C9-402CECE5548A}"/>
+              </a:ext>
+            </a:extLst>
+          </p:cNvPr>
+          <p:cNvGrpSpPr/>
+          <p:nvPr/>
+        </p:nvGrpSpPr>
+        <p:grpSpPr>
+          <a:xfrm>
+            <a:off x="1563819" y="150271"/>
+            <a:ext cx="9467038" cy="1127441"/>
+            <a:chOff x="1563819" y="150271"/>
+            <a:chExt cx="9467038" cy="1127441"/>
+          </a:xfrm>
+        </p:grpSpPr>
+        <p:sp>
+          <p:nvSpPr>
+            <p:cNvPr id="5" name="CaixaDeTexto 4">
+              <a:extLst>
+                <a:ext uri="{FF2B5EF4-FFF2-40B4-BE49-F238E27FC236}">
+                  <a16:creationId xmlns:a16="http://schemas.microsoft.com/office/drawing/2014/main" id="{48389BA0-EB7A-4D9C-A020-EE7E30785F15}"/>
+                </a:ext>
+              </a:extLst>
+            </p:cNvPr>
+            <p:cNvSpPr txBox="1"/>
+            <p:nvPr/>
+          </p:nvSpPr>
+          <p:spPr>
+            <a:xfrm>
+              <a:off x="1563819" y="150271"/>
+              <a:ext cx="9467038" cy="923330"/>
+            </a:xfrm>
+            <a:prstGeom prst="rect">
+              <a:avLst/>
+            </a:prstGeom>
+            <a:noFill/>
+          </p:spPr>
+          <p:txBody>
+            <a:bodyPr wrap="square" rtlCol="0">
+              <a:spAutoFit/>
+            </a:bodyPr>
+            <a:lstStyle/>
+            <a:p>
+              <a:pPr algn="ctr"/>
+              <a:r>
+                <a:rPr lang="pt-BR" sz="5400" dirty="0">
+                  <a:solidFill>
+                    <a:srgbClr val="3AAFA9"/>
+                  </a:solidFill>
+                  <a:latin typeface="Montserrat SemiBold" panose="00000700000000000000" pitchFamily="2" charset="0"/>
+                </a:rPr>
+                <a:t>Suporte</a:t>
+              </a:r>
+            </a:p>
+          </p:txBody>
+        </p:sp>
+        <p:grpSp>
+          <p:nvGrpSpPr>
+            <p:cNvPr id="6" name="Agrupar 5">
+              <a:extLst>
+                <a:ext uri="{FF2B5EF4-FFF2-40B4-BE49-F238E27FC236}">
+                  <a16:creationId xmlns:a16="http://schemas.microsoft.com/office/drawing/2014/main" id="{37C7C3AC-9700-4BE7-A4EF-2491564D8BC3}"/>
+                </a:ext>
+              </a:extLst>
+            </p:cNvPr>
+            <p:cNvGrpSpPr/>
+            <p:nvPr/>
+          </p:nvGrpSpPr>
+          <p:grpSpPr>
+            <a:xfrm>
+              <a:off x="3329674" y="820512"/>
+              <a:ext cx="5532653" cy="457200"/>
+              <a:chOff x="3338450" y="732746"/>
+              <a:chExt cx="5532653" cy="457200"/>
+            </a:xfrm>
+          </p:grpSpPr>
+          <p:cxnSp>
+            <p:nvCxnSpPr>
+              <p:cNvPr id="7" name="Conector reto 6">
+                <a:extLst>
+                  <a:ext uri="{FF2B5EF4-FFF2-40B4-BE49-F238E27FC236}">
+                    <a16:creationId xmlns:a16="http://schemas.microsoft.com/office/drawing/2014/main" id="{EDE2D347-7CE7-44BA-853C-67CE632ED9A2}"/>
+                  </a:ext>
+                </a:extLst>
+              </p:cNvPr>
+              <p:cNvCxnSpPr>
+                <a:cxnSpLocks/>
+              </p:cNvCxnSpPr>
+              <p:nvPr/>
+            </p:nvCxnSpPr>
+            <p:spPr>
+              <a:xfrm>
+                <a:off x="6351103" y="961346"/>
+                <a:ext cx="2520000" cy="0"/>
+              </a:xfrm>
+              <a:prstGeom prst="line">
+                <a:avLst/>
+              </a:prstGeom>
+              <a:ln w="38100">
+                <a:solidFill>
+                  <a:srgbClr val="2B7A78"/>
+                </a:solidFill>
+              </a:ln>
+            </p:spPr>
+            <p:style>
+              <a:lnRef idx="1">
+                <a:schemeClr val="accent1"/>
+              </a:lnRef>
+              <a:fillRef idx="0">
+                <a:schemeClr val="accent1"/>
+              </a:fillRef>
+              <a:effectRef idx="0">
+                <a:schemeClr val="accent1"/>
+              </a:effectRef>
+              <a:fontRef idx="minor">
+                <a:schemeClr val="tx1"/>
+              </a:fontRef>
+            </p:style>
+          </p:cxnSp>
+          <p:cxnSp>
+            <p:nvCxnSpPr>
+              <p:cNvPr id="8" name="Conector reto 7">
+                <a:extLst>
+                  <a:ext uri="{FF2B5EF4-FFF2-40B4-BE49-F238E27FC236}">
+                    <a16:creationId xmlns:a16="http://schemas.microsoft.com/office/drawing/2014/main" id="{A1B1770C-9267-424E-89CC-A52F46C4A616}"/>
+                  </a:ext>
+                </a:extLst>
+              </p:cNvPr>
+              <p:cNvCxnSpPr/>
+              <p:nvPr/>
+            </p:nvCxnSpPr>
+            <p:spPr>
+              <a:xfrm>
+                <a:off x="3338450" y="961346"/>
+                <a:ext cx="2520000" cy="0"/>
+              </a:xfrm>
+              <a:prstGeom prst="line">
+                <a:avLst/>
+              </a:prstGeom>
+              <a:ln w="38100">
+                <a:solidFill>
+                  <a:srgbClr val="2B7A78"/>
+                </a:solidFill>
+              </a:ln>
+            </p:spPr>
+            <p:style>
+              <a:lnRef idx="1">
+                <a:schemeClr val="accent1"/>
+              </a:lnRef>
+              <a:fillRef idx="0">
+                <a:schemeClr val="accent1"/>
+              </a:fillRef>
+              <a:effectRef idx="0">
+                <a:schemeClr val="accent1"/>
+              </a:effectRef>
+              <a:fontRef idx="minor">
+                <a:schemeClr val="tx1"/>
+              </a:fontRef>
+            </p:style>
+          </p:cxnSp>
+          <p:pic>
+            <p:nvPicPr>
+              <p:cNvPr id="9" name="Gráfico 16" descr="Floco de Neve">
+                <a:extLst>
+                  <a:ext uri="{FF2B5EF4-FFF2-40B4-BE49-F238E27FC236}">
+                    <a16:creationId xmlns:a16="http://schemas.microsoft.com/office/drawing/2014/main" id="{7032740E-2F78-4501-AA3B-231B3A993B95}"/>
+                  </a:ext>
+                </a:extLst>
+              </p:cNvPr>
+              <p:cNvPicPr>
+                <a:picLocks noChangeAspect="1"/>
+              </p:cNvPicPr>
+              <p:nvPr/>
+            </p:nvPicPr>
+            <p:blipFill>
+              <a:blip r:embed="rId2" cstate="print">
+                <a:extLst>
+                  <a:ext uri="{28A0092B-C50C-407E-A947-70E740481C1C}">
+                    <a14:useLocalDpi xmlns:a14="http://schemas.microsoft.com/office/drawing/2010/main" val="0"/>
+                  </a:ext>
+                  <a:ext uri="{96DAC541-7B7A-43D3-8B79-37D633B846F1}">
+                    <asvg:svgBlip xmlns:asvg="http://schemas.microsoft.com/office/drawing/2016/SVG/main" r:embed="rId3"/>
+                  </a:ext>
+                </a:extLst>
+              </a:blip>
+              <a:stretch>
+                <a:fillRect/>
+              </a:stretch>
+            </p:blipFill>
+            <p:spPr>
+              <a:xfrm>
+                <a:off x="5864116" y="732746"/>
+                <a:ext cx="457200" cy="457200"/>
+              </a:xfrm>
+              <a:prstGeom prst="rect">
+                <a:avLst/>
+              </a:prstGeom>
+            </p:spPr>
+          </p:pic>
+        </p:grpSp>
+      </p:grpSp>
+      <p:sp>
+        <p:nvSpPr>
+          <p:cNvPr id="10" name="Seta: Pentágono 28">
+            <a:extLst>
+              <a:ext uri="{FF2B5EF4-FFF2-40B4-BE49-F238E27FC236}">
+                <a16:creationId xmlns:a16="http://schemas.microsoft.com/office/drawing/2014/main" id="{AF2875AE-D373-48D9-BC7D-1602CCDD82BC}"/>
+              </a:ext>
+            </a:extLst>
+          </p:cNvPr>
+          <p:cNvSpPr/>
+          <p:nvPr/>
+        </p:nvSpPr>
+        <p:spPr>
+          <a:xfrm>
+            <a:off x="-2527" y="0"/>
+            <a:ext cx="1440000" cy="858157"/>
+          </a:xfrm>
+          <a:prstGeom prst="homePlate">
+            <a:avLst/>
+          </a:prstGeom>
+          <a:solidFill>
+            <a:srgbClr val="17252A"/>
+          </a:solidFill>
+          <a:ln>
+            <a:noFill/>
+          </a:ln>
+          <a:effectLst>
+            <a:outerShdw blurRad="203200" dist="38100" dir="2700000" algn="tl" rotWithShape="0">
+              <a:prstClr val="black">
+                <a:alpha val="34000"/>
+              </a:prstClr>
+            </a:outerShdw>
+          </a:effectLst>
+        </p:spPr>
+        <p:style>
+          <a:lnRef idx="2">
+            <a:schemeClr val="accent1">
+              <a:shade val="50000"/>
+            </a:schemeClr>
+          </a:lnRef>
+          <a:fillRef idx="1">
+            <a:schemeClr val="accent1"/>
+          </a:fillRef>
+          <a:effectRef idx="0">
+            <a:schemeClr val="accent1"/>
+          </a:effectRef>
+          <a:fontRef idx="minor">
+            <a:schemeClr val="lt1"/>
+          </a:fontRef>
+        </p:style>
+        <p:txBody>
+          <a:bodyPr rtlCol="0" anchor="ctr"/>
+          <a:lstStyle/>
+          <a:p>
+            <a:pPr algn="ctr"/>
+            <a:endParaRPr lang="pt-BR"/>
+          </a:p>
+        </p:txBody>
+      </p:sp>
+      <p:pic>
+        <p:nvPicPr>
+          <p:cNvPr id="11" name="Imagem 10" descr="Uma imagem contendo gráfico, desenho&#10;&#10;Descrição gerada automaticamente">
+            <a:extLst>
+              <a:ext uri="{FF2B5EF4-FFF2-40B4-BE49-F238E27FC236}">
+                <a16:creationId xmlns:a16="http://schemas.microsoft.com/office/drawing/2014/main" id="{BB59CEA4-075F-430D-9973-2704A2E495AA}"/>
+              </a:ext>
+            </a:extLst>
+          </p:cNvPr>
+          <p:cNvPicPr>
+            <a:picLocks noChangeAspect="1"/>
+          </p:cNvPicPr>
+          <p:nvPr/>
+        </p:nvPicPr>
+        <p:blipFill>
+          <a:blip r:embed="rId4" cstate="print">
+            <a:extLst>
+              <a:ext uri="{28A0092B-C50C-407E-A947-70E740481C1C}">
+                <a14:useLocalDpi xmlns:a14="http://schemas.microsoft.com/office/drawing/2010/main" val="0"/>
+              </a:ext>
+            </a:extLst>
+          </a:blip>
+          <a:stretch>
+            <a:fillRect/>
+          </a:stretch>
+        </p:blipFill>
+        <p:spPr>
+          <a:xfrm>
+            <a:off x="215347" y="85278"/>
+            <a:ext cx="687600" cy="687600"/>
+          </a:xfrm>
+          <a:prstGeom prst="rect">
+            <a:avLst/>
+          </a:prstGeom>
+        </p:spPr>
+      </p:pic>
+      <p:pic>
+        <p:nvPicPr>
+          <p:cNvPr id="2" name="Imagem 1"/>
+          <p:cNvPicPr>
+            <a:picLocks noChangeAspect="1"/>
+          </p:cNvPicPr>
+          <p:nvPr/>
+        </p:nvPicPr>
+        <p:blipFill>
+          <a:blip r:embed="rId5"/>
+          <a:stretch>
+            <a:fillRect/>
+          </a:stretch>
+        </p:blipFill>
+        <p:spPr>
+          <a:xfrm>
+            <a:off x="2699750" y="1277712"/>
+            <a:ext cx="6768379" cy="5529263"/>
+          </a:xfrm>
+          <a:prstGeom prst="rect">
+            <a:avLst/>
+          </a:prstGeom>
+        </p:spPr>
+      </p:pic>
+      <p:sp>
+        <p:nvSpPr>
+          <p:cNvPr id="12" name="Triângulo Retângulo 11">
+            <a:extLst>
+              <a:ext uri="{FF2B5EF4-FFF2-40B4-BE49-F238E27FC236}">
+                <a16:creationId xmlns:a16="http://schemas.microsoft.com/office/drawing/2014/main" id="{26DF48E9-18A1-45D2-8DFD-17F6C62711FC}"/>
+              </a:ext>
+            </a:extLst>
+          </p:cNvPr>
+          <p:cNvSpPr/>
+          <p:nvPr/>
+        </p:nvSpPr>
+        <p:spPr>
+          <a:xfrm flipH="1">
+            <a:off x="10969395" y="5654516"/>
+            <a:ext cx="1222605" cy="1203483"/>
+          </a:xfrm>
+          <a:prstGeom prst="rtTriangle">
+            <a:avLst/>
+          </a:prstGeom>
+          <a:solidFill>
+            <a:srgbClr val="2B7A78"/>
+          </a:solidFill>
+          <a:ln>
+            <a:noFill/>
+          </a:ln>
+          <a:effectLst>
+            <a:outerShdw blurRad="203200" dist="38100" dir="10800000" algn="r" rotWithShape="0">
+              <a:prstClr val="black">
+                <a:alpha val="34000"/>
+              </a:prstClr>
+            </a:outerShdw>
+          </a:effectLst>
+        </p:spPr>
+        <p:style>
+          <a:lnRef idx="2">
+            <a:schemeClr val="accent1">
+              <a:shade val="50000"/>
+            </a:schemeClr>
+          </a:lnRef>
+          <a:fillRef idx="1">
+            <a:schemeClr val="accent1"/>
+          </a:fillRef>
+          <a:effectRef idx="0">
+            <a:schemeClr val="accent1"/>
+          </a:effectRef>
+          <a:fontRef idx="minor">
+            <a:schemeClr val="lt1"/>
+          </a:fontRef>
+        </p:style>
+        <p:txBody>
+          <a:bodyPr rtlCol="0" anchor="ctr"/>
+          <a:lstStyle/>
+          <a:p>
+            <a:pPr algn="ctr"/>
+            <a:endParaRPr lang="pt-BR"/>
+          </a:p>
+        </p:txBody>
+      </p:sp>
+    </p:spTree>
+    <p:extLst>
+      <p:ext uri="{BB962C8B-B14F-4D97-AF65-F5344CB8AC3E}">
+        <p14:creationId xmlns:p14="http://schemas.microsoft.com/office/powerpoint/2010/main" val="2922887714"/>
+      </p:ext>
+    </p:extLst>
+  </p:cSld>
+  <p:clrMapOvr>
+    <a:masterClrMapping/>
+  </p:clrMapOvr>
+  <p:timing>
+    <p:tnLst>
+      <p:par>
+        <p:cTn id="1" dur="indefinite" restart="never" nodeType="tmRoot">
+          <p:childTnLst>
+            <p:seq concurrent="1" nextAc="seek">
+              <p:cTn id="2" dur="indefinite" nodeType="mainSeq">
+                <p:childTnLst>
+                  <p:par>
+                    <p:cTn id="3" fill="hold">
+                      <p:stCondLst>
+                        <p:cond delay="indefinite"/>
+                        <p:cond evt="onBegin" delay="0">
+                          <p:tn val="2"/>
+                        </p:cond>
+                      </p:stCondLst>
+                      <p:childTnLst>
+                        <p:par>
+                          <p:cTn id="4" fill="hold">
+                            <p:stCondLst>
+                              <p:cond delay="0"/>
+                            </p:stCondLst>
+                            <p:childTnLst>
+                              <p:par>
+                                <p:cTn id="5" presetID="53" presetClass="entr" presetSubtype="16" fill="hold" nodeType="afterEffect">
+                                  <p:stCondLst>
+                                    <p:cond delay="0"/>
+                                  </p:stCondLst>
+                                  <p:childTnLst>
+                                    <p:set>
+                                      <p:cBhvr>
+                                        <p:cTn id="6" dur="1" fill="hold">
+                                          <p:stCondLst>
+                                            <p:cond delay="0"/>
+                                          </p:stCondLst>
+                                        </p:cTn>
+                                        <p:tgtEl>
+                                          <p:spTgt spid="4"/>
+                                        </p:tgtEl>
+                                        <p:attrNameLst>
+                                          <p:attrName>style.visibility</p:attrName>
+                                        </p:attrNameLst>
+                                      </p:cBhvr>
+                                      <p:to>
+                                        <p:strVal val="visible"/>
+                                      </p:to>
+                                    </p:set>
+                                    <p:anim calcmode="lin" valueType="num">
+                                      <p:cBhvr>
+                                        <p:cTn id="7" dur="500" fill="hold"/>
+                                        <p:tgtEl>
+                                          <p:spTgt spid="4"/>
+                                        </p:tgtEl>
+                                        <p:attrNameLst>
+                                          <p:attrName>ppt_w</p:attrName>
+                                        </p:attrNameLst>
+                                      </p:cBhvr>
+                                      <p:tavLst>
+                                        <p:tav tm="0">
+                                          <p:val>
+                                            <p:fltVal val="0"/>
+                                          </p:val>
+                                        </p:tav>
+                                        <p:tav tm="100000">
+                                          <p:val>
+                                            <p:strVal val="#ppt_w"/>
+                                          </p:val>
+                                        </p:tav>
+                                      </p:tavLst>
+                                    </p:anim>
+                                    <p:anim calcmode="lin" valueType="num">
+                                      <p:cBhvr>
+                                        <p:cTn id="8" dur="500" fill="hold"/>
+                                        <p:tgtEl>
+                                          <p:spTgt spid="4"/>
+                                        </p:tgtEl>
+                                        <p:attrNameLst>
+                                          <p:attrName>ppt_h</p:attrName>
+                                        </p:attrNameLst>
+                                      </p:cBhvr>
+                                      <p:tavLst>
+                                        <p:tav tm="0">
+                                          <p:val>
+                                            <p:fltVal val="0"/>
+                                          </p:val>
+                                        </p:tav>
+                                        <p:tav tm="100000">
+                                          <p:val>
+                                            <p:strVal val="#ppt_h"/>
+                                          </p:val>
+                                        </p:tav>
+                                      </p:tavLst>
+                                    </p:anim>
+                                    <p:animEffect transition="in" filter="fade">
+                                      <p:cBhvr>
+                                        <p:cTn id="9" dur="500"/>
+                                        <p:tgtEl>
+                                          <p:spTgt spid="4"/>
+                                        </p:tgtEl>
+                                      </p:cBhvr>
+                                    </p:animEffect>
+                                  </p:childTnLst>
+                                </p:cTn>
+                              </p:par>
+                            </p:childTnLst>
+                          </p:cTn>
+                        </p:par>
+                      </p:childTnLst>
+                    </p:cTn>
+                  </p:par>
+                  <p:par>
+                    <p:cTn id="10" fill="hold">
+                      <p:stCondLst>
+                        <p:cond delay="indefinite"/>
+                      </p:stCondLst>
+                      <p:childTnLst>
+                        <p:par>
+                          <p:cTn id="11" fill="hold">
+                            <p:stCondLst>
+                              <p:cond delay="0"/>
+                            </p:stCondLst>
+                            <p:childTnLst>
+                              <p:par>
+                                <p:cTn id="12" presetID="10" presetClass="entr" presetSubtype="0" fill="hold" nodeType="clickEffect">
+                                  <p:stCondLst>
+                                    <p:cond delay="0"/>
+                                  </p:stCondLst>
+                                  <p:childTnLst>
+                                    <p:set>
+                                      <p:cBhvr>
+                                        <p:cTn id="13" dur="1" fill="hold">
+                                          <p:stCondLst>
+                                            <p:cond delay="0"/>
+                                          </p:stCondLst>
+                                        </p:cTn>
+                                        <p:tgtEl>
+                                          <p:spTgt spid="2"/>
+                                        </p:tgtEl>
+                                        <p:attrNameLst>
+                                          <p:attrName>style.visibility</p:attrName>
+                                        </p:attrNameLst>
+                                      </p:cBhvr>
+                                      <p:to>
+                                        <p:strVal val="visible"/>
+                                      </p:to>
+                                    </p:set>
+                                    <p:animEffect transition="in" filter="fade">
+                                      <p:cBhvr>
+                                        <p:cTn id="14" dur="1000"/>
+                                        <p:tgtEl>
+                                          <p:spTgt spid="2"/>
+                                        </p:tgtEl>
+                                      </p:cBhvr>
+                                    </p:animEffect>
+                                  </p:childTnLst>
+                                </p:cTn>
+                              </p:par>
+                            </p:childTnLst>
+                          </p:cTn>
+                        </p:par>
+                      </p:childTnLst>
+                    </p:cTn>
+                  </p:par>
+                </p:childTnLst>
+              </p:cTn>
+              <p:prevCondLst>
+                <p:cond evt="onPrev" delay="0">
+                  <p:tgtEl>
+                    <p:sldTgt/>
+                  </p:tgtEl>
+                </p:cond>
+              </p:prevCondLst>
+              <p:nextCondLst>
+                <p:cond evt="onNext" delay="0">
+                  <p:tgtEl>
+                    <p:sldTgt/>
+                  </p:tgtEl>
+                </p:cond>
+              </p:nextCondLst>
+            </p:seq>
+          </p:childTnLst>
+        </p:cTn>
+      </p:par>
+    </p:tnLst>
+  </p:timing>
+</p:sld>
+</file>
+
+<file path=ppt/slides/slide21.xml><?xml version="1.0" encoding="utf-8"?>
+<p:sld xmlns:a="http://schemas.openxmlformats.org/drawingml/2006/main" xmlns:r="http://schemas.openxmlformats.org/officeDocument/2006/relationships" xmlns:p="http://schemas.openxmlformats.org/presentationml/2006/main">
+  <p:cSld>
+    <p:spTree>
+      <p:nvGrpSpPr>
+        <p:cNvPr id="1" name=""/>
+        <p:cNvGrpSpPr/>
+        <p:nvPr/>
+      </p:nvGrpSpPr>
+      <p:grpSpPr>
+        <a:xfrm>
+          <a:off x="0" y="0"/>
+          <a:ext cx="0" cy="0"/>
+          <a:chOff x="0" y="0"/>
+          <a:chExt cx="0" cy="0"/>
+        </a:xfrm>
+      </p:grpSpPr>
       <p:sp>
         <p:nvSpPr>
           <p:cNvPr id="4" name="Seta: Pentágono 26">
@@ -20101,6 +20692,1869 @@
           <a:chExt cx="0" cy="0"/>
         </a:xfrm>
       </p:grpSpPr>
+      <p:sp>
+        <p:nvSpPr>
+          <p:cNvPr id="4" name="Seta: Pentágono 26">
+            <a:extLst>
+              <a:ext uri="{FF2B5EF4-FFF2-40B4-BE49-F238E27FC236}">
+                <a16:creationId xmlns:a16="http://schemas.microsoft.com/office/drawing/2014/main" id="{FADBECF8-D441-4A40-9FA6-12E4F0C829AC}"/>
+              </a:ext>
+            </a:extLst>
+          </p:cNvPr>
+          <p:cNvSpPr/>
+          <p:nvPr/>
+        </p:nvSpPr>
+        <p:spPr>
+          <a:xfrm>
+            <a:off x="-2527" y="0"/>
+            <a:ext cx="1440000" cy="858157"/>
+          </a:xfrm>
+          <a:prstGeom prst="homePlate">
+            <a:avLst/>
+          </a:prstGeom>
+          <a:solidFill>
+            <a:srgbClr val="17252A"/>
+          </a:solidFill>
+          <a:ln>
+            <a:noFill/>
+          </a:ln>
+          <a:effectLst>
+            <a:outerShdw blurRad="203200" dist="38100" dir="2700000" algn="tl" rotWithShape="0">
+              <a:prstClr val="black">
+                <a:alpha val="34000"/>
+              </a:prstClr>
+            </a:outerShdw>
+          </a:effectLst>
+        </p:spPr>
+        <p:style>
+          <a:lnRef idx="2">
+            <a:schemeClr val="accent1">
+              <a:shade val="50000"/>
+            </a:schemeClr>
+          </a:lnRef>
+          <a:fillRef idx="1">
+            <a:schemeClr val="accent1"/>
+          </a:fillRef>
+          <a:effectRef idx="0">
+            <a:schemeClr val="accent1"/>
+          </a:effectRef>
+          <a:fontRef idx="minor">
+            <a:schemeClr val="lt1"/>
+          </a:fontRef>
+        </p:style>
+        <p:txBody>
+          <a:bodyPr rtlCol="0" anchor="ctr"/>
+          <a:lstStyle/>
+          <a:p>
+            <a:pPr algn="ctr"/>
+            <a:endParaRPr lang="pt-BR"/>
+          </a:p>
+        </p:txBody>
+      </p:sp>
+      <p:pic>
+        <p:nvPicPr>
+          <p:cNvPr id="5" name="Imagem 4" descr="Uma imagem contendo gráfico, desenho&#10;&#10;Descrição gerada automaticamente">
+            <a:extLst>
+              <a:ext uri="{FF2B5EF4-FFF2-40B4-BE49-F238E27FC236}">
+                <a16:creationId xmlns:a16="http://schemas.microsoft.com/office/drawing/2014/main" id="{0E77A33B-14B0-4C37-8921-E4AC59233463}"/>
+              </a:ext>
+            </a:extLst>
+          </p:cNvPr>
+          <p:cNvPicPr>
+            <a:picLocks noChangeAspect="1"/>
+          </p:cNvPicPr>
+          <p:nvPr/>
+        </p:nvPicPr>
+        <p:blipFill>
+          <a:blip r:embed="rId2" cstate="print">
+            <a:extLst>
+              <a:ext uri="{28A0092B-C50C-407E-A947-70E740481C1C}">
+                <a14:useLocalDpi xmlns:a14="http://schemas.microsoft.com/office/drawing/2010/main" val="0"/>
+              </a:ext>
+            </a:extLst>
+          </a:blip>
+          <a:stretch>
+            <a:fillRect/>
+          </a:stretch>
+        </p:blipFill>
+        <p:spPr>
+          <a:xfrm>
+            <a:off x="215347" y="85278"/>
+            <a:ext cx="687600" cy="687600"/>
+          </a:xfrm>
+          <a:prstGeom prst="rect">
+            <a:avLst/>
+          </a:prstGeom>
+        </p:spPr>
+      </p:pic>
+      <p:sp>
+        <p:nvSpPr>
+          <p:cNvPr id="6" name="CaixaDeTexto 5">
+            <a:extLst>
+              <a:ext uri="{FF2B5EF4-FFF2-40B4-BE49-F238E27FC236}">
+                <a16:creationId xmlns:a16="http://schemas.microsoft.com/office/drawing/2014/main" id="{C2A93DA5-B121-4509-8CAA-2098453831BD}"/>
+              </a:ext>
+            </a:extLst>
+          </p:cNvPr>
+          <p:cNvSpPr txBox="1"/>
+          <p:nvPr/>
+        </p:nvSpPr>
+        <p:spPr>
+          <a:xfrm>
+            <a:off x="6077821" y="2570200"/>
+            <a:ext cx="5749232" cy="1600438"/>
+          </a:xfrm>
+          <a:prstGeom prst="rect">
+            <a:avLst/>
+          </a:prstGeom>
+          <a:noFill/>
+        </p:spPr>
+        <p:txBody>
+          <a:bodyPr wrap="square" rtlCol="0">
+            <a:spAutoFit/>
+          </a:bodyPr>
+          <a:lstStyle/>
+          <a:p>
+            <a:pPr algn="ctr"/>
+            <a:r>
+              <a:rPr lang="pt-BR" sz="4800" dirty="0">
+                <a:solidFill>
+                  <a:srgbClr val="2B7A78"/>
+                </a:solidFill>
+                <a:latin typeface="Montserrat SemiBold" panose="00000700000000000000" pitchFamily="2" charset="0"/>
+              </a:rPr>
+              <a:t>Contextualização</a:t>
+            </a:r>
+          </a:p>
+          <a:p>
+            <a:pPr algn="ctr"/>
+            <a:endParaRPr lang="pt-BR" dirty="0">
+              <a:solidFill>
+                <a:srgbClr val="2B7A78"/>
+              </a:solidFill>
+              <a:latin typeface="Montserrat SemiBold" panose="00000700000000000000" pitchFamily="2" charset="0"/>
+            </a:endParaRPr>
+          </a:p>
+          <a:p>
+            <a:pPr algn="ctr"/>
+            <a:r>
+              <a:rPr lang="pt-BR" sz="3200" dirty="0">
+                <a:solidFill>
+                  <a:srgbClr val="2B7A78"/>
+                </a:solidFill>
+                <a:latin typeface="Montserrat SemiBold" panose="00000700000000000000" pitchFamily="2" charset="0"/>
+              </a:rPr>
+              <a:t>Novo módulo</a:t>
+            </a:r>
+          </a:p>
+        </p:txBody>
+      </p:sp>
+      <p:cxnSp>
+        <p:nvCxnSpPr>
+          <p:cNvPr id="7" name="Conector reto 6">
+            <a:extLst>
+              <a:ext uri="{FF2B5EF4-FFF2-40B4-BE49-F238E27FC236}">
+                <a16:creationId xmlns:a16="http://schemas.microsoft.com/office/drawing/2014/main" id="{622490C7-54AC-40CE-A451-0C903E2BC410}"/>
+              </a:ext>
+            </a:extLst>
+          </p:cNvPr>
+          <p:cNvCxnSpPr>
+            <a:cxnSpLocks/>
+          </p:cNvCxnSpPr>
+          <p:nvPr/>
+        </p:nvCxnSpPr>
+        <p:spPr>
+          <a:xfrm flipV="1">
+            <a:off x="12268128" y="3438090"/>
+            <a:ext cx="2201047" cy="15314"/>
+          </a:xfrm>
+          <a:prstGeom prst="line">
+            <a:avLst/>
+          </a:prstGeom>
+          <a:ln w="38100">
+            <a:solidFill>
+              <a:srgbClr val="2B7A78"/>
+            </a:solidFill>
+          </a:ln>
+        </p:spPr>
+        <p:style>
+          <a:lnRef idx="1">
+            <a:schemeClr val="accent1"/>
+          </a:lnRef>
+          <a:fillRef idx="0">
+            <a:schemeClr val="accent1"/>
+          </a:fillRef>
+          <a:effectRef idx="0">
+            <a:schemeClr val="accent1"/>
+          </a:effectRef>
+          <a:fontRef idx="minor">
+            <a:schemeClr val="tx1"/>
+          </a:fontRef>
+        </p:style>
+      </p:cxnSp>
+      <p:sp>
+        <p:nvSpPr>
+          <p:cNvPr id="8" name="Triângulo Retângulo 8">
+            <a:extLst>
+              <a:ext uri="{FF2B5EF4-FFF2-40B4-BE49-F238E27FC236}">
+                <a16:creationId xmlns:a16="http://schemas.microsoft.com/office/drawing/2014/main" id="{3533D1FF-7932-4746-900E-99230BB70B0C}"/>
+              </a:ext>
+            </a:extLst>
+          </p:cNvPr>
+          <p:cNvSpPr/>
+          <p:nvPr/>
+        </p:nvSpPr>
+        <p:spPr>
+          <a:xfrm flipH="1">
+            <a:off x="10969395" y="5654516"/>
+            <a:ext cx="1222605" cy="1203483"/>
+          </a:xfrm>
+          <a:prstGeom prst="rtTriangle">
+            <a:avLst/>
+          </a:prstGeom>
+          <a:solidFill>
+            <a:srgbClr val="2B7A78"/>
+          </a:solidFill>
+          <a:ln>
+            <a:noFill/>
+          </a:ln>
+          <a:effectLst>
+            <a:outerShdw blurRad="203200" dist="38100" dir="10800000" algn="r" rotWithShape="0">
+              <a:prstClr val="black">
+                <a:alpha val="34000"/>
+              </a:prstClr>
+            </a:outerShdw>
+          </a:effectLst>
+        </p:spPr>
+        <p:style>
+          <a:lnRef idx="2">
+            <a:schemeClr val="accent1">
+              <a:shade val="50000"/>
+            </a:schemeClr>
+          </a:lnRef>
+          <a:fillRef idx="1">
+            <a:schemeClr val="accent1"/>
+          </a:fillRef>
+          <a:effectRef idx="0">
+            <a:schemeClr val="accent1"/>
+          </a:effectRef>
+          <a:fontRef idx="minor">
+            <a:schemeClr val="lt1"/>
+          </a:fontRef>
+        </p:style>
+        <p:txBody>
+          <a:bodyPr rtlCol="0" anchor="ctr"/>
+          <a:lstStyle/>
+          <a:p>
+            <a:pPr algn="ctr"/>
+            <a:endParaRPr lang="pt-BR"/>
+          </a:p>
+        </p:txBody>
+      </p:sp>
+      <p:grpSp>
+        <p:nvGrpSpPr>
+          <p:cNvPr id="9" name="Agrupar 11">
+            <a:extLst>
+              <a:ext uri="{FF2B5EF4-FFF2-40B4-BE49-F238E27FC236}">
+                <a16:creationId xmlns:a16="http://schemas.microsoft.com/office/drawing/2014/main" id="{605F7425-21C8-4637-B4FA-3751C17D9771}"/>
+              </a:ext>
+            </a:extLst>
+          </p:cNvPr>
+          <p:cNvGrpSpPr/>
+          <p:nvPr/>
+        </p:nvGrpSpPr>
+        <p:grpSpPr>
+          <a:xfrm>
+            <a:off x="943224" y="1887447"/>
+            <a:ext cx="4823670" cy="1080683"/>
+            <a:chOff x="4988422" y="1227022"/>
+            <a:chExt cx="6629943" cy="1080683"/>
+          </a:xfrm>
+          <a:solidFill>
+            <a:srgbClr val="17252A"/>
+          </a:solidFill>
+        </p:grpSpPr>
+        <p:sp>
+          <p:nvSpPr>
+            <p:cNvPr id="10" name="Fluxograma: Atraso 12">
+              <a:extLst>
+                <a:ext uri="{FF2B5EF4-FFF2-40B4-BE49-F238E27FC236}">
+                  <a16:creationId xmlns:a16="http://schemas.microsoft.com/office/drawing/2014/main" id="{D9CC66A2-D5FC-44FB-877A-BBB344B53E5E}"/>
+                </a:ext>
+              </a:extLst>
+            </p:cNvPr>
+            <p:cNvSpPr/>
+            <p:nvPr/>
+          </p:nvSpPr>
+          <p:spPr>
+            <a:xfrm>
+              <a:off x="10399165" y="1227705"/>
+              <a:ext cx="1219200" cy="1080000"/>
+            </a:xfrm>
+            <a:prstGeom prst="flowChartDelay">
+              <a:avLst/>
+            </a:prstGeom>
+            <a:grpFill/>
+            <a:ln>
+              <a:noFill/>
+            </a:ln>
+          </p:spPr>
+          <p:style>
+            <a:lnRef idx="2">
+              <a:schemeClr val="accent1">
+                <a:shade val="50000"/>
+              </a:schemeClr>
+            </a:lnRef>
+            <a:fillRef idx="1">
+              <a:schemeClr val="accent1"/>
+            </a:fillRef>
+            <a:effectRef idx="0">
+              <a:schemeClr val="accent1"/>
+            </a:effectRef>
+            <a:fontRef idx="minor">
+              <a:schemeClr val="lt1"/>
+            </a:fontRef>
+          </p:style>
+          <p:txBody>
+            <a:bodyPr rtlCol="0" anchor="ctr"/>
+            <a:lstStyle/>
+            <a:p>
+              <a:pPr algn="ctr"/>
+              <a:endParaRPr lang="pt-BR"/>
+            </a:p>
+          </p:txBody>
+        </p:sp>
+        <p:sp>
+          <p:nvSpPr>
+            <p:cNvPr id="11" name="Retângulo 13">
+              <a:extLst>
+                <a:ext uri="{FF2B5EF4-FFF2-40B4-BE49-F238E27FC236}">
+                  <a16:creationId xmlns:a16="http://schemas.microsoft.com/office/drawing/2014/main" id="{40467B94-F35F-46E5-8AC6-B6E718629D86}"/>
+                </a:ext>
+              </a:extLst>
+            </p:cNvPr>
+            <p:cNvSpPr/>
+            <p:nvPr/>
+          </p:nvSpPr>
+          <p:spPr>
+            <a:xfrm>
+              <a:off x="4988422" y="1227022"/>
+              <a:ext cx="5410743" cy="1080000"/>
+            </a:xfrm>
+            <a:prstGeom prst="rect">
+              <a:avLst/>
+            </a:prstGeom>
+            <a:grpFill/>
+            <a:ln>
+              <a:noFill/>
+            </a:ln>
+          </p:spPr>
+          <p:style>
+            <a:lnRef idx="2">
+              <a:schemeClr val="accent1">
+                <a:shade val="50000"/>
+              </a:schemeClr>
+            </a:lnRef>
+            <a:fillRef idx="1">
+              <a:schemeClr val="accent1"/>
+            </a:fillRef>
+            <a:effectRef idx="0">
+              <a:schemeClr val="accent1"/>
+            </a:effectRef>
+            <a:fontRef idx="minor">
+              <a:schemeClr val="lt1"/>
+            </a:fontRef>
+          </p:style>
+          <p:txBody>
+            <a:bodyPr rtlCol="0" anchor="ctr"/>
+            <a:lstStyle/>
+            <a:p>
+              <a:pPr algn="ctr"/>
+              <a:endParaRPr lang="pt-BR"/>
+            </a:p>
+          </p:txBody>
+        </p:sp>
+      </p:grpSp>
+      <p:sp>
+        <p:nvSpPr>
+          <p:cNvPr id="12" name="CaixaDeTexto 14">
+            <a:extLst>
+              <a:ext uri="{FF2B5EF4-FFF2-40B4-BE49-F238E27FC236}">
+                <a16:creationId xmlns:a16="http://schemas.microsoft.com/office/drawing/2014/main" id="{0DA76EF1-0183-4E36-AE6B-673CD3FDF3FE}"/>
+              </a:ext>
+            </a:extLst>
+          </p:cNvPr>
+          <p:cNvSpPr txBox="1"/>
+          <p:nvPr/>
+        </p:nvSpPr>
+        <p:spPr>
+          <a:xfrm>
+            <a:off x="1436099" y="2205258"/>
+            <a:ext cx="1279655" cy="400110"/>
+          </a:xfrm>
+          <a:prstGeom prst="rect">
+            <a:avLst/>
+          </a:prstGeom>
+          <a:noFill/>
+        </p:spPr>
+        <p:txBody>
+          <a:bodyPr wrap="square" rtlCol="0">
+            <a:spAutoFit/>
+          </a:bodyPr>
+          <a:lstStyle/>
+          <a:p>
+            <a:r>
+              <a:rPr lang="pt-BR" sz="2000" dirty="0">
+                <a:solidFill>
+                  <a:srgbClr val="F1F6FB"/>
+                </a:solidFill>
+                <a:latin typeface="Eras Medium ITC" panose="020B0602030504020804" pitchFamily="34" charset="0"/>
+              </a:rPr>
+              <a:t>Objetivo</a:t>
+            </a:r>
+          </a:p>
+        </p:txBody>
+      </p:sp>
+      <p:grpSp>
+        <p:nvGrpSpPr>
+          <p:cNvPr id="13" name="Agrupar 15">
+            <a:extLst>
+              <a:ext uri="{FF2B5EF4-FFF2-40B4-BE49-F238E27FC236}">
+                <a16:creationId xmlns:a16="http://schemas.microsoft.com/office/drawing/2014/main" id="{DD227930-8A81-421E-A4A3-26BF8D010B7C}"/>
+              </a:ext>
+            </a:extLst>
+          </p:cNvPr>
+          <p:cNvGrpSpPr/>
+          <p:nvPr/>
+        </p:nvGrpSpPr>
+        <p:grpSpPr>
+          <a:xfrm>
+            <a:off x="328523" y="1887447"/>
+            <a:ext cx="1080000" cy="1080000"/>
+            <a:chOff x="4448422" y="1227022"/>
+            <a:chExt cx="1080000" cy="1080000"/>
+          </a:xfrm>
+          <a:solidFill>
+            <a:srgbClr val="17252A"/>
+          </a:solidFill>
+        </p:grpSpPr>
+        <p:sp>
+          <p:nvSpPr>
+            <p:cNvPr id="14" name="Elipse 16">
+              <a:extLst>
+                <a:ext uri="{FF2B5EF4-FFF2-40B4-BE49-F238E27FC236}">
+                  <a16:creationId xmlns:a16="http://schemas.microsoft.com/office/drawing/2014/main" id="{E83D523E-7BBB-4681-9464-4F461D88F0FD}"/>
+                </a:ext>
+              </a:extLst>
+            </p:cNvPr>
+            <p:cNvSpPr/>
+            <p:nvPr/>
+          </p:nvSpPr>
+          <p:spPr>
+            <a:xfrm>
+              <a:off x="4448422" y="1227022"/>
+              <a:ext cx="1080000" cy="1080000"/>
+            </a:xfrm>
+            <a:prstGeom prst="ellipse">
+              <a:avLst/>
+            </a:prstGeom>
+            <a:grpFill/>
+            <a:ln>
+              <a:noFill/>
+            </a:ln>
+          </p:spPr>
+          <p:style>
+            <a:lnRef idx="2">
+              <a:schemeClr val="accent1">
+                <a:shade val="50000"/>
+              </a:schemeClr>
+            </a:lnRef>
+            <a:fillRef idx="1">
+              <a:schemeClr val="accent1"/>
+            </a:fillRef>
+            <a:effectRef idx="0">
+              <a:schemeClr val="accent1"/>
+            </a:effectRef>
+            <a:fontRef idx="minor">
+              <a:schemeClr val="lt1"/>
+            </a:fontRef>
+          </p:style>
+          <p:txBody>
+            <a:bodyPr rtlCol="0" anchor="ctr"/>
+            <a:lstStyle/>
+            <a:p>
+              <a:pPr algn="ctr"/>
+              <a:endParaRPr lang="pt-BR"/>
+            </a:p>
+          </p:txBody>
+        </p:sp>
+        <p:pic>
+          <p:nvPicPr>
+            <p:cNvPr id="15" name="Gráfico 39" descr="Alvo">
+              <a:extLst>
+                <a:ext uri="{FF2B5EF4-FFF2-40B4-BE49-F238E27FC236}">
+                  <a16:creationId xmlns:a16="http://schemas.microsoft.com/office/drawing/2014/main" id="{92AE5EAD-0166-48C3-8BF8-FDFB35AA4512}"/>
+                </a:ext>
+              </a:extLst>
+            </p:cNvPr>
+            <p:cNvPicPr>
+              <a:picLocks noChangeAspect="1"/>
+            </p:cNvPicPr>
+            <p:nvPr/>
+          </p:nvPicPr>
+          <p:blipFill>
+            <a:blip r:embed="rId3" cstate="print">
+              <a:extLst>
+                <a:ext uri="{28A0092B-C50C-407E-A947-70E740481C1C}">
+                  <a14:useLocalDpi xmlns:a14="http://schemas.microsoft.com/office/drawing/2010/main" val="0"/>
+                </a:ext>
+                <a:ext uri="{96DAC541-7B7A-43D3-8B79-37D633B846F1}">
+                  <asvg:svgBlip xmlns:asvg="http://schemas.microsoft.com/office/drawing/2016/SVG/main" r:embed="rId4"/>
+                </a:ext>
+              </a:extLst>
+            </a:blip>
+            <a:stretch>
+              <a:fillRect/>
+            </a:stretch>
+          </p:blipFill>
+          <p:spPr>
+            <a:xfrm>
+              <a:off x="4552210" y="1294888"/>
+              <a:ext cx="900000" cy="900000"/>
+            </a:xfrm>
+            <a:prstGeom prst="rect">
+              <a:avLst/>
+            </a:prstGeom>
+          </p:spPr>
+        </p:pic>
+      </p:grpSp>
+      <p:grpSp>
+        <p:nvGrpSpPr>
+          <p:cNvPr id="16" name="Agrupar 18">
+            <a:extLst>
+              <a:ext uri="{FF2B5EF4-FFF2-40B4-BE49-F238E27FC236}">
+                <a16:creationId xmlns:a16="http://schemas.microsoft.com/office/drawing/2014/main" id="{4FF34DA6-BBDF-4DE1-A4CB-06855AD6BF5C}"/>
+              </a:ext>
+            </a:extLst>
+          </p:cNvPr>
+          <p:cNvGrpSpPr/>
+          <p:nvPr/>
+        </p:nvGrpSpPr>
+        <p:grpSpPr>
+          <a:xfrm>
+            <a:off x="943504" y="3649598"/>
+            <a:ext cx="4823670" cy="1080683"/>
+            <a:chOff x="4988422" y="1227022"/>
+            <a:chExt cx="6629943" cy="1080683"/>
+          </a:xfrm>
+          <a:solidFill>
+            <a:srgbClr val="17252A"/>
+          </a:solidFill>
+        </p:grpSpPr>
+        <p:sp>
+          <p:nvSpPr>
+            <p:cNvPr id="17" name="Fluxograma: Atraso 19">
+              <a:extLst>
+                <a:ext uri="{FF2B5EF4-FFF2-40B4-BE49-F238E27FC236}">
+                  <a16:creationId xmlns:a16="http://schemas.microsoft.com/office/drawing/2014/main" id="{8760C9E0-BDF2-4394-A52D-998BC4368223}"/>
+                </a:ext>
+              </a:extLst>
+            </p:cNvPr>
+            <p:cNvSpPr/>
+            <p:nvPr/>
+          </p:nvSpPr>
+          <p:spPr>
+            <a:xfrm>
+              <a:off x="10399165" y="1227705"/>
+              <a:ext cx="1219200" cy="1080000"/>
+            </a:xfrm>
+            <a:prstGeom prst="flowChartDelay">
+              <a:avLst/>
+            </a:prstGeom>
+            <a:grpFill/>
+            <a:ln>
+              <a:noFill/>
+            </a:ln>
+          </p:spPr>
+          <p:style>
+            <a:lnRef idx="2">
+              <a:schemeClr val="accent1">
+                <a:shade val="50000"/>
+              </a:schemeClr>
+            </a:lnRef>
+            <a:fillRef idx="1">
+              <a:schemeClr val="accent1"/>
+            </a:fillRef>
+            <a:effectRef idx="0">
+              <a:schemeClr val="accent1"/>
+            </a:effectRef>
+            <a:fontRef idx="minor">
+              <a:schemeClr val="lt1"/>
+            </a:fontRef>
+          </p:style>
+          <p:txBody>
+            <a:bodyPr rtlCol="0" anchor="ctr"/>
+            <a:lstStyle/>
+            <a:p>
+              <a:pPr algn="ctr"/>
+              <a:endParaRPr lang="pt-BR"/>
+            </a:p>
+          </p:txBody>
+        </p:sp>
+        <p:sp>
+          <p:nvSpPr>
+            <p:cNvPr id="18" name="Retângulo 20">
+              <a:extLst>
+                <a:ext uri="{FF2B5EF4-FFF2-40B4-BE49-F238E27FC236}">
+                  <a16:creationId xmlns:a16="http://schemas.microsoft.com/office/drawing/2014/main" id="{3CA01FD5-ED45-4C00-9745-F3F5346144D0}"/>
+                </a:ext>
+              </a:extLst>
+            </p:cNvPr>
+            <p:cNvSpPr/>
+            <p:nvPr/>
+          </p:nvSpPr>
+          <p:spPr>
+            <a:xfrm>
+              <a:off x="4988422" y="1227022"/>
+              <a:ext cx="5410743" cy="1080000"/>
+            </a:xfrm>
+            <a:prstGeom prst="rect">
+              <a:avLst/>
+            </a:prstGeom>
+            <a:grpFill/>
+            <a:ln>
+              <a:noFill/>
+            </a:ln>
+          </p:spPr>
+          <p:style>
+            <a:lnRef idx="2">
+              <a:schemeClr val="accent1">
+                <a:shade val="50000"/>
+              </a:schemeClr>
+            </a:lnRef>
+            <a:fillRef idx="1">
+              <a:schemeClr val="accent1"/>
+            </a:fillRef>
+            <a:effectRef idx="0">
+              <a:schemeClr val="accent1"/>
+            </a:effectRef>
+            <a:fontRef idx="minor">
+              <a:schemeClr val="lt1"/>
+            </a:fontRef>
+          </p:style>
+          <p:txBody>
+            <a:bodyPr rtlCol="0" anchor="ctr"/>
+            <a:lstStyle/>
+            <a:p>
+              <a:pPr algn="ctr"/>
+              <a:endParaRPr lang="pt-BR"/>
+            </a:p>
+          </p:txBody>
+        </p:sp>
+      </p:grpSp>
+      <p:sp>
+        <p:nvSpPr>
+          <p:cNvPr id="19" name="CaixaDeTexto 21">
+            <a:extLst>
+              <a:ext uri="{FF2B5EF4-FFF2-40B4-BE49-F238E27FC236}">
+                <a16:creationId xmlns:a16="http://schemas.microsoft.com/office/drawing/2014/main" id="{B02CB74A-5A22-492E-AA67-9D2D1B1054AA}"/>
+              </a:ext>
+            </a:extLst>
+          </p:cNvPr>
+          <p:cNvSpPr txBox="1"/>
+          <p:nvPr/>
+        </p:nvSpPr>
+        <p:spPr>
+          <a:xfrm>
+            <a:off x="1436379" y="3967409"/>
+            <a:ext cx="2769861" cy="400110"/>
+          </a:xfrm>
+          <a:prstGeom prst="rect">
+            <a:avLst/>
+          </a:prstGeom>
+          <a:noFill/>
+        </p:spPr>
+        <p:txBody>
+          <a:bodyPr wrap="square" rtlCol="0">
+            <a:spAutoFit/>
+          </a:bodyPr>
+          <a:lstStyle/>
+          <a:p>
+            <a:r>
+              <a:rPr lang="pt-BR" sz="2000" dirty="0">
+                <a:solidFill>
+                  <a:srgbClr val="F1F6FB"/>
+                </a:solidFill>
+                <a:latin typeface="Eras Medium ITC" panose="020B0602030504020804" pitchFamily="34" charset="0"/>
+              </a:rPr>
+              <a:t>Como conseguiremos?</a:t>
+            </a:r>
+          </a:p>
+        </p:txBody>
+      </p:sp>
+      <p:grpSp>
+        <p:nvGrpSpPr>
+          <p:cNvPr id="20" name="Agrupar 22">
+            <a:extLst>
+              <a:ext uri="{FF2B5EF4-FFF2-40B4-BE49-F238E27FC236}">
+                <a16:creationId xmlns:a16="http://schemas.microsoft.com/office/drawing/2014/main" id="{2BBC85D8-2C26-4596-9E0F-826D9E54B69E}"/>
+              </a:ext>
+            </a:extLst>
+          </p:cNvPr>
+          <p:cNvGrpSpPr/>
+          <p:nvPr/>
+        </p:nvGrpSpPr>
+        <p:grpSpPr>
+          <a:xfrm>
+            <a:off x="328803" y="3649598"/>
+            <a:ext cx="1080000" cy="1080000"/>
+            <a:chOff x="4448422" y="1227022"/>
+            <a:chExt cx="1080000" cy="1080000"/>
+          </a:xfrm>
+          <a:solidFill>
+            <a:srgbClr val="17252A"/>
+          </a:solidFill>
+        </p:grpSpPr>
+        <p:sp>
+          <p:nvSpPr>
+            <p:cNvPr id="21" name="Elipse 23">
+              <a:extLst>
+                <a:ext uri="{FF2B5EF4-FFF2-40B4-BE49-F238E27FC236}">
+                  <a16:creationId xmlns:a16="http://schemas.microsoft.com/office/drawing/2014/main" id="{51CDB9CF-91E8-4951-8FBE-063BB517A388}"/>
+                </a:ext>
+              </a:extLst>
+            </p:cNvPr>
+            <p:cNvSpPr/>
+            <p:nvPr/>
+          </p:nvSpPr>
+          <p:spPr>
+            <a:xfrm>
+              <a:off x="4448422" y="1227022"/>
+              <a:ext cx="1080000" cy="1080000"/>
+            </a:xfrm>
+            <a:prstGeom prst="ellipse">
+              <a:avLst/>
+            </a:prstGeom>
+            <a:grpFill/>
+            <a:ln>
+              <a:noFill/>
+            </a:ln>
+          </p:spPr>
+          <p:style>
+            <a:lnRef idx="2">
+              <a:schemeClr val="accent1">
+                <a:shade val="50000"/>
+              </a:schemeClr>
+            </a:lnRef>
+            <a:fillRef idx="1">
+              <a:schemeClr val="accent1"/>
+            </a:fillRef>
+            <a:effectRef idx="0">
+              <a:schemeClr val="accent1"/>
+            </a:effectRef>
+            <a:fontRef idx="minor">
+              <a:schemeClr val="lt1"/>
+            </a:fontRef>
+          </p:style>
+          <p:txBody>
+            <a:bodyPr rtlCol="0" anchor="ctr"/>
+            <a:lstStyle/>
+            <a:p>
+              <a:pPr algn="ctr"/>
+              <a:endParaRPr lang="pt-BR"/>
+            </a:p>
+          </p:txBody>
+        </p:sp>
+        <p:pic>
+          <p:nvPicPr>
+            <p:cNvPr id="22" name="Gráfico 39">
+              <a:extLst>
+                <a:ext uri="{FF2B5EF4-FFF2-40B4-BE49-F238E27FC236}">
+                  <a16:creationId xmlns:a16="http://schemas.microsoft.com/office/drawing/2014/main" id="{173C845B-A049-4762-8AD1-A51C31B2AB5C}"/>
+                </a:ext>
+              </a:extLst>
+            </p:cNvPr>
+            <p:cNvPicPr>
+              <a:picLocks noChangeAspect="1"/>
+            </p:cNvPicPr>
+            <p:nvPr/>
+          </p:nvPicPr>
+          <p:blipFill>
+            <a:blip r:embed="rId5" cstate="print">
+              <a:extLst>
+                <a:ext uri="{28A0092B-C50C-407E-A947-70E740481C1C}">
+                  <a14:useLocalDpi xmlns:a14="http://schemas.microsoft.com/office/drawing/2010/main" val="0"/>
+                </a:ext>
+              </a:extLst>
+            </a:blip>
+            <a:stretch>
+              <a:fillRect/>
+            </a:stretch>
+          </p:blipFill>
+          <p:spPr>
+            <a:xfrm>
+              <a:off x="4668959" y="1441464"/>
+              <a:ext cx="641200" cy="655311"/>
+            </a:xfrm>
+            <a:prstGeom prst="rect">
+              <a:avLst/>
+            </a:prstGeom>
+          </p:spPr>
+        </p:pic>
+      </p:grpSp>
+      <p:cxnSp>
+        <p:nvCxnSpPr>
+          <p:cNvPr id="23" name="Conector reto 40">
+            <a:extLst>
+              <a:ext uri="{FF2B5EF4-FFF2-40B4-BE49-F238E27FC236}">
+                <a16:creationId xmlns:a16="http://schemas.microsoft.com/office/drawing/2014/main" id="{50368358-06B8-4EF0-B117-C9B9AE6160F1}"/>
+              </a:ext>
+            </a:extLst>
+          </p:cNvPr>
+          <p:cNvCxnSpPr>
+            <a:cxnSpLocks/>
+          </p:cNvCxnSpPr>
+          <p:nvPr/>
+        </p:nvCxnSpPr>
+        <p:spPr>
+          <a:xfrm rot="16200000">
+            <a:off x="4922763" y="1938157"/>
+            <a:ext cx="2160000" cy="0"/>
+          </a:xfrm>
+          <a:prstGeom prst="line">
+            <a:avLst/>
+          </a:prstGeom>
+          <a:ln w="38100">
+            <a:solidFill>
+              <a:srgbClr val="2B7A78"/>
+            </a:solidFill>
+          </a:ln>
+        </p:spPr>
+        <p:style>
+          <a:lnRef idx="1">
+            <a:schemeClr val="accent1"/>
+          </a:lnRef>
+          <a:fillRef idx="0">
+            <a:schemeClr val="accent1"/>
+          </a:fillRef>
+          <a:effectRef idx="0">
+            <a:schemeClr val="accent1"/>
+          </a:effectRef>
+          <a:fontRef idx="minor">
+            <a:schemeClr val="tx1"/>
+          </a:fontRef>
+        </p:style>
+      </p:cxnSp>
+      <p:cxnSp>
+        <p:nvCxnSpPr>
+          <p:cNvPr id="24" name="Conector reto 41">
+            <a:extLst>
+              <a:ext uri="{FF2B5EF4-FFF2-40B4-BE49-F238E27FC236}">
+                <a16:creationId xmlns:a16="http://schemas.microsoft.com/office/drawing/2014/main" id="{FBFD6CC6-907E-481E-A680-386981DC5019}"/>
+              </a:ext>
+            </a:extLst>
+          </p:cNvPr>
+          <p:cNvCxnSpPr>
+            <a:cxnSpLocks/>
+          </p:cNvCxnSpPr>
+          <p:nvPr/>
+        </p:nvCxnSpPr>
+        <p:spPr>
+          <a:xfrm rot="16200000">
+            <a:off x="4922763" y="4704296"/>
+            <a:ext cx="2160000" cy="0"/>
+          </a:xfrm>
+          <a:prstGeom prst="line">
+            <a:avLst/>
+          </a:prstGeom>
+          <a:ln w="38100">
+            <a:solidFill>
+              <a:srgbClr val="2B7A78"/>
+            </a:solidFill>
+          </a:ln>
+        </p:spPr>
+        <p:style>
+          <a:lnRef idx="1">
+            <a:schemeClr val="accent1"/>
+          </a:lnRef>
+          <a:fillRef idx="0">
+            <a:schemeClr val="accent1"/>
+          </a:fillRef>
+          <a:effectRef idx="0">
+            <a:schemeClr val="accent1"/>
+          </a:effectRef>
+          <a:fontRef idx="minor">
+            <a:schemeClr val="tx1"/>
+          </a:fontRef>
+        </p:style>
+      </p:cxnSp>
+      <p:pic>
+        <p:nvPicPr>
+          <p:cNvPr id="25" name="Gráfico 66" descr="Floco de Neve">
+            <a:extLst>
+              <a:ext uri="{FF2B5EF4-FFF2-40B4-BE49-F238E27FC236}">
+                <a16:creationId xmlns:a16="http://schemas.microsoft.com/office/drawing/2014/main" id="{593219FA-81D4-4977-A921-474FE4A566BB}"/>
+              </a:ext>
+            </a:extLst>
+          </p:cNvPr>
+          <p:cNvPicPr>
+            <a:picLocks noChangeAspect="1"/>
+          </p:cNvPicPr>
+          <p:nvPr/>
+        </p:nvPicPr>
+        <p:blipFill>
+          <a:blip r:embed="rId6" cstate="print">
+            <a:extLst>
+              <a:ext uri="{28A0092B-C50C-407E-A947-70E740481C1C}">
+                <a14:useLocalDpi xmlns:a14="http://schemas.microsoft.com/office/drawing/2010/main" val="0"/>
+              </a:ext>
+              <a:ext uri="{96DAC541-7B7A-43D3-8B79-37D633B846F1}">
+                <asvg:svgBlip xmlns:asvg="http://schemas.microsoft.com/office/drawing/2016/SVG/main" r:embed="rId7"/>
+              </a:ext>
+            </a:extLst>
+          </a:blip>
+          <a:stretch>
+            <a:fillRect/>
+          </a:stretch>
+        </p:blipFill>
+        <p:spPr>
+          <a:xfrm>
+            <a:off x="5769913" y="3080264"/>
+            <a:ext cx="457200" cy="457200"/>
+          </a:xfrm>
+          <a:prstGeom prst="rect">
+            <a:avLst/>
+          </a:prstGeom>
+        </p:spPr>
+      </p:pic>
+    </p:spTree>
+    <p:extLst>
+      <p:ext uri="{BB962C8B-B14F-4D97-AF65-F5344CB8AC3E}">
+        <p14:creationId xmlns:p14="http://schemas.microsoft.com/office/powerpoint/2010/main" val="14599112"/>
+      </p:ext>
+    </p:extLst>
+  </p:cSld>
+  <p:clrMapOvr>
+    <a:masterClrMapping/>
+  </p:clrMapOvr>
+  <p:timing>
+    <p:tnLst>
+      <p:par>
+        <p:cTn id="1" dur="indefinite" restart="never" nodeType="tmRoot">
+          <p:childTnLst>
+            <p:seq concurrent="1" nextAc="seek">
+              <p:cTn id="2" dur="indefinite" nodeType="mainSeq">
+                <p:childTnLst>
+                  <p:par>
+                    <p:cTn id="3" fill="hold">
+                      <p:stCondLst>
+                        <p:cond delay="indefinite"/>
+                        <p:cond evt="onBegin" delay="0">
+                          <p:tn val="2"/>
+                        </p:cond>
+                      </p:stCondLst>
+                      <p:childTnLst>
+                        <p:par>
+                          <p:cTn id="4" fill="hold">
+                            <p:stCondLst>
+                              <p:cond delay="0"/>
+                            </p:stCondLst>
+                            <p:childTnLst>
+                              <p:par>
+                                <p:cTn id="5" presetID="53" presetClass="entr" presetSubtype="16" fill="hold" grpId="0" nodeType="afterEffect">
+                                  <p:stCondLst>
+                                    <p:cond delay="0"/>
+                                  </p:stCondLst>
+                                  <p:childTnLst>
+                                    <p:set>
+                                      <p:cBhvr>
+                                        <p:cTn id="6" dur="1" fill="hold">
+                                          <p:stCondLst>
+                                            <p:cond delay="0"/>
+                                          </p:stCondLst>
+                                        </p:cTn>
+                                        <p:tgtEl>
+                                          <p:spTgt spid="6"/>
+                                        </p:tgtEl>
+                                        <p:attrNameLst>
+                                          <p:attrName>style.visibility</p:attrName>
+                                        </p:attrNameLst>
+                                      </p:cBhvr>
+                                      <p:to>
+                                        <p:strVal val="visible"/>
+                                      </p:to>
+                                    </p:set>
+                                    <p:anim calcmode="lin" valueType="num">
+                                      <p:cBhvr>
+                                        <p:cTn id="7" dur="500" fill="hold"/>
+                                        <p:tgtEl>
+                                          <p:spTgt spid="6"/>
+                                        </p:tgtEl>
+                                        <p:attrNameLst>
+                                          <p:attrName>ppt_w</p:attrName>
+                                        </p:attrNameLst>
+                                      </p:cBhvr>
+                                      <p:tavLst>
+                                        <p:tav tm="0">
+                                          <p:val>
+                                            <p:fltVal val="0"/>
+                                          </p:val>
+                                        </p:tav>
+                                        <p:tav tm="100000">
+                                          <p:val>
+                                            <p:strVal val="#ppt_w"/>
+                                          </p:val>
+                                        </p:tav>
+                                      </p:tavLst>
+                                    </p:anim>
+                                    <p:anim calcmode="lin" valueType="num">
+                                      <p:cBhvr>
+                                        <p:cTn id="8" dur="500" fill="hold"/>
+                                        <p:tgtEl>
+                                          <p:spTgt spid="6"/>
+                                        </p:tgtEl>
+                                        <p:attrNameLst>
+                                          <p:attrName>ppt_h</p:attrName>
+                                        </p:attrNameLst>
+                                      </p:cBhvr>
+                                      <p:tavLst>
+                                        <p:tav tm="0">
+                                          <p:val>
+                                            <p:fltVal val="0"/>
+                                          </p:val>
+                                        </p:tav>
+                                        <p:tav tm="100000">
+                                          <p:val>
+                                            <p:strVal val="#ppt_h"/>
+                                          </p:val>
+                                        </p:tav>
+                                      </p:tavLst>
+                                    </p:anim>
+                                    <p:animEffect transition="in" filter="fade">
+                                      <p:cBhvr>
+                                        <p:cTn id="9" dur="500"/>
+                                        <p:tgtEl>
+                                          <p:spTgt spid="6"/>
+                                        </p:tgtEl>
+                                      </p:cBhvr>
+                                    </p:animEffect>
+                                  </p:childTnLst>
+                                </p:cTn>
+                              </p:par>
+                              <p:par>
+                                <p:cTn id="10" presetID="35" presetClass="path" presetSubtype="0" accel="50000" decel="50000" fill="hold" nodeType="withEffect">
+                                  <p:stCondLst>
+                                    <p:cond delay="0"/>
+                                  </p:stCondLst>
+                                  <p:childTnLst>
+                                    <p:animMotion origin="layout" path="M 0.01927 0.00023 L -0.36145 0.00116 " pathEditMode="relative" rAng="0" ptsTypes="AA">
+                                      <p:cBhvr>
+                                        <p:cTn id="11" dur="2000" fill="hold"/>
+                                        <p:tgtEl>
+                                          <p:spTgt spid="7"/>
+                                        </p:tgtEl>
+                                        <p:attrNameLst>
+                                          <p:attrName>ppt_x</p:attrName>
+                                          <p:attrName>ppt_y</p:attrName>
+                                        </p:attrNameLst>
+                                      </p:cBhvr>
+                                      <p:rCtr x="-19036" y="46"/>
+                                    </p:animMotion>
+                                  </p:childTnLst>
+                                </p:cTn>
+                              </p:par>
+                              <p:par>
+                                <p:cTn id="12" presetID="53" presetClass="entr" presetSubtype="16" fill="hold" nodeType="withEffect">
+                                  <p:stCondLst>
+                                    <p:cond delay="0"/>
+                                  </p:stCondLst>
+                                  <p:childTnLst>
+                                    <p:set>
+                                      <p:cBhvr>
+                                        <p:cTn id="13" dur="1" fill="hold">
+                                          <p:stCondLst>
+                                            <p:cond delay="0"/>
+                                          </p:stCondLst>
+                                        </p:cTn>
+                                        <p:tgtEl>
+                                          <p:spTgt spid="24"/>
+                                        </p:tgtEl>
+                                        <p:attrNameLst>
+                                          <p:attrName>style.visibility</p:attrName>
+                                        </p:attrNameLst>
+                                      </p:cBhvr>
+                                      <p:to>
+                                        <p:strVal val="visible"/>
+                                      </p:to>
+                                    </p:set>
+                                    <p:anim calcmode="lin" valueType="num">
+                                      <p:cBhvr>
+                                        <p:cTn id="14" dur="500" fill="hold"/>
+                                        <p:tgtEl>
+                                          <p:spTgt spid="24"/>
+                                        </p:tgtEl>
+                                        <p:attrNameLst>
+                                          <p:attrName>ppt_w</p:attrName>
+                                        </p:attrNameLst>
+                                      </p:cBhvr>
+                                      <p:tavLst>
+                                        <p:tav tm="0">
+                                          <p:val>
+                                            <p:fltVal val="0"/>
+                                          </p:val>
+                                        </p:tav>
+                                        <p:tav tm="100000">
+                                          <p:val>
+                                            <p:strVal val="#ppt_w"/>
+                                          </p:val>
+                                        </p:tav>
+                                      </p:tavLst>
+                                    </p:anim>
+                                    <p:anim calcmode="lin" valueType="num">
+                                      <p:cBhvr>
+                                        <p:cTn id="15" dur="500" fill="hold"/>
+                                        <p:tgtEl>
+                                          <p:spTgt spid="24"/>
+                                        </p:tgtEl>
+                                        <p:attrNameLst>
+                                          <p:attrName>ppt_h</p:attrName>
+                                        </p:attrNameLst>
+                                      </p:cBhvr>
+                                      <p:tavLst>
+                                        <p:tav tm="0">
+                                          <p:val>
+                                            <p:fltVal val="0"/>
+                                          </p:val>
+                                        </p:tav>
+                                        <p:tav tm="100000">
+                                          <p:val>
+                                            <p:strVal val="#ppt_h"/>
+                                          </p:val>
+                                        </p:tav>
+                                      </p:tavLst>
+                                    </p:anim>
+                                    <p:animEffect transition="in" filter="fade">
+                                      <p:cBhvr>
+                                        <p:cTn id="16" dur="500"/>
+                                        <p:tgtEl>
+                                          <p:spTgt spid="24"/>
+                                        </p:tgtEl>
+                                      </p:cBhvr>
+                                    </p:animEffect>
+                                  </p:childTnLst>
+                                </p:cTn>
+                              </p:par>
+                              <p:par>
+                                <p:cTn id="17" presetID="53" presetClass="entr" presetSubtype="16" fill="hold" nodeType="withEffect">
+                                  <p:stCondLst>
+                                    <p:cond delay="0"/>
+                                  </p:stCondLst>
+                                  <p:childTnLst>
+                                    <p:set>
+                                      <p:cBhvr>
+                                        <p:cTn id="18" dur="1" fill="hold">
+                                          <p:stCondLst>
+                                            <p:cond delay="0"/>
+                                          </p:stCondLst>
+                                        </p:cTn>
+                                        <p:tgtEl>
+                                          <p:spTgt spid="23"/>
+                                        </p:tgtEl>
+                                        <p:attrNameLst>
+                                          <p:attrName>style.visibility</p:attrName>
+                                        </p:attrNameLst>
+                                      </p:cBhvr>
+                                      <p:to>
+                                        <p:strVal val="visible"/>
+                                      </p:to>
+                                    </p:set>
+                                    <p:anim calcmode="lin" valueType="num">
+                                      <p:cBhvr>
+                                        <p:cTn id="19" dur="500" fill="hold"/>
+                                        <p:tgtEl>
+                                          <p:spTgt spid="23"/>
+                                        </p:tgtEl>
+                                        <p:attrNameLst>
+                                          <p:attrName>ppt_w</p:attrName>
+                                        </p:attrNameLst>
+                                      </p:cBhvr>
+                                      <p:tavLst>
+                                        <p:tav tm="0">
+                                          <p:val>
+                                            <p:fltVal val="0"/>
+                                          </p:val>
+                                        </p:tav>
+                                        <p:tav tm="100000">
+                                          <p:val>
+                                            <p:strVal val="#ppt_w"/>
+                                          </p:val>
+                                        </p:tav>
+                                      </p:tavLst>
+                                    </p:anim>
+                                    <p:anim calcmode="lin" valueType="num">
+                                      <p:cBhvr>
+                                        <p:cTn id="20" dur="500" fill="hold"/>
+                                        <p:tgtEl>
+                                          <p:spTgt spid="23"/>
+                                        </p:tgtEl>
+                                        <p:attrNameLst>
+                                          <p:attrName>ppt_h</p:attrName>
+                                        </p:attrNameLst>
+                                      </p:cBhvr>
+                                      <p:tavLst>
+                                        <p:tav tm="0">
+                                          <p:val>
+                                            <p:fltVal val="0"/>
+                                          </p:val>
+                                        </p:tav>
+                                        <p:tav tm="100000">
+                                          <p:val>
+                                            <p:strVal val="#ppt_h"/>
+                                          </p:val>
+                                        </p:tav>
+                                      </p:tavLst>
+                                    </p:anim>
+                                    <p:animEffect transition="in" filter="fade">
+                                      <p:cBhvr>
+                                        <p:cTn id="21" dur="500"/>
+                                        <p:tgtEl>
+                                          <p:spTgt spid="23"/>
+                                        </p:tgtEl>
+                                      </p:cBhvr>
+                                    </p:animEffect>
+                                  </p:childTnLst>
+                                </p:cTn>
+                              </p:par>
+                              <p:par>
+                                <p:cTn id="22" presetID="10" presetClass="entr" presetSubtype="0" fill="hold" nodeType="withEffect">
+                                  <p:stCondLst>
+                                    <p:cond delay="0"/>
+                                  </p:stCondLst>
+                                  <p:childTnLst>
+                                    <p:set>
+                                      <p:cBhvr>
+                                        <p:cTn id="23" dur="1" fill="hold">
+                                          <p:stCondLst>
+                                            <p:cond delay="0"/>
+                                          </p:stCondLst>
+                                        </p:cTn>
+                                        <p:tgtEl>
+                                          <p:spTgt spid="25"/>
+                                        </p:tgtEl>
+                                        <p:attrNameLst>
+                                          <p:attrName>style.visibility</p:attrName>
+                                        </p:attrNameLst>
+                                      </p:cBhvr>
+                                      <p:to>
+                                        <p:strVal val="visible"/>
+                                      </p:to>
+                                    </p:set>
+                                    <p:animEffect transition="in" filter="fade">
+                                      <p:cBhvr>
+                                        <p:cTn id="24" dur="500"/>
+                                        <p:tgtEl>
+                                          <p:spTgt spid="25"/>
+                                        </p:tgtEl>
+                                      </p:cBhvr>
+                                    </p:animEffect>
+                                  </p:childTnLst>
+                                </p:cTn>
+                              </p:par>
+                            </p:childTnLst>
+                          </p:cTn>
+                        </p:par>
+                      </p:childTnLst>
+                    </p:cTn>
+                  </p:par>
+                  <p:par>
+                    <p:cTn id="25" fill="hold">
+                      <p:stCondLst>
+                        <p:cond delay="indefinite"/>
+                      </p:stCondLst>
+                      <p:childTnLst>
+                        <p:par>
+                          <p:cTn id="26" fill="hold">
+                            <p:stCondLst>
+                              <p:cond delay="0"/>
+                            </p:stCondLst>
+                            <p:childTnLst>
+                              <p:par>
+                                <p:cTn id="27" presetID="42" presetClass="entr" presetSubtype="0" fill="hold" nodeType="clickEffect">
+                                  <p:stCondLst>
+                                    <p:cond delay="0"/>
+                                  </p:stCondLst>
+                                  <p:childTnLst>
+                                    <p:set>
+                                      <p:cBhvr>
+                                        <p:cTn id="28" dur="1" fill="hold">
+                                          <p:stCondLst>
+                                            <p:cond delay="0"/>
+                                          </p:stCondLst>
+                                        </p:cTn>
+                                        <p:tgtEl>
+                                          <p:spTgt spid="13"/>
+                                        </p:tgtEl>
+                                        <p:attrNameLst>
+                                          <p:attrName>style.visibility</p:attrName>
+                                        </p:attrNameLst>
+                                      </p:cBhvr>
+                                      <p:to>
+                                        <p:strVal val="visible"/>
+                                      </p:to>
+                                    </p:set>
+                                    <p:animEffect transition="in" filter="fade">
+                                      <p:cBhvr>
+                                        <p:cTn id="29" dur="500"/>
+                                        <p:tgtEl>
+                                          <p:spTgt spid="13"/>
+                                        </p:tgtEl>
+                                      </p:cBhvr>
+                                    </p:animEffect>
+                                    <p:anim calcmode="lin" valueType="num">
+                                      <p:cBhvr>
+                                        <p:cTn id="30" dur="500" fill="hold"/>
+                                        <p:tgtEl>
+                                          <p:spTgt spid="13"/>
+                                        </p:tgtEl>
+                                        <p:attrNameLst>
+                                          <p:attrName>ppt_x</p:attrName>
+                                        </p:attrNameLst>
+                                      </p:cBhvr>
+                                      <p:tavLst>
+                                        <p:tav tm="0">
+                                          <p:val>
+                                            <p:strVal val="#ppt_x"/>
+                                          </p:val>
+                                        </p:tav>
+                                        <p:tav tm="100000">
+                                          <p:val>
+                                            <p:strVal val="#ppt_x"/>
+                                          </p:val>
+                                        </p:tav>
+                                      </p:tavLst>
+                                    </p:anim>
+                                    <p:anim calcmode="lin" valueType="num">
+                                      <p:cBhvr>
+                                        <p:cTn id="31" dur="500" fill="hold"/>
+                                        <p:tgtEl>
+                                          <p:spTgt spid="13"/>
+                                        </p:tgtEl>
+                                        <p:attrNameLst>
+                                          <p:attrName>ppt_y</p:attrName>
+                                        </p:attrNameLst>
+                                      </p:cBhvr>
+                                      <p:tavLst>
+                                        <p:tav tm="0">
+                                          <p:val>
+                                            <p:strVal val="#ppt_y+.1"/>
+                                          </p:val>
+                                        </p:tav>
+                                        <p:tav tm="100000">
+                                          <p:val>
+                                            <p:strVal val="#ppt_y"/>
+                                          </p:val>
+                                        </p:tav>
+                                      </p:tavLst>
+                                    </p:anim>
+                                  </p:childTnLst>
+                                </p:cTn>
+                              </p:par>
+                            </p:childTnLst>
+                          </p:cTn>
+                        </p:par>
+                        <p:par>
+                          <p:cTn id="32" fill="hold">
+                            <p:stCondLst>
+                              <p:cond delay="500"/>
+                            </p:stCondLst>
+                            <p:childTnLst>
+                              <p:par>
+                                <p:cTn id="33" presetID="17" presetClass="entr" presetSubtype="10" fill="hold" nodeType="afterEffect">
+                                  <p:stCondLst>
+                                    <p:cond delay="0"/>
+                                  </p:stCondLst>
+                                  <p:childTnLst>
+                                    <p:set>
+                                      <p:cBhvr>
+                                        <p:cTn id="34" dur="1" fill="hold">
+                                          <p:stCondLst>
+                                            <p:cond delay="0"/>
+                                          </p:stCondLst>
+                                        </p:cTn>
+                                        <p:tgtEl>
+                                          <p:spTgt spid="9"/>
+                                        </p:tgtEl>
+                                        <p:attrNameLst>
+                                          <p:attrName>style.visibility</p:attrName>
+                                        </p:attrNameLst>
+                                      </p:cBhvr>
+                                      <p:to>
+                                        <p:strVal val="visible"/>
+                                      </p:to>
+                                    </p:set>
+                                    <p:anim calcmode="lin" valueType="num">
+                                      <p:cBhvr>
+                                        <p:cTn id="35" dur="500" fill="hold"/>
+                                        <p:tgtEl>
+                                          <p:spTgt spid="9"/>
+                                        </p:tgtEl>
+                                        <p:attrNameLst>
+                                          <p:attrName>ppt_w</p:attrName>
+                                        </p:attrNameLst>
+                                      </p:cBhvr>
+                                      <p:tavLst>
+                                        <p:tav tm="0">
+                                          <p:val>
+                                            <p:fltVal val="0"/>
+                                          </p:val>
+                                        </p:tav>
+                                        <p:tav tm="100000">
+                                          <p:val>
+                                            <p:strVal val="#ppt_w"/>
+                                          </p:val>
+                                        </p:tav>
+                                      </p:tavLst>
+                                    </p:anim>
+                                    <p:anim calcmode="lin" valueType="num">
+                                      <p:cBhvr>
+                                        <p:cTn id="36" dur="500" fill="hold"/>
+                                        <p:tgtEl>
+                                          <p:spTgt spid="9"/>
+                                        </p:tgtEl>
+                                        <p:attrNameLst>
+                                          <p:attrName>ppt_h</p:attrName>
+                                        </p:attrNameLst>
+                                      </p:cBhvr>
+                                      <p:tavLst>
+                                        <p:tav tm="0">
+                                          <p:val>
+                                            <p:strVal val="#ppt_h"/>
+                                          </p:val>
+                                        </p:tav>
+                                        <p:tav tm="100000">
+                                          <p:val>
+                                            <p:strVal val="#ppt_h"/>
+                                          </p:val>
+                                        </p:tav>
+                                      </p:tavLst>
+                                    </p:anim>
+                                  </p:childTnLst>
+                                </p:cTn>
+                              </p:par>
+                            </p:childTnLst>
+                          </p:cTn>
+                        </p:par>
+                        <p:par>
+                          <p:cTn id="37" fill="hold">
+                            <p:stCondLst>
+                              <p:cond delay="1000"/>
+                            </p:stCondLst>
+                            <p:childTnLst>
+                              <p:par>
+                                <p:cTn id="38" presetID="53" presetClass="entr" presetSubtype="16" fill="hold" grpId="0" nodeType="afterEffect">
+                                  <p:stCondLst>
+                                    <p:cond delay="0"/>
+                                  </p:stCondLst>
+                                  <p:childTnLst>
+                                    <p:set>
+                                      <p:cBhvr>
+                                        <p:cTn id="39" dur="1" fill="hold">
+                                          <p:stCondLst>
+                                            <p:cond delay="0"/>
+                                          </p:stCondLst>
+                                        </p:cTn>
+                                        <p:tgtEl>
+                                          <p:spTgt spid="12"/>
+                                        </p:tgtEl>
+                                        <p:attrNameLst>
+                                          <p:attrName>style.visibility</p:attrName>
+                                        </p:attrNameLst>
+                                      </p:cBhvr>
+                                      <p:to>
+                                        <p:strVal val="visible"/>
+                                      </p:to>
+                                    </p:set>
+                                    <p:anim calcmode="lin" valueType="num">
+                                      <p:cBhvr>
+                                        <p:cTn id="40" dur="500" fill="hold"/>
+                                        <p:tgtEl>
+                                          <p:spTgt spid="12"/>
+                                        </p:tgtEl>
+                                        <p:attrNameLst>
+                                          <p:attrName>ppt_w</p:attrName>
+                                        </p:attrNameLst>
+                                      </p:cBhvr>
+                                      <p:tavLst>
+                                        <p:tav tm="0">
+                                          <p:val>
+                                            <p:fltVal val="0"/>
+                                          </p:val>
+                                        </p:tav>
+                                        <p:tav tm="100000">
+                                          <p:val>
+                                            <p:strVal val="#ppt_w"/>
+                                          </p:val>
+                                        </p:tav>
+                                      </p:tavLst>
+                                    </p:anim>
+                                    <p:anim calcmode="lin" valueType="num">
+                                      <p:cBhvr>
+                                        <p:cTn id="41" dur="500" fill="hold"/>
+                                        <p:tgtEl>
+                                          <p:spTgt spid="12"/>
+                                        </p:tgtEl>
+                                        <p:attrNameLst>
+                                          <p:attrName>ppt_h</p:attrName>
+                                        </p:attrNameLst>
+                                      </p:cBhvr>
+                                      <p:tavLst>
+                                        <p:tav tm="0">
+                                          <p:val>
+                                            <p:fltVal val="0"/>
+                                          </p:val>
+                                        </p:tav>
+                                        <p:tav tm="100000">
+                                          <p:val>
+                                            <p:strVal val="#ppt_h"/>
+                                          </p:val>
+                                        </p:tav>
+                                      </p:tavLst>
+                                    </p:anim>
+                                    <p:animEffect transition="in" filter="fade">
+                                      <p:cBhvr>
+                                        <p:cTn id="42" dur="500"/>
+                                        <p:tgtEl>
+                                          <p:spTgt spid="12"/>
+                                        </p:tgtEl>
+                                      </p:cBhvr>
+                                    </p:animEffect>
+                                  </p:childTnLst>
+                                </p:cTn>
+                              </p:par>
+                            </p:childTnLst>
+                          </p:cTn>
+                        </p:par>
+                      </p:childTnLst>
+                    </p:cTn>
+                  </p:par>
+                  <p:par>
+                    <p:cTn id="43" fill="hold">
+                      <p:stCondLst>
+                        <p:cond delay="indefinite"/>
+                      </p:stCondLst>
+                      <p:childTnLst>
+                        <p:par>
+                          <p:cTn id="44" fill="hold">
+                            <p:stCondLst>
+                              <p:cond delay="0"/>
+                            </p:stCondLst>
+                            <p:childTnLst>
+                              <p:par>
+                                <p:cTn id="45" presetID="42" presetClass="entr" presetSubtype="0" fill="hold" nodeType="clickEffect">
+                                  <p:stCondLst>
+                                    <p:cond delay="0"/>
+                                  </p:stCondLst>
+                                  <p:childTnLst>
+                                    <p:set>
+                                      <p:cBhvr>
+                                        <p:cTn id="46" dur="1" fill="hold">
+                                          <p:stCondLst>
+                                            <p:cond delay="0"/>
+                                          </p:stCondLst>
+                                        </p:cTn>
+                                        <p:tgtEl>
+                                          <p:spTgt spid="20"/>
+                                        </p:tgtEl>
+                                        <p:attrNameLst>
+                                          <p:attrName>style.visibility</p:attrName>
+                                        </p:attrNameLst>
+                                      </p:cBhvr>
+                                      <p:to>
+                                        <p:strVal val="visible"/>
+                                      </p:to>
+                                    </p:set>
+                                    <p:animEffect transition="in" filter="fade">
+                                      <p:cBhvr>
+                                        <p:cTn id="47" dur="500"/>
+                                        <p:tgtEl>
+                                          <p:spTgt spid="20"/>
+                                        </p:tgtEl>
+                                      </p:cBhvr>
+                                    </p:animEffect>
+                                    <p:anim calcmode="lin" valueType="num">
+                                      <p:cBhvr>
+                                        <p:cTn id="48" dur="500" fill="hold"/>
+                                        <p:tgtEl>
+                                          <p:spTgt spid="20"/>
+                                        </p:tgtEl>
+                                        <p:attrNameLst>
+                                          <p:attrName>ppt_x</p:attrName>
+                                        </p:attrNameLst>
+                                      </p:cBhvr>
+                                      <p:tavLst>
+                                        <p:tav tm="0">
+                                          <p:val>
+                                            <p:strVal val="#ppt_x"/>
+                                          </p:val>
+                                        </p:tav>
+                                        <p:tav tm="100000">
+                                          <p:val>
+                                            <p:strVal val="#ppt_x"/>
+                                          </p:val>
+                                        </p:tav>
+                                      </p:tavLst>
+                                    </p:anim>
+                                    <p:anim calcmode="lin" valueType="num">
+                                      <p:cBhvr>
+                                        <p:cTn id="49" dur="500" fill="hold"/>
+                                        <p:tgtEl>
+                                          <p:spTgt spid="20"/>
+                                        </p:tgtEl>
+                                        <p:attrNameLst>
+                                          <p:attrName>ppt_y</p:attrName>
+                                        </p:attrNameLst>
+                                      </p:cBhvr>
+                                      <p:tavLst>
+                                        <p:tav tm="0">
+                                          <p:val>
+                                            <p:strVal val="#ppt_y+.1"/>
+                                          </p:val>
+                                        </p:tav>
+                                        <p:tav tm="100000">
+                                          <p:val>
+                                            <p:strVal val="#ppt_y"/>
+                                          </p:val>
+                                        </p:tav>
+                                      </p:tavLst>
+                                    </p:anim>
+                                  </p:childTnLst>
+                                </p:cTn>
+                              </p:par>
+                            </p:childTnLst>
+                          </p:cTn>
+                        </p:par>
+                        <p:par>
+                          <p:cTn id="50" fill="hold">
+                            <p:stCondLst>
+                              <p:cond delay="500"/>
+                            </p:stCondLst>
+                            <p:childTnLst>
+                              <p:par>
+                                <p:cTn id="51" presetID="17" presetClass="entr" presetSubtype="10" fill="hold" nodeType="afterEffect">
+                                  <p:stCondLst>
+                                    <p:cond delay="0"/>
+                                  </p:stCondLst>
+                                  <p:childTnLst>
+                                    <p:set>
+                                      <p:cBhvr>
+                                        <p:cTn id="52" dur="1" fill="hold">
+                                          <p:stCondLst>
+                                            <p:cond delay="0"/>
+                                          </p:stCondLst>
+                                        </p:cTn>
+                                        <p:tgtEl>
+                                          <p:spTgt spid="16"/>
+                                        </p:tgtEl>
+                                        <p:attrNameLst>
+                                          <p:attrName>style.visibility</p:attrName>
+                                        </p:attrNameLst>
+                                      </p:cBhvr>
+                                      <p:to>
+                                        <p:strVal val="visible"/>
+                                      </p:to>
+                                    </p:set>
+                                    <p:anim calcmode="lin" valueType="num">
+                                      <p:cBhvr>
+                                        <p:cTn id="53" dur="500" fill="hold"/>
+                                        <p:tgtEl>
+                                          <p:spTgt spid="16"/>
+                                        </p:tgtEl>
+                                        <p:attrNameLst>
+                                          <p:attrName>ppt_w</p:attrName>
+                                        </p:attrNameLst>
+                                      </p:cBhvr>
+                                      <p:tavLst>
+                                        <p:tav tm="0">
+                                          <p:val>
+                                            <p:fltVal val="0"/>
+                                          </p:val>
+                                        </p:tav>
+                                        <p:tav tm="100000">
+                                          <p:val>
+                                            <p:strVal val="#ppt_w"/>
+                                          </p:val>
+                                        </p:tav>
+                                      </p:tavLst>
+                                    </p:anim>
+                                    <p:anim calcmode="lin" valueType="num">
+                                      <p:cBhvr>
+                                        <p:cTn id="54" dur="500" fill="hold"/>
+                                        <p:tgtEl>
+                                          <p:spTgt spid="16"/>
+                                        </p:tgtEl>
+                                        <p:attrNameLst>
+                                          <p:attrName>ppt_h</p:attrName>
+                                        </p:attrNameLst>
+                                      </p:cBhvr>
+                                      <p:tavLst>
+                                        <p:tav tm="0">
+                                          <p:val>
+                                            <p:strVal val="#ppt_h"/>
+                                          </p:val>
+                                        </p:tav>
+                                        <p:tav tm="100000">
+                                          <p:val>
+                                            <p:strVal val="#ppt_h"/>
+                                          </p:val>
+                                        </p:tav>
+                                      </p:tavLst>
+                                    </p:anim>
+                                  </p:childTnLst>
+                                </p:cTn>
+                              </p:par>
+                            </p:childTnLst>
+                          </p:cTn>
+                        </p:par>
+                        <p:par>
+                          <p:cTn id="55" fill="hold">
+                            <p:stCondLst>
+                              <p:cond delay="1000"/>
+                            </p:stCondLst>
+                            <p:childTnLst>
+                              <p:par>
+                                <p:cTn id="56" presetID="53" presetClass="entr" presetSubtype="16" fill="hold" grpId="0" nodeType="afterEffect">
+                                  <p:stCondLst>
+                                    <p:cond delay="0"/>
+                                  </p:stCondLst>
+                                  <p:childTnLst>
+                                    <p:set>
+                                      <p:cBhvr>
+                                        <p:cTn id="57" dur="1" fill="hold">
+                                          <p:stCondLst>
+                                            <p:cond delay="0"/>
+                                          </p:stCondLst>
+                                        </p:cTn>
+                                        <p:tgtEl>
+                                          <p:spTgt spid="19"/>
+                                        </p:tgtEl>
+                                        <p:attrNameLst>
+                                          <p:attrName>style.visibility</p:attrName>
+                                        </p:attrNameLst>
+                                      </p:cBhvr>
+                                      <p:to>
+                                        <p:strVal val="visible"/>
+                                      </p:to>
+                                    </p:set>
+                                    <p:anim calcmode="lin" valueType="num">
+                                      <p:cBhvr>
+                                        <p:cTn id="58" dur="500" fill="hold"/>
+                                        <p:tgtEl>
+                                          <p:spTgt spid="19"/>
+                                        </p:tgtEl>
+                                        <p:attrNameLst>
+                                          <p:attrName>ppt_w</p:attrName>
+                                        </p:attrNameLst>
+                                      </p:cBhvr>
+                                      <p:tavLst>
+                                        <p:tav tm="0">
+                                          <p:val>
+                                            <p:fltVal val="0"/>
+                                          </p:val>
+                                        </p:tav>
+                                        <p:tav tm="100000">
+                                          <p:val>
+                                            <p:strVal val="#ppt_w"/>
+                                          </p:val>
+                                        </p:tav>
+                                      </p:tavLst>
+                                    </p:anim>
+                                    <p:anim calcmode="lin" valueType="num">
+                                      <p:cBhvr>
+                                        <p:cTn id="59" dur="500" fill="hold"/>
+                                        <p:tgtEl>
+                                          <p:spTgt spid="19"/>
+                                        </p:tgtEl>
+                                        <p:attrNameLst>
+                                          <p:attrName>ppt_h</p:attrName>
+                                        </p:attrNameLst>
+                                      </p:cBhvr>
+                                      <p:tavLst>
+                                        <p:tav tm="0">
+                                          <p:val>
+                                            <p:fltVal val="0"/>
+                                          </p:val>
+                                        </p:tav>
+                                        <p:tav tm="100000">
+                                          <p:val>
+                                            <p:strVal val="#ppt_h"/>
+                                          </p:val>
+                                        </p:tav>
+                                      </p:tavLst>
+                                    </p:anim>
+                                    <p:animEffect transition="in" filter="fade">
+                                      <p:cBhvr>
+                                        <p:cTn id="60" dur="500"/>
+                                        <p:tgtEl>
+                                          <p:spTgt spid="19"/>
+                                        </p:tgtEl>
+                                      </p:cBhvr>
+                                    </p:animEffect>
+                                  </p:childTnLst>
+                                </p:cTn>
+                              </p:par>
+                            </p:childTnLst>
+                          </p:cTn>
+                        </p:par>
+                      </p:childTnLst>
+                    </p:cTn>
+                  </p:par>
+                </p:childTnLst>
+              </p:cTn>
+              <p:prevCondLst>
+                <p:cond evt="onPrev" delay="0">
+                  <p:tgtEl>
+                    <p:sldTgt/>
+                  </p:tgtEl>
+                </p:cond>
+              </p:prevCondLst>
+              <p:nextCondLst>
+                <p:cond evt="onNext" delay="0">
+                  <p:tgtEl>
+                    <p:sldTgt/>
+                  </p:tgtEl>
+                </p:cond>
+              </p:nextCondLst>
+            </p:seq>
+          </p:childTnLst>
+        </p:cTn>
+      </p:par>
+    </p:tnLst>
+    <p:bldLst>
+      <p:bldP spid="6" grpId="0"/>
+      <p:bldP spid="12" grpId="0"/>
+      <p:bldP spid="19" grpId="0"/>
+    </p:bldLst>
+  </p:timing>
+</p:sld>
+</file>
+
+<file path=ppt/slides/slide4.xml><?xml version="1.0" encoding="utf-8"?>
+<p:sld xmlns:a="http://schemas.openxmlformats.org/drawingml/2006/main" xmlns:r="http://schemas.openxmlformats.org/officeDocument/2006/relationships" xmlns:p="http://schemas.openxmlformats.org/presentationml/2006/main">
+  <p:cSld>
+    <p:spTree>
+      <p:nvGrpSpPr>
+        <p:cNvPr id="1" name=""/>
+        <p:cNvGrpSpPr/>
+        <p:nvPr/>
+      </p:nvGrpSpPr>
+      <p:grpSpPr>
+        <a:xfrm>
+          <a:off x="0" y="0"/>
+          <a:ext cx="0" cy="0"/>
+          <a:chOff x="0" y="0"/>
+          <a:chExt cx="0" cy="0"/>
+        </a:xfrm>
+      </p:grpSpPr>
       <p:grpSp>
         <p:nvGrpSpPr>
           <p:cNvPr id="4" name="Agrupar 3">
@@ -20287,7 +22741,7 @@
                     <a14:useLocalDpi xmlns:a14="http://schemas.microsoft.com/office/drawing/2010/main" val="0"/>
                   </a:ext>
                   <a:ext uri="{96DAC541-7B7A-43D3-8B79-37D633B846F1}">
-                    <asvg:svgBlip xmlns="" xmlns:asvg="http://schemas.microsoft.com/office/drawing/2016/SVG/main" r:embed="rId3"/>
+                    <asvg:svgBlip xmlns:asvg="http://schemas.microsoft.com/office/drawing/2016/SVG/main" r:embed="rId3"/>
                   </a:ext>
                 </a:extLst>
               </a:blip>
@@ -22953,7 +25407,7 @@
 </p:sld>
 </file>
 
-<file path=ppt/slides/slide4.xml><?xml version="1.0" encoding="utf-8"?>
+<file path=ppt/slides/slide5.xml><?xml version="1.0" encoding="utf-8"?>
 <p:sld xmlns:a="http://schemas.openxmlformats.org/drawingml/2006/main" xmlns:r="http://schemas.openxmlformats.org/officeDocument/2006/relationships" xmlns:p="http://schemas.openxmlformats.org/presentationml/2006/main">
   <p:cSld>
     <p:spTree>
@@ -23215,7 +25669,7 @@
                     <a14:useLocalDpi xmlns:a14="http://schemas.microsoft.com/office/drawing/2010/main" val="0"/>
                   </a:ext>
                   <a:ext uri="{96DAC541-7B7A-43D3-8B79-37D633B846F1}">
-                    <asvg:svgBlip xmlns="" xmlns:asvg="http://schemas.microsoft.com/office/drawing/2016/SVG/main" r:embed="rId3"/>
+                    <asvg:svgBlip xmlns:asvg="http://schemas.microsoft.com/office/drawing/2016/SVG/main" r:embed="rId3"/>
                   </a:ext>
                 </a:extLst>
               </a:blip>
@@ -23543,7 +25997,7 @@
 </p:sld>
 </file>
 
-<file path=ppt/slides/slide5.xml><?xml version="1.0" encoding="utf-8"?>
+<file path=ppt/slides/slide6.xml><?xml version="1.0" encoding="utf-8"?>
 <p:sld xmlns:a="http://schemas.openxmlformats.org/drawingml/2006/main" xmlns:r="http://schemas.openxmlformats.org/officeDocument/2006/relationships" xmlns:p="http://schemas.openxmlformats.org/presentationml/2006/main">
   <p:cSld>
     <p:spTree>
@@ -23900,7 +26354,7 @@
                     <a14:useLocalDpi xmlns:a14="http://schemas.microsoft.com/office/drawing/2010/main" val="0"/>
                   </a:ext>
                   <a:ext uri="{96DAC541-7B7A-43D3-8B79-37D633B846F1}">
-                    <asvg:svgBlip xmlns="" xmlns:asvg="http://schemas.microsoft.com/office/drawing/2016/SVG/main" r:embed="rId4"/>
+                    <asvg:svgBlip xmlns:asvg="http://schemas.microsoft.com/office/drawing/2016/SVG/main" r:embed="rId4"/>
                   </a:ext>
                 </a:extLst>
               </a:blip>
@@ -24133,7 +26587,7 @@
 </p:sld>
 </file>
 
-<file path=ppt/slides/slide6.xml><?xml version="1.0" encoding="utf-8"?>
+<file path=ppt/slides/slide7.xml><?xml version="1.0" encoding="utf-8"?>
 <p:sld xmlns:a="http://schemas.openxmlformats.org/drawingml/2006/main" xmlns:r="http://schemas.openxmlformats.org/officeDocument/2006/relationships" xmlns:p="http://schemas.openxmlformats.org/presentationml/2006/main">
   <p:cSld>
     <p:spTree>
@@ -24431,7 +26885,7 @@
                     <a14:useLocalDpi xmlns:a14="http://schemas.microsoft.com/office/drawing/2010/main" val="0"/>
                   </a:ext>
                   <a:ext uri="{96DAC541-7B7A-43D3-8B79-37D633B846F1}">
-                    <asvg:svgBlip xmlns="" xmlns:asvg="http://schemas.microsoft.com/office/drawing/2016/SVG/main" r:embed="rId4"/>
+                    <asvg:svgBlip xmlns:asvg="http://schemas.microsoft.com/office/drawing/2016/SVG/main" r:embed="rId4"/>
                   </a:ext>
                 </a:extLst>
               </a:blip>
@@ -24778,7 +27232,7 @@
 </p:sld>
 </file>
 
-<file path=ppt/slides/slide7.xml><?xml version="1.0" encoding="utf-8"?>
+<file path=ppt/slides/slide8.xml><?xml version="1.0" encoding="utf-8"?>
 <p:sld xmlns:a="http://schemas.openxmlformats.org/drawingml/2006/main" xmlns:r="http://schemas.openxmlformats.org/officeDocument/2006/relationships" xmlns:p="http://schemas.openxmlformats.org/presentationml/2006/main">
   <p:cSld>
     <p:spTree>
@@ -25053,7 +27507,7 @@
                 <a14:useLocalDpi xmlns:a14="http://schemas.microsoft.com/office/drawing/2010/main" val="0"/>
               </a:ext>
               <a:ext uri="{96DAC541-7B7A-43D3-8B79-37D633B846F1}">
-                <asvg:svgBlip xmlns="" xmlns:asvg="http://schemas.microsoft.com/office/drawing/2016/SVG/main" r:embed="rId4"/>
+                <asvg:svgBlip xmlns:asvg="http://schemas.microsoft.com/office/drawing/2016/SVG/main" r:embed="rId4"/>
               </a:ext>
             </a:extLst>
           </a:blip>
@@ -26647,7 +29101,7 @@
 </p:sld>
 </file>
 
-<file path=ppt/slides/slide8.xml><?xml version="1.0" encoding="utf-8"?>
+<file path=ppt/slides/slide9.xml><?xml version="1.0" encoding="utf-8"?>
 <p:sld xmlns:a="http://schemas.openxmlformats.org/drawingml/2006/main" xmlns:r="http://schemas.openxmlformats.org/officeDocument/2006/relationships" xmlns:p="http://schemas.openxmlformats.org/presentationml/2006/main">
   <p:cSld>
     <p:spTree>
@@ -26865,7 +29319,7 @@
                     <a14:useLocalDpi xmlns:a14="http://schemas.microsoft.com/office/drawing/2010/main" val="0"/>
                   </a:ext>
                   <a:ext uri="{96DAC541-7B7A-43D3-8B79-37D633B846F1}">
-                    <asvg:svgBlip xmlns="" xmlns:asvg="http://schemas.microsoft.com/office/drawing/2016/SVG/main" r:embed="rId3"/>
+                    <asvg:svgBlip xmlns:asvg="http://schemas.microsoft.com/office/drawing/2016/SVG/main" r:embed="rId3"/>
                   </a:ext>
                 </a:extLst>
               </a:blip>
@@ -27171,611 +29625,6 @@
                                         <p:cTn id="9" dur="500"/>
                                         <p:tgtEl>
                                           <p:spTgt spid="4"/>
-                                        </p:tgtEl>
-                                      </p:cBhvr>
-                                    </p:animEffect>
-                                  </p:childTnLst>
-                                </p:cTn>
-                              </p:par>
-                            </p:childTnLst>
-                          </p:cTn>
-                        </p:par>
-                        <p:par>
-                          <p:cTn id="10" fill="hold">
-                            <p:stCondLst>
-                              <p:cond delay="500"/>
-                            </p:stCondLst>
-                            <p:childTnLst>
-                              <p:par>
-                                <p:cTn id="11" presetID="10" presetClass="entr" presetSubtype="0" fill="hold" nodeType="afterEffect">
-                                  <p:stCondLst>
-                                    <p:cond delay="0"/>
-                                  </p:stCondLst>
-                                  <p:childTnLst>
-                                    <p:set>
-                                      <p:cBhvr>
-                                        <p:cTn id="12" dur="1" fill="hold">
-                                          <p:stCondLst>
-                                            <p:cond delay="0"/>
-                                          </p:stCondLst>
-                                        </p:cTn>
-                                        <p:tgtEl>
-                                          <p:spTgt spid="2"/>
-                                        </p:tgtEl>
-                                        <p:attrNameLst>
-                                          <p:attrName>style.visibility</p:attrName>
-                                        </p:attrNameLst>
-                                      </p:cBhvr>
-                                      <p:to>
-                                        <p:strVal val="visible"/>
-                                      </p:to>
-                                    </p:set>
-                                    <p:animEffect transition="in" filter="fade">
-                                      <p:cBhvr>
-                                        <p:cTn id="13" dur="1000"/>
-                                        <p:tgtEl>
-                                          <p:spTgt spid="2"/>
-                                        </p:tgtEl>
-                                      </p:cBhvr>
-                                    </p:animEffect>
-                                  </p:childTnLst>
-                                </p:cTn>
-                              </p:par>
-                            </p:childTnLst>
-                          </p:cTn>
-                        </p:par>
-                      </p:childTnLst>
-                    </p:cTn>
-                  </p:par>
-                </p:childTnLst>
-              </p:cTn>
-              <p:prevCondLst>
-                <p:cond evt="onPrev" delay="0">
-                  <p:tgtEl>
-                    <p:sldTgt/>
-                  </p:tgtEl>
-                </p:cond>
-              </p:prevCondLst>
-              <p:nextCondLst>
-                <p:cond evt="onNext" delay="0">
-                  <p:tgtEl>
-                    <p:sldTgt/>
-                  </p:tgtEl>
-                </p:cond>
-              </p:nextCondLst>
-            </p:seq>
-          </p:childTnLst>
-        </p:cTn>
-      </p:par>
-    </p:tnLst>
-  </p:timing>
-</p:sld>
-</file>
-
-<file path=ppt/slides/slide9.xml><?xml version="1.0" encoding="utf-8"?>
-<p:sld xmlns:a="http://schemas.openxmlformats.org/drawingml/2006/main" xmlns:r="http://schemas.openxmlformats.org/officeDocument/2006/relationships" xmlns:p="http://schemas.openxmlformats.org/presentationml/2006/main">
-  <p:cSld>
-    <p:spTree>
-      <p:nvGrpSpPr>
-        <p:cNvPr id="1" name=""/>
-        <p:cNvGrpSpPr/>
-        <p:nvPr/>
-      </p:nvGrpSpPr>
-      <p:grpSpPr>
-        <a:xfrm>
-          <a:off x="0" y="0"/>
-          <a:ext cx="0" cy="0"/>
-          <a:chOff x="0" y="0"/>
-          <a:chExt cx="0" cy="0"/>
-        </a:xfrm>
-      </p:grpSpPr>
-      <p:sp>
-        <p:nvSpPr>
-          <p:cNvPr id="4" name="Triângulo Retângulo 3">
-            <a:extLst>
-              <a:ext uri="{FF2B5EF4-FFF2-40B4-BE49-F238E27FC236}">
-                <a16:creationId xmlns:a16="http://schemas.microsoft.com/office/drawing/2014/main" id="{26DF48E9-18A1-45D2-8DFD-17F6C62711FC}"/>
-              </a:ext>
-            </a:extLst>
-          </p:cNvPr>
-          <p:cNvSpPr/>
-          <p:nvPr/>
-        </p:nvSpPr>
-        <p:spPr>
-          <a:xfrm flipH="1">
-            <a:off x="10969395" y="5654516"/>
-            <a:ext cx="1222605" cy="1203483"/>
-          </a:xfrm>
-          <a:prstGeom prst="rtTriangle">
-            <a:avLst/>
-          </a:prstGeom>
-          <a:solidFill>
-            <a:srgbClr val="2B7A78"/>
-          </a:solidFill>
-          <a:ln>
-            <a:noFill/>
-          </a:ln>
-          <a:effectLst>
-            <a:outerShdw blurRad="203200" dist="38100" dir="10800000" algn="r" rotWithShape="0">
-              <a:prstClr val="black">
-                <a:alpha val="34000"/>
-              </a:prstClr>
-            </a:outerShdw>
-          </a:effectLst>
-        </p:spPr>
-        <p:style>
-          <a:lnRef idx="2">
-            <a:schemeClr val="accent1">
-              <a:shade val="50000"/>
-            </a:schemeClr>
-          </a:lnRef>
-          <a:fillRef idx="1">
-            <a:schemeClr val="accent1"/>
-          </a:fillRef>
-          <a:effectRef idx="0">
-            <a:schemeClr val="accent1"/>
-          </a:effectRef>
-          <a:fontRef idx="minor">
-            <a:schemeClr val="lt1"/>
-          </a:fontRef>
-        </p:style>
-        <p:txBody>
-          <a:bodyPr rtlCol="0" anchor="ctr"/>
-          <a:lstStyle/>
-          <a:p>
-            <a:pPr algn="ctr"/>
-            <a:endParaRPr lang="pt-BR"/>
-          </a:p>
-        </p:txBody>
-      </p:sp>
-      <p:grpSp>
-        <p:nvGrpSpPr>
-          <p:cNvPr id="5" name="Agrupar 4">
-            <a:extLst>
-              <a:ext uri="{FF2B5EF4-FFF2-40B4-BE49-F238E27FC236}">
-                <a16:creationId xmlns:a16="http://schemas.microsoft.com/office/drawing/2014/main" id="{CF19D031-129C-4403-89C9-402CECE5548A}"/>
-              </a:ext>
-            </a:extLst>
-          </p:cNvPr>
-          <p:cNvGrpSpPr/>
-          <p:nvPr/>
-        </p:nvGrpSpPr>
-        <p:grpSpPr>
-          <a:xfrm>
-            <a:off x="1563819" y="150271"/>
-            <a:ext cx="9064363" cy="1127441"/>
-            <a:chOff x="1563819" y="150271"/>
-            <a:chExt cx="9064363" cy="1127441"/>
-          </a:xfrm>
-        </p:grpSpPr>
-        <p:sp>
-          <p:nvSpPr>
-            <p:cNvPr id="6" name="CaixaDeTexto 5">
-              <a:extLst>
-                <a:ext uri="{FF2B5EF4-FFF2-40B4-BE49-F238E27FC236}">
-                  <a16:creationId xmlns:a16="http://schemas.microsoft.com/office/drawing/2014/main" id="{48389BA0-EB7A-4D9C-A020-EE7E30785F15}"/>
-                </a:ext>
-              </a:extLst>
-            </p:cNvPr>
-            <p:cNvSpPr txBox="1"/>
-            <p:nvPr/>
-          </p:nvSpPr>
-          <p:spPr>
-            <a:xfrm>
-              <a:off x="1563819" y="150271"/>
-              <a:ext cx="9064363" cy="923330"/>
-            </a:xfrm>
-            <a:prstGeom prst="rect">
-              <a:avLst/>
-            </a:prstGeom>
-            <a:noFill/>
-          </p:spPr>
-          <p:txBody>
-            <a:bodyPr wrap="square" rtlCol="0">
-              <a:spAutoFit/>
-            </a:bodyPr>
-            <a:lstStyle/>
-            <a:p>
-              <a:pPr algn="ctr"/>
-              <a:r>
-                <a:rPr lang="pt-BR" sz="5400" dirty="0">
-                  <a:solidFill>
-                    <a:srgbClr val="3AAFA9"/>
-                  </a:solidFill>
-                  <a:latin typeface="Montserrat SemiBold" panose="00000700000000000000" pitchFamily="2" charset="0"/>
-                </a:rPr>
-                <a:t>Protótipo </a:t>
-              </a:r>
-              <a:r>
-                <a:rPr lang="pt-BR" sz="5400" dirty="0" err="1">
-                  <a:solidFill>
-                    <a:srgbClr val="3AAFA9"/>
-                  </a:solidFill>
-                  <a:latin typeface="Montserrat SemiBold" panose="00000700000000000000" pitchFamily="2" charset="0"/>
-                </a:rPr>
-                <a:t>Login</a:t>
-              </a:r>
-              <a:endParaRPr lang="pt-BR" sz="5400" dirty="0">
-                <a:solidFill>
-                  <a:srgbClr val="3AAFA9"/>
-                </a:solidFill>
-                <a:latin typeface="Montserrat SemiBold" panose="00000700000000000000" pitchFamily="2" charset="0"/>
-              </a:endParaRPr>
-            </a:p>
-          </p:txBody>
-        </p:sp>
-        <p:grpSp>
-          <p:nvGrpSpPr>
-            <p:cNvPr id="7" name="Agrupar 6">
-              <a:extLst>
-                <a:ext uri="{FF2B5EF4-FFF2-40B4-BE49-F238E27FC236}">
-                  <a16:creationId xmlns:a16="http://schemas.microsoft.com/office/drawing/2014/main" id="{37C7C3AC-9700-4BE7-A4EF-2491564D8BC3}"/>
-                </a:ext>
-              </a:extLst>
-            </p:cNvPr>
-            <p:cNvGrpSpPr/>
-            <p:nvPr/>
-          </p:nvGrpSpPr>
-          <p:grpSpPr>
-            <a:xfrm>
-              <a:off x="3329674" y="820512"/>
-              <a:ext cx="5532653" cy="457200"/>
-              <a:chOff x="3338450" y="732746"/>
-              <a:chExt cx="5532653" cy="457200"/>
-            </a:xfrm>
-          </p:grpSpPr>
-          <p:cxnSp>
-            <p:nvCxnSpPr>
-              <p:cNvPr id="8" name="Conector reto 7">
-                <a:extLst>
-                  <a:ext uri="{FF2B5EF4-FFF2-40B4-BE49-F238E27FC236}">
-                    <a16:creationId xmlns:a16="http://schemas.microsoft.com/office/drawing/2014/main" id="{EDE2D347-7CE7-44BA-853C-67CE632ED9A2}"/>
-                  </a:ext>
-                </a:extLst>
-              </p:cNvPr>
-              <p:cNvCxnSpPr>
-                <a:cxnSpLocks/>
-              </p:cNvCxnSpPr>
-              <p:nvPr/>
-            </p:nvCxnSpPr>
-            <p:spPr>
-              <a:xfrm>
-                <a:off x="6351103" y="961346"/>
-                <a:ext cx="2520000" cy="0"/>
-              </a:xfrm>
-              <a:prstGeom prst="line">
-                <a:avLst/>
-              </a:prstGeom>
-              <a:ln w="38100">
-                <a:solidFill>
-                  <a:srgbClr val="2B7A78"/>
-                </a:solidFill>
-              </a:ln>
-            </p:spPr>
-            <p:style>
-              <a:lnRef idx="1">
-                <a:schemeClr val="accent1"/>
-              </a:lnRef>
-              <a:fillRef idx="0">
-                <a:schemeClr val="accent1"/>
-              </a:fillRef>
-              <a:effectRef idx="0">
-                <a:schemeClr val="accent1"/>
-              </a:effectRef>
-              <a:fontRef idx="minor">
-                <a:schemeClr val="tx1"/>
-              </a:fontRef>
-            </p:style>
-          </p:cxnSp>
-          <p:cxnSp>
-            <p:nvCxnSpPr>
-              <p:cNvPr id="9" name="Conector reto 8">
-                <a:extLst>
-                  <a:ext uri="{FF2B5EF4-FFF2-40B4-BE49-F238E27FC236}">
-                    <a16:creationId xmlns:a16="http://schemas.microsoft.com/office/drawing/2014/main" id="{A1B1770C-9267-424E-89CC-A52F46C4A616}"/>
-                  </a:ext>
-                </a:extLst>
-              </p:cNvPr>
-              <p:cNvCxnSpPr/>
-              <p:nvPr/>
-            </p:nvCxnSpPr>
-            <p:spPr>
-              <a:xfrm>
-                <a:off x="3338450" y="961346"/>
-                <a:ext cx="2520000" cy="0"/>
-              </a:xfrm>
-              <a:prstGeom prst="line">
-                <a:avLst/>
-              </a:prstGeom>
-              <a:ln w="38100">
-                <a:solidFill>
-                  <a:srgbClr val="2B7A78"/>
-                </a:solidFill>
-              </a:ln>
-            </p:spPr>
-            <p:style>
-              <a:lnRef idx="1">
-                <a:schemeClr val="accent1"/>
-              </a:lnRef>
-              <a:fillRef idx="0">
-                <a:schemeClr val="accent1"/>
-              </a:fillRef>
-              <a:effectRef idx="0">
-                <a:schemeClr val="accent1"/>
-              </a:effectRef>
-              <a:fontRef idx="minor">
-                <a:schemeClr val="tx1"/>
-              </a:fontRef>
-            </p:style>
-          </p:cxnSp>
-          <p:pic>
-            <p:nvPicPr>
-              <p:cNvPr id="10" name="Gráfico 16" descr="Floco de Neve">
-                <a:extLst>
-                  <a:ext uri="{FF2B5EF4-FFF2-40B4-BE49-F238E27FC236}">
-                    <a16:creationId xmlns:a16="http://schemas.microsoft.com/office/drawing/2014/main" id="{7032740E-2F78-4501-AA3B-231B3A993B95}"/>
-                  </a:ext>
-                </a:extLst>
-              </p:cNvPr>
-              <p:cNvPicPr>
-                <a:picLocks noChangeAspect="1"/>
-              </p:cNvPicPr>
-              <p:nvPr/>
-            </p:nvPicPr>
-            <p:blipFill>
-              <a:blip r:embed="rId2" cstate="print">
-                <a:extLst>
-                  <a:ext uri="{28A0092B-C50C-407E-A947-70E740481C1C}">
-                    <a14:useLocalDpi xmlns:a14="http://schemas.microsoft.com/office/drawing/2010/main" val="0"/>
-                  </a:ext>
-                  <a:ext uri="{96DAC541-7B7A-43D3-8B79-37D633B846F1}">
-                    <asvg:svgBlip xmlns="" xmlns:asvg="http://schemas.microsoft.com/office/drawing/2016/SVG/main" r:embed="rId3"/>
-                  </a:ext>
-                </a:extLst>
-              </a:blip>
-              <a:stretch>
-                <a:fillRect/>
-              </a:stretch>
-            </p:blipFill>
-            <p:spPr>
-              <a:xfrm>
-                <a:off x="5864116" y="732746"/>
-                <a:ext cx="457200" cy="457200"/>
-              </a:xfrm>
-              <a:prstGeom prst="rect">
-                <a:avLst/>
-              </a:prstGeom>
-            </p:spPr>
-          </p:pic>
-        </p:grpSp>
-      </p:grpSp>
-      <p:sp>
-        <p:nvSpPr>
-          <p:cNvPr id="11" name="Seta: Pentágono 28">
-            <a:extLst>
-              <a:ext uri="{FF2B5EF4-FFF2-40B4-BE49-F238E27FC236}">
-                <a16:creationId xmlns:a16="http://schemas.microsoft.com/office/drawing/2014/main" id="{AF2875AE-D373-48D9-BC7D-1602CCDD82BC}"/>
-              </a:ext>
-            </a:extLst>
-          </p:cNvPr>
-          <p:cNvSpPr/>
-          <p:nvPr/>
-        </p:nvSpPr>
-        <p:spPr>
-          <a:xfrm>
-            <a:off x="-2527" y="0"/>
-            <a:ext cx="1440000" cy="858157"/>
-          </a:xfrm>
-          <a:prstGeom prst="homePlate">
-            <a:avLst/>
-          </a:prstGeom>
-          <a:solidFill>
-            <a:srgbClr val="17252A"/>
-          </a:solidFill>
-          <a:ln>
-            <a:noFill/>
-          </a:ln>
-          <a:effectLst>
-            <a:outerShdw blurRad="203200" dist="38100" dir="2700000" algn="tl" rotWithShape="0">
-              <a:prstClr val="black">
-                <a:alpha val="34000"/>
-              </a:prstClr>
-            </a:outerShdw>
-          </a:effectLst>
-        </p:spPr>
-        <p:style>
-          <a:lnRef idx="2">
-            <a:schemeClr val="accent1">
-              <a:shade val="50000"/>
-            </a:schemeClr>
-          </a:lnRef>
-          <a:fillRef idx="1">
-            <a:schemeClr val="accent1"/>
-          </a:fillRef>
-          <a:effectRef idx="0">
-            <a:schemeClr val="accent1"/>
-          </a:effectRef>
-          <a:fontRef idx="minor">
-            <a:schemeClr val="lt1"/>
-          </a:fontRef>
-        </p:style>
-        <p:txBody>
-          <a:bodyPr rtlCol="0" anchor="ctr"/>
-          <a:lstStyle/>
-          <a:p>
-            <a:pPr algn="ctr"/>
-            <a:endParaRPr lang="pt-BR"/>
-          </a:p>
-        </p:txBody>
-      </p:sp>
-      <p:pic>
-        <p:nvPicPr>
-          <p:cNvPr id="12" name="Imagem 11" descr="Uma imagem contendo gráfico, desenho&#10;&#10;Descrição gerada automaticamente">
-            <a:extLst>
-              <a:ext uri="{FF2B5EF4-FFF2-40B4-BE49-F238E27FC236}">
-                <a16:creationId xmlns:a16="http://schemas.microsoft.com/office/drawing/2014/main" id="{BB59CEA4-075F-430D-9973-2704A2E495AA}"/>
-              </a:ext>
-            </a:extLst>
-          </p:cNvPr>
-          <p:cNvPicPr>
-            <a:picLocks noChangeAspect="1"/>
-          </p:cNvPicPr>
-          <p:nvPr/>
-        </p:nvPicPr>
-        <p:blipFill>
-          <a:blip r:embed="rId4" cstate="print">
-            <a:extLst>
-              <a:ext uri="{28A0092B-C50C-407E-A947-70E740481C1C}">
-                <a14:useLocalDpi xmlns:a14="http://schemas.microsoft.com/office/drawing/2010/main" val="0"/>
-              </a:ext>
-            </a:extLst>
-          </a:blip>
-          <a:stretch>
-            <a:fillRect/>
-          </a:stretch>
-        </p:blipFill>
-        <p:spPr>
-          <a:xfrm>
-            <a:off x="215347" y="85278"/>
-            <a:ext cx="687600" cy="687600"/>
-          </a:xfrm>
-          <a:prstGeom prst="rect">
-            <a:avLst/>
-          </a:prstGeom>
-        </p:spPr>
-      </p:pic>
-      <p:pic>
-        <p:nvPicPr>
-          <p:cNvPr id="2" name="Imagem 1"/>
-          <p:cNvPicPr>
-            <a:picLocks noChangeAspect="1"/>
-          </p:cNvPicPr>
-          <p:nvPr/>
-        </p:nvPicPr>
-        <p:blipFill>
-          <a:blip r:embed="rId5"/>
-          <a:stretch>
-            <a:fillRect/>
-          </a:stretch>
-        </p:blipFill>
-        <p:spPr>
-          <a:xfrm>
-            <a:off x="2095500" y="1277712"/>
-            <a:ext cx="8001000" cy="5114925"/>
-          </a:xfrm>
-          <a:prstGeom prst="rect">
-            <a:avLst/>
-          </a:prstGeom>
-        </p:spPr>
-      </p:pic>
-    </p:spTree>
-    <p:extLst>
-      <p:ext uri="{BB962C8B-B14F-4D97-AF65-F5344CB8AC3E}">
-        <p14:creationId xmlns:p14="http://schemas.microsoft.com/office/powerpoint/2010/main" val="4189839217"/>
-      </p:ext>
-    </p:extLst>
-  </p:cSld>
-  <p:clrMapOvr>
-    <a:masterClrMapping/>
-  </p:clrMapOvr>
-  <p:timing>
-    <p:tnLst>
-      <p:par>
-        <p:cTn id="1" dur="indefinite" restart="never" nodeType="tmRoot">
-          <p:childTnLst>
-            <p:seq concurrent="1" nextAc="seek">
-              <p:cTn id="2" dur="indefinite" nodeType="mainSeq">
-                <p:childTnLst>
-                  <p:par>
-                    <p:cTn id="3" fill="hold">
-                      <p:stCondLst>
-                        <p:cond delay="indefinite"/>
-                        <p:cond evt="onBegin" delay="0">
-                          <p:tn val="2"/>
-                        </p:cond>
-                      </p:stCondLst>
-                      <p:childTnLst>
-                        <p:par>
-                          <p:cTn id="4" fill="hold">
-                            <p:stCondLst>
-                              <p:cond delay="0"/>
-                            </p:stCondLst>
-                            <p:childTnLst>
-                              <p:par>
-                                <p:cTn id="5" presetID="53" presetClass="entr" presetSubtype="16" fill="hold" nodeType="afterEffect">
-                                  <p:stCondLst>
-                                    <p:cond delay="0"/>
-                                  </p:stCondLst>
-                                  <p:childTnLst>
-                                    <p:set>
-                                      <p:cBhvr>
-                                        <p:cTn id="6" dur="1" fill="hold">
-                                          <p:stCondLst>
-                                            <p:cond delay="0"/>
-                                          </p:stCondLst>
-                                        </p:cTn>
-                                        <p:tgtEl>
-                                          <p:spTgt spid="5"/>
-                                        </p:tgtEl>
-                                        <p:attrNameLst>
-                                          <p:attrName>style.visibility</p:attrName>
-                                        </p:attrNameLst>
-                                      </p:cBhvr>
-                                      <p:to>
-                                        <p:strVal val="visible"/>
-                                      </p:to>
-                                    </p:set>
-                                    <p:anim calcmode="lin" valueType="num">
-                                      <p:cBhvr>
-                                        <p:cTn id="7" dur="500" fill="hold"/>
-                                        <p:tgtEl>
-                                          <p:spTgt spid="5"/>
-                                        </p:tgtEl>
-                                        <p:attrNameLst>
-                                          <p:attrName>ppt_w</p:attrName>
-                                        </p:attrNameLst>
-                                      </p:cBhvr>
-                                      <p:tavLst>
-                                        <p:tav tm="0">
-                                          <p:val>
-                                            <p:fltVal val="0"/>
-                                          </p:val>
-                                        </p:tav>
-                                        <p:tav tm="100000">
-                                          <p:val>
-                                            <p:strVal val="#ppt_w"/>
-                                          </p:val>
-                                        </p:tav>
-                                      </p:tavLst>
-                                    </p:anim>
-                                    <p:anim calcmode="lin" valueType="num">
-                                      <p:cBhvr>
-                                        <p:cTn id="8" dur="500" fill="hold"/>
-                                        <p:tgtEl>
-                                          <p:spTgt spid="5"/>
-                                        </p:tgtEl>
-                                        <p:attrNameLst>
-                                          <p:attrName>ppt_h</p:attrName>
-                                        </p:attrNameLst>
-                                      </p:cBhvr>
-                                      <p:tavLst>
-                                        <p:tav tm="0">
-                                          <p:val>
-                                            <p:fltVal val="0"/>
-                                          </p:val>
-                                        </p:tav>
-                                        <p:tav tm="100000">
-                                          <p:val>
-                                            <p:strVal val="#ppt_h"/>
-                                          </p:val>
-                                        </p:tav>
-                                      </p:tavLst>
-                                    </p:anim>
-                                    <p:animEffect transition="in" filter="fade">
-                                      <p:cBhvr>
-                                        <p:cTn id="9" dur="500"/>
-                                        <p:tgtEl>
-                                          <p:spTgt spid="5"/>
                                         </p:tgtEl>
                                       </p:cBhvr>
                                     </p:animEffect>
@@ -28119,9 +29968,12 @@
 </file>
 
 <file path=customXml/item1.xml><?xml version="1.0" encoding="utf-8"?>
-<p:properties xmlns:p="http://schemas.microsoft.com/office/2006/metadata/properties" xmlns:xsi="http://www.w3.org/2001/XMLSchema-instance" xmlns:pc="http://schemas.microsoft.com/office/infopath/2007/PartnerControls">
-  <documentManagement/>
-</p:properties>
+<?mso-contentType ?>
+<FormTemplates xmlns="http://schemas.microsoft.com/sharepoint/v3/contenttype/forms">
+  <Display>DocumentLibraryForm</Display>
+  <Edit>DocumentLibraryForm</Edit>
+  <New>DocumentLibraryForm</New>
+</FormTemplates>
 </file>
 
 <file path=customXml/item2.xml><?xml version="1.0" encoding="utf-8"?>
@@ -28322,27 +30174,15 @@
 </file>
 
 <file path=customXml/item3.xml><?xml version="1.0" encoding="utf-8"?>
-<?mso-contentType ?>
-<FormTemplates xmlns="http://schemas.microsoft.com/sharepoint/v3/contenttype/forms">
-  <Display>DocumentLibraryForm</Display>
-  <Edit>DocumentLibraryForm</Edit>
-  <New>DocumentLibraryForm</New>
-</FormTemplates>
+<p:properties xmlns:p="http://schemas.microsoft.com/office/2006/metadata/properties" xmlns:xsi="http://www.w3.org/2001/XMLSchema-instance" xmlns:pc="http://schemas.microsoft.com/office/infopath/2007/PartnerControls">
+  <documentManagement/>
+</p:properties>
 </file>
 
 <file path=customXml/itemProps1.xml><?xml version="1.0" encoding="utf-8"?>
-<ds:datastoreItem xmlns:ds="http://schemas.openxmlformats.org/officeDocument/2006/customXml" ds:itemID="{7972C250-C430-4380-B8BD-02E395B67AF0}">
+<ds:datastoreItem xmlns:ds="http://schemas.openxmlformats.org/officeDocument/2006/customXml" ds:itemID="{E12B114C-EB44-46E6-930B-B69E30F6F9AE}">
   <ds:schemaRefs>
-    <ds:schemaRef ds:uri="http://purl.org/dc/dcmitype/"/>
-    <ds:schemaRef ds:uri="http://purl.org/dc/terms/"/>
-    <ds:schemaRef ds:uri="http://schemas.openxmlformats.org/package/2006/metadata/core-properties"/>
-    <ds:schemaRef ds:uri="http://schemas.microsoft.com/office/2006/documentManagement/types"/>
-    <ds:schemaRef ds:uri="http://www.w3.org/XML/1998/namespace"/>
-    <ds:schemaRef ds:uri="http://schemas.microsoft.com/office/infopath/2007/PartnerControls"/>
-    <ds:schemaRef ds:uri="http://purl.org/dc/elements/1.1/"/>
-    <ds:schemaRef ds:uri="86822d51-02f5-488a-80f3-0b621e7c317a"/>
-    <ds:schemaRef ds:uri="1f168f81-3f83-4b33-9f0c-ec152bce3f98"/>
-    <ds:schemaRef ds:uri="http://schemas.microsoft.com/office/2006/metadata/properties"/>
+    <ds:schemaRef ds:uri="http://schemas.microsoft.com/sharepoint/v3/contenttype/forms"/>
   </ds:schemaRefs>
 </ds:datastoreItem>
 </file>
@@ -28367,9 +30207,18 @@
 </file>
 
 <file path=customXml/itemProps3.xml><?xml version="1.0" encoding="utf-8"?>
-<ds:datastoreItem xmlns:ds="http://schemas.openxmlformats.org/officeDocument/2006/customXml" ds:itemID="{E12B114C-EB44-46E6-930B-B69E30F6F9AE}">
+<ds:datastoreItem xmlns:ds="http://schemas.openxmlformats.org/officeDocument/2006/customXml" ds:itemID="{7972C250-C430-4380-B8BD-02E395B67AF0}">
   <ds:schemaRefs>
-    <ds:schemaRef ds:uri="http://schemas.microsoft.com/sharepoint/v3/contenttype/forms"/>
+    <ds:schemaRef ds:uri="http://purl.org/dc/dcmitype/"/>
+    <ds:schemaRef ds:uri="http://purl.org/dc/terms/"/>
+    <ds:schemaRef ds:uri="http://schemas.openxmlformats.org/package/2006/metadata/core-properties"/>
+    <ds:schemaRef ds:uri="http://schemas.microsoft.com/office/2006/documentManagement/types"/>
+    <ds:schemaRef ds:uri="http://www.w3.org/XML/1998/namespace"/>
+    <ds:schemaRef ds:uri="http://schemas.microsoft.com/office/infopath/2007/PartnerControls"/>
+    <ds:schemaRef ds:uri="http://purl.org/dc/elements/1.1/"/>
+    <ds:schemaRef ds:uri="86822d51-02f5-488a-80f3-0b621e7c317a"/>
+    <ds:schemaRef ds:uri="1f168f81-3f83-4b33-9f0c-ec152bce3f98"/>
+    <ds:schemaRef ds:uri="http://schemas.microsoft.com/office/2006/metadata/properties"/>
   </ds:schemaRefs>
 </ds:datastoreItem>
 </file>